--- a/Slides/27. Funções Inline e Ponteiros para Funções.pptx
+++ b/Slides/27. Funções Inline e Ponteiros para Funções.pptx
@@ -155,7 +155,8 @@
 <file path=ppt/revisionInfo.xml><?xml version="1.0" encoding="utf-8"?>
 <p1510:revInfo xmlns:a="http://schemas.openxmlformats.org/drawingml/2006/main" xmlns:r="http://schemas.openxmlformats.org/officeDocument/2006/relationships" xmlns:p1510="http://schemas.microsoft.com/office/powerpoint/2015/10/main">
   <p1510:revLst>
-    <p1510:client id="{07FA90F4-E5C1-4283-AA6A-1EC8217D2A25}" v="1" dt="2020-01-27T20:31:17.169"/>
+    <p1510:client id="{A3F2EEB0-A777-47D5-8DF7-9D8B3159930C}" v="24" dt="2021-05-09T21:21:58.914"/>
+    <p1510:client id="{B2F5582A-7A04-4B4F-95CE-2948C99C6A22}" v="33" dt="2021-05-10T03:59:07.087"/>
   </p1510:revLst>
 </p1510:revInfo>
 </file>
@@ -1665,6 +1666,914 @@
     </pc:docChg>
   </pc:docChgLst>
   <pc:docChgLst>
+    <pc:chgData name="Judson Santiago" userId="ebb108da2f256286" providerId="LiveId" clId="{A3F2EEB0-A777-47D5-8DF7-9D8B3159930C}"/>
+    <pc:docChg chg="undo custSel modSld">
+      <pc:chgData name="Judson Santiago" userId="ebb108da2f256286" providerId="LiveId" clId="{A3F2EEB0-A777-47D5-8DF7-9D8B3159930C}" dt="2021-05-10T02:39:18.888" v="612" actId="20577"/>
+      <pc:docMkLst>
+        <pc:docMk/>
+      </pc:docMkLst>
+      <pc:sldChg chg="addSp modSp mod modAnim">
+        <pc:chgData name="Judson Santiago" userId="ebb108da2f256286" providerId="LiveId" clId="{A3F2EEB0-A777-47D5-8DF7-9D8B3159930C}" dt="2021-05-09T21:06:27.099" v="132" actId="1037"/>
+        <pc:sldMkLst>
+          <pc:docMk/>
+          <pc:sldMk cId="500731357" sldId="257"/>
+        </pc:sldMkLst>
+        <pc:spChg chg="mod">
+          <ac:chgData name="Judson Santiago" userId="ebb108da2f256286" providerId="LiveId" clId="{A3F2EEB0-A777-47D5-8DF7-9D8B3159930C}" dt="2021-05-09T20:40:30.416" v="59" actId="20577"/>
+          <ac:spMkLst>
+            <pc:docMk/>
+            <pc:sldMk cId="500731357" sldId="257"/>
+            <ac:spMk id="3" creationId="{00000000-0000-0000-0000-000000000000}"/>
+          </ac:spMkLst>
+        </pc:spChg>
+        <pc:spChg chg="ord">
+          <ac:chgData name="Judson Santiago" userId="ebb108da2f256286" providerId="LiveId" clId="{A3F2EEB0-A777-47D5-8DF7-9D8B3159930C}" dt="2021-05-09T20:59:02.352" v="113" actId="167"/>
+          <ac:spMkLst>
+            <pc:docMk/>
+            <pc:sldMk cId="500731357" sldId="257"/>
+            <ac:spMk id="4" creationId="{00000000-0000-0000-0000-000000000000}"/>
+          </ac:spMkLst>
+        </pc:spChg>
+        <pc:spChg chg="mod">
+          <ac:chgData name="Judson Santiago" userId="ebb108da2f256286" providerId="LiveId" clId="{A3F2EEB0-A777-47D5-8DF7-9D8B3159930C}" dt="2021-05-09T20:36:43.600" v="36" actId="2085"/>
+          <ac:spMkLst>
+            <pc:docMk/>
+            <pc:sldMk cId="500731357" sldId="257"/>
+            <ac:spMk id="7" creationId="{00000000-0000-0000-0000-000000000000}"/>
+          </ac:spMkLst>
+        </pc:spChg>
+        <pc:spChg chg="mod">
+          <ac:chgData name="Judson Santiago" userId="ebb108da2f256286" providerId="LiveId" clId="{A3F2EEB0-A777-47D5-8DF7-9D8B3159930C}" dt="2021-05-09T20:34:16.519" v="23" actId="207"/>
+          <ac:spMkLst>
+            <pc:docMk/>
+            <pc:sldMk cId="500731357" sldId="257"/>
+            <ac:spMk id="8" creationId="{00000000-0000-0000-0000-000000000000}"/>
+          </ac:spMkLst>
+        </pc:spChg>
+        <pc:spChg chg="mod">
+          <ac:chgData name="Judson Santiago" userId="ebb108da2f256286" providerId="LiveId" clId="{A3F2EEB0-A777-47D5-8DF7-9D8B3159930C}" dt="2021-05-09T20:34:12.712" v="22" actId="207"/>
+          <ac:spMkLst>
+            <pc:docMk/>
+            <pc:sldMk cId="500731357" sldId="257"/>
+            <ac:spMk id="10" creationId="{00000000-0000-0000-0000-000000000000}"/>
+          </ac:spMkLst>
+        </pc:spChg>
+        <pc:spChg chg="mod">
+          <ac:chgData name="Judson Santiago" userId="ebb108da2f256286" providerId="LiveId" clId="{A3F2EEB0-A777-47D5-8DF7-9D8B3159930C}" dt="2021-05-09T20:34:25.833" v="25" actId="207"/>
+          <ac:spMkLst>
+            <pc:docMk/>
+            <pc:sldMk cId="500731357" sldId="257"/>
+            <ac:spMk id="11" creationId="{00000000-0000-0000-0000-000000000000}"/>
+          </ac:spMkLst>
+        </pc:spChg>
+        <pc:spChg chg="mod">
+          <ac:chgData name="Judson Santiago" userId="ebb108da2f256286" providerId="LiveId" clId="{A3F2EEB0-A777-47D5-8DF7-9D8B3159930C}" dt="2021-05-09T20:34:22.899" v="24" actId="207"/>
+          <ac:spMkLst>
+            <pc:docMk/>
+            <pc:sldMk cId="500731357" sldId="257"/>
+            <ac:spMk id="12" creationId="{00000000-0000-0000-0000-000000000000}"/>
+          </ac:spMkLst>
+        </pc:spChg>
+        <pc:spChg chg="mod">
+          <ac:chgData name="Judson Santiago" userId="ebb108da2f256286" providerId="LiveId" clId="{A3F2EEB0-A777-47D5-8DF7-9D8B3159930C}" dt="2021-05-09T20:46:45.999" v="77" actId="2711"/>
+          <ac:spMkLst>
+            <pc:docMk/>
+            <pc:sldMk cId="500731357" sldId="257"/>
+            <ac:spMk id="13" creationId="{00000000-0000-0000-0000-000000000000}"/>
+          </ac:spMkLst>
+        </pc:spChg>
+        <pc:spChg chg="mod">
+          <ac:chgData name="Judson Santiago" userId="ebb108da2f256286" providerId="LiveId" clId="{A3F2EEB0-A777-47D5-8DF7-9D8B3159930C}" dt="2021-05-09T20:47:20.013" v="88" actId="2711"/>
+          <ac:spMkLst>
+            <pc:docMk/>
+            <pc:sldMk cId="500731357" sldId="257"/>
+            <ac:spMk id="14" creationId="{00000000-0000-0000-0000-000000000000}"/>
+          </ac:spMkLst>
+        </pc:spChg>
+        <pc:spChg chg="mod">
+          <ac:chgData name="Judson Santiago" userId="ebb108da2f256286" providerId="LiveId" clId="{A3F2EEB0-A777-47D5-8DF7-9D8B3159930C}" dt="2021-05-09T20:36:07.648" v="31" actId="2085"/>
+          <ac:spMkLst>
+            <pc:docMk/>
+            <pc:sldMk cId="500731357" sldId="257"/>
+            <ac:spMk id="17" creationId="{00000000-0000-0000-0000-000000000000}"/>
+          </ac:spMkLst>
+        </pc:spChg>
+        <pc:spChg chg="mod">
+          <ac:chgData name="Judson Santiago" userId="ebb108da2f256286" providerId="LiveId" clId="{A3F2EEB0-A777-47D5-8DF7-9D8B3159930C}" dt="2021-05-09T20:51:54.757" v="93" actId="208"/>
+          <ac:spMkLst>
+            <pc:docMk/>
+            <pc:sldMk cId="500731357" sldId="257"/>
+            <ac:spMk id="18" creationId="{00000000-0000-0000-0000-000000000000}"/>
+          </ac:spMkLst>
+        </pc:spChg>
+        <pc:spChg chg="mod">
+          <ac:chgData name="Judson Santiago" userId="ebb108da2f256286" providerId="LiveId" clId="{A3F2EEB0-A777-47D5-8DF7-9D8B3159930C}" dt="2021-05-09T20:41:40.265" v="60" actId="20577"/>
+          <ac:spMkLst>
+            <pc:docMk/>
+            <pc:sldMk cId="500731357" sldId="257"/>
+            <ac:spMk id="19" creationId="{00000000-0000-0000-0000-000000000000}"/>
+          </ac:spMkLst>
+        </pc:spChg>
+        <pc:spChg chg="mod">
+          <ac:chgData name="Judson Santiago" userId="ebb108da2f256286" providerId="LiveId" clId="{A3F2EEB0-A777-47D5-8DF7-9D8B3159930C}" dt="2021-05-09T20:36:43.600" v="36" actId="2085"/>
+          <ac:spMkLst>
+            <pc:docMk/>
+            <pc:sldMk cId="500731357" sldId="257"/>
+            <ac:spMk id="20" creationId="{00000000-0000-0000-0000-000000000000}"/>
+          </ac:spMkLst>
+        </pc:spChg>
+        <pc:spChg chg="mod">
+          <ac:chgData name="Judson Santiago" userId="ebb108da2f256286" providerId="LiveId" clId="{A3F2EEB0-A777-47D5-8DF7-9D8B3159930C}" dt="2021-05-09T20:51:54.757" v="93" actId="208"/>
+          <ac:spMkLst>
+            <pc:docMk/>
+            <pc:sldMk cId="500731357" sldId="257"/>
+            <ac:spMk id="21" creationId="{00000000-0000-0000-0000-000000000000}"/>
+          </ac:spMkLst>
+        </pc:spChg>
+        <pc:spChg chg="mod">
+          <ac:chgData name="Judson Santiago" userId="ebb108da2f256286" providerId="LiveId" clId="{A3F2EEB0-A777-47D5-8DF7-9D8B3159930C}" dt="2021-05-09T20:36:43.600" v="36" actId="2085"/>
+          <ac:spMkLst>
+            <pc:docMk/>
+            <pc:sldMk cId="500731357" sldId="257"/>
+            <ac:spMk id="23" creationId="{00000000-0000-0000-0000-000000000000}"/>
+          </ac:spMkLst>
+        </pc:spChg>
+        <pc:spChg chg="mod">
+          <ac:chgData name="Judson Santiago" userId="ebb108da2f256286" providerId="LiveId" clId="{A3F2EEB0-A777-47D5-8DF7-9D8B3159930C}" dt="2021-05-09T20:51:54.757" v="93" actId="208"/>
+          <ac:spMkLst>
+            <pc:docMk/>
+            <pc:sldMk cId="500731357" sldId="257"/>
+            <ac:spMk id="24" creationId="{00000000-0000-0000-0000-000000000000}"/>
+          </ac:spMkLst>
+        </pc:spChg>
+        <pc:spChg chg="mod">
+          <ac:chgData name="Judson Santiago" userId="ebb108da2f256286" providerId="LiveId" clId="{A3F2EEB0-A777-47D5-8DF7-9D8B3159930C}" dt="2021-05-09T20:36:07.648" v="31" actId="2085"/>
+          <ac:spMkLst>
+            <pc:docMk/>
+            <pc:sldMk cId="500731357" sldId="257"/>
+            <ac:spMk id="25" creationId="{00000000-0000-0000-0000-000000000000}"/>
+          </ac:spMkLst>
+        </pc:spChg>
+        <pc:spChg chg="mod">
+          <ac:chgData name="Judson Santiago" userId="ebb108da2f256286" providerId="LiveId" clId="{A3F2EEB0-A777-47D5-8DF7-9D8B3159930C}" dt="2021-05-09T20:36:43.600" v="36" actId="2085"/>
+          <ac:spMkLst>
+            <pc:docMk/>
+            <pc:sldMk cId="500731357" sldId="257"/>
+            <ac:spMk id="27" creationId="{00000000-0000-0000-0000-000000000000}"/>
+          </ac:spMkLst>
+        </pc:spChg>
+        <pc:spChg chg="mod">
+          <ac:chgData name="Judson Santiago" userId="ebb108da2f256286" providerId="LiveId" clId="{A3F2EEB0-A777-47D5-8DF7-9D8B3159930C}" dt="2021-05-09T20:36:07.648" v="31" actId="2085"/>
+          <ac:spMkLst>
+            <pc:docMk/>
+            <pc:sldMk cId="500731357" sldId="257"/>
+            <ac:spMk id="28" creationId="{00000000-0000-0000-0000-000000000000}"/>
+          </ac:spMkLst>
+        </pc:spChg>
+        <pc:spChg chg="mod">
+          <ac:chgData name="Judson Santiago" userId="ebb108da2f256286" providerId="LiveId" clId="{A3F2EEB0-A777-47D5-8DF7-9D8B3159930C}" dt="2021-05-09T20:56:48.950" v="112" actId="20577"/>
+          <ac:spMkLst>
+            <pc:docMk/>
+            <pc:sldMk cId="500731357" sldId="257"/>
+            <ac:spMk id="32" creationId="{00000000-0000-0000-0000-000000000000}"/>
+          </ac:spMkLst>
+        </pc:spChg>
+        <pc:spChg chg="mod">
+          <ac:chgData name="Judson Santiago" userId="ebb108da2f256286" providerId="LiveId" clId="{A3F2EEB0-A777-47D5-8DF7-9D8B3159930C}" dt="2021-05-09T20:33:24.119" v="14" actId="2085"/>
+          <ac:spMkLst>
+            <pc:docMk/>
+            <pc:sldMk cId="500731357" sldId="257"/>
+            <ac:spMk id="38" creationId="{89FC1CF6-F8A5-408A-826D-D695D6CFB05B}"/>
+          </ac:spMkLst>
+        </pc:spChg>
+        <pc:spChg chg="add mod">
+          <ac:chgData name="Judson Santiago" userId="ebb108da2f256286" providerId="LiveId" clId="{A3F2EEB0-A777-47D5-8DF7-9D8B3159930C}" dt="2021-05-09T20:55:35.829" v="109" actId="2711"/>
+          <ac:spMkLst>
+            <pc:docMk/>
+            <pc:sldMk cId="500731357" sldId="257"/>
+            <ac:spMk id="39" creationId="{047AE4CA-F244-474F-9084-252B95F41900}"/>
+          </ac:spMkLst>
+        </pc:spChg>
+        <pc:spChg chg="mod">
+          <ac:chgData name="Judson Santiago" userId="ebb108da2f256286" providerId="LiveId" clId="{A3F2EEB0-A777-47D5-8DF7-9D8B3159930C}" dt="2021-05-09T20:51:54.757" v="93" actId="208"/>
+          <ac:spMkLst>
+            <pc:docMk/>
+            <pc:sldMk cId="500731357" sldId="257"/>
+            <ac:spMk id="40" creationId="{00000000-0000-0000-0000-000000000000}"/>
+          </ac:spMkLst>
+        </pc:spChg>
+        <pc:spChg chg="mod">
+          <ac:chgData name="Judson Santiago" userId="ebb108da2f256286" providerId="LiveId" clId="{A3F2EEB0-A777-47D5-8DF7-9D8B3159930C}" dt="2021-05-09T20:36:43.600" v="36" actId="2085"/>
+          <ac:spMkLst>
+            <pc:docMk/>
+            <pc:sldMk cId="500731357" sldId="257"/>
+            <ac:spMk id="42" creationId="{00000000-0000-0000-0000-000000000000}"/>
+          </ac:spMkLst>
+        </pc:spChg>
+        <pc:spChg chg="mod">
+          <ac:chgData name="Judson Santiago" userId="ebb108da2f256286" providerId="LiveId" clId="{A3F2EEB0-A777-47D5-8DF7-9D8B3159930C}" dt="2021-05-09T20:36:43.600" v="36" actId="2085"/>
+          <ac:spMkLst>
+            <pc:docMk/>
+            <pc:sldMk cId="500731357" sldId="257"/>
+            <ac:spMk id="46" creationId="{00000000-0000-0000-0000-000000000000}"/>
+          </ac:spMkLst>
+        </pc:spChg>
+        <pc:spChg chg="mod">
+          <ac:chgData name="Judson Santiago" userId="ebb108da2f256286" providerId="LiveId" clId="{A3F2EEB0-A777-47D5-8DF7-9D8B3159930C}" dt="2021-05-09T20:36:43.600" v="36" actId="2085"/>
+          <ac:spMkLst>
+            <pc:docMk/>
+            <pc:sldMk cId="500731357" sldId="257"/>
+            <ac:spMk id="47" creationId="{00000000-0000-0000-0000-000000000000}"/>
+          </ac:spMkLst>
+        </pc:spChg>
+        <pc:spChg chg="mod">
+          <ac:chgData name="Judson Santiago" userId="ebb108da2f256286" providerId="LiveId" clId="{A3F2EEB0-A777-47D5-8DF7-9D8B3159930C}" dt="2021-05-09T20:51:54.757" v="93" actId="208"/>
+          <ac:spMkLst>
+            <pc:docMk/>
+            <pc:sldMk cId="500731357" sldId="257"/>
+            <ac:spMk id="57" creationId="{00000000-0000-0000-0000-000000000000}"/>
+          </ac:spMkLst>
+        </pc:spChg>
+        <pc:spChg chg="mod ord">
+          <ac:chgData name="Judson Santiago" userId="ebb108da2f256286" providerId="LiveId" clId="{A3F2EEB0-A777-47D5-8DF7-9D8B3159930C}" dt="2021-05-09T20:59:16.532" v="116" actId="167"/>
+          <ac:spMkLst>
+            <pc:docMk/>
+            <pc:sldMk cId="500731357" sldId="257"/>
+            <ac:spMk id="58" creationId="{00000000-0000-0000-0000-000000000000}"/>
+          </ac:spMkLst>
+        </pc:spChg>
+        <pc:cxnChg chg="mod">
+          <ac:chgData name="Judson Santiago" userId="ebb108da2f256286" providerId="LiveId" clId="{A3F2EEB0-A777-47D5-8DF7-9D8B3159930C}" dt="2021-05-09T20:38:49.080" v="43" actId="14100"/>
+          <ac:cxnSpMkLst>
+            <pc:docMk/>
+            <pc:sldMk cId="500731357" sldId="257"/>
+            <ac:cxnSpMk id="30" creationId="{00000000-0000-0000-0000-000000000000}"/>
+          </ac:cxnSpMkLst>
+        </pc:cxnChg>
+        <pc:cxnChg chg="mod">
+          <ac:chgData name="Judson Santiago" userId="ebb108da2f256286" providerId="LiveId" clId="{A3F2EEB0-A777-47D5-8DF7-9D8B3159930C}" dt="2021-05-09T21:06:27.099" v="132" actId="1037"/>
+          <ac:cxnSpMkLst>
+            <pc:docMk/>
+            <pc:sldMk cId="500731357" sldId="257"/>
+            <ac:cxnSpMk id="49" creationId="{00000000-0000-0000-0000-000000000000}"/>
+          </ac:cxnSpMkLst>
+        </pc:cxnChg>
+      </pc:sldChg>
+      <pc:sldChg chg="addSp delSp modSp mod">
+        <pc:chgData name="Judson Santiago" userId="ebb108da2f256286" providerId="LiveId" clId="{A3F2EEB0-A777-47D5-8DF7-9D8B3159930C}" dt="2021-05-09T21:21:58.913" v="217" actId="11530"/>
+        <pc:sldMkLst>
+          <pc:docMk/>
+          <pc:sldMk cId="1074425841" sldId="258"/>
+        </pc:sldMkLst>
+        <pc:spChg chg="mod">
+          <ac:chgData name="Judson Santiago" userId="ebb108da2f256286" providerId="LiveId" clId="{A3F2EEB0-A777-47D5-8DF7-9D8B3159930C}" dt="2021-05-09T21:03:48.583" v="126" actId="1076"/>
+          <ac:spMkLst>
+            <pc:docMk/>
+            <pc:sldMk cId="1074425841" sldId="258"/>
+            <ac:spMk id="3" creationId="{00000000-0000-0000-0000-000000000000}"/>
+          </ac:spMkLst>
+        </pc:spChg>
+        <pc:spChg chg="add mod ord">
+          <ac:chgData name="Judson Santiago" userId="ebb108da2f256286" providerId="LiveId" clId="{A3F2EEB0-A777-47D5-8DF7-9D8B3159930C}" dt="2021-05-09T21:21:58.913" v="217" actId="11530"/>
+          <ac:spMkLst>
+            <pc:docMk/>
+            <pc:sldMk cId="1074425841" sldId="258"/>
+            <ac:spMk id="6" creationId="{B558F503-55F9-4D51-9EC5-9E68D519CCDC}"/>
+          </ac:spMkLst>
+        </pc:spChg>
+        <pc:spChg chg="del mod">
+          <ac:chgData name="Judson Santiago" userId="ebb108da2f256286" providerId="LiveId" clId="{A3F2EEB0-A777-47D5-8DF7-9D8B3159930C}" dt="2021-05-09T21:01:19.551" v="118" actId="478"/>
+          <ac:spMkLst>
+            <pc:docMk/>
+            <pc:sldMk cId="1074425841" sldId="258"/>
+            <ac:spMk id="10" creationId="{0591BC2A-7E95-402B-BE58-511AAD456E74}"/>
+          </ac:spMkLst>
+        </pc:spChg>
+      </pc:sldChg>
+      <pc:sldChg chg="addSp delSp modSp mod">
+        <pc:chgData name="Judson Santiago" userId="ebb108da2f256286" providerId="LiveId" clId="{A3F2EEB0-A777-47D5-8DF7-9D8B3159930C}" dt="2021-05-09T21:20:56.397" v="216" actId="14100"/>
+        <pc:sldMkLst>
+          <pc:docMk/>
+          <pc:sldMk cId="3102935535" sldId="259"/>
+        </pc:sldMkLst>
+        <pc:spChg chg="mod">
+          <ac:chgData name="Judson Santiago" userId="ebb108da2f256286" providerId="LiveId" clId="{A3F2EEB0-A777-47D5-8DF7-9D8B3159930C}" dt="2021-05-09T21:17:26.764" v="213" actId="12789"/>
+          <ac:spMkLst>
+            <pc:docMk/>
+            <pc:sldMk cId="3102935535" sldId="259"/>
+            <ac:spMk id="4" creationId="{440E9925-C39F-4D25-B8E9-848366F11DC6}"/>
+          </ac:spMkLst>
+        </pc:spChg>
+        <pc:spChg chg="mod">
+          <ac:chgData name="Judson Santiago" userId="ebb108da2f256286" providerId="LiveId" clId="{A3F2EEB0-A777-47D5-8DF7-9D8B3159930C}" dt="2021-05-09T21:17:02.606" v="208" actId="164"/>
+          <ac:spMkLst>
+            <pc:docMk/>
+            <pc:sldMk cId="3102935535" sldId="259"/>
+            <ac:spMk id="5" creationId="{00000000-0000-0000-0000-000000000000}"/>
+          </ac:spMkLst>
+        </pc:spChg>
+        <pc:spChg chg="mod">
+          <ac:chgData name="Judson Santiago" userId="ebb108da2f256286" providerId="LiveId" clId="{A3F2EEB0-A777-47D5-8DF7-9D8B3159930C}" dt="2021-05-09T21:17:26.764" v="213" actId="12789"/>
+          <ac:spMkLst>
+            <pc:docMk/>
+            <pc:sldMk cId="3102935535" sldId="259"/>
+            <ac:spMk id="11" creationId="{00000000-0000-0000-0000-000000000000}"/>
+          </ac:spMkLst>
+        </pc:spChg>
+        <pc:spChg chg="mod">
+          <ac:chgData name="Judson Santiago" userId="ebb108da2f256286" providerId="LiveId" clId="{A3F2EEB0-A777-47D5-8DF7-9D8B3159930C}" dt="2021-05-09T21:17:02.606" v="208" actId="164"/>
+          <ac:spMkLst>
+            <pc:docMk/>
+            <pc:sldMk cId="3102935535" sldId="259"/>
+            <ac:spMk id="12" creationId="{00000000-0000-0000-0000-000000000000}"/>
+          </ac:spMkLst>
+        </pc:spChg>
+        <pc:spChg chg="del mod">
+          <ac:chgData name="Judson Santiago" userId="ebb108da2f256286" providerId="LiveId" clId="{A3F2EEB0-A777-47D5-8DF7-9D8B3159930C}" dt="2021-05-09T21:15:49.967" v="172" actId="478"/>
+          <ac:spMkLst>
+            <pc:docMk/>
+            <pc:sldMk cId="3102935535" sldId="259"/>
+            <ac:spMk id="13" creationId="{00000000-0000-0000-0000-000000000000}"/>
+          </ac:spMkLst>
+        </pc:spChg>
+        <pc:spChg chg="del mod">
+          <ac:chgData name="Judson Santiago" userId="ebb108da2f256286" providerId="LiveId" clId="{A3F2EEB0-A777-47D5-8DF7-9D8B3159930C}" dt="2021-05-09T21:15:47.308" v="171" actId="478"/>
+          <ac:spMkLst>
+            <pc:docMk/>
+            <pc:sldMk cId="3102935535" sldId="259"/>
+            <ac:spMk id="14" creationId="{00000000-0000-0000-0000-000000000000}"/>
+          </ac:spMkLst>
+        </pc:spChg>
+        <pc:spChg chg="add del mod ord">
+          <ac:chgData name="Judson Santiago" userId="ebb108da2f256286" providerId="LiveId" clId="{A3F2EEB0-A777-47D5-8DF7-9D8B3159930C}" dt="2021-05-09T21:20:56.397" v="216" actId="14100"/>
+          <ac:spMkLst>
+            <pc:docMk/>
+            <pc:sldMk cId="3102935535" sldId="259"/>
+            <ac:spMk id="15" creationId="{BF0829ED-8640-4BA3-BEC3-9663E922F722}"/>
+          </ac:spMkLst>
+        </pc:spChg>
+        <pc:spChg chg="mod ord">
+          <ac:chgData name="Judson Santiago" userId="ebb108da2f256286" providerId="LiveId" clId="{A3F2EEB0-A777-47D5-8DF7-9D8B3159930C}" dt="2021-05-09T21:20:56.397" v="216" actId="14100"/>
+          <ac:spMkLst>
+            <pc:docMk/>
+            <pc:sldMk cId="3102935535" sldId="259"/>
+            <ac:spMk id="17" creationId="{7D4CDCB9-40FF-4AE1-8B56-54908144C107}"/>
+          </ac:spMkLst>
+        </pc:spChg>
+        <pc:spChg chg="mod ord">
+          <ac:chgData name="Judson Santiago" userId="ebb108da2f256286" providerId="LiveId" clId="{A3F2EEB0-A777-47D5-8DF7-9D8B3159930C}" dt="2021-05-09T21:20:56.397" v="216" actId="14100"/>
+          <ac:spMkLst>
+            <pc:docMk/>
+            <pc:sldMk cId="3102935535" sldId="259"/>
+            <ac:spMk id="21" creationId="{29CCB65A-68D4-4797-AB66-95775065EA65}"/>
+          </ac:spMkLst>
+        </pc:spChg>
+        <pc:grpChg chg="add mod">
+          <ac:chgData name="Judson Santiago" userId="ebb108da2f256286" providerId="LiveId" clId="{A3F2EEB0-A777-47D5-8DF7-9D8B3159930C}" dt="2021-05-09T21:17:26.764" v="213" actId="12789"/>
+          <ac:grpSpMkLst>
+            <pc:docMk/>
+            <pc:sldMk cId="3102935535" sldId="259"/>
+            <ac:grpSpMk id="6" creationId="{D6B41113-4B75-4006-ABAA-DFF6FBE2DC6F}"/>
+          </ac:grpSpMkLst>
+        </pc:grpChg>
+      </pc:sldChg>
+      <pc:sldChg chg="modSp mod">
+        <pc:chgData name="Judson Santiago" userId="ebb108da2f256286" providerId="LiveId" clId="{A3F2EEB0-A777-47D5-8DF7-9D8B3159930C}" dt="2021-05-09T21:23:57.907" v="220" actId="208"/>
+        <pc:sldMkLst>
+          <pc:docMk/>
+          <pc:sldMk cId="3467832338" sldId="264"/>
+        </pc:sldMkLst>
+        <pc:spChg chg="mod">
+          <ac:chgData name="Judson Santiago" userId="ebb108da2f256286" providerId="LiveId" clId="{A3F2EEB0-A777-47D5-8DF7-9D8B3159930C}" dt="2021-05-09T21:23:57.907" v="220" actId="208"/>
+          <ac:spMkLst>
+            <pc:docMk/>
+            <pc:sldMk cId="3467832338" sldId="264"/>
+            <ac:spMk id="4" creationId="{00000000-0000-0000-0000-000000000000}"/>
+          </ac:spMkLst>
+        </pc:spChg>
+        <pc:spChg chg="mod">
+          <ac:chgData name="Judson Santiago" userId="ebb108da2f256286" providerId="LiveId" clId="{A3F2EEB0-A777-47D5-8DF7-9D8B3159930C}" dt="2021-05-09T21:23:57.907" v="220" actId="208"/>
+          <ac:spMkLst>
+            <pc:docMk/>
+            <pc:sldMk cId="3467832338" sldId="264"/>
+            <ac:spMk id="5" creationId="{00000000-0000-0000-0000-000000000000}"/>
+          </ac:spMkLst>
+        </pc:spChg>
+        <pc:spChg chg="mod">
+          <ac:chgData name="Judson Santiago" userId="ebb108da2f256286" providerId="LiveId" clId="{A3F2EEB0-A777-47D5-8DF7-9D8B3159930C}" dt="2021-05-09T21:23:57.907" v="220" actId="208"/>
+          <ac:spMkLst>
+            <pc:docMk/>
+            <pc:sldMk cId="3467832338" sldId="264"/>
+            <ac:spMk id="6" creationId="{00000000-0000-0000-0000-000000000000}"/>
+          </ac:spMkLst>
+        </pc:spChg>
+        <pc:spChg chg="mod">
+          <ac:chgData name="Judson Santiago" userId="ebb108da2f256286" providerId="LiveId" clId="{A3F2EEB0-A777-47D5-8DF7-9D8B3159930C}" dt="2021-05-09T21:23:57.907" v="220" actId="208"/>
+          <ac:spMkLst>
+            <pc:docMk/>
+            <pc:sldMk cId="3467832338" sldId="264"/>
+            <ac:spMk id="7" creationId="{00000000-0000-0000-0000-000000000000}"/>
+          </ac:spMkLst>
+        </pc:spChg>
+        <pc:spChg chg="mod">
+          <ac:chgData name="Judson Santiago" userId="ebb108da2f256286" providerId="LiveId" clId="{A3F2EEB0-A777-47D5-8DF7-9D8B3159930C}" dt="2021-05-09T21:23:57.907" v="220" actId="208"/>
+          <ac:spMkLst>
+            <pc:docMk/>
+            <pc:sldMk cId="3467832338" sldId="264"/>
+            <ac:spMk id="8" creationId="{00000000-0000-0000-0000-000000000000}"/>
+          </ac:spMkLst>
+        </pc:spChg>
+        <pc:spChg chg="mod">
+          <ac:chgData name="Judson Santiago" userId="ebb108da2f256286" providerId="LiveId" clId="{A3F2EEB0-A777-47D5-8DF7-9D8B3159930C}" dt="2021-05-09T21:23:57.907" v="220" actId="208"/>
+          <ac:spMkLst>
+            <pc:docMk/>
+            <pc:sldMk cId="3467832338" sldId="264"/>
+            <ac:spMk id="9" creationId="{00000000-0000-0000-0000-000000000000}"/>
+          </ac:spMkLst>
+        </pc:spChg>
+        <pc:spChg chg="mod">
+          <ac:chgData name="Judson Santiago" userId="ebb108da2f256286" providerId="LiveId" clId="{A3F2EEB0-A777-47D5-8DF7-9D8B3159930C}" dt="2021-05-09T21:23:57.907" v="220" actId="208"/>
+          <ac:spMkLst>
+            <pc:docMk/>
+            <pc:sldMk cId="3467832338" sldId="264"/>
+            <ac:spMk id="10" creationId="{00000000-0000-0000-0000-000000000000}"/>
+          </ac:spMkLst>
+        </pc:spChg>
+        <pc:spChg chg="mod">
+          <ac:chgData name="Judson Santiago" userId="ebb108da2f256286" providerId="LiveId" clId="{A3F2EEB0-A777-47D5-8DF7-9D8B3159930C}" dt="2021-05-09T21:23:57.907" v="220" actId="208"/>
+          <ac:spMkLst>
+            <pc:docMk/>
+            <pc:sldMk cId="3467832338" sldId="264"/>
+            <ac:spMk id="11" creationId="{00000000-0000-0000-0000-000000000000}"/>
+          </ac:spMkLst>
+        </pc:spChg>
+        <pc:spChg chg="mod">
+          <ac:chgData name="Judson Santiago" userId="ebb108da2f256286" providerId="LiveId" clId="{A3F2EEB0-A777-47D5-8DF7-9D8B3159930C}" dt="2021-05-09T21:23:57.907" v="220" actId="208"/>
+          <ac:spMkLst>
+            <pc:docMk/>
+            <pc:sldMk cId="3467832338" sldId="264"/>
+            <ac:spMk id="26" creationId="{00000000-0000-0000-0000-000000000000}"/>
+          </ac:spMkLst>
+        </pc:spChg>
+        <pc:spChg chg="mod">
+          <ac:chgData name="Judson Santiago" userId="ebb108da2f256286" providerId="LiveId" clId="{A3F2EEB0-A777-47D5-8DF7-9D8B3159930C}" dt="2021-05-09T21:23:57.907" v="220" actId="208"/>
+          <ac:spMkLst>
+            <pc:docMk/>
+            <pc:sldMk cId="3467832338" sldId="264"/>
+            <ac:spMk id="27" creationId="{00000000-0000-0000-0000-000000000000}"/>
+          </ac:spMkLst>
+        </pc:spChg>
+        <pc:spChg chg="mod">
+          <ac:chgData name="Judson Santiago" userId="ebb108da2f256286" providerId="LiveId" clId="{A3F2EEB0-A777-47D5-8DF7-9D8B3159930C}" dt="2021-05-09T21:23:57.907" v="220" actId="208"/>
+          <ac:spMkLst>
+            <pc:docMk/>
+            <pc:sldMk cId="3467832338" sldId="264"/>
+            <ac:spMk id="28" creationId="{00000000-0000-0000-0000-000000000000}"/>
+          </ac:spMkLst>
+        </pc:spChg>
+      </pc:sldChg>
+      <pc:sldChg chg="modSp mod">
+        <pc:chgData name="Judson Santiago" userId="ebb108da2f256286" providerId="LiveId" clId="{A3F2EEB0-A777-47D5-8DF7-9D8B3159930C}" dt="2021-05-10T02:38:30.867" v="600" actId="1036"/>
+        <pc:sldMkLst>
+          <pc:docMk/>
+          <pc:sldMk cId="342343138" sldId="266"/>
+        </pc:sldMkLst>
+        <pc:spChg chg="mod">
+          <ac:chgData name="Judson Santiago" userId="ebb108da2f256286" providerId="LiveId" clId="{A3F2EEB0-A777-47D5-8DF7-9D8B3159930C}" dt="2021-05-10T02:38:30.867" v="600" actId="1036"/>
+          <ac:spMkLst>
+            <pc:docMk/>
+            <pc:sldMk cId="342343138" sldId="266"/>
+            <ac:spMk id="2" creationId="{00000000-0000-0000-0000-000000000000}"/>
+          </ac:spMkLst>
+        </pc:spChg>
+        <pc:spChg chg="mod">
+          <ac:chgData name="Judson Santiago" userId="ebb108da2f256286" providerId="LiveId" clId="{A3F2EEB0-A777-47D5-8DF7-9D8B3159930C}" dt="2021-05-09T22:05:29.686" v="223" actId="20577"/>
+          <ac:spMkLst>
+            <pc:docMk/>
+            <pc:sldMk cId="342343138" sldId="266"/>
+            <ac:spMk id="3" creationId="{00000000-0000-0000-0000-000000000000}"/>
+          </ac:spMkLst>
+        </pc:spChg>
+      </pc:sldChg>
+      <pc:sldChg chg="modSp mod">
+        <pc:chgData name="Judson Santiago" userId="ebb108da2f256286" providerId="LiveId" clId="{A3F2EEB0-A777-47D5-8DF7-9D8B3159930C}" dt="2021-05-10T02:38:36.686" v="601"/>
+        <pc:sldMkLst>
+          <pc:docMk/>
+          <pc:sldMk cId="3321519572" sldId="267"/>
+        </pc:sldMkLst>
+        <pc:spChg chg="mod">
+          <ac:chgData name="Judson Santiago" userId="ebb108da2f256286" providerId="LiveId" clId="{A3F2EEB0-A777-47D5-8DF7-9D8B3159930C}" dt="2021-05-10T02:38:36.686" v="601"/>
+          <ac:spMkLst>
+            <pc:docMk/>
+            <pc:sldMk cId="3321519572" sldId="267"/>
+            <ac:spMk id="2" creationId="{00000000-0000-0000-0000-000000000000}"/>
+          </ac:spMkLst>
+        </pc:spChg>
+        <pc:spChg chg="mod">
+          <ac:chgData name="Judson Santiago" userId="ebb108da2f256286" providerId="LiveId" clId="{A3F2EEB0-A777-47D5-8DF7-9D8B3159930C}" dt="2021-05-09T22:10:37.628" v="241" actId="20577"/>
+          <ac:spMkLst>
+            <pc:docMk/>
+            <pc:sldMk cId="3321519572" sldId="267"/>
+            <ac:spMk id="3" creationId="{00000000-0000-0000-0000-000000000000}"/>
+          </ac:spMkLst>
+        </pc:spChg>
+        <pc:spChg chg="mod">
+          <ac:chgData name="Judson Santiago" userId="ebb108da2f256286" providerId="LiveId" clId="{A3F2EEB0-A777-47D5-8DF7-9D8B3159930C}" dt="2021-05-09T22:08:32.468" v="234" actId="403"/>
+          <ac:spMkLst>
+            <pc:docMk/>
+            <pc:sldMk cId="3321519572" sldId="267"/>
+            <ac:spMk id="4" creationId="{00000000-0000-0000-0000-000000000000}"/>
+          </ac:spMkLst>
+        </pc:spChg>
+        <pc:spChg chg="mod">
+          <ac:chgData name="Judson Santiago" userId="ebb108da2f256286" providerId="LiveId" clId="{A3F2EEB0-A777-47D5-8DF7-9D8B3159930C}" dt="2021-05-09T22:08:17.271" v="233" actId="1036"/>
+          <ac:spMkLst>
+            <pc:docMk/>
+            <pc:sldMk cId="3321519572" sldId="267"/>
+            <ac:spMk id="5" creationId="{00000000-0000-0000-0000-000000000000}"/>
+          </ac:spMkLst>
+        </pc:spChg>
+      </pc:sldChg>
+      <pc:sldChg chg="modSp mod">
+        <pc:chgData name="Judson Santiago" userId="ebb108da2f256286" providerId="LiveId" clId="{A3F2EEB0-A777-47D5-8DF7-9D8B3159930C}" dt="2021-05-10T02:38:41.564" v="602"/>
+        <pc:sldMkLst>
+          <pc:docMk/>
+          <pc:sldMk cId="1934104972" sldId="268"/>
+        </pc:sldMkLst>
+        <pc:spChg chg="mod">
+          <ac:chgData name="Judson Santiago" userId="ebb108da2f256286" providerId="LiveId" clId="{A3F2EEB0-A777-47D5-8DF7-9D8B3159930C}" dt="2021-05-10T02:38:41.564" v="602"/>
+          <ac:spMkLst>
+            <pc:docMk/>
+            <pc:sldMk cId="1934104972" sldId="268"/>
+            <ac:spMk id="2" creationId="{00000000-0000-0000-0000-000000000000}"/>
+          </ac:spMkLst>
+        </pc:spChg>
+        <pc:spChg chg="mod">
+          <ac:chgData name="Judson Santiago" userId="ebb108da2f256286" providerId="LiveId" clId="{A3F2EEB0-A777-47D5-8DF7-9D8B3159930C}" dt="2021-05-09T22:12:26.133" v="242" actId="948"/>
+          <ac:spMkLst>
+            <pc:docMk/>
+            <pc:sldMk cId="1934104972" sldId="268"/>
+            <ac:spMk id="3" creationId="{00000000-0000-0000-0000-000000000000}"/>
+          </ac:spMkLst>
+        </pc:spChg>
+        <pc:spChg chg="mod">
+          <ac:chgData name="Judson Santiago" userId="ebb108da2f256286" providerId="LiveId" clId="{A3F2EEB0-A777-47D5-8DF7-9D8B3159930C}" dt="2021-05-09T22:13:11.047" v="249" actId="948"/>
+          <ac:spMkLst>
+            <pc:docMk/>
+            <pc:sldMk cId="1934104972" sldId="268"/>
+            <ac:spMk id="4" creationId="{00000000-0000-0000-0000-000000000000}"/>
+          </ac:spMkLst>
+        </pc:spChg>
+        <pc:spChg chg="mod">
+          <ac:chgData name="Judson Santiago" userId="ebb108da2f256286" providerId="LiveId" clId="{A3F2EEB0-A777-47D5-8DF7-9D8B3159930C}" dt="2021-05-09T22:12:37.387" v="245" actId="1036"/>
+          <ac:spMkLst>
+            <pc:docMk/>
+            <pc:sldMk cId="1934104972" sldId="268"/>
+            <ac:spMk id="5" creationId="{00000000-0000-0000-0000-000000000000}"/>
+          </ac:spMkLst>
+        </pc:spChg>
+      </pc:sldChg>
+      <pc:sldChg chg="modSp mod">
+        <pc:chgData name="Judson Santiago" userId="ebb108da2f256286" providerId="LiveId" clId="{A3F2EEB0-A777-47D5-8DF7-9D8B3159930C}" dt="2021-05-10T02:38:48.330" v="603"/>
+        <pc:sldMkLst>
+          <pc:docMk/>
+          <pc:sldMk cId="3457447810" sldId="269"/>
+        </pc:sldMkLst>
+        <pc:spChg chg="mod">
+          <ac:chgData name="Judson Santiago" userId="ebb108da2f256286" providerId="LiveId" clId="{A3F2EEB0-A777-47D5-8DF7-9D8B3159930C}" dt="2021-05-10T02:38:48.330" v="603"/>
+          <ac:spMkLst>
+            <pc:docMk/>
+            <pc:sldMk cId="3457447810" sldId="269"/>
+            <ac:spMk id="2" creationId="{00000000-0000-0000-0000-000000000000}"/>
+          </ac:spMkLst>
+        </pc:spChg>
+        <pc:spChg chg="mod">
+          <ac:chgData name="Judson Santiago" userId="ebb108da2f256286" providerId="LiveId" clId="{A3F2EEB0-A777-47D5-8DF7-9D8B3159930C}" dt="2021-05-09T22:18:54.991" v="273" actId="948"/>
+          <ac:spMkLst>
+            <pc:docMk/>
+            <pc:sldMk cId="3457447810" sldId="269"/>
+            <ac:spMk id="3" creationId="{00000000-0000-0000-0000-000000000000}"/>
+          </ac:spMkLst>
+        </pc:spChg>
+        <pc:spChg chg="mod">
+          <ac:chgData name="Judson Santiago" userId="ebb108da2f256286" providerId="LiveId" clId="{A3F2EEB0-A777-47D5-8DF7-9D8B3159930C}" dt="2021-05-09T22:19:23.561" v="275" actId="1038"/>
+          <ac:spMkLst>
+            <pc:docMk/>
+            <pc:sldMk cId="3457447810" sldId="269"/>
+            <ac:spMk id="4" creationId="{00000000-0000-0000-0000-000000000000}"/>
+          </ac:spMkLst>
+        </pc:spChg>
+        <pc:spChg chg="mod">
+          <ac:chgData name="Judson Santiago" userId="ebb108da2f256286" providerId="LiveId" clId="{A3F2EEB0-A777-47D5-8DF7-9D8B3159930C}" dt="2021-05-09T22:19:23.561" v="275" actId="1038"/>
+          <ac:spMkLst>
+            <pc:docMk/>
+            <pc:sldMk cId="3457447810" sldId="269"/>
+            <ac:spMk id="5" creationId="{00000000-0000-0000-0000-000000000000}"/>
+          </ac:spMkLst>
+        </pc:spChg>
+      </pc:sldChg>
+      <pc:sldChg chg="modSp mod">
+        <pc:chgData name="Judson Santiago" userId="ebb108da2f256286" providerId="LiveId" clId="{A3F2EEB0-A777-47D5-8DF7-9D8B3159930C}" dt="2021-05-10T02:38:52.656" v="604"/>
+        <pc:sldMkLst>
+          <pc:docMk/>
+          <pc:sldMk cId="927972623" sldId="270"/>
+        </pc:sldMkLst>
+        <pc:spChg chg="mod">
+          <ac:chgData name="Judson Santiago" userId="ebb108da2f256286" providerId="LiveId" clId="{A3F2EEB0-A777-47D5-8DF7-9D8B3159930C}" dt="2021-05-10T02:38:52.656" v="604"/>
+          <ac:spMkLst>
+            <pc:docMk/>
+            <pc:sldMk cId="927972623" sldId="270"/>
+            <ac:spMk id="2" creationId="{00000000-0000-0000-0000-000000000000}"/>
+          </ac:spMkLst>
+        </pc:spChg>
+        <pc:spChg chg="mod">
+          <ac:chgData name="Judson Santiago" userId="ebb108da2f256286" providerId="LiveId" clId="{A3F2EEB0-A777-47D5-8DF7-9D8B3159930C}" dt="2021-05-10T02:17:26.448" v="279" actId="20577"/>
+          <ac:spMkLst>
+            <pc:docMk/>
+            <pc:sldMk cId="927972623" sldId="270"/>
+            <ac:spMk id="3" creationId="{00000000-0000-0000-0000-000000000000}"/>
+          </ac:spMkLst>
+        </pc:spChg>
+      </pc:sldChg>
+      <pc:sldChg chg="modSp mod">
+        <pc:chgData name="Judson Santiago" userId="ebb108da2f256286" providerId="LiveId" clId="{A3F2EEB0-A777-47D5-8DF7-9D8B3159930C}" dt="2021-05-10T02:39:11.833" v="608" actId="6549"/>
+        <pc:sldMkLst>
+          <pc:docMk/>
+          <pc:sldMk cId="2163277475" sldId="271"/>
+        </pc:sldMkLst>
+        <pc:spChg chg="mod">
+          <ac:chgData name="Judson Santiago" userId="ebb108da2f256286" providerId="LiveId" clId="{A3F2EEB0-A777-47D5-8DF7-9D8B3159930C}" dt="2021-05-10T02:39:11.833" v="608" actId="6549"/>
+          <ac:spMkLst>
+            <pc:docMk/>
+            <pc:sldMk cId="2163277475" sldId="271"/>
+            <ac:spMk id="2" creationId="{00000000-0000-0000-0000-000000000000}"/>
+          </ac:spMkLst>
+        </pc:spChg>
+        <pc:spChg chg="mod">
+          <ac:chgData name="Judson Santiago" userId="ebb108da2f256286" providerId="LiveId" clId="{A3F2EEB0-A777-47D5-8DF7-9D8B3159930C}" dt="2021-05-10T02:18:09.023" v="281" actId="20577"/>
+          <ac:spMkLst>
+            <pc:docMk/>
+            <pc:sldMk cId="2163277475" sldId="271"/>
+            <ac:spMk id="3" creationId="{00000000-0000-0000-0000-000000000000}"/>
+          </ac:spMkLst>
+        </pc:spChg>
+      </pc:sldChg>
+      <pc:sldChg chg="modSp mod">
+        <pc:chgData name="Judson Santiago" userId="ebb108da2f256286" providerId="LiveId" clId="{A3F2EEB0-A777-47D5-8DF7-9D8B3159930C}" dt="2021-05-10T02:39:18.888" v="612" actId="20577"/>
+        <pc:sldMkLst>
+          <pc:docMk/>
+          <pc:sldMk cId="3967479462" sldId="272"/>
+        </pc:sldMkLst>
+        <pc:spChg chg="mod">
+          <ac:chgData name="Judson Santiago" userId="ebb108da2f256286" providerId="LiveId" clId="{A3F2EEB0-A777-47D5-8DF7-9D8B3159930C}" dt="2021-05-10T02:39:18.888" v="612" actId="20577"/>
+          <ac:spMkLst>
+            <pc:docMk/>
+            <pc:sldMk cId="3967479462" sldId="272"/>
+            <ac:spMk id="2" creationId="{00000000-0000-0000-0000-000000000000}"/>
+          </ac:spMkLst>
+        </pc:spChg>
+        <pc:spChg chg="mod">
+          <ac:chgData name="Judson Santiago" userId="ebb108da2f256286" providerId="LiveId" clId="{A3F2EEB0-A777-47D5-8DF7-9D8B3159930C}" dt="2021-05-10T02:22:19.125" v="310" actId="20577"/>
+          <ac:spMkLst>
+            <pc:docMk/>
+            <pc:sldMk cId="3967479462" sldId="272"/>
+            <ac:spMk id="3" creationId="{00000000-0000-0000-0000-000000000000}"/>
+          </ac:spMkLst>
+        </pc:spChg>
+      </pc:sldChg>
+      <pc:sldChg chg="modSp mod">
+        <pc:chgData name="Judson Santiago" userId="ebb108da2f256286" providerId="LiveId" clId="{A3F2EEB0-A777-47D5-8DF7-9D8B3159930C}" dt="2021-05-10T02:23:48.655" v="323" actId="1037"/>
+        <pc:sldMkLst>
+          <pc:docMk/>
+          <pc:sldMk cId="3282526041" sldId="273"/>
+        </pc:sldMkLst>
+        <pc:spChg chg="mod">
+          <ac:chgData name="Judson Santiago" userId="ebb108da2f256286" providerId="LiveId" clId="{A3F2EEB0-A777-47D5-8DF7-9D8B3159930C}" dt="2021-05-10T02:23:48.655" v="323" actId="1037"/>
+          <ac:spMkLst>
+            <pc:docMk/>
+            <pc:sldMk cId="3282526041" sldId="273"/>
+            <ac:spMk id="4" creationId="{00000000-0000-0000-0000-000000000000}"/>
+          </ac:spMkLst>
+        </pc:spChg>
+      </pc:sldChg>
+      <pc:sldChg chg="modSp mod">
+        <pc:chgData name="Judson Santiago" userId="ebb108da2f256286" providerId="LiveId" clId="{A3F2EEB0-A777-47D5-8DF7-9D8B3159930C}" dt="2021-05-10T02:23:54.229" v="326" actId="1037"/>
+        <pc:sldMkLst>
+          <pc:docMk/>
+          <pc:sldMk cId="2375367573" sldId="274"/>
+        </pc:sldMkLst>
+        <pc:spChg chg="mod">
+          <ac:chgData name="Judson Santiago" userId="ebb108da2f256286" providerId="LiveId" clId="{A3F2EEB0-A777-47D5-8DF7-9D8B3159930C}" dt="2021-05-10T02:23:54.229" v="326" actId="1037"/>
+          <ac:spMkLst>
+            <pc:docMk/>
+            <pc:sldMk cId="2375367573" sldId="274"/>
+            <ac:spMk id="4" creationId="{00000000-0000-0000-0000-000000000000}"/>
+          </ac:spMkLst>
+        </pc:spChg>
+      </pc:sldChg>
+      <pc:sldChg chg="modSp mod">
+        <pc:chgData name="Judson Santiago" userId="ebb108da2f256286" providerId="LiveId" clId="{A3F2EEB0-A777-47D5-8DF7-9D8B3159930C}" dt="2021-05-10T02:23:22.901" v="319" actId="20577"/>
+        <pc:sldMkLst>
+          <pc:docMk/>
+          <pc:sldMk cId="2116699984" sldId="275"/>
+        </pc:sldMkLst>
+        <pc:spChg chg="mod">
+          <ac:chgData name="Judson Santiago" userId="ebb108da2f256286" providerId="LiveId" clId="{A3F2EEB0-A777-47D5-8DF7-9D8B3159930C}" dt="2021-05-10T02:23:00.771" v="312" actId="948"/>
+          <ac:spMkLst>
+            <pc:docMk/>
+            <pc:sldMk cId="2116699984" sldId="275"/>
+            <ac:spMk id="3" creationId="{00000000-0000-0000-0000-000000000000}"/>
+          </ac:spMkLst>
+        </pc:spChg>
+        <pc:spChg chg="mod">
+          <ac:chgData name="Judson Santiago" userId="ebb108da2f256286" providerId="LiveId" clId="{A3F2EEB0-A777-47D5-8DF7-9D8B3159930C}" dt="2021-05-10T02:23:22.901" v="319" actId="20577"/>
+          <ac:spMkLst>
+            <pc:docMk/>
+            <pc:sldMk cId="2116699984" sldId="275"/>
+            <ac:spMk id="5" creationId="{40C2F345-1FAB-4C46-A5C5-481ADC2B02F5}"/>
+          </ac:spMkLst>
+        </pc:spChg>
+      </pc:sldChg>
+      <pc:sldChg chg="modSp mod">
+        <pc:chgData name="Judson Santiago" userId="ebb108da2f256286" providerId="LiveId" clId="{A3F2EEB0-A777-47D5-8DF7-9D8B3159930C}" dt="2021-05-10T02:24:44.264" v="335" actId="20577"/>
+        <pc:sldMkLst>
+          <pc:docMk/>
+          <pc:sldMk cId="3548498017" sldId="276"/>
+        </pc:sldMkLst>
+        <pc:spChg chg="mod">
+          <ac:chgData name="Judson Santiago" userId="ebb108da2f256286" providerId="LiveId" clId="{A3F2EEB0-A777-47D5-8DF7-9D8B3159930C}" dt="2021-05-10T02:24:44.264" v="335" actId="20577"/>
+          <ac:spMkLst>
+            <pc:docMk/>
+            <pc:sldMk cId="3548498017" sldId="276"/>
+            <ac:spMk id="3" creationId="{00000000-0000-0000-0000-000000000000}"/>
+          </ac:spMkLst>
+        </pc:spChg>
+      </pc:sldChg>
+      <pc:sldChg chg="modSp mod">
+        <pc:chgData name="Judson Santiago" userId="ebb108da2f256286" providerId="LiveId" clId="{A3F2EEB0-A777-47D5-8DF7-9D8B3159930C}" dt="2021-05-10T02:36:10.943" v="597" actId="20577"/>
+        <pc:sldMkLst>
+          <pc:docMk/>
+          <pc:sldMk cId="2049756362" sldId="277"/>
+        </pc:sldMkLst>
+        <pc:spChg chg="mod">
+          <ac:chgData name="Judson Santiago" userId="ebb108da2f256286" providerId="LiveId" clId="{A3F2EEB0-A777-47D5-8DF7-9D8B3159930C}" dt="2021-05-10T02:36:10.943" v="597" actId="20577"/>
+          <ac:spMkLst>
+            <pc:docMk/>
+            <pc:sldMk cId="2049756362" sldId="277"/>
+            <ac:spMk id="3" creationId="{00000000-0000-0000-0000-000000000000}"/>
+          </ac:spMkLst>
+        </pc:spChg>
+        <pc:spChg chg="mod">
+          <ac:chgData name="Judson Santiago" userId="ebb108da2f256286" providerId="LiveId" clId="{A3F2EEB0-A777-47D5-8DF7-9D8B3159930C}" dt="2021-05-10T02:35:41.973" v="593" actId="1036"/>
+          <ac:spMkLst>
+            <pc:docMk/>
+            <pc:sldMk cId="2049756362" sldId="277"/>
+            <ac:spMk id="7" creationId="{00000000-0000-0000-0000-000000000000}"/>
+          </ac:spMkLst>
+        </pc:spChg>
+      </pc:sldChg>
+      <pc:sldChg chg="modSp mod">
+        <pc:chgData name="Judson Santiago" userId="ebb108da2f256286" providerId="LiveId" clId="{A3F2EEB0-A777-47D5-8DF7-9D8B3159930C}" dt="2021-05-10T02:26:00.467" v="337" actId="20577"/>
+        <pc:sldMkLst>
+          <pc:docMk/>
+          <pc:sldMk cId="3561128466" sldId="278"/>
+        </pc:sldMkLst>
+        <pc:spChg chg="mod">
+          <ac:chgData name="Judson Santiago" userId="ebb108da2f256286" providerId="LiveId" clId="{A3F2EEB0-A777-47D5-8DF7-9D8B3159930C}" dt="2021-05-10T02:26:00.467" v="337" actId="20577"/>
+          <ac:spMkLst>
+            <pc:docMk/>
+            <pc:sldMk cId="3561128466" sldId="278"/>
+            <ac:spMk id="3" creationId="{00000000-0000-0000-0000-000000000000}"/>
+          </ac:spMkLst>
+        </pc:spChg>
+      </pc:sldChg>
+      <pc:sldChg chg="modSp mod">
+        <pc:chgData name="Judson Santiago" userId="ebb108da2f256286" providerId="LiveId" clId="{A3F2EEB0-A777-47D5-8DF7-9D8B3159930C}" dt="2021-05-10T02:34:43.349" v="583" actId="948"/>
+        <pc:sldMkLst>
+          <pc:docMk/>
+          <pc:sldMk cId="1895269128" sldId="279"/>
+        </pc:sldMkLst>
+        <pc:spChg chg="mod">
+          <ac:chgData name="Judson Santiago" userId="ebb108da2f256286" providerId="LiveId" clId="{A3F2EEB0-A777-47D5-8DF7-9D8B3159930C}" dt="2021-05-10T02:27:02.940" v="340" actId="6549"/>
+          <ac:spMkLst>
+            <pc:docMk/>
+            <pc:sldMk cId="1895269128" sldId="279"/>
+            <ac:spMk id="3" creationId="{00000000-0000-0000-0000-000000000000}"/>
+          </ac:spMkLst>
+        </pc:spChg>
+        <pc:spChg chg="mod">
+          <ac:chgData name="Judson Santiago" userId="ebb108da2f256286" providerId="LiveId" clId="{A3F2EEB0-A777-47D5-8DF7-9D8B3159930C}" dt="2021-05-10T02:34:43.349" v="583" actId="948"/>
+          <ac:spMkLst>
+            <pc:docMk/>
+            <pc:sldMk cId="1895269128" sldId="279"/>
+            <ac:spMk id="4" creationId="{00000000-0000-0000-0000-000000000000}"/>
+          </ac:spMkLst>
+        </pc:spChg>
+        <pc:spChg chg="mod">
+          <ac:chgData name="Judson Santiago" userId="ebb108da2f256286" providerId="LiveId" clId="{A3F2EEB0-A777-47D5-8DF7-9D8B3159930C}" dt="2021-05-10T02:27:24.281" v="347" actId="1035"/>
+          <ac:spMkLst>
+            <pc:docMk/>
+            <pc:sldMk cId="1895269128" sldId="279"/>
+            <ac:spMk id="7" creationId="{00000000-0000-0000-0000-000000000000}"/>
+          </ac:spMkLst>
+        </pc:spChg>
+      </pc:sldChg>
+      <pc:sldChg chg="modSp mod">
+        <pc:chgData name="Judson Santiago" userId="ebb108da2f256286" providerId="LiveId" clId="{A3F2EEB0-A777-47D5-8DF7-9D8B3159930C}" dt="2021-05-10T02:34:06.384" v="580" actId="6549"/>
+        <pc:sldMkLst>
+          <pc:docMk/>
+          <pc:sldMk cId="3297798718" sldId="280"/>
+        </pc:sldMkLst>
+        <pc:spChg chg="mod">
+          <ac:chgData name="Judson Santiago" userId="ebb108da2f256286" providerId="LiveId" clId="{A3F2EEB0-A777-47D5-8DF7-9D8B3159930C}" dt="2021-05-10T02:33:34.844" v="577" actId="20577"/>
+          <ac:spMkLst>
+            <pc:docMk/>
+            <pc:sldMk cId="3297798718" sldId="280"/>
+            <ac:spMk id="3" creationId="{00000000-0000-0000-0000-000000000000}"/>
+          </ac:spMkLst>
+        </pc:spChg>
+        <pc:spChg chg="mod">
+          <ac:chgData name="Judson Santiago" userId="ebb108da2f256286" providerId="LiveId" clId="{A3F2EEB0-A777-47D5-8DF7-9D8B3159930C}" dt="2021-05-10T02:34:06.384" v="580" actId="6549"/>
+          <ac:spMkLst>
+            <pc:docMk/>
+            <pc:sldMk cId="3297798718" sldId="280"/>
+            <ac:spMk id="5" creationId="{00000000-0000-0000-0000-000000000000}"/>
+          </ac:spMkLst>
+        </pc:spChg>
+      </pc:sldChg>
+      <pc:sldChg chg="modSp mod">
+        <pc:chgData name="Judson Santiago" userId="ebb108da2f256286" providerId="LiveId" clId="{A3F2EEB0-A777-47D5-8DF7-9D8B3159930C}" dt="2021-05-10T02:32:37.214" v="573" actId="6549"/>
+        <pc:sldMkLst>
+          <pc:docMk/>
+          <pc:sldMk cId="4000336053" sldId="281"/>
+        </pc:sldMkLst>
+        <pc:spChg chg="mod">
+          <ac:chgData name="Judson Santiago" userId="ebb108da2f256286" providerId="LiveId" clId="{A3F2EEB0-A777-47D5-8DF7-9D8B3159930C}" dt="2021-05-10T02:32:37.214" v="573" actId="6549"/>
+          <ac:spMkLst>
+            <pc:docMk/>
+            <pc:sldMk cId="4000336053" sldId="281"/>
+            <ac:spMk id="3" creationId="{00000000-0000-0000-0000-000000000000}"/>
+          </ac:spMkLst>
+        </pc:spChg>
+      </pc:sldChg>
+      <pc:sldChg chg="delSp modSp mod">
+        <pc:chgData name="Judson Santiago" userId="ebb108da2f256286" providerId="LiveId" clId="{A3F2EEB0-A777-47D5-8DF7-9D8B3159930C}" dt="2021-05-09T20:32:22.328" v="9" actId="2085"/>
+        <pc:sldMkLst>
+          <pc:docMk/>
+          <pc:sldMk cId="3601590107" sldId="282"/>
+        </pc:sldMkLst>
+        <pc:spChg chg="mod topLvl">
+          <ac:chgData name="Judson Santiago" userId="ebb108da2f256286" providerId="LiveId" clId="{A3F2EEB0-A777-47D5-8DF7-9D8B3159930C}" dt="2021-05-09T20:32:22.328" v="9" actId="2085"/>
+          <ac:spMkLst>
+            <pc:docMk/>
+            <pc:sldMk cId="3601590107" sldId="282"/>
+            <ac:spMk id="42" creationId="{B3171543-9530-48EC-9E59-87987D27DC9A}"/>
+          </ac:spMkLst>
+        </pc:spChg>
+        <pc:spChg chg="mod topLvl">
+          <ac:chgData name="Judson Santiago" userId="ebb108da2f256286" providerId="LiveId" clId="{A3F2EEB0-A777-47D5-8DF7-9D8B3159930C}" dt="2021-05-09T20:32:14.099" v="8" actId="2085"/>
+          <ac:spMkLst>
+            <pc:docMk/>
+            <pc:sldMk cId="3601590107" sldId="282"/>
+            <ac:spMk id="48" creationId="{97AA19DC-3417-47B0-AE58-9B3771104C45}"/>
+          </ac:spMkLst>
+        </pc:spChg>
+        <pc:spChg chg="mod topLvl">
+          <ac:chgData name="Judson Santiago" userId="ebb108da2f256286" providerId="LiveId" clId="{A3F2EEB0-A777-47D5-8DF7-9D8B3159930C}" dt="2021-05-09T20:32:14.099" v="8" actId="2085"/>
+          <ac:spMkLst>
+            <pc:docMk/>
+            <pc:sldMk cId="3601590107" sldId="282"/>
+            <ac:spMk id="49" creationId="{D73DEDC8-6097-40D8-9253-07FD085B8C09}"/>
+          </ac:spMkLst>
+        </pc:spChg>
+        <pc:spChg chg="mod topLvl">
+          <ac:chgData name="Judson Santiago" userId="ebb108da2f256286" providerId="LiveId" clId="{A3F2EEB0-A777-47D5-8DF7-9D8B3159930C}" dt="2021-05-09T20:31:38.756" v="7" actId="207"/>
+          <ac:spMkLst>
+            <pc:docMk/>
+            <pc:sldMk cId="3601590107" sldId="282"/>
+            <ac:spMk id="50" creationId="{6BCB2659-DD33-4ED7-94E3-02C750D1497E}"/>
+          </ac:spMkLst>
+        </pc:spChg>
+        <pc:spChg chg="mod topLvl">
+          <ac:chgData name="Judson Santiago" userId="ebb108da2f256286" providerId="LiveId" clId="{A3F2EEB0-A777-47D5-8DF7-9D8B3159930C}" dt="2021-05-09T20:30:18.319" v="1" actId="165"/>
+          <ac:spMkLst>
+            <pc:docMk/>
+            <pc:sldMk cId="3601590107" sldId="282"/>
+            <ac:spMk id="51" creationId="{0774991A-8CB2-4979-B1C5-BB51ECE47FB5}"/>
+          </ac:spMkLst>
+        </pc:spChg>
+        <pc:grpChg chg="del mod">
+          <ac:chgData name="Judson Santiago" userId="ebb108da2f256286" providerId="LiveId" clId="{A3F2EEB0-A777-47D5-8DF7-9D8B3159930C}" dt="2021-05-09T20:30:18.319" v="1" actId="165"/>
+          <ac:grpSpMkLst>
+            <pc:docMk/>
+            <pc:sldMk cId="3601590107" sldId="282"/>
+            <ac:grpSpMk id="4" creationId="{15ED4997-0E45-4514-A1F5-29A68C5456BA}"/>
+          </ac:grpSpMkLst>
+        </pc:grpChg>
+      </pc:sldChg>
+    </pc:docChg>
+  </pc:docChgLst>
+  <pc:docChgLst>
     <pc:chgData name="Judson Santiago" userId="ebb108da2f256286" providerId="LiveId" clId="{07FA90F4-E5C1-4283-AA6A-1EC8217D2A25}"/>
     <pc:docChg chg="modSld">
       <pc:chgData name="Judson Santiago" userId="ebb108da2f256286" providerId="LiveId" clId="{07FA90F4-E5C1-4283-AA6A-1EC8217D2A25}" dt="2020-01-27T20:31:17.169" v="0" actId="207"/>
@@ -1689,7 +2598,659 @@
     </pc:docChg>
   </pc:docChgLst>
   <pc:docChgLst>
-    <pc:chgData name="Judson Santiago" userId="ebb108da2f256286" providerId="LiveId" clId="{6041AA19-A90B-4A01-BA5F-A728B3294A55}"/>
+    <pc:chgData name="Judson Santiago" userId="ebb108da2f256286" providerId="LiveId" clId="{B2F5582A-7A04-4B4F-95CE-2948C99C6A22}"/>
+    <pc:docChg chg="undo custSel modSld modMainMaster">
+      <pc:chgData name="Judson Santiago" userId="ebb108da2f256286" providerId="LiveId" clId="{B2F5582A-7A04-4B4F-95CE-2948C99C6A22}" dt="2021-05-10T03:59:07.087" v="436"/>
+      <pc:docMkLst>
+        <pc:docMk/>
+      </pc:docMkLst>
+      <pc:sldChg chg="addSp delSp modSp mod">
+        <pc:chgData name="Judson Santiago" userId="ebb108da2f256286" providerId="LiveId" clId="{B2F5582A-7A04-4B4F-95CE-2948C99C6A22}" dt="2021-05-09T08:13:52.081" v="405" actId="207"/>
+        <pc:sldMkLst>
+          <pc:docMk/>
+          <pc:sldMk cId="500731357" sldId="257"/>
+        </pc:sldMkLst>
+        <pc:spChg chg="mod">
+          <ac:chgData name="Judson Santiago" userId="ebb108da2f256286" providerId="LiveId" clId="{B2F5582A-7A04-4B4F-95CE-2948C99C6A22}" dt="2021-05-09T02:21:30.969" v="146" actId="404"/>
+          <ac:spMkLst>
+            <pc:docMk/>
+            <pc:sldMk cId="500731357" sldId="257"/>
+            <ac:spMk id="3" creationId="{00000000-0000-0000-0000-000000000000}"/>
+          </ac:spMkLst>
+        </pc:spChg>
+        <pc:spChg chg="mod">
+          <ac:chgData name="Judson Santiago" userId="ebb108da2f256286" providerId="LiveId" clId="{B2F5582A-7A04-4B4F-95CE-2948C99C6A22}" dt="2021-05-09T02:22:14.002" v="148" actId="1035"/>
+          <ac:spMkLst>
+            <pc:docMk/>
+            <pc:sldMk cId="500731357" sldId="257"/>
+            <ac:spMk id="4" creationId="{00000000-0000-0000-0000-000000000000}"/>
+          </ac:spMkLst>
+        </pc:spChg>
+        <pc:spChg chg="mod">
+          <ac:chgData name="Judson Santiago" userId="ebb108da2f256286" providerId="LiveId" clId="{B2F5582A-7A04-4B4F-95CE-2948C99C6A22}" dt="2021-05-09T08:12:04.356" v="377" actId="404"/>
+          <ac:spMkLst>
+            <pc:docMk/>
+            <pc:sldMk cId="500731357" sldId="257"/>
+            <ac:spMk id="6" creationId="{00000000-0000-0000-0000-000000000000}"/>
+          </ac:spMkLst>
+        </pc:spChg>
+        <pc:spChg chg="mod">
+          <ac:chgData name="Judson Santiago" userId="ebb108da2f256286" providerId="LiveId" clId="{B2F5582A-7A04-4B4F-95CE-2948C99C6A22}" dt="2021-05-09T08:12:47.137" v="391" actId="1035"/>
+          <ac:spMkLst>
+            <pc:docMk/>
+            <pc:sldMk cId="500731357" sldId="257"/>
+            <ac:spMk id="7" creationId="{00000000-0000-0000-0000-000000000000}"/>
+          </ac:spMkLst>
+        </pc:spChg>
+        <pc:spChg chg="mod">
+          <ac:chgData name="Judson Santiago" userId="ebb108da2f256286" providerId="LiveId" clId="{B2F5582A-7A04-4B4F-95CE-2948C99C6A22}" dt="2021-05-09T08:08:50.384" v="352" actId="14100"/>
+          <ac:spMkLst>
+            <pc:docMk/>
+            <pc:sldMk cId="500731357" sldId="257"/>
+            <ac:spMk id="8" creationId="{00000000-0000-0000-0000-000000000000}"/>
+          </ac:spMkLst>
+        </pc:spChg>
+        <pc:spChg chg="mod">
+          <ac:chgData name="Judson Santiago" userId="ebb108da2f256286" providerId="LiveId" clId="{B2F5582A-7A04-4B4F-95CE-2948C99C6A22}" dt="2021-05-09T08:08:50.384" v="352" actId="14100"/>
+          <ac:spMkLst>
+            <pc:docMk/>
+            <pc:sldMk cId="500731357" sldId="257"/>
+            <ac:spMk id="10" creationId="{00000000-0000-0000-0000-000000000000}"/>
+          </ac:spMkLst>
+        </pc:spChg>
+        <pc:spChg chg="mod">
+          <ac:chgData name="Judson Santiago" userId="ebb108da2f256286" providerId="LiveId" clId="{B2F5582A-7A04-4B4F-95CE-2948C99C6A22}" dt="2021-05-09T02:21:17.534" v="145" actId="1035"/>
+          <ac:spMkLst>
+            <pc:docMk/>
+            <pc:sldMk cId="500731357" sldId="257"/>
+            <ac:spMk id="11" creationId="{00000000-0000-0000-0000-000000000000}"/>
+          </ac:spMkLst>
+        </pc:spChg>
+        <pc:spChg chg="mod">
+          <ac:chgData name="Judson Santiago" userId="ebb108da2f256286" providerId="LiveId" clId="{B2F5582A-7A04-4B4F-95CE-2948C99C6A22}" dt="2021-05-09T02:21:17.534" v="145" actId="1035"/>
+          <ac:spMkLst>
+            <pc:docMk/>
+            <pc:sldMk cId="500731357" sldId="257"/>
+            <ac:spMk id="12" creationId="{00000000-0000-0000-0000-000000000000}"/>
+          </ac:spMkLst>
+        </pc:spChg>
+        <pc:spChg chg="mod">
+          <ac:chgData name="Judson Santiago" userId="ebb108da2f256286" providerId="LiveId" clId="{B2F5582A-7A04-4B4F-95CE-2948C99C6A22}" dt="2021-05-09T08:13:15.135" v="396" actId="207"/>
+          <ac:spMkLst>
+            <pc:docMk/>
+            <pc:sldMk cId="500731357" sldId="257"/>
+            <ac:spMk id="13" creationId="{00000000-0000-0000-0000-000000000000}"/>
+          </ac:spMkLst>
+        </pc:spChg>
+        <pc:spChg chg="mod">
+          <ac:chgData name="Judson Santiago" userId="ebb108da2f256286" providerId="LiveId" clId="{B2F5582A-7A04-4B4F-95CE-2948C99C6A22}" dt="2021-05-09T08:13:19.261" v="398" actId="113"/>
+          <ac:spMkLst>
+            <pc:docMk/>
+            <pc:sldMk cId="500731357" sldId="257"/>
+            <ac:spMk id="14" creationId="{00000000-0000-0000-0000-000000000000}"/>
+          </ac:spMkLst>
+        </pc:spChg>
+        <pc:spChg chg="mod">
+          <ac:chgData name="Judson Santiago" userId="ebb108da2f256286" providerId="LiveId" clId="{B2F5582A-7A04-4B4F-95CE-2948C99C6A22}" dt="2021-05-09T08:13:11.297" v="394" actId="113"/>
+          <ac:spMkLst>
+            <pc:docMk/>
+            <pc:sldMk cId="500731357" sldId="257"/>
+            <ac:spMk id="17" creationId="{00000000-0000-0000-0000-000000000000}"/>
+          </ac:spMkLst>
+        </pc:spChg>
+        <pc:spChg chg="mod">
+          <ac:chgData name="Judson Santiago" userId="ebb108da2f256286" providerId="LiveId" clId="{B2F5582A-7A04-4B4F-95CE-2948C99C6A22}" dt="2021-05-09T08:08:55.971" v="356" actId="1038"/>
+          <ac:spMkLst>
+            <pc:docMk/>
+            <pc:sldMk cId="500731357" sldId="257"/>
+            <ac:spMk id="18" creationId="{00000000-0000-0000-0000-000000000000}"/>
+          </ac:spMkLst>
+        </pc:spChg>
+        <pc:spChg chg="mod">
+          <ac:chgData name="Judson Santiago" userId="ebb108da2f256286" providerId="LiveId" clId="{B2F5582A-7A04-4B4F-95CE-2948C99C6A22}" dt="2021-05-09T08:12:30.824" v="378" actId="465"/>
+          <ac:spMkLst>
+            <pc:docMk/>
+            <pc:sldMk cId="500731357" sldId="257"/>
+            <ac:spMk id="19" creationId="{00000000-0000-0000-0000-000000000000}"/>
+          </ac:spMkLst>
+        </pc:spChg>
+        <pc:spChg chg="mod">
+          <ac:chgData name="Judson Santiago" userId="ebb108da2f256286" providerId="LiveId" clId="{B2F5582A-7A04-4B4F-95CE-2948C99C6A22}" dt="2021-05-09T08:12:55.136" v="392" actId="465"/>
+          <ac:spMkLst>
+            <pc:docMk/>
+            <pc:sldMk cId="500731357" sldId="257"/>
+            <ac:spMk id="20" creationId="{00000000-0000-0000-0000-000000000000}"/>
+          </ac:spMkLst>
+        </pc:spChg>
+        <pc:spChg chg="mod">
+          <ac:chgData name="Judson Santiago" userId="ebb108da2f256286" providerId="LiveId" clId="{B2F5582A-7A04-4B4F-95CE-2948C99C6A22}" dt="2021-05-09T08:08:55.971" v="356" actId="1038"/>
+          <ac:spMkLst>
+            <pc:docMk/>
+            <pc:sldMk cId="500731357" sldId="257"/>
+            <ac:spMk id="21" creationId="{00000000-0000-0000-0000-000000000000}"/>
+          </ac:spMkLst>
+        </pc:spChg>
+        <pc:spChg chg="mod">
+          <ac:chgData name="Judson Santiago" userId="ebb108da2f256286" providerId="LiveId" clId="{B2F5582A-7A04-4B4F-95CE-2948C99C6A22}" dt="2021-05-09T08:12:30.824" v="378" actId="465"/>
+          <ac:spMkLst>
+            <pc:docMk/>
+            <pc:sldMk cId="500731357" sldId="257"/>
+            <ac:spMk id="22" creationId="{00000000-0000-0000-0000-000000000000}"/>
+          </ac:spMkLst>
+        </pc:spChg>
+        <pc:spChg chg="mod">
+          <ac:chgData name="Judson Santiago" userId="ebb108da2f256286" providerId="LiveId" clId="{B2F5582A-7A04-4B4F-95CE-2948C99C6A22}" dt="2021-05-09T08:12:55.136" v="392" actId="465"/>
+          <ac:spMkLst>
+            <pc:docMk/>
+            <pc:sldMk cId="500731357" sldId="257"/>
+            <ac:spMk id="23" creationId="{00000000-0000-0000-0000-000000000000}"/>
+          </ac:spMkLst>
+        </pc:spChg>
+        <pc:spChg chg="mod">
+          <ac:chgData name="Judson Santiago" userId="ebb108da2f256286" providerId="LiveId" clId="{B2F5582A-7A04-4B4F-95CE-2948C99C6A22}" dt="2021-05-09T08:08:55.971" v="356" actId="1038"/>
+          <ac:spMkLst>
+            <pc:docMk/>
+            <pc:sldMk cId="500731357" sldId="257"/>
+            <ac:spMk id="24" creationId="{00000000-0000-0000-0000-000000000000}"/>
+          </ac:spMkLst>
+        </pc:spChg>
+        <pc:spChg chg="mod">
+          <ac:chgData name="Judson Santiago" userId="ebb108da2f256286" providerId="LiveId" clId="{B2F5582A-7A04-4B4F-95CE-2948C99C6A22}" dt="2021-05-09T08:13:52.081" v="405" actId="207"/>
+          <ac:spMkLst>
+            <pc:docMk/>
+            <pc:sldMk cId="500731357" sldId="257"/>
+            <ac:spMk id="25" creationId="{00000000-0000-0000-0000-000000000000}"/>
+          </ac:spMkLst>
+        </pc:spChg>
+        <pc:spChg chg="mod">
+          <ac:chgData name="Judson Santiago" userId="ebb108da2f256286" providerId="LiveId" clId="{B2F5582A-7A04-4B4F-95CE-2948C99C6A22}" dt="2021-05-09T08:12:30.824" v="378" actId="465"/>
+          <ac:spMkLst>
+            <pc:docMk/>
+            <pc:sldMk cId="500731357" sldId="257"/>
+            <ac:spMk id="26" creationId="{00000000-0000-0000-0000-000000000000}"/>
+          </ac:spMkLst>
+        </pc:spChg>
+        <pc:spChg chg="mod">
+          <ac:chgData name="Judson Santiago" userId="ebb108da2f256286" providerId="LiveId" clId="{B2F5582A-7A04-4B4F-95CE-2948C99C6A22}" dt="2021-05-09T08:12:55.136" v="392" actId="465"/>
+          <ac:spMkLst>
+            <pc:docMk/>
+            <pc:sldMk cId="500731357" sldId="257"/>
+            <ac:spMk id="27" creationId="{00000000-0000-0000-0000-000000000000}"/>
+          </ac:spMkLst>
+        </pc:spChg>
+        <pc:spChg chg="mod">
+          <ac:chgData name="Judson Santiago" userId="ebb108da2f256286" providerId="LiveId" clId="{B2F5582A-7A04-4B4F-95CE-2948C99C6A22}" dt="2021-05-09T08:13:52.081" v="405" actId="207"/>
+          <ac:spMkLst>
+            <pc:docMk/>
+            <pc:sldMk cId="500731357" sldId="257"/>
+            <ac:spMk id="28" creationId="{00000000-0000-0000-0000-000000000000}"/>
+          </ac:spMkLst>
+        </pc:spChg>
+        <pc:spChg chg="mod">
+          <ac:chgData name="Judson Santiago" userId="ebb108da2f256286" providerId="LiveId" clId="{B2F5582A-7A04-4B4F-95CE-2948C99C6A22}" dt="2021-05-09T08:13:31.748" v="404" actId="207"/>
+          <ac:spMkLst>
+            <pc:docMk/>
+            <pc:sldMk cId="500731357" sldId="257"/>
+            <ac:spMk id="32" creationId="{00000000-0000-0000-0000-000000000000}"/>
+          </ac:spMkLst>
+        </pc:spChg>
+        <pc:spChg chg="mod">
+          <ac:chgData name="Judson Santiago" userId="ebb108da2f256286" providerId="LiveId" clId="{B2F5582A-7A04-4B4F-95CE-2948C99C6A22}" dt="2021-05-09T08:11:46.231" v="376" actId="1076"/>
+          <ac:spMkLst>
+            <pc:docMk/>
+            <pc:sldMk cId="500731357" sldId="257"/>
+            <ac:spMk id="33" creationId="{00000000-0000-0000-0000-000000000000}"/>
+          </ac:spMkLst>
+        </pc:spChg>
+        <pc:spChg chg="del mod">
+          <ac:chgData name="Judson Santiago" userId="ebb108da2f256286" providerId="LiveId" clId="{B2F5582A-7A04-4B4F-95CE-2948C99C6A22}" dt="2021-05-09T08:07:59.944" v="347" actId="478"/>
+          <ac:spMkLst>
+            <pc:docMk/>
+            <pc:sldMk cId="500731357" sldId="257"/>
+            <ac:spMk id="35" creationId="{00000000-0000-0000-0000-000000000000}"/>
+          </ac:spMkLst>
+        </pc:spChg>
+        <pc:spChg chg="add mod ord">
+          <ac:chgData name="Judson Santiago" userId="ebb108da2f256286" providerId="LiveId" clId="{B2F5582A-7A04-4B4F-95CE-2948C99C6A22}" dt="2021-05-09T08:10:39.216" v="370" actId="1582"/>
+          <ac:spMkLst>
+            <pc:docMk/>
+            <pc:sldMk cId="500731357" sldId="257"/>
+            <ac:spMk id="38" creationId="{89FC1CF6-F8A5-408A-826D-D695D6CFB05B}"/>
+          </ac:spMkLst>
+        </pc:spChg>
+        <pc:spChg chg="mod">
+          <ac:chgData name="Judson Santiago" userId="ebb108da2f256286" providerId="LiveId" clId="{B2F5582A-7A04-4B4F-95CE-2948C99C6A22}" dt="2021-05-09T08:09:12.403" v="363" actId="1076"/>
+          <ac:spMkLst>
+            <pc:docMk/>
+            <pc:sldMk cId="500731357" sldId="257"/>
+            <ac:spMk id="40" creationId="{00000000-0000-0000-0000-000000000000}"/>
+          </ac:spMkLst>
+        </pc:spChg>
+        <pc:spChg chg="mod">
+          <ac:chgData name="Judson Santiago" userId="ebb108da2f256286" providerId="LiveId" clId="{B2F5582A-7A04-4B4F-95CE-2948C99C6A22}" dt="2021-05-09T08:12:04.356" v="377" actId="404"/>
+          <ac:spMkLst>
+            <pc:docMk/>
+            <pc:sldMk cId="500731357" sldId="257"/>
+            <ac:spMk id="41" creationId="{00000000-0000-0000-0000-000000000000}"/>
+          </ac:spMkLst>
+        </pc:spChg>
+        <pc:spChg chg="mod">
+          <ac:chgData name="Judson Santiago" userId="ebb108da2f256286" providerId="LiveId" clId="{B2F5582A-7A04-4B4F-95CE-2948C99C6A22}" dt="2021-05-09T08:12:43.545" v="386" actId="1036"/>
+          <ac:spMkLst>
+            <pc:docMk/>
+            <pc:sldMk cId="500731357" sldId="257"/>
+            <ac:spMk id="42" creationId="{00000000-0000-0000-0000-000000000000}"/>
+          </ac:spMkLst>
+        </pc:spChg>
+        <pc:spChg chg="mod">
+          <ac:chgData name="Judson Santiago" userId="ebb108da2f256286" providerId="LiveId" clId="{B2F5582A-7A04-4B4F-95CE-2948C99C6A22}" dt="2021-05-09T02:22:14.002" v="148" actId="1035"/>
+          <ac:spMkLst>
+            <pc:docMk/>
+            <pc:sldMk cId="500731357" sldId="257"/>
+            <ac:spMk id="46" creationId="{00000000-0000-0000-0000-000000000000}"/>
+          </ac:spMkLst>
+        </pc:spChg>
+        <pc:spChg chg="mod">
+          <ac:chgData name="Judson Santiago" userId="ebb108da2f256286" providerId="LiveId" clId="{B2F5582A-7A04-4B4F-95CE-2948C99C6A22}" dt="2021-05-09T02:22:14.002" v="148" actId="1035"/>
+          <ac:spMkLst>
+            <pc:docMk/>
+            <pc:sldMk cId="500731357" sldId="257"/>
+            <ac:spMk id="47" creationId="{00000000-0000-0000-0000-000000000000}"/>
+          </ac:spMkLst>
+        </pc:spChg>
+        <pc:spChg chg="mod">
+          <ac:chgData name="Judson Santiago" userId="ebb108da2f256286" providerId="LiveId" clId="{B2F5582A-7A04-4B4F-95CE-2948C99C6A22}" dt="2021-05-09T08:08:55.971" v="356" actId="1038"/>
+          <ac:spMkLst>
+            <pc:docMk/>
+            <pc:sldMk cId="500731357" sldId="257"/>
+            <ac:spMk id="57" creationId="{00000000-0000-0000-0000-000000000000}"/>
+          </ac:spMkLst>
+        </pc:spChg>
+        <pc:spChg chg="mod">
+          <ac:chgData name="Judson Santiago" userId="ebb108da2f256286" providerId="LiveId" clId="{B2F5582A-7A04-4B4F-95CE-2948C99C6A22}" dt="2021-05-09T02:22:14.002" v="148" actId="1035"/>
+          <ac:spMkLst>
+            <pc:docMk/>
+            <pc:sldMk cId="500731357" sldId="257"/>
+            <ac:spMk id="58" creationId="{00000000-0000-0000-0000-000000000000}"/>
+          </ac:spMkLst>
+        </pc:spChg>
+        <pc:cxnChg chg="mod">
+          <ac:chgData name="Judson Santiago" userId="ebb108da2f256286" providerId="LiveId" clId="{B2F5582A-7A04-4B4F-95CE-2948C99C6A22}" dt="2021-05-09T02:21:17.534" v="145" actId="1035"/>
+          <ac:cxnSpMkLst>
+            <pc:docMk/>
+            <pc:sldMk cId="500731357" sldId="257"/>
+            <ac:cxnSpMk id="30" creationId="{00000000-0000-0000-0000-000000000000}"/>
+          </ac:cxnSpMkLst>
+        </pc:cxnChg>
+        <pc:cxnChg chg="del mod">
+          <ac:chgData name="Judson Santiago" userId="ebb108da2f256286" providerId="LiveId" clId="{B2F5582A-7A04-4B4F-95CE-2948C99C6A22}" dt="2021-05-09T08:07:59.944" v="347" actId="478"/>
+          <ac:cxnSpMkLst>
+            <pc:docMk/>
+            <pc:sldMk cId="500731357" sldId="257"/>
+            <ac:cxnSpMk id="36" creationId="{00000000-0000-0000-0000-000000000000}"/>
+          </ac:cxnSpMkLst>
+        </pc:cxnChg>
+        <pc:cxnChg chg="mod">
+          <ac:chgData name="Judson Santiago" userId="ebb108da2f256286" providerId="LiveId" clId="{B2F5582A-7A04-4B4F-95CE-2948C99C6A22}" dt="2021-05-09T02:22:14.002" v="148" actId="1035"/>
+          <ac:cxnSpMkLst>
+            <pc:docMk/>
+            <pc:sldMk cId="500731357" sldId="257"/>
+            <ac:cxnSpMk id="49" creationId="{00000000-0000-0000-0000-000000000000}"/>
+          </ac:cxnSpMkLst>
+        </pc:cxnChg>
+      </pc:sldChg>
+      <pc:sldChg chg="addSp delSp modSp mod">
+        <pc:chgData name="Judson Santiago" userId="ebb108da2f256286" providerId="LiveId" clId="{B2F5582A-7A04-4B4F-95CE-2948C99C6A22}" dt="2021-05-09T02:43:39.537" v="218" actId="1076"/>
+        <pc:sldMkLst>
+          <pc:docMk/>
+          <pc:sldMk cId="1074425841" sldId="258"/>
+        </pc:sldMkLst>
+        <pc:spChg chg="mod">
+          <ac:chgData name="Judson Santiago" userId="ebb108da2f256286" providerId="LiveId" clId="{B2F5582A-7A04-4B4F-95CE-2948C99C6A22}" dt="2021-05-09T02:40:32.570" v="189" actId="6549"/>
+          <ac:spMkLst>
+            <pc:docMk/>
+            <pc:sldMk cId="1074425841" sldId="258"/>
+            <ac:spMk id="3" creationId="{00000000-0000-0000-0000-000000000000}"/>
+          </ac:spMkLst>
+        </pc:spChg>
+        <pc:spChg chg="mod">
+          <ac:chgData name="Judson Santiago" userId="ebb108da2f256286" providerId="LiveId" clId="{B2F5582A-7A04-4B4F-95CE-2948C99C6A22}" dt="2021-05-09T02:42:12.619" v="200" actId="1076"/>
+          <ac:spMkLst>
+            <pc:docMk/>
+            <pc:sldMk cId="1074425841" sldId="258"/>
+            <ac:spMk id="10" creationId="{0591BC2A-7E95-402B-BE58-511AAD456E74}"/>
+          </ac:spMkLst>
+        </pc:spChg>
+        <pc:spChg chg="add mod">
+          <ac:chgData name="Judson Santiago" userId="ebb108da2f256286" providerId="LiveId" clId="{B2F5582A-7A04-4B4F-95CE-2948C99C6A22}" dt="2021-05-09T02:43:22.879" v="211" actId="1076"/>
+          <ac:spMkLst>
+            <pc:docMk/>
+            <pc:sldMk cId="1074425841" sldId="258"/>
+            <ac:spMk id="12" creationId="{5D013AE4-D960-4D5A-BE60-B46FA9A3F541}"/>
+          </ac:spMkLst>
+        </pc:spChg>
+        <pc:spChg chg="add mod">
+          <ac:chgData name="Judson Santiago" userId="ebb108da2f256286" providerId="LiveId" clId="{B2F5582A-7A04-4B4F-95CE-2948C99C6A22}" dt="2021-05-09T02:43:39.537" v="218" actId="1076"/>
+          <ac:spMkLst>
+            <pc:docMk/>
+            <pc:sldMk cId="1074425841" sldId="258"/>
+            <ac:spMk id="14" creationId="{AAA2A451-B7BB-4501-8044-B3B3BDFAE932}"/>
+          </ac:spMkLst>
+        </pc:spChg>
+        <pc:spChg chg="add mod">
+          <ac:chgData name="Judson Santiago" userId="ebb108da2f256286" providerId="LiveId" clId="{B2F5582A-7A04-4B4F-95CE-2948C99C6A22}" dt="2021-05-09T02:43:36.031" v="217" actId="1076"/>
+          <ac:spMkLst>
+            <pc:docMk/>
+            <pc:sldMk cId="1074425841" sldId="258"/>
+            <ac:spMk id="15" creationId="{13021F9A-7C04-4848-A5A5-EB0E4A3C12D5}"/>
+          </ac:spMkLst>
+        </pc:spChg>
+        <pc:cxnChg chg="del mod">
+          <ac:chgData name="Judson Santiago" userId="ebb108da2f256286" providerId="LiveId" clId="{B2F5582A-7A04-4B4F-95CE-2948C99C6A22}" dt="2021-05-09T02:43:19.920" v="210" actId="478"/>
+          <ac:cxnSpMkLst>
+            <pc:docMk/>
+            <pc:sldMk cId="1074425841" sldId="258"/>
+            <ac:cxnSpMk id="9" creationId="{00000000-0000-0000-0000-000000000000}"/>
+          </ac:cxnSpMkLst>
+        </pc:cxnChg>
+        <pc:cxnChg chg="del mod">
+          <ac:chgData name="Judson Santiago" userId="ebb108da2f256286" providerId="LiveId" clId="{B2F5582A-7A04-4B4F-95CE-2948C99C6A22}" dt="2021-05-09T02:43:25.764" v="213" actId="478"/>
+          <ac:cxnSpMkLst>
+            <pc:docMk/>
+            <pc:sldMk cId="1074425841" sldId="258"/>
+            <ac:cxnSpMk id="11" creationId="{00000000-0000-0000-0000-000000000000}"/>
+          </ac:cxnSpMkLst>
+        </pc:cxnChg>
+        <pc:cxnChg chg="del mod">
+          <ac:chgData name="Judson Santiago" userId="ebb108da2f256286" providerId="LiveId" clId="{B2F5582A-7A04-4B4F-95CE-2948C99C6A22}" dt="2021-05-09T02:43:29.997" v="215" actId="478"/>
+          <ac:cxnSpMkLst>
+            <pc:docMk/>
+            <pc:sldMk cId="1074425841" sldId="258"/>
+            <ac:cxnSpMk id="13" creationId="{00000000-0000-0000-0000-000000000000}"/>
+          </ac:cxnSpMkLst>
+        </pc:cxnChg>
+      </pc:sldChg>
+      <pc:sldChg chg="modSp mod">
+        <pc:chgData name="Judson Santiago" userId="ebb108da2f256286" providerId="LiveId" clId="{B2F5582A-7A04-4B4F-95CE-2948C99C6A22}" dt="2021-05-09T02:42:57.920" v="204" actId="1076"/>
+        <pc:sldMkLst>
+          <pc:docMk/>
+          <pc:sldMk cId="3102935535" sldId="259"/>
+        </pc:sldMkLst>
+        <pc:spChg chg="mod">
+          <ac:chgData name="Judson Santiago" userId="ebb108da2f256286" providerId="LiveId" clId="{B2F5582A-7A04-4B4F-95CE-2948C99C6A22}" dt="2021-05-09T02:42:57.920" v="204" actId="1076"/>
+          <ac:spMkLst>
+            <pc:docMk/>
+            <pc:sldMk cId="3102935535" sldId="259"/>
+            <ac:spMk id="4" creationId="{440E9925-C39F-4D25-B8E9-848366F11DC6}"/>
+          </ac:spMkLst>
+        </pc:spChg>
+      </pc:sldChg>
+      <pc:sldChg chg="addSp modSp mod">
+        <pc:chgData name="Judson Santiago" userId="ebb108da2f256286" providerId="LiveId" clId="{B2F5582A-7A04-4B4F-95CE-2948C99C6A22}" dt="2021-05-10T03:58:48.927" v="427" actId="20577"/>
+        <pc:sldMkLst>
+          <pc:docMk/>
+          <pc:sldMk cId="3856660796" sldId="260"/>
+        </pc:sldMkLst>
+        <pc:spChg chg="add mod">
+          <ac:chgData name="Judson Santiago" userId="ebb108da2f256286" providerId="LiveId" clId="{B2F5582A-7A04-4B4F-95CE-2948C99C6A22}" dt="2021-05-10T03:58:48.927" v="427" actId="20577"/>
+          <ac:spMkLst>
+            <pc:docMk/>
+            <pc:sldMk cId="3856660796" sldId="260"/>
+            <ac:spMk id="5" creationId="{D9C1898F-CEF7-4C1D-BCA6-DEC781C118C9}"/>
+          </ac:spMkLst>
+        </pc:spChg>
+      </pc:sldChg>
+      <pc:sldChg chg="modSp mod">
+        <pc:chgData name="Judson Santiago" userId="ebb108da2f256286" providerId="LiveId" clId="{B2F5582A-7A04-4B4F-95CE-2948C99C6A22}" dt="2021-05-09T02:51:08.695" v="295" actId="207"/>
+        <pc:sldMkLst>
+          <pc:docMk/>
+          <pc:sldMk cId="3778566253" sldId="262"/>
+        </pc:sldMkLst>
+        <pc:spChg chg="mod">
+          <ac:chgData name="Judson Santiago" userId="ebb108da2f256286" providerId="LiveId" clId="{B2F5582A-7A04-4B4F-95CE-2948C99C6A22}" dt="2021-05-09T02:51:08.695" v="295" actId="207"/>
+          <ac:spMkLst>
+            <pc:docMk/>
+            <pc:sldMk cId="3778566253" sldId="262"/>
+            <ac:spMk id="3" creationId="{00000000-0000-0000-0000-000000000000}"/>
+          </ac:spMkLst>
+        </pc:spChg>
+      </pc:sldChg>
+      <pc:sldChg chg="modSp mod">
+        <pc:chgData name="Judson Santiago" userId="ebb108da2f256286" providerId="LiveId" clId="{B2F5582A-7A04-4B4F-95CE-2948C99C6A22}" dt="2021-05-09T08:05:50.569" v="323" actId="207"/>
+        <pc:sldMkLst>
+          <pc:docMk/>
+          <pc:sldMk cId="3222516015" sldId="263"/>
+        </pc:sldMkLst>
+        <pc:spChg chg="mod">
+          <ac:chgData name="Judson Santiago" userId="ebb108da2f256286" providerId="LiveId" clId="{B2F5582A-7A04-4B4F-95CE-2948C99C6A22}" dt="2021-05-09T08:04:47.956" v="319" actId="20577"/>
+          <ac:spMkLst>
+            <pc:docMk/>
+            <pc:sldMk cId="3222516015" sldId="263"/>
+            <ac:spMk id="2" creationId="{00000000-0000-0000-0000-000000000000}"/>
+          </ac:spMkLst>
+        </pc:spChg>
+        <pc:spChg chg="mod">
+          <ac:chgData name="Judson Santiago" userId="ebb108da2f256286" providerId="LiveId" clId="{B2F5582A-7A04-4B4F-95CE-2948C99C6A22}" dt="2021-05-09T08:05:50.569" v="323" actId="207"/>
+          <ac:spMkLst>
+            <pc:docMk/>
+            <pc:sldMk cId="3222516015" sldId="263"/>
+            <ac:spMk id="3" creationId="{00000000-0000-0000-0000-000000000000}"/>
+          </ac:spMkLst>
+        </pc:spChg>
+      </pc:sldChg>
+      <pc:sldChg chg="modSp mod">
+        <pc:chgData name="Judson Santiago" userId="ebb108da2f256286" providerId="LiveId" clId="{B2F5582A-7A04-4B4F-95CE-2948C99C6A22}" dt="2021-05-09T08:17:47.877" v="408" actId="14838"/>
+        <pc:sldMkLst>
+          <pc:docMk/>
+          <pc:sldMk cId="3467832338" sldId="264"/>
+        </pc:sldMkLst>
+        <pc:spChg chg="mod">
+          <ac:chgData name="Judson Santiago" userId="ebb108da2f256286" providerId="LiveId" clId="{B2F5582A-7A04-4B4F-95CE-2948C99C6A22}" dt="2021-05-09T08:17:07.151" v="406" actId="14838"/>
+          <ac:spMkLst>
+            <pc:docMk/>
+            <pc:sldMk cId="3467832338" sldId="264"/>
+            <ac:spMk id="38" creationId="{00000000-0000-0000-0000-000000000000}"/>
+          </ac:spMkLst>
+        </pc:spChg>
+        <pc:spChg chg="mod">
+          <ac:chgData name="Judson Santiago" userId="ebb108da2f256286" providerId="LiveId" clId="{B2F5582A-7A04-4B4F-95CE-2948C99C6A22}" dt="2021-05-09T08:17:21.717" v="407" actId="14838"/>
+          <ac:spMkLst>
+            <pc:docMk/>
+            <pc:sldMk cId="3467832338" sldId="264"/>
+            <ac:spMk id="39" creationId="{00000000-0000-0000-0000-000000000000}"/>
+          </ac:spMkLst>
+        </pc:spChg>
+        <pc:spChg chg="mod">
+          <ac:chgData name="Judson Santiago" userId="ebb108da2f256286" providerId="LiveId" clId="{B2F5582A-7A04-4B4F-95CE-2948C99C6A22}" dt="2021-05-09T08:17:47.877" v="408" actId="14838"/>
+          <ac:spMkLst>
+            <pc:docMk/>
+            <pc:sldMk cId="3467832338" sldId="264"/>
+            <ac:spMk id="40" creationId="{00000000-0000-0000-0000-000000000000}"/>
+          </ac:spMkLst>
+        </pc:spChg>
+      </pc:sldChg>
+      <pc:sldChg chg="addSp modSp mod">
+        <pc:chgData name="Judson Santiago" userId="ebb108da2f256286" providerId="LiveId" clId="{B2F5582A-7A04-4B4F-95CE-2948C99C6A22}" dt="2021-05-10T03:59:01.180" v="435" actId="20577"/>
+        <pc:sldMkLst>
+          <pc:docMk/>
+          <pc:sldMk cId="3282526041" sldId="273"/>
+        </pc:sldMkLst>
+        <pc:spChg chg="add mod">
+          <ac:chgData name="Judson Santiago" userId="ebb108da2f256286" providerId="LiveId" clId="{B2F5582A-7A04-4B4F-95CE-2948C99C6A22}" dt="2021-05-10T03:59:01.180" v="435" actId="20577"/>
+          <ac:spMkLst>
+            <pc:docMk/>
+            <pc:sldMk cId="3282526041" sldId="273"/>
+            <ac:spMk id="5" creationId="{1B8768EF-39A1-4F4F-9EAF-BE8559025B7F}"/>
+          </ac:spMkLst>
+        </pc:spChg>
+      </pc:sldChg>
+      <pc:sldChg chg="addSp modSp">
+        <pc:chgData name="Judson Santiago" userId="ebb108da2f256286" providerId="LiveId" clId="{B2F5582A-7A04-4B4F-95CE-2948C99C6A22}" dt="2021-05-10T03:59:07.087" v="436"/>
+        <pc:sldMkLst>
+          <pc:docMk/>
+          <pc:sldMk cId="2375367573" sldId="274"/>
+        </pc:sldMkLst>
+        <pc:spChg chg="add mod">
+          <ac:chgData name="Judson Santiago" userId="ebb108da2f256286" providerId="LiveId" clId="{B2F5582A-7A04-4B4F-95CE-2948C99C6A22}" dt="2021-05-10T03:59:07.087" v="436"/>
+          <ac:spMkLst>
+            <pc:docMk/>
+            <pc:sldMk cId="2375367573" sldId="274"/>
+            <ac:spMk id="5" creationId="{8162E88B-305A-42D2-BC35-4011E1D3D542}"/>
+          </ac:spMkLst>
+        </pc:spChg>
+      </pc:sldChg>
+      <pc:sldChg chg="addSp delSp modSp mod">
+        <pc:chgData name="Judson Santiago" userId="ebb108da2f256286" providerId="LiveId" clId="{B2F5582A-7A04-4B4F-95CE-2948C99C6A22}" dt="2021-05-09T08:20:28.873" v="413" actId="207"/>
+        <pc:sldMkLst>
+          <pc:docMk/>
+          <pc:sldMk cId="3601590107" sldId="282"/>
+        </pc:sldMkLst>
+        <pc:spChg chg="mod">
+          <ac:chgData name="Judson Santiago" userId="ebb108da2f256286" providerId="LiveId" clId="{B2F5582A-7A04-4B4F-95CE-2948C99C6A22}" dt="2021-05-09T02:13:14.790" v="57" actId="20577"/>
+          <ac:spMkLst>
+            <pc:docMk/>
+            <pc:sldMk cId="3601590107" sldId="282"/>
+            <ac:spMk id="3" creationId="{7686CBAC-CD3C-4E70-91FF-FEC85D9C5331}"/>
+          </ac:spMkLst>
+        </pc:spChg>
+        <pc:spChg chg="mod">
+          <ac:chgData name="Judson Santiago" userId="ebb108da2f256286" providerId="LiveId" clId="{B2F5582A-7A04-4B4F-95CE-2948C99C6A22}" dt="2021-05-09T08:19:29.255" v="409" actId="207"/>
+          <ac:spMkLst>
+            <pc:docMk/>
+            <pc:sldMk cId="3601590107" sldId="282"/>
+            <ac:spMk id="5" creationId="{4E28303F-1C1F-4A7F-92CC-8A0B0B31EC5D}"/>
+          </ac:spMkLst>
+        </pc:spChg>
+        <pc:spChg chg="mod">
+          <ac:chgData name="Judson Santiago" userId="ebb108da2f256286" providerId="LiveId" clId="{B2F5582A-7A04-4B4F-95CE-2948C99C6A22}" dt="2021-05-09T08:19:29.255" v="409" actId="207"/>
+          <ac:spMkLst>
+            <pc:docMk/>
+            <pc:sldMk cId="3601590107" sldId="282"/>
+            <ac:spMk id="6" creationId="{51F3A0CC-D772-43E3-B396-C19226F5CEB8}"/>
+          </ac:spMkLst>
+        </pc:spChg>
+        <pc:spChg chg="add mod ord">
+          <ac:chgData name="Judson Santiago" userId="ebb108da2f256286" providerId="LiveId" clId="{B2F5582A-7A04-4B4F-95CE-2948C99C6A22}" dt="2021-05-09T08:11:11.251" v="375" actId="14100"/>
+          <ac:spMkLst>
+            <pc:docMk/>
+            <pc:sldMk cId="3601590107" sldId="282"/>
+            <ac:spMk id="42" creationId="{B3171543-9530-48EC-9E59-87987D27DC9A}"/>
+          </ac:spMkLst>
+        </pc:spChg>
+        <pc:spChg chg="add del mod ord">
+          <ac:chgData name="Judson Santiago" userId="ebb108da2f256286" providerId="LiveId" clId="{B2F5582A-7A04-4B4F-95CE-2948C99C6A22}" dt="2021-05-09T02:26:29.382" v="182"/>
+          <ac:spMkLst>
+            <pc:docMk/>
+            <pc:sldMk cId="3601590107" sldId="282"/>
+            <ac:spMk id="42" creationId="{DAA2A66B-EEE5-41B4-800A-A8E2308AB1F7}"/>
+          </ac:spMkLst>
+        </pc:spChg>
+        <pc:spChg chg="mod">
+          <ac:chgData name="Judson Santiago" userId="ebb108da2f256286" providerId="LiveId" clId="{B2F5582A-7A04-4B4F-95CE-2948C99C6A22}" dt="2021-05-09T08:09:53.826" v="366" actId="1037"/>
+          <ac:spMkLst>
+            <pc:docMk/>
+            <pc:sldMk cId="3601590107" sldId="282"/>
+            <ac:spMk id="47" creationId="{1E73D691-C5AB-4F6F-8D65-DBED4F02ECD7}"/>
+          </ac:spMkLst>
+        </pc:spChg>
+        <pc:spChg chg="mod topLvl">
+          <ac:chgData name="Judson Santiago" userId="ebb108da2f256286" providerId="LiveId" clId="{B2F5582A-7A04-4B4F-95CE-2948C99C6A22}" dt="2021-05-09T08:20:28.873" v="413" actId="207"/>
+          <ac:spMkLst>
+            <pc:docMk/>
+            <pc:sldMk cId="3601590107" sldId="282"/>
+            <ac:spMk id="48" creationId="{97AA19DC-3417-47B0-AE58-9B3771104C45}"/>
+          </ac:spMkLst>
+        </pc:spChg>
+        <pc:spChg chg="mod topLvl">
+          <ac:chgData name="Judson Santiago" userId="ebb108da2f256286" providerId="LiveId" clId="{B2F5582A-7A04-4B4F-95CE-2948C99C6A22}" dt="2021-05-09T08:20:28.530" v="412" actId="207"/>
+          <ac:spMkLst>
+            <pc:docMk/>
+            <pc:sldMk cId="3601590107" sldId="282"/>
+            <ac:spMk id="49" creationId="{D73DEDC8-6097-40D8-9253-07FD085B8C09}"/>
+          </ac:spMkLst>
+        </pc:spChg>
+        <pc:spChg chg="mod topLvl">
+          <ac:chgData name="Judson Santiago" userId="ebb108da2f256286" providerId="LiveId" clId="{B2F5582A-7A04-4B4F-95CE-2948C99C6A22}" dt="2021-05-09T08:07:34.531" v="346" actId="164"/>
+          <ac:spMkLst>
+            <pc:docMk/>
+            <pc:sldMk cId="3601590107" sldId="282"/>
+            <ac:spMk id="50" creationId="{6BCB2659-DD33-4ED7-94E3-02C750D1497E}"/>
+          </ac:spMkLst>
+        </pc:spChg>
+        <pc:spChg chg="mod topLvl">
+          <ac:chgData name="Judson Santiago" userId="ebb108da2f256286" providerId="LiveId" clId="{B2F5582A-7A04-4B4F-95CE-2948C99C6A22}" dt="2021-05-09T08:07:34.531" v="346" actId="164"/>
+          <ac:spMkLst>
+            <pc:docMk/>
+            <pc:sldMk cId="3601590107" sldId="282"/>
+            <ac:spMk id="51" creationId="{0774991A-8CB2-4979-B1C5-BB51ECE47FB5}"/>
+          </ac:spMkLst>
+        </pc:spChg>
+        <pc:spChg chg="del mod topLvl">
+          <ac:chgData name="Judson Santiago" userId="ebb108da2f256286" providerId="LiveId" clId="{B2F5582A-7A04-4B4F-95CE-2948C99C6A22}" dt="2021-05-09T08:06:50.505" v="332" actId="478"/>
+          <ac:spMkLst>
+            <pc:docMk/>
+            <pc:sldMk cId="3601590107" sldId="282"/>
+            <ac:spMk id="52" creationId="{4CEC9BAD-46C4-46B8-8E46-B44E4F2BA716}"/>
+          </ac:spMkLst>
+        </pc:spChg>
+        <pc:grpChg chg="add mod">
+          <ac:chgData name="Judson Santiago" userId="ebb108da2f256286" providerId="LiveId" clId="{B2F5582A-7A04-4B4F-95CE-2948C99C6A22}" dt="2021-05-09T08:09:59.753" v="368" actId="1037"/>
+          <ac:grpSpMkLst>
+            <pc:docMk/>
+            <pc:sldMk cId="3601590107" sldId="282"/>
+            <ac:grpSpMk id="4" creationId="{15ED4997-0E45-4514-A1F5-29A68C5456BA}"/>
+          </ac:grpSpMkLst>
+        </pc:grpChg>
+        <pc:grpChg chg="del mod">
+          <ac:chgData name="Judson Santiago" userId="ebb108da2f256286" providerId="LiveId" clId="{B2F5582A-7A04-4B4F-95CE-2948C99C6A22}" dt="2021-05-09T02:24:06.515" v="149" actId="165"/>
+          <ac:grpSpMkLst>
+            <pc:docMk/>
+            <pc:sldMk cId="3601590107" sldId="282"/>
+            <ac:grpSpMk id="4" creationId="{73E1B9B3-EA9C-47BB-8DAB-EDBA34E43236}"/>
+          </ac:grpSpMkLst>
+        </pc:grpChg>
+        <pc:grpChg chg="mod">
+          <ac:chgData name="Judson Santiago" userId="ebb108da2f256286" providerId="LiveId" clId="{B2F5582A-7A04-4B4F-95CE-2948C99C6A22}" dt="2021-05-09T08:09:53.826" v="366" actId="1037"/>
+          <ac:grpSpMkLst>
+            <pc:docMk/>
+            <pc:sldMk cId="3601590107" sldId="282"/>
+            <ac:grpSpMk id="46" creationId="{7429996D-BB8B-4274-8992-A0A81C130BD4}"/>
+          </ac:grpSpMkLst>
+        </pc:grpChg>
+        <pc:cxnChg chg="add del mod topLvl">
+          <ac:chgData name="Judson Santiago" userId="ebb108da2f256286" providerId="LiveId" clId="{B2F5582A-7A04-4B4F-95CE-2948C99C6A22}" dt="2021-05-09T08:06:50.505" v="332" actId="478"/>
+          <ac:cxnSpMkLst>
+            <pc:docMk/>
+            <pc:sldMk cId="3601590107" sldId="282"/>
+            <ac:cxnSpMk id="53" creationId="{90531047-2901-4EBE-B881-C358DCC35A94}"/>
+          </ac:cxnSpMkLst>
+        </pc:cxnChg>
+      </pc:sldChg>
+      <pc:sldMasterChg chg="setBg modSldLayout">
+        <pc:chgData name="Judson Santiago" userId="ebb108da2f256286" providerId="LiveId" clId="{B2F5582A-7A04-4B4F-95CE-2948C99C6A22}" dt="2021-05-09T02:03:17.572" v="4"/>
+        <pc:sldMasterMkLst>
+          <pc:docMk/>
+          <pc:sldMasterMk cId="0" sldId="2147483660"/>
+        </pc:sldMasterMkLst>
+        <pc:sldLayoutChg chg="addSp modSp mod">
+          <pc:chgData name="Judson Santiago" userId="ebb108da2f256286" providerId="LiveId" clId="{B2F5582A-7A04-4B4F-95CE-2948C99C6A22}" dt="2021-05-09T02:02:52.953" v="1" actId="167"/>
+          <pc:sldLayoutMkLst>
+            <pc:docMk/>
+            <pc:sldMasterMk cId="0" sldId="2147483660"/>
+            <pc:sldLayoutMk cId="0" sldId="2147483661"/>
+          </pc:sldLayoutMkLst>
+          <pc:picChg chg="add mod ord">
+            <ac:chgData name="Judson Santiago" userId="ebb108da2f256286" providerId="LiveId" clId="{B2F5582A-7A04-4B4F-95CE-2948C99C6A22}" dt="2021-05-09T02:02:52.953" v="1" actId="167"/>
+            <ac:picMkLst>
+              <pc:docMk/>
+              <pc:sldMasterMk cId="0" sldId="2147483660"/>
+              <pc:sldLayoutMk cId="0" sldId="2147483661"/>
+              <ac:picMk id="13" creationId="{BE7391B8-6CC7-4A6B-99E1-368E499635ED}"/>
+            </ac:picMkLst>
+          </pc:picChg>
+        </pc:sldLayoutChg>
+      </pc:sldMasterChg>
+    </pc:docChg>
   </pc:docChgLst>
 </pc:chgInfo>
 </file>
@@ -1777,7 +3338,7 @@
             <a:fld id="{C316FC6E-831B-4C5E-8751-6BBED6FFBE8E}" type="datetimeFigureOut">
               <a:rPr lang="pt-BR" smtClean="0"/>
               <a:pPr/>
-              <a:t>27/01/2020</a:t>
+              <a:t>10/05/2021</a:t>
             </a:fld>
             <a:endParaRPr lang="pt-BR"/>
           </a:p>
@@ -2102,6 +3663,91 @@
             <a:spLocks noGrp="1"/>
           </p:cNvSpPr>
           <p:nvPr>
+            <p:ph type="sldNum" sz="quarter" idx="5"/>
+          </p:nvPr>
+        </p:nvSpPr>
+        <p:spPr/>
+        <p:txBody>
+          <a:bodyPr/>
+          <a:lstStyle/>
+          <a:p>
+            <a:fld id="{0CCBE35C-FFF7-45E7-A1F3-86D06533C3F2}" type="slidenum">
+              <a:rPr lang="pt-BR" smtClean="0"/>
+              <a:pPr/>
+              <a:t>3</a:t>
+            </a:fld>
+            <a:endParaRPr lang="pt-BR"/>
+          </a:p>
+        </p:txBody>
+      </p:sp>
+    </p:spTree>
+    <p:extLst>
+      <p:ext uri="{BB962C8B-B14F-4D97-AF65-F5344CB8AC3E}">
+        <p14:creationId xmlns:p14="http://schemas.microsoft.com/office/powerpoint/2010/main" val="1712235145"/>
+      </p:ext>
+    </p:extLst>
+  </p:cSld>
+  <p:clrMapOvr>
+    <a:masterClrMapping/>
+  </p:clrMapOvr>
+</p:notes>
+</file>
+
+<file path=ppt/notesSlides/notesSlide2.xml><?xml version="1.0" encoding="utf-8"?>
+<p:notes xmlns:a="http://schemas.openxmlformats.org/drawingml/2006/main" xmlns:r="http://schemas.openxmlformats.org/officeDocument/2006/relationships" xmlns:p="http://schemas.openxmlformats.org/presentationml/2006/main">
+  <p:cSld>
+    <p:spTree>
+      <p:nvGrpSpPr>
+        <p:cNvPr id="1" name=""/>
+        <p:cNvGrpSpPr/>
+        <p:nvPr/>
+      </p:nvGrpSpPr>
+      <p:grpSpPr>
+        <a:xfrm>
+          <a:off x="0" y="0"/>
+          <a:ext cx="0" cy="0"/>
+          <a:chOff x="0" y="0"/>
+          <a:chExt cx="0" cy="0"/>
+        </a:xfrm>
+      </p:grpSpPr>
+      <p:sp>
+        <p:nvSpPr>
+          <p:cNvPr id="2" name="Espaço Reservado para Imagem de Slide 1"/>
+          <p:cNvSpPr>
+            <a:spLocks noGrp="1" noRot="1" noChangeAspect="1"/>
+          </p:cNvSpPr>
+          <p:nvPr>
+            <p:ph type="sldImg"/>
+          </p:nvPr>
+        </p:nvSpPr>
+        <p:spPr/>
+      </p:sp>
+      <p:sp>
+        <p:nvSpPr>
+          <p:cNvPr id="3" name="Espaço Reservado para Anotações 2"/>
+          <p:cNvSpPr>
+            <a:spLocks noGrp="1"/>
+          </p:cNvSpPr>
+          <p:nvPr>
+            <p:ph type="body" idx="1"/>
+          </p:nvPr>
+        </p:nvSpPr>
+        <p:spPr/>
+        <p:txBody>
+          <a:bodyPr/>
+          <a:lstStyle/>
+          <a:p>
+            <a:endParaRPr lang="pt-BR" dirty="0"/>
+          </a:p>
+        </p:txBody>
+      </p:sp>
+      <p:sp>
+        <p:nvSpPr>
+          <p:cNvPr id="4" name="Espaço Reservado para Número de Slide 3"/>
+          <p:cNvSpPr>
+            <a:spLocks noGrp="1"/>
+          </p:cNvSpPr>
+          <p:nvPr>
             <p:ph type="sldNum" sz="quarter" idx="10"/>
           </p:nvPr>
         </p:nvSpPr>
@@ -2132,7 +3778,7 @@
 </p:notes>
 </file>
 
-<file path=ppt/notesSlides/notesSlide2.xml><?xml version="1.0" encoding="utf-8"?>
+<file path=ppt/notesSlides/notesSlide3.xml><?xml version="1.0" encoding="utf-8"?>
 <p:notes xmlns:a="http://schemas.openxmlformats.org/drawingml/2006/main" xmlns:r="http://schemas.openxmlformats.org/officeDocument/2006/relationships" xmlns:p="http://schemas.openxmlformats.org/presentationml/2006/main">
   <p:cSld>
     <p:spTree>
@@ -2224,91 +3870,6 @@
     <p:extLst>
       <p:ext uri="{BB962C8B-B14F-4D97-AF65-F5344CB8AC3E}">
         <p14:creationId xmlns:p14="http://schemas.microsoft.com/office/powerpoint/2010/main" val="1259717453"/>
-      </p:ext>
-    </p:extLst>
-  </p:cSld>
-  <p:clrMapOvr>
-    <a:masterClrMapping/>
-  </p:clrMapOvr>
-</p:notes>
-</file>
-
-<file path=ppt/notesSlides/notesSlide3.xml><?xml version="1.0" encoding="utf-8"?>
-<p:notes xmlns:a="http://schemas.openxmlformats.org/drawingml/2006/main" xmlns:r="http://schemas.openxmlformats.org/officeDocument/2006/relationships" xmlns:p="http://schemas.openxmlformats.org/presentationml/2006/main">
-  <p:cSld>
-    <p:spTree>
-      <p:nvGrpSpPr>
-        <p:cNvPr id="1" name=""/>
-        <p:cNvGrpSpPr/>
-        <p:nvPr/>
-      </p:nvGrpSpPr>
-      <p:grpSpPr>
-        <a:xfrm>
-          <a:off x="0" y="0"/>
-          <a:ext cx="0" cy="0"/>
-          <a:chOff x="0" y="0"/>
-          <a:chExt cx="0" cy="0"/>
-        </a:xfrm>
-      </p:grpSpPr>
-      <p:sp>
-        <p:nvSpPr>
-          <p:cNvPr id="2" name="Espaço Reservado para Imagem de Slide 1"/>
-          <p:cNvSpPr>
-            <a:spLocks noGrp="1" noRot="1" noChangeAspect="1"/>
-          </p:cNvSpPr>
-          <p:nvPr>
-            <p:ph type="sldImg"/>
-          </p:nvPr>
-        </p:nvSpPr>
-        <p:spPr/>
-      </p:sp>
-      <p:sp>
-        <p:nvSpPr>
-          <p:cNvPr id="3" name="Espaço Reservado para Anotações 2"/>
-          <p:cNvSpPr>
-            <a:spLocks noGrp="1"/>
-          </p:cNvSpPr>
-          <p:nvPr>
-            <p:ph type="body" idx="1"/>
-          </p:nvPr>
-        </p:nvSpPr>
-        <p:spPr/>
-        <p:txBody>
-          <a:bodyPr/>
-          <a:lstStyle/>
-          <a:p>
-            <a:endParaRPr lang="pt-BR" dirty="0"/>
-          </a:p>
-        </p:txBody>
-      </p:sp>
-      <p:sp>
-        <p:nvSpPr>
-          <p:cNvPr id="4" name="Espaço Reservado para Número de Slide 3"/>
-          <p:cNvSpPr>
-            <a:spLocks noGrp="1"/>
-          </p:cNvSpPr>
-          <p:nvPr>
-            <p:ph type="sldNum" sz="quarter" idx="5"/>
-          </p:nvPr>
-        </p:nvSpPr>
-        <p:spPr/>
-        <p:txBody>
-          <a:bodyPr/>
-          <a:lstStyle/>
-          <a:p>
-            <a:fld id="{0CCBE35C-FFF7-45E7-A1F3-86D06533C3F2}" type="slidenum">
-              <a:rPr lang="pt-BR" smtClean="0"/>
-              <a:pPr/>
-              <a:t>10</a:t>
-            </a:fld>
-            <a:endParaRPr lang="pt-BR"/>
-          </a:p>
-        </p:txBody>
-      </p:sp>
-    </p:spTree>
-    <p:extLst>
-      <p:ext uri="{BB962C8B-B14F-4D97-AF65-F5344CB8AC3E}">
-        <p14:creationId xmlns:p14="http://schemas.microsoft.com/office/powerpoint/2010/main" val="965596075"/>
       </p:ext>
     </p:extLst>
   </p:cSld>
@@ -2362,14 +3923,6 @@
           <a:bodyPr/>
           <a:lstStyle/>
           <a:p>
-            <a:r>
-              <a:rPr lang="pt-BR" dirty="0"/>
-              <a:t>O</a:t>
-            </a:r>
-            <a:r>
-              <a:rPr lang="pt-BR" baseline="0" dirty="0"/>
-              <a:t> operador de indireção não faz sentido para funções, então ele retorna o próprio endereço da função.</a:t>
-            </a:r>
             <a:endParaRPr lang="pt-BR" dirty="0"/>
           </a:p>
         </p:txBody>
@@ -2381,7 +3934,7 @@
             <a:spLocks noGrp="1"/>
           </p:cNvSpPr>
           <p:nvPr>
-            <p:ph type="sldNum" sz="quarter" idx="10"/>
+            <p:ph type="sldNum" sz="quarter" idx="5"/>
           </p:nvPr>
         </p:nvSpPr>
         <p:spPr/>
@@ -2392,7 +3945,7 @@
             <a:fld id="{0CCBE35C-FFF7-45E7-A1F3-86D06533C3F2}" type="slidenum">
               <a:rPr lang="pt-BR" smtClean="0"/>
               <a:pPr/>
-              <a:t>18</a:t>
+              <a:t>10</a:t>
             </a:fld>
             <a:endParaRPr lang="pt-BR"/>
           </a:p>
@@ -2401,7 +3954,7 @@
     </p:spTree>
     <p:extLst>
       <p:ext uri="{BB962C8B-B14F-4D97-AF65-F5344CB8AC3E}">
-        <p14:creationId xmlns:p14="http://schemas.microsoft.com/office/powerpoint/2010/main" val="3081654118"/>
+        <p14:creationId xmlns:p14="http://schemas.microsoft.com/office/powerpoint/2010/main" val="965596075"/>
       </p:ext>
     </p:extLst>
   </p:cSld>
@@ -2457,16 +4010,13 @@
           <a:p>
             <a:r>
               <a:rPr lang="pt-BR" dirty="0"/>
-              <a:t>Supondo que v é um vetor de 5 </a:t>
-            </a:r>
-            <a:r>
-              <a:rPr lang="pt-BR" dirty="0" err="1"/>
-              <a:t>doubles</a:t>
-            </a:r>
-            <a:r>
-              <a:rPr lang="pt-BR" dirty="0"/>
-              <a:t>.</a:t>
-            </a:r>
+              <a:t>O</a:t>
+            </a:r>
+            <a:r>
+              <a:rPr lang="pt-BR" baseline="0" dirty="0"/>
+              <a:t> operador de indireção não faz sentido para funções, então ele retorna o próprio endereço da função.</a:t>
+            </a:r>
+            <a:endParaRPr lang="pt-BR" dirty="0"/>
           </a:p>
         </p:txBody>
       </p:sp>
@@ -2488,7 +4038,7 @@
             <a:fld id="{0CCBE35C-FFF7-45E7-A1F3-86D06533C3F2}" type="slidenum">
               <a:rPr lang="pt-BR" smtClean="0"/>
               <a:pPr/>
-              <a:t>24</a:t>
+              <a:t>18</a:t>
             </a:fld>
             <a:endParaRPr lang="pt-BR"/>
           </a:p>
@@ -2497,7 +4047,7 @@
     </p:spTree>
     <p:extLst>
       <p:ext uri="{BB962C8B-B14F-4D97-AF65-F5344CB8AC3E}">
-        <p14:creationId xmlns:p14="http://schemas.microsoft.com/office/powerpoint/2010/main" val="1872828421"/>
+        <p14:creationId xmlns:p14="http://schemas.microsoft.com/office/powerpoint/2010/main" val="3081654118"/>
       </p:ext>
     </p:extLst>
   </p:cSld>
@@ -2553,6 +4103,102 @@
           <a:p>
             <a:r>
               <a:rPr lang="pt-BR" dirty="0"/>
+              <a:t>Supondo que v é um vetor de 5 </a:t>
+            </a:r>
+            <a:r>
+              <a:rPr lang="pt-BR" dirty="0" err="1"/>
+              <a:t>doubles</a:t>
+            </a:r>
+            <a:r>
+              <a:rPr lang="pt-BR" dirty="0"/>
+              <a:t>.</a:t>
+            </a:r>
+          </a:p>
+        </p:txBody>
+      </p:sp>
+      <p:sp>
+        <p:nvSpPr>
+          <p:cNvPr id="4" name="Espaço Reservado para Número de Slide 3"/>
+          <p:cNvSpPr>
+            <a:spLocks noGrp="1"/>
+          </p:cNvSpPr>
+          <p:nvPr>
+            <p:ph type="sldNum" sz="quarter" idx="10"/>
+          </p:nvPr>
+        </p:nvSpPr>
+        <p:spPr/>
+        <p:txBody>
+          <a:bodyPr/>
+          <a:lstStyle/>
+          <a:p>
+            <a:fld id="{0CCBE35C-FFF7-45E7-A1F3-86D06533C3F2}" type="slidenum">
+              <a:rPr lang="pt-BR" smtClean="0"/>
+              <a:pPr/>
+              <a:t>24</a:t>
+            </a:fld>
+            <a:endParaRPr lang="pt-BR"/>
+          </a:p>
+        </p:txBody>
+      </p:sp>
+    </p:spTree>
+    <p:extLst>
+      <p:ext uri="{BB962C8B-B14F-4D97-AF65-F5344CB8AC3E}">
+        <p14:creationId xmlns:p14="http://schemas.microsoft.com/office/powerpoint/2010/main" val="1872828421"/>
+      </p:ext>
+    </p:extLst>
+  </p:cSld>
+  <p:clrMapOvr>
+    <a:masterClrMapping/>
+  </p:clrMapOvr>
+</p:notes>
+</file>
+
+<file path=ppt/notesSlides/notesSlide7.xml><?xml version="1.0" encoding="utf-8"?>
+<p:notes xmlns:a="http://schemas.openxmlformats.org/drawingml/2006/main" xmlns:r="http://schemas.openxmlformats.org/officeDocument/2006/relationships" xmlns:p="http://schemas.openxmlformats.org/presentationml/2006/main">
+  <p:cSld>
+    <p:spTree>
+      <p:nvGrpSpPr>
+        <p:cNvPr id="1" name=""/>
+        <p:cNvGrpSpPr/>
+        <p:nvPr/>
+      </p:nvGrpSpPr>
+      <p:grpSpPr>
+        <a:xfrm>
+          <a:off x="0" y="0"/>
+          <a:ext cx="0" cy="0"/>
+          <a:chOff x="0" y="0"/>
+          <a:chExt cx="0" cy="0"/>
+        </a:xfrm>
+      </p:grpSpPr>
+      <p:sp>
+        <p:nvSpPr>
+          <p:cNvPr id="2" name="Espaço Reservado para Imagem de Slide 1"/>
+          <p:cNvSpPr>
+            <a:spLocks noGrp="1" noRot="1" noChangeAspect="1"/>
+          </p:cNvSpPr>
+          <p:nvPr>
+            <p:ph type="sldImg"/>
+          </p:nvPr>
+        </p:nvSpPr>
+        <p:spPr/>
+      </p:sp>
+      <p:sp>
+        <p:nvSpPr>
+          <p:cNvPr id="3" name="Espaço Reservado para Anotações 2"/>
+          <p:cNvSpPr>
+            <a:spLocks noGrp="1"/>
+          </p:cNvSpPr>
+          <p:nvPr>
+            <p:ph type="body" idx="1"/>
+          </p:nvPr>
+        </p:nvSpPr>
+        <p:spPr/>
+        <p:txBody>
+          <a:bodyPr/>
+          <a:lstStyle/>
+          <a:p>
+            <a:r>
+              <a:rPr lang="pt-BR" dirty="0"/>
               <a:t>Ordenação (</a:t>
             </a:r>
             <a:r>
@@ -2645,6 +4291,37 @@
           <a:chExt cx="0" cy="0"/>
         </a:xfrm>
       </p:grpSpPr>
+      <p:pic>
+        <p:nvPicPr>
+          <p:cNvPr id="13" name="Picture 3" descr="Rede de tecnologia iluminada em uma tela de fundo escura">
+            <a:extLst>
+              <a:ext uri="{FF2B5EF4-FFF2-40B4-BE49-F238E27FC236}">
+                <a16:creationId xmlns:a16="http://schemas.microsoft.com/office/drawing/2014/main" id="{BE7391B8-6CC7-4A6B-99E1-368E499635ED}"/>
+              </a:ext>
+            </a:extLst>
+          </p:cNvPr>
+          <p:cNvPicPr>
+            <a:picLocks noChangeAspect="1"/>
+          </p:cNvPicPr>
+          <p:nvPr userDrawn="1"/>
+        </p:nvPicPr>
+        <p:blipFill rotWithShape="1">
+          <a:blip r:embed="rId2">
+            <a:alphaModFix amt="30000"/>
+          </a:blip>
+          <a:srcRect t="22329"/>
+          <a:stretch/>
+        </p:blipFill>
+        <p:spPr>
+          <a:xfrm flipH="1" flipV="1">
+            <a:off x="487680" y="0"/>
+            <a:ext cx="11704320" cy="6858000"/>
+          </a:xfrm>
+          <a:prstGeom prst="rect">
+            <a:avLst/>
+          </a:prstGeom>
+        </p:spPr>
+      </p:pic>
       <p:sp>
         <p:nvSpPr>
           <p:cNvPr id="28" name="Espaço Reservado para Data 27"/>
@@ -2663,7 +4340,7 @@
             <a:fld id="{D7C55EEC-0318-498A-BF02-D605D7177864}" type="datetimeFigureOut">
               <a:rPr lang="pt-BR" smtClean="0"/>
               <a:pPr/>
-              <a:t>27/01/2020</a:t>
+              <a:t>10/05/2021</a:t>
             </a:fld>
             <a:endParaRPr lang="pt-BR"/>
           </a:p>
@@ -3218,7 +4895,7 @@
             <a:fld id="{D7C55EEC-0318-498A-BF02-D605D7177864}" type="datetimeFigureOut">
               <a:rPr lang="pt-BR" smtClean="0"/>
               <a:pPr/>
-              <a:t>27/01/2020</a:t>
+              <a:t>10/05/2021</a:t>
             </a:fld>
             <a:endParaRPr lang="pt-BR"/>
           </a:p>
@@ -3395,7 +5072,7 @@
             <a:fld id="{D7C55EEC-0318-498A-BF02-D605D7177864}" type="datetimeFigureOut">
               <a:rPr lang="pt-BR" smtClean="0"/>
               <a:pPr/>
-              <a:t>27/01/2020</a:t>
+              <a:t>10/05/2021</a:t>
             </a:fld>
             <a:endParaRPr lang="pt-BR"/>
           </a:p>
@@ -3562,7 +5239,7 @@
             <a:fld id="{D7C55EEC-0318-498A-BF02-D605D7177864}" type="datetimeFigureOut">
               <a:rPr lang="pt-BR" smtClean="0"/>
               <a:pPr/>
-              <a:t>27/01/2020</a:t>
+              <a:t>10/05/2021</a:t>
             </a:fld>
             <a:endParaRPr lang="pt-BR"/>
           </a:p>
@@ -5011,7 +6688,7 @@
             <a:fld id="{D7C55EEC-0318-498A-BF02-D605D7177864}" type="datetimeFigureOut">
               <a:rPr lang="pt-BR" smtClean="0"/>
               <a:pPr/>
-              <a:t>27/01/2020</a:t>
+              <a:t>10/05/2021</a:t>
             </a:fld>
             <a:endParaRPr lang="pt-BR"/>
           </a:p>
@@ -5593,7 +7270,7 @@
             <a:fld id="{D7C55EEC-0318-498A-BF02-D605D7177864}" type="datetimeFigureOut">
               <a:rPr lang="pt-BR" smtClean="0"/>
               <a:pPr/>
-              <a:t>27/01/2020</a:t>
+              <a:t>10/05/2021</a:t>
             </a:fld>
             <a:endParaRPr lang="pt-BR"/>
           </a:p>
@@ -6024,7 +7701,7 @@
             <a:fld id="{D7C55EEC-0318-498A-BF02-D605D7177864}" type="datetimeFigureOut">
               <a:rPr lang="pt-BR" smtClean="0"/>
               <a:pPr/>
-              <a:t>27/01/2020</a:t>
+              <a:t>10/05/2021</a:t>
             </a:fld>
             <a:endParaRPr lang="pt-BR"/>
           </a:p>
@@ -6563,7 +8240,7 @@
             <a:fld id="{D7C55EEC-0318-498A-BF02-D605D7177864}" type="datetimeFigureOut">
               <a:rPr lang="pt-BR" smtClean="0"/>
               <a:pPr/>
-              <a:t>27/01/2020</a:t>
+              <a:t>10/05/2021</a:t>
             </a:fld>
             <a:endParaRPr lang="pt-BR"/>
           </a:p>
@@ -6655,7 +8332,7 @@
             <a:fld id="{D7C55EEC-0318-498A-BF02-D605D7177864}" type="datetimeFigureOut">
               <a:rPr lang="pt-BR" smtClean="0"/>
               <a:pPr/>
-              <a:t>27/01/2020</a:t>
+              <a:t>10/05/2021</a:t>
             </a:fld>
             <a:endParaRPr lang="pt-BR"/>
           </a:p>
@@ -6905,7 +8582,7 @@
             <a:fld id="{D7C55EEC-0318-498A-BF02-D605D7177864}" type="datetimeFigureOut">
               <a:rPr lang="pt-BR" smtClean="0"/>
               <a:pPr/>
-              <a:t>27/01/2020</a:t>
+              <a:t>10/05/2021</a:t>
             </a:fld>
             <a:endParaRPr lang="pt-BR"/>
           </a:p>
@@ -7620,7 +9297,7 @@
             <a:fld id="{D7C55EEC-0318-498A-BF02-D605D7177864}" type="datetimeFigureOut">
               <a:rPr lang="pt-BR" smtClean="0"/>
               <a:pPr/>
-              <a:t>27/01/2020</a:t>
+              <a:t>10/05/2021</a:t>
             </a:fld>
             <a:endParaRPr lang="pt-BR"/>
           </a:p>
@@ -7691,9 +9368,23 @@
 <p:sldMaster xmlns:a="http://schemas.openxmlformats.org/drawingml/2006/main" xmlns:r="http://schemas.openxmlformats.org/officeDocument/2006/relationships" xmlns:p="http://schemas.openxmlformats.org/presentationml/2006/main">
   <p:cSld>
     <p:bg>
-      <p:bgRef idx="1002">
-        <a:schemeClr val="bg2"/>
-      </p:bgRef>
+      <p:bgPr>
+        <a:gradFill rotWithShape="1">
+          <a:gsLst>
+            <a:gs pos="50000">
+              <a:schemeClr val="bg1">
+                <a:shade val="90000"/>
+                <a:satMod val="375000"/>
+              </a:schemeClr>
+            </a:gs>
+            <a:gs pos="100000">
+              <a:srgbClr val="28415E"/>
+            </a:gs>
+          </a:gsLst>
+          <a:lin ang="5400000" scaled="0"/>
+        </a:gradFill>
+        <a:effectLst/>
+      </p:bgPr>
     </p:bg>
     <p:spTree>
       <p:nvGrpSpPr>
@@ -7887,7 +9578,7 @@
             <a:fld id="{D7C55EEC-0318-498A-BF02-D605D7177864}" type="datetimeFigureOut">
               <a:rPr lang="pt-BR" smtClean="0"/>
               <a:pPr/>
-              <a:t>27/01/2020</a:t>
+              <a:t>10/05/2021</a:t>
             </a:fld>
             <a:endParaRPr lang="pt-BR"/>
           </a:p>
@@ -8900,7 +10591,9 @@
           </a:solidFill>
           <a:ln>
             <a:solidFill>
-              <a:schemeClr val="tx1"/>
+              <a:schemeClr val="bg2">
+                <a:lumMod val="75000"/>
+              </a:schemeClr>
             </a:solidFill>
           </a:ln>
         </p:spPr>
@@ -8953,7 +10646,9 @@
           </a:solidFill>
           <a:ln>
             <a:solidFill>
-              <a:schemeClr val="tx1"/>
+              <a:schemeClr val="bg2">
+                <a:lumMod val="75000"/>
+              </a:schemeClr>
             </a:solidFill>
           </a:ln>
         </p:spPr>
@@ -9006,7 +10701,9 @@
           </a:solidFill>
           <a:ln>
             <a:solidFill>
-              <a:schemeClr val="tx1"/>
+              <a:schemeClr val="bg2">
+                <a:lumMod val="75000"/>
+              </a:schemeClr>
             </a:solidFill>
           </a:ln>
         </p:spPr>
@@ -9059,7 +10756,9 @@
           </a:solidFill>
           <a:ln>
             <a:solidFill>
-              <a:schemeClr val="tx1"/>
+              <a:schemeClr val="bg2">
+                <a:lumMod val="75000"/>
+              </a:schemeClr>
             </a:solidFill>
           </a:ln>
         </p:spPr>
@@ -9112,7 +10811,9 @@
           </a:solidFill>
           <a:ln>
             <a:solidFill>
-              <a:schemeClr val="tx1"/>
+              <a:schemeClr val="bg2">
+                <a:lumMod val="75000"/>
+              </a:schemeClr>
             </a:solidFill>
           </a:ln>
         </p:spPr>
@@ -9165,7 +10866,9 @@
           </a:solidFill>
           <a:ln>
             <a:solidFill>
-              <a:schemeClr val="tx1"/>
+              <a:schemeClr val="bg2">
+                <a:lumMod val="75000"/>
+              </a:schemeClr>
             </a:solidFill>
           </a:ln>
         </p:spPr>
@@ -9218,7 +10921,9 @@
           </a:solidFill>
           <a:ln>
             <a:solidFill>
-              <a:schemeClr val="tx1"/>
+              <a:schemeClr val="bg2">
+                <a:lumMod val="75000"/>
+              </a:schemeClr>
             </a:solidFill>
           </a:ln>
         </p:spPr>
@@ -9271,7 +10976,9 @@
           </a:solidFill>
           <a:ln>
             <a:solidFill>
-              <a:schemeClr val="tx1"/>
+              <a:schemeClr val="bg2">
+                <a:lumMod val="75000"/>
+              </a:schemeClr>
             </a:solidFill>
           </a:ln>
         </p:spPr>
@@ -9324,7 +11031,9 @@
           </a:solidFill>
           <a:ln>
             <a:solidFill>
-              <a:schemeClr val="tx1"/>
+              <a:schemeClr val="bg2">
+                <a:lumMod val="75000"/>
+              </a:schemeClr>
             </a:solidFill>
           </a:ln>
         </p:spPr>
@@ -9377,7 +11086,9 @@
           </a:solidFill>
           <a:ln>
             <a:solidFill>
-              <a:schemeClr val="tx1"/>
+              <a:schemeClr val="bg2">
+                <a:lumMod val="75000"/>
+              </a:schemeClr>
             </a:solidFill>
           </a:ln>
         </p:spPr>
@@ -9430,7 +11141,9 @@
           </a:solidFill>
           <a:ln>
             <a:solidFill>
-              <a:schemeClr val="tx1"/>
+              <a:schemeClr val="bg2">
+                <a:lumMod val="75000"/>
+              </a:schemeClr>
             </a:solidFill>
           </a:ln>
         </p:spPr>
@@ -9610,7 +11323,8 @@
                 <a:effectLst>
                   <a:glow rad="139700">
                     <a:schemeClr val="accent3">
-                      <a:satMod val="175000"/>
+                      <a:lumMod val="60000"/>
+                      <a:lumOff val="40000"/>
                       <a:alpha val="40000"/>
                     </a:schemeClr>
                   </a:glow>
@@ -9626,7 +11340,8 @@
                 <a:effectLst>
                   <a:glow rad="139700">
                     <a:schemeClr val="accent3">
-                      <a:satMod val="175000"/>
+                      <a:lumMod val="60000"/>
+                      <a:lumOff val="40000"/>
                       <a:alpha val="40000"/>
                     </a:schemeClr>
                   </a:glow>
@@ -9641,7 +11356,8 @@
                 <a:effectLst>
                   <a:glow rad="139700">
                     <a:schemeClr val="accent3">
-                      <a:satMod val="175000"/>
+                      <a:lumMod val="60000"/>
+                      <a:lumOff val="40000"/>
                       <a:alpha val="40000"/>
                     </a:schemeClr>
                   </a:glow>
@@ -9708,7 +11424,7 @@
                 <a:effectLst>
                   <a:glow rad="139700">
                     <a:schemeClr val="accent3">
-                      <a:satMod val="175000"/>
+                      <a:lumMod val="75000"/>
                       <a:alpha val="40000"/>
                     </a:schemeClr>
                   </a:glow>
@@ -9724,7 +11440,7 @@
                 <a:effectLst>
                   <a:glow rad="139700">
                     <a:schemeClr val="accent3">
-                      <a:satMod val="175000"/>
+                      <a:lumMod val="75000"/>
                       <a:alpha val="40000"/>
                     </a:schemeClr>
                   </a:glow>
@@ -9739,7 +11455,7 @@
                 <a:effectLst>
                   <a:glow rad="139700">
                     <a:schemeClr val="accent3">
-                      <a:satMod val="175000"/>
+                      <a:lumMod val="75000"/>
                       <a:alpha val="40000"/>
                     </a:schemeClr>
                   </a:glow>
@@ -9755,7 +11471,7 @@
                 <a:effectLst>
                   <a:glow rad="139700">
                     <a:schemeClr val="accent3">
-                      <a:satMod val="175000"/>
+                      <a:lumMod val="75000"/>
                       <a:alpha val="40000"/>
                     </a:schemeClr>
                   </a:glow>
@@ -9770,7 +11486,7 @@
                 <a:effectLst>
                   <a:glow rad="139700">
                     <a:schemeClr val="accent3">
-                      <a:satMod val="175000"/>
+                      <a:lumMod val="75000"/>
                       <a:alpha val="40000"/>
                     </a:schemeClr>
                   </a:glow>
@@ -9835,8 +11551,8 @@
                 </a:solidFill>
                 <a:effectLst>
                   <a:glow rad="139700">
-                    <a:schemeClr val="accent3">
-                      <a:satMod val="175000"/>
+                    <a:schemeClr val="tx1">
+                      <a:lumMod val="75000"/>
                       <a:alpha val="40000"/>
                     </a:schemeClr>
                   </a:glow>
@@ -9851,8 +11567,8 @@
                 </a:solidFill>
                 <a:effectLst>
                   <a:glow rad="139700">
-                    <a:schemeClr val="accent3">
-                      <a:satMod val="175000"/>
+                    <a:schemeClr val="tx1">
+                      <a:lumMod val="75000"/>
                       <a:alpha val="40000"/>
                     </a:schemeClr>
                   </a:glow>
@@ -9866,8 +11582,8 @@
                 </a:solidFill>
                 <a:effectLst>
                   <a:glow rad="139700">
-                    <a:schemeClr val="accent3">
-                      <a:satMod val="175000"/>
+                    <a:schemeClr val="tx1">
+                      <a:lumMod val="75000"/>
                       <a:alpha val="40000"/>
                     </a:schemeClr>
                   </a:glow>
@@ -11093,7 +12809,7 @@
           <a:p>
             <a:r>
               <a:rPr lang="pt-BR" dirty="0"/>
-              <a:t>Endereço de uma Função</a:t>
+              <a:t>Ponteiros para Funções</a:t>
             </a:r>
           </a:p>
         </p:txBody>
@@ -11129,6 +12845,15 @@
               </a:rPr>
               <a:t>obter o endereço de uma função </a:t>
             </a:r>
+            <a:br>
+              <a:rPr lang="pt-BR" dirty="0">
+                <a:solidFill>
+                  <a:schemeClr val="accent3">
+                    <a:lumMod val="75000"/>
+                  </a:schemeClr>
+                </a:solidFill>
+              </a:rPr>
+            </a:br>
             <a:r>
               <a:rPr lang="pt-BR" dirty="0"/>
               <a:t>basta usar o seu nome sem parênteses</a:t>
@@ -11332,7 +13057,7 @@
           <a:p>
             <a:r>
               <a:rPr lang="pt-BR" dirty="0"/>
-              <a:t>Ponteiro para Função</a:t>
+              <a:t>Ponteiros para Funções</a:t>
             </a:r>
           </a:p>
         </p:txBody>
@@ -11352,6 +13077,11 @@
           <a:bodyPr/>
           <a:lstStyle/>
           <a:p>
+            <a:pPr>
+              <a:spcAft>
+                <a:spcPts val="1800"/>
+              </a:spcAft>
+            </a:pPr>
             <a:r>
               <a:rPr lang="pt-BR" dirty="0"/>
               <a:t>Um ponteiro sempre indica o </a:t>
@@ -11383,7 +13113,14 @@
           <a:p>
             <a:r>
               <a:rPr lang="pt-BR" dirty="0"/>
-              <a:t>Da mesma forma, um ponteiro para uma função precisa explicitar o </a:t>
+              <a:t>Da mesma forma, um ponteiro para uma </a:t>
+            </a:r>
+            <a:br>
+              <a:rPr lang="pt-BR" dirty="0"/>
+            </a:br>
+            <a:r>
+              <a:rPr lang="pt-BR" dirty="0"/>
+              <a:t>função precisa explicitar o </a:t>
             </a:r>
             <a:r>
               <a:rPr lang="pt-BR" dirty="0">
@@ -11394,6 +13131,13 @@
                 </a:solidFill>
               </a:rPr>
               <a:t>tipo da função</a:t>
+            </a:r>
+          </a:p>
+          <a:p>
+            <a:pPr lvl="1"/>
+            <a:r>
+              <a:rPr lang="pt-BR" dirty="0"/>
+              <a:t>Tipo da assinatura (argumentos da função) </a:t>
             </a:r>
           </a:p>
           <a:p>
@@ -11405,10 +13149,7 @@
           </a:p>
           <a:p>
             <a:pPr lvl="1"/>
-            <a:r>
-              <a:rPr lang="pt-BR" dirty="0"/>
-              <a:t>Tipo da assinatura (argumentos da função)</a:t>
-            </a:r>
+            <a:endParaRPr lang="pt-BR" dirty="0"/>
           </a:p>
         </p:txBody>
       </p:sp>
@@ -11421,7 +13162,7 @@
         <p:spPr>
           <a:xfrm>
             <a:off x="1703512" y="2420888"/>
-            <a:ext cx="5756423" cy="338554"/>
+            <a:ext cx="5756423" cy="369332"/>
           </a:xfrm>
           <a:prstGeom prst="rect">
             <a:avLst/>
@@ -11434,7 +13175,7 @@
           <a:lstStyle/>
           <a:p>
             <a:r>
-              <a:rPr lang="pt-BR" sz="1600" dirty="0" err="1">
+              <a:rPr lang="pt-BR" dirty="0" err="1">
                 <a:solidFill>
                   <a:schemeClr val="accent3">
                     <a:lumMod val="75000"/>
@@ -11446,28 +13187,28 @@
               <a:t>int</a:t>
             </a:r>
             <a:r>
-              <a:rPr lang="pt-BR" sz="1600" dirty="0">
+              <a:rPr lang="pt-BR" dirty="0">
                 <a:latin typeface="Consolas" pitchFamily="49" charset="0"/>
                 <a:cs typeface="Consolas" pitchFamily="49" charset="0"/>
               </a:rPr>
               <a:t> * </a:t>
             </a:r>
             <a:r>
-              <a:rPr lang="pt-BR" sz="1600" dirty="0" err="1">
+              <a:rPr lang="pt-BR" dirty="0" err="1">
                 <a:latin typeface="Consolas" pitchFamily="49" charset="0"/>
                 <a:cs typeface="Consolas" pitchFamily="49" charset="0"/>
               </a:rPr>
               <a:t>ptr</a:t>
             </a:r>
             <a:r>
-              <a:rPr lang="pt-BR" sz="1600" dirty="0">
+              <a:rPr lang="pt-BR" dirty="0">
                 <a:latin typeface="Consolas" pitchFamily="49" charset="0"/>
                 <a:cs typeface="Consolas" pitchFamily="49" charset="0"/>
               </a:rPr>
               <a:t>;      </a:t>
             </a:r>
             <a:r>
-              <a:rPr lang="pt-BR" sz="1600" dirty="0">
+              <a:rPr lang="pt-BR" dirty="0">
                 <a:solidFill>
                   <a:schemeClr val="tx1">
                     <a:lumMod val="50000"/>
@@ -11478,7 +13219,7 @@
               </a:rPr>
               <a:t>// ponteiro para inteiro</a:t>
             </a:r>
-            <a:endParaRPr lang="pt-BR" sz="1600" dirty="0">
+            <a:endParaRPr lang="pt-BR" dirty="0">
               <a:latin typeface="Consolas" pitchFamily="49" charset="0"/>
               <a:cs typeface="Consolas" pitchFamily="49" charset="0"/>
             </a:endParaRPr>
@@ -11493,7 +13234,7 @@
         </p:nvSpPr>
         <p:spPr>
           <a:xfrm>
-            <a:off x="1991544" y="5013176"/>
+            <a:off x="1991544" y="5262299"/>
             <a:ext cx="7416824" cy="830997"/>
           </a:xfrm>
           <a:prstGeom prst="rect">
@@ -11699,7 +13440,7 @@
           <a:p>
             <a:r>
               <a:rPr lang="pt-BR" dirty="0"/>
-              <a:t>Ponteiro para Função</a:t>
+              <a:t>Ponteiros para Funções</a:t>
             </a:r>
           </a:p>
         </p:txBody>
@@ -11726,6 +13467,9 @@
           </a:p>
           <a:p>
             <a:pPr marL="454914" lvl="1" indent="0">
+              <a:spcAft>
+                <a:spcPts val="1800"/>
+              </a:spcAft>
               <a:buNone/>
             </a:pPr>
             <a:r>
@@ -11769,8 +13513,8 @@
         </p:nvSpPr>
         <p:spPr>
           <a:xfrm>
-            <a:off x="1703512" y="2852936"/>
-            <a:ext cx="8276702" cy="830997"/>
+            <a:off x="1703512" y="2886035"/>
+            <a:ext cx="8276702" cy="878830"/>
           </a:xfrm>
           <a:prstGeom prst="rect">
             <a:avLst/>
@@ -11782,8 +13526,13 @@
           </a:bodyPr>
           <a:lstStyle/>
           <a:p>
-            <a:r>
-              <a:rPr lang="pt-BR" sz="1600" dirty="0" err="1">
+            <a:pPr>
+              <a:lnSpc>
+                <a:spcPct val="150000"/>
+              </a:lnSpc>
+            </a:pPr>
+            <a:r>
+              <a:rPr lang="pt-BR" dirty="0" err="1">
                 <a:solidFill>
                   <a:schemeClr val="accent3">
                     <a:lumMod val="75000"/>
@@ -11795,14 +13544,14 @@
               <a:t>double</a:t>
             </a:r>
             <a:r>
-              <a:rPr lang="pt-BR" sz="1600" dirty="0">
+              <a:rPr lang="pt-BR" dirty="0">
                 <a:latin typeface="Consolas" pitchFamily="49" charset="0"/>
                 <a:cs typeface="Consolas" pitchFamily="49" charset="0"/>
               </a:rPr>
               <a:t> chute(</a:t>
             </a:r>
             <a:r>
-              <a:rPr lang="pt-BR" sz="1600" dirty="0" err="1">
+              <a:rPr lang="pt-BR" dirty="0" err="1">
                 <a:solidFill>
                   <a:schemeClr val="accent3">
                     <a:lumMod val="75000"/>
@@ -11814,14 +13563,14 @@
               <a:t>int</a:t>
             </a:r>
             <a:r>
-              <a:rPr lang="pt-BR" sz="1600" dirty="0">
+              <a:rPr lang="pt-BR" dirty="0">
                 <a:latin typeface="Consolas" pitchFamily="49" charset="0"/>
                 <a:cs typeface="Consolas" pitchFamily="49" charset="0"/>
               </a:rPr>
               <a:t>);     </a:t>
             </a:r>
             <a:r>
-              <a:rPr lang="pt-BR" sz="1600" dirty="0">
+              <a:rPr lang="pt-BR" dirty="0">
                 <a:solidFill>
                   <a:schemeClr val="tx1">
                     <a:lumMod val="50000"/>
@@ -11832,8 +13581,79 @@
               </a:rPr>
               <a:t>// protótipo da função chute</a:t>
             </a:r>
-            <a:br>
-              <a:rPr lang="pt-BR" sz="1600" dirty="0">
+          </a:p>
+          <a:p>
+            <a:pPr>
+              <a:lnSpc>
+                <a:spcPct val="150000"/>
+              </a:lnSpc>
+            </a:pPr>
+            <a:r>
+              <a:rPr lang="pt-BR" dirty="0" err="1">
+                <a:solidFill>
+                  <a:schemeClr val="accent3">
+                    <a:lumMod val="75000"/>
+                  </a:schemeClr>
+                </a:solidFill>
+                <a:latin typeface="Consolas" pitchFamily="49" charset="0"/>
+                <a:cs typeface="Consolas" pitchFamily="49" charset="0"/>
+              </a:rPr>
+              <a:t>double</a:t>
+            </a:r>
+            <a:r>
+              <a:rPr lang="pt-BR" dirty="0">
+                <a:solidFill>
+                  <a:schemeClr val="accent3">
+                    <a:lumMod val="75000"/>
+                  </a:schemeClr>
+                </a:solidFill>
+                <a:latin typeface="Consolas" pitchFamily="49" charset="0"/>
+                <a:cs typeface="Consolas" pitchFamily="49" charset="0"/>
+              </a:rPr>
+              <a:t> </a:t>
+            </a:r>
+            <a:r>
+              <a:rPr lang="pt-BR" dirty="0">
+                <a:latin typeface="Consolas" pitchFamily="49" charset="0"/>
+                <a:cs typeface="Consolas" pitchFamily="49" charset="0"/>
+              </a:rPr>
+              <a:t>(*</a:t>
+            </a:r>
+            <a:r>
+              <a:rPr lang="pt-BR" dirty="0" err="1">
+                <a:latin typeface="Consolas" pitchFamily="49" charset="0"/>
+                <a:cs typeface="Consolas" pitchFamily="49" charset="0"/>
+              </a:rPr>
+              <a:t>pf</a:t>
+            </a:r>
+            <a:r>
+              <a:rPr lang="pt-BR" dirty="0">
+                <a:latin typeface="Consolas" pitchFamily="49" charset="0"/>
+                <a:cs typeface="Consolas" pitchFamily="49" charset="0"/>
+              </a:rPr>
+              <a:t>)(</a:t>
+            </a:r>
+            <a:r>
+              <a:rPr lang="pt-BR" dirty="0" err="1">
+                <a:solidFill>
+                  <a:schemeClr val="accent3">
+                    <a:lumMod val="75000"/>
+                  </a:schemeClr>
+                </a:solidFill>
+                <a:latin typeface="Consolas" pitchFamily="49" charset="0"/>
+                <a:cs typeface="Consolas" pitchFamily="49" charset="0"/>
+              </a:rPr>
+              <a:t>int</a:t>
+            </a:r>
+            <a:r>
+              <a:rPr lang="pt-BR" dirty="0">
+                <a:latin typeface="Consolas" pitchFamily="49" charset="0"/>
+                <a:cs typeface="Consolas" pitchFamily="49" charset="0"/>
+              </a:rPr>
+              <a:t>);</a:t>
+            </a:r>
+            <a:r>
+              <a:rPr lang="pt-BR" dirty="0">
                 <a:solidFill>
                   <a:schemeClr val="tx1">
                     <a:lumMod val="50000"/>
@@ -11842,95 +13662,9 @@
                 <a:latin typeface="Consolas" pitchFamily="49" charset="0"/>
                 <a:cs typeface="Consolas" pitchFamily="49" charset="0"/>
               </a:rPr>
-            </a:br>
-            <a:endParaRPr lang="pt-BR" sz="1600" dirty="0">
-              <a:solidFill>
-                <a:schemeClr val="tx1">
-                  <a:lumMod val="50000"/>
-                </a:schemeClr>
-              </a:solidFill>
-              <a:latin typeface="Consolas" pitchFamily="49" charset="0"/>
-              <a:cs typeface="Consolas" pitchFamily="49" charset="0"/>
-            </a:endParaRPr>
-          </a:p>
-          <a:p>
-            <a:r>
-              <a:rPr lang="pt-BR" sz="1600" dirty="0" err="1">
-                <a:solidFill>
-                  <a:schemeClr val="accent3">
-                    <a:lumMod val="75000"/>
-                  </a:schemeClr>
-                </a:solidFill>
-                <a:latin typeface="Consolas" pitchFamily="49" charset="0"/>
-                <a:cs typeface="Consolas" pitchFamily="49" charset="0"/>
-              </a:rPr>
-              <a:t>double</a:t>
-            </a:r>
-            <a:r>
-              <a:rPr lang="pt-BR" sz="1600" dirty="0">
-                <a:solidFill>
-                  <a:schemeClr val="accent3">
-                    <a:lumMod val="75000"/>
-                  </a:schemeClr>
-                </a:solidFill>
-                <a:latin typeface="Consolas" pitchFamily="49" charset="0"/>
-                <a:cs typeface="Consolas" pitchFamily="49" charset="0"/>
-              </a:rPr>
-              <a:t> </a:t>
-            </a:r>
-            <a:r>
-              <a:rPr lang="pt-BR" sz="1600" dirty="0">
-                <a:latin typeface="Consolas" pitchFamily="49" charset="0"/>
-                <a:cs typeface="Consolas" pitchFamily="49" charset="0"/>
-              </a:rPr>
-              <a:t>(*</a:t>
-            </a:r>
-            <a:r>
-              <a:rPr lang="pt-BR" sz="1600" dirty="0" err="1">
-                <a:latin typeface="Consolas" pitchFamily="49" charset="0"/>
-                <a:cs typeface="Consolas" pitchFamily="49" charset="0"/>
-              </a:rPr>
-              <a:t>pf</a:t>
-            </a:r>
-            <a:r>
-              <a:rPr lang="pt-BR" sz="1600" dirty="0">
-                <a:latin typeface="Consolas" pitchFamily="49" charset="0"/>
-                <a:cs typeface="Consolas" pitchFamily="49" charset="0"/>
-              </a:rPr>
-              <a:t>)(</a:t>
-            </a:r>
-            <a:r>
-              <a:rPr lang="pt-BR" sz="1600" dirty="0" err="1">
-                <a:solidFill>
-                  <a:schemeClr val="accent3">
-                    <a:lumMod val="75000"/>
-                  </a:schemeClr>
-                </a:solidFill>
-                <a:latin typeface="Consolas" pitchFamily="49" charset="0"/>
-                <a:cs typeface="Consolas" pitchFamily="49" charset="0"/>
-              </a:rPr>
-              <a:t>int</a:t>
-            </a:r>
-            <a:r>
-              <a:rPr lang="pt-BR" sz="1600" dirty="0">
-                <a:latin typeface="Consolas" pitchFamily="49" charset="0"/>
-                <a:cs typeface="Consolas" pitchFamily="49" charset="0"/>
-              </a:rPr>
-              <a:t>);</a:t>
-            </a:r>
-            <a:r>
-              <a:rPr lang="pt-BR" sz="1600" dirty="0">
-                <a:solidFill>
-                  <a:schemeClr val="tx1">
-                    <a:lumMod val="50000"/>
-                  </a:schemeClr>
-                </a:solidFill>
-                <a:latin typeface="Consolas" pitchFamily="49" charset="0"/>
-                <a:cs typeface="Consolas" pitchFamily="49" charset="0"/>
-              </a:rPr>
               <a:t>     // ponteiro para função tipo chute</a:t>
             </a:r>
-            <a:endParaRPr lang="pt-BR" sz="1600" dirty="0">
+            <a:endParaRPr lang="pt-BR" dirty="0">
               <a:latin typeface="Consolas" pitchFamily="49" charset="0"/>
               <a:cs typeface="Consolas" pitchFamily="49" charset="0"/>
             </a:endParaRPr>
@@ -11945,7 +13679,7 @@
         </p:nvSpPr>
         <p:spPr>
           <a:xfrm>
-            <a:off x="1703512" y="4581128"/>
+            <a:off x="1703512" y="4769857"/>
             <a:ext cx="6984776" cy="1323439"/>
           </a:xfrm>
           <a:prstGeom prst="rect">
@@ -12283,7 +14017,7 @@
           <a:p>
             <a:r>
               <a:rPr lang="pt-BR" dirty="0"/>
-              <a:t>Ponteiro para Função</a:t>
+              <a:t>Ponteiros para Funções</a:t>
             </a:r>
           </a:p>
         </p:txBody>
@@ -12303,9 +14037,21 @@
           <a:bodyPr/>
           <a:lstStyle/>
           <a:p>
+            <a:pPr>
+              <a:spcAft>
+                <a:spcPts val="2400"/>
+              </a:spcAft>
+            </a:pPr>
             <a:r>
               <a:rPr lang="pt-BR" dirty="0"/>
-              <a:t>Um ponteiro para uma função pode receber o </a:t>
+              <a:t>Um ponteiro para uma função pode receber </a:t>
+            </a:r>
+            <a:br>
+              <a:rPr lang="pt-BR" dirty="0"/>
+            </a:br>
+            <a:r>
+              <a:rPr lang="pt-BR" dirty="0"/>
+              <a:t>o </a:t>
             </a:r>
             <a:r>
               <a:rPr lang="pt-BR" dirty="0">
@@ -12325,9 +14071,6 @@
             <a:pPr marL="68580" indent="0">
               <a:buNone/>
             </a:pPr>
-            <a:endParaRPr lang="pt-BR" dirty="0"/>
-          </a:p>
-          <a:p>
             <a:endParaRPr lang="pt-BR" dirty="0"/>
           </a:p>
           <a:p>
@@ -12346,7 +14089,7 @@
         </p:nvSpPr>
         <p:spPr>
           <a:xfrm>
-            <a:off x="1680667" y="2999854"/>
+            <a:off x="1752675" y="2852936"/>
             <a:ext cx="8231757" cy="1077218"/>
           </a:xfrm>
           <a:prstGeom prst="rect">
@@ -12565,7 +14308,7 @@
         </p:nvSpPr>
         <p:spPr>
           <a:xfrm>
-            <a:off x="1707729" y="5157193"/>
+            <a:off x="1752675" y="4797152"/>
             <a:ext cx="6476503" cy="1323439"/>
           </a:xfrm>
           <a:prstGeom prst="rect">
@@ -12861,7 +14604,24 @@
                 <a:latin typeface="Consolas" pitchFamily="49" charset="0"/>
                 <a:cs typeface="Consolas" pitchFamily="49" charset="0"/>
               </a:rPr>
-              <a:t>;             </a:t>
+              <a:t>; </a:t>
+            </a:r>
+            <a:r>
+              <a:rPr lang="pt-BR" sz="1600" dirty="0">
+                <a:solidFill>
+                  <a:srgbClr val="FF0000"/>
+                </a:solidFill>
+                <a:latin typeface="Consolas" pitchFamily="49" charset="0"/>
+                <a:cs typeface="Consolas" pitchFamily="49" charset="0"/>
+              </a:rPr>
+              <a:t>x</a:t>
+            </a:r>
+            <a:r>
+              <a:rPr lang="pt-BR" sz="1600" dirty="0">
+                <a:latin typeface="Consolas" pitchFamily="49" charset="0"/>
+                <a:cs typeface="Consolas" pitchFamily="49" charset="0"/>
+              </a:rPr>
+              <a:t>           </a:t>
             </a:r>
             <a:r>
               <a:rPr lang="pt-BR" sz="1600" dirty="0">
@@ -12873,17 +14633,54 @@
                 <a:latin typeface="Consolas" pitchFamily="49" charset="0"/>
                 <a:cs typeface="Consolas" pitchFamily="49" charset="0"/>
               </a:rPr>
-              <a:t>// inválido – assinatura       </a:t>
+              <a:t>// inválido – assinatura</a:t>
+            </a:r>
+          </a:p>
+          <a:p>
+            <a:r>
+              <a:rPr lang="pt-BR" sz="1600" dirty="0" err="1">
+                <a:latin typeface="Consolas" pitchFamily="49" charset="0"/>
+                <a:cs typeface="Consolas" pitchFamily="49" charset="0"/>
+              </a:rPr>
+              <a:t>pf</a:t>
             </a:r>
             <a:r>
               <a:rPr lang="pt-BR" sz="1600" dirty="0">
+                <a:latin typeface="Consolas" pitchFamily="49" charset="0"/>
+                <a:cs typeface="Consolas" pitchFamily="49" charset="0"/>
+              </a:rPr>
+              <a:t> = </a:t>
+            </a:r>
+            <a:r>
+              <a:rPr lang="pt-BR" sz="1600" dirty="0" err="1">
+                <a:latin typeface="Consolas" pitchFamily="49" charset="0"/>
+                <a:cs typeface="Consolas" pitchFamily="49" charset="0"/>
+              </a:rPr>
+              <a:t>ted</a:t>
+            </a:r>
+            <a:r>
+              <a:rPr lang="pt-BR" sz="1600" dirty="0">
+                <a:latin typeface="Consolas" pitchFamily="49" charset="0"/>
+                <a:cs typeface="Consolas" pitchFamily="49" charset="0"/>
+              </a:rPr>
+              <a:t>; </a:t>
+            </a:r>
+            <a:r>
+              <a:rPr lang="pt-BR" sz="1600" dirty="0">
                 <a:solidFill>
                   <a:srgbClr val="FF0000"/>
                 </a:solidFill>
                 <a:latin typeface="Consolas" pitchFamily="49" charset="0"/>
                 <a:cs typeface="Consolas" pitchFamily="49" charset="0"/>
               </a:rPr>
-              <a:t>X</a:t>
+              <a:t>x</a:t>
+            </a:r>
+            <a:r>
+              <a:rPr lang="pt-BR" sz="1600" dirty="0">
+                <a:latin typeface="Consolas" pitchFamily="49" charset="0"/>
+                <a:cs typeface="Consolas" pitchFamily="49" charset="0"/>
+              </a:rPr>
+              <a:t>           </a:t>
             </a:r>
             <a:r>
               <a:rPr lang="pt-BR" sz="1600" dirty="0">
@@ -12895,71 +14692,7 @@
                 <a:latin typeface="Consolas" pitchFamily="49" charset="0"/>
                 <a:cs typeface="Consolas" pitchFamily="49" charset="0"/>
               </a:rPr>
-              <a:t> </a:t>
-            </a:r>
-          </a:p>
-          <a:p>
-            <a:r>
-              <a:rPr lang="pt-BR" sz="1600" dirty="0" err="1">
-                <a:latin typeface="Consolas" pitchFamily="49" charset="0"/>
-                <a:cs typeface="Consolas" pitchFamily="49" charset="0"/>
-              </a:rPr>
-              <a:t>pf</a:t>
-            </a:r>
-            <a:r>
-              <a:rPr lang="pt-BR" sz="1600" dirty="0">
-                <a:latin typeface="Consolas" pitchFamily="49" charset="0"/>
-                <a:cs typeface="Consolas" pitchFamily="49" charset="0"/>
-              </a:rPr>
-              <a:t> = </a:t>
-            </a:r>
-            <a:r>
-              <a:rPr lang="pt-BR" sz="1600" dirty="0" err="1">
-                <a:latin typeface="Consolas" pitchFamily="49" charset="0"/>
-                <a:cs typeface="Consolas" pitchFamily="49" charset="0"/>
-              </a:rPr>
-              <a:t>ted</a:t>
-            </a:r>
-            <a:r>
-              <a:rPr lang="pt-BR" sz="1600" dirty="0">
-                <a:latin typeface="Consolas" pitchFamily="49" charset="0"/>
-                <a:cs typeface="Consolas" pitchFamily="49" charset="0"/>
-              </a:rPr>
-              <a:t>;             </a:t>
-            </a:r>
-            <a:r>
-              <a:rPr lang="pt-BR" sz="1600" dirty="0">
-                <a:solidFill>
-                  <a:schemeClr val="tx1">
-                    <a:lumMod val="50000"/>
-                  </a:schemeClr>
-                </a:solidFill>
-                <a:latin typeface="Consolas" pitchFamily="49" charset="0"/>
-                <a:cs typeface="Consolas" pitchFamily="49" charset="0"/>
-              </a:rPr>
-              <a:t>// inválido - tipo de retorno  </a:t>
-            </a:r>
-            <a:r>
-              <a:rPr lang="pt-BR" sz="1600" dirty="0">
-                <a:solidFill>
-                  <a:srgbClr val="FF0000"/>
-                </a:solidFill>
-                <a:latin typeface="Consolas" pitchFamily="49" charset="0"/>
-                <a:cs typeface="Consolas" pitchFamily="49" charset="0"/>
-              </a:rPr>
-              <a:t>X</a:t>
-            </a:r>
-            <a:r>
-              <a:rPr lang="pt-BR" sz="1600" dirty="0">
-                <a:solidFill>
-                  <a:schemeClr val="tx1">
-                    <a:lumMod val="50000"/>
-                  </a:schemeClr>
-                </a:solidFill>
-                <a:latin typeface="Consolas" pitchFamily="49" charset="0"/>
-                <a:cs typeface="Consolas" pitchFamily="49" charset="0"/>
-              </a:rPr>
-              <a:t> </a:t>
+              <a:t>// inválido - tipo de retorno </a:t>
             </a:r>
           </a:p>
         </p:txBody>
@@ -13011,7 +14744,7 @@
           <a:p>
             <a:r>
               <a:rPr lang="pt-BR" dirty="0"/>
-              <a:t>Ponteiro para Função</a:t>
+              <a:t>Ponteiros para Funções</a:t>
             </a:r>
           </a:p>
         </p:txBody>
@@ -13033,8 +14766,11 @@
           <a:p>
             <a:r>
               <a:rPr lang="pt-BR" dirty="0"/>
-              <a:t>Suponha que você queira construir um função para </a:t>
-            </a:r>
+              <a:t>Suponha que você queira construir uma função para </a:t>
+            </a:r>
+            <a:br>
+              <a:rPr lang="pt-BR" dirty="0"/>
+            </a:br>
             <a:r>
               <a:rPr lang="pt-BR" dirty="0">
                 <a:solidFill>
@@ -13047,7 +14783,7 @@
             </a:r>
             <a:r>
               <a:rPr lang="pt-BR" dirty="0"/>
-              <a:t>necessário para escrever linhas de código</a:t>
+              <a:t>para escrever linhas de código</a:t>
             </a:r>
           </a:p>
           <a:p>
@@ -13071,6 +14807,15 @@
               </a:rPr>
               <a:t>estimar recebe uma função </a:t>
             </a:r>
+            <a:br>
+              <a:rPr lang="pt-BR" dirty="0">
+                <a:solidFill>
+                  <a:schemeClr val="accent3">
+                    <a:lumMod val="75000"/>
+                  </a:schemeClr>
+                </a:solidFill>
+              </a:rPr>
+            </a:br>
             <a:r>
               <a:rPr lang="pt-BR" dirty="0"/>
               <a:t>como segundo argumento</a:t>
@@ -13310,7 +15055,7 @@
           <a:p>
             <a:r>
               <a:rPr lang="pt-BR" dirty="0"/>
-              <a:t>Chamar Função com Ponteiro</a:t>
+              <a:t>Chamando Função com Ponteiro</a:t>
             </a:r>
           </a:p>
         </p:txBody>
@@ -13346,14 +15091,14 @@
             </a:r>
             <a:r>
               <a:rPr lang="pt-BR" dirty="0"/>
-              <a:t> basta usar </a:t>
+              <a:t> </a:t>
             </a:r>
             <a:br>
               <a:rPr lang="pt-BR" dirty="0"/>
             </a:br>
             <a:r>
               <a:rPr lang="pt-BR" dirty="0"/>
-              <a:t>o ponteiro como nome da função</a:t>
+              <a:t>basta usar o ponteiro como nome da função</a:t>
             </a:r>
           </a:p>
           <a:p>
@@ -13888,7 +15633,7 @@
           <a:p>
             <a:r>
               <a:rPr lang="pt-BR" dirty="0"/>
-              <a:t>Chamar Função com Ponteiro</a:t>
+              <a:t>Chamando Função com Ponteiro</a:t>
             </a:r>
           </a:p>
         </p:txBody>
@@ -13915,20 +15660,56 @@
               <a:t>Como pode </a:t>
             </a:r>
             <a:r>
-              <a:rPr lang="pt-BR" dirty="0" err="1"/>
+              <a:rPr lang="pt-BR" dirty="0" err="1">
+                <a:solidFill>
+                  <a:schemeClr val="accent3">
+                    <a:lumMod val="60000"/>
+                    <a:lumOff val="40000"/>
+                  </a:schemeClr>
+                </a:solidFill>
+              </a:rPr>
               <a:t>pf</a:t>
             </a:r>
             <a:r>
               <a:rPr lang="pt-BR" dirty="0"/>
-              <a:t> e (*</a:t>
-            </a:r>
-            <a:r>
-              <a:rPr lang="pt-BR" dirty="0" err="1"/>
+              <a:t> e </a:t>
+            </a:r>
+            <a:r>
+              <a:rPr lang="pt-BR" dirty="0">
+                <a:solidFill>
+                  <a:schemeClr val="accent3">
+                    <a:lumMod val="60000"/>
+                    <a:lumOff val="40000"/>
+                  </a:schemeClr>
+                </a:solidFill>
+              </a:rPr>
+              <a:t>(*</a:t>
+            </a:r>
+            <a:r>
+              <a:rPr lang="pt-BR" dirty="0" err="1">
+                <a:solidFill>
+                  <a:schemeClr val="accent3">
+                    <a:lumMod val="60000"/>
+                    <a:lumOff val="40000"/>
+                  </a:schemeClr>
+                </a:solidFill>
+              </a:rPr>
               <a:t>pf</a:t>
             </a:r>
             <a:r>
+              <a:rPr lang="pt-BR" dirty="0">
+                <a:solidFill>
+                  <a:schemeClr val="accent3">
+                    <a:lumMod val="60000"/>
+                    <a:lumOff val="40000"/>
+                  </a:schemeClr>
+                </a:solidFill>
+              </a:rPr>
+              <a:t>)</a:t>
+            </a:r>
+            <a:r>
               <a:rPr lang="pt-BR" dirty="0"/>
-              <a:t>) serem </a:t>
+              <a:t> serem </a:t>
             </a:r>
             <a:r>
               <a:rPr lang="pt-BR" dirty="0">
@@ -13960,7 +15741,14 @@
             </a:r>
             <a:r>
               <a:rPr lang="pt-BR" dirty="0"/>
-              <a:t> é um ponteiro para uma função, *</a:t>
+              <a:t> é um ponteiro para uma função, </a:t>
+            </a:r>
+            <a:br>
+              <a:rPr lang="pt-BR" dirty="0"/>
+            </a:br>
+            <a:r>
+              <a:rPr lang="pt-BR" dirty="0"/>
+              <a:t>*</a:t>
             </a:r>
             <a:r>
               <a:rPr lang="pt-BR" dirty="0" err="1"/>
@@ -13981,12 +15769,22 @@
           </a:p>
           <a:p>
             <a:pPr marL="969264" lvl="1" indent="-514350">
+              <a:spcAft>
+                <a:spcPts val="1800"/>
+              </a:spcAft>
               <a:buFont typeface="+mj-lt"/>
               <a:buAutoNum type="arabicPeriod"/>
             </a:pPr>
             <a:r>
               <a:rPr lang="pt-BR" dirty="0"/>
-              <a:t>Como o nome de uma função é um ponteiro, um ponteiro para uma função deve agir como o nome dela, e deve-se usar </a:t>
+              <a:t>Como o nome de uma função é um ponteiro, um ponteiro para </a:t>
+            </a:r>
+            <a:br>
+              <a:rPr lang="pt-BR" dirty="0"/>
+            </a:br>
+            <a:r>
+              <a:rPr lang="pt-BR" dirty="0"/>
+              <a:t>uma função deve agir como o nome dela, e deve-se usar </a:t>
             </a:r>
             <a:r>
               <a:rPr lang="pt-BR" dirty="0" err="1"/>
@@ -13995,10 +15793,6 @@
             <a:endParaRPr lang="pt-BR" dirty="0"/>
           </a:p>
           <a:p>
-            <a:pPr lvl="1"/>
-            <a:endParaRPr lang="pt-BR" dirty="0"/>
-          </a:p>
-          <a:p>
             <a:r>
               <a:rPr lang="pt-BR" dirty="0">
                 <a:solidFill>
@@ -14011,7 +15805,14 @@
             </a:r>
             <a:r>
               <a:rPr lang="pt-BR" dirty="0"/>
-              <a:t>mesmo que sejam logicamente inconsistentes:</a:t>
+              <a:t>mesmo </a:t>
+            </a:r>
+            <a:br>
+              <a:rPr lang="pt-BR" dirty="0"/>
+            </a:br>
+            <a:r>
+              <a:rPr lang="pt-BR" dirty="0"/>
+              <a:t>que elas sejam logicamente inconsistentes:</a:t>
             </a:r>
           </a:p>
           <a:p>
@@ -14096,7 +15897,7 @@
         </p:nvSpPr>
         <p:spPr>
           <a:xfrm>
-            <a:off x="1219200" y="1628800"/>
+            <a:off x="1343472" y="1628800"/>
             <a:ext cx="8981256" cy="4770537"/>
           </a:xfrm>
           <a:prstGeom prst="rect">
@@ -14812,6 +16613,48 @@
                 <a:cs typeface="Consolas" pitchFamily="49" charset="0"/>
               </a:rPr>
               <a:t>} </a:t>
+            </a:r>
+          </a:p>
+        </p:txBody>
+      </p:sp>
+      <p:sp>
+        <p:nvSpPr>
+          <p:cNvPr id="5" name="CaixaDeTexto 4">
+            <a:extLst>
+              <a:ext uri="{FF2B5EF4-FFF2-40B4-BE49-F238E27FC236}">
+                <a16:creationId xmlns:a16="http://schemas.microsoft.com/office/drawing/2014/main" id="{1B8768EF-39A1-4F4F-9EAF-BE8559025B7F}"/>
+              </a:ext>
+            </a:extLst>
+          </p:cNvPr>
+          <p:cNvSpPr txBox="1"/>
+          <p:nvPr/>
+        </p:nvSpPr>
+        <p:spPr>
+          <a:xfrm rot="16200000">
+            <a:off x="-714272" y="5774776"/>
+            <a:ext cx="1800200" cy="276999"/>
+          </a:xfrm>
+          <a:prstGeom prst="rect">
+            <a:avLst/>
+          </a:prstGeom>
+          <a:noFill/>
+        </p:spPr>
+        <p:txBody>
+          <a:bodyPr wrap="square" rtlCol="0">
+            <a:spAutoFit/>
+          </a:bodyPr>
+          <a:lstStyle/>
+          <a:p>
+            <a:r>
+              <a:rPr lang="pt-BR" sz="1200" dirty="0">
+                <a:solidFill>
+                  <a:schemeClr val="bg2">
+                    <a:lumMod val="50000"/>
+                  </a:schemeClr>
+                </a:solidFill>
+                <a:latin typeface="+mj-lt"/>
+              </a:rPr>
+              <a:t>// Estimar.cpp</a:t>
             </a:r>
           </a:p>
         </p:txBody>
@@ -14907,12 +16750,9 @@
                   </a:schemeClr>
                 </a:solidFill>
               </a:rPr>
-              <a:t>traduzido em código de máquina </a:t>
-            </a:r>
-            <a:r>
-              <a:rPr lang="pt-BR" dirty="0"/>
-              <a:t>antes de ser executado</a:t>
-            </a:r>
+              <a:t>traduzido em código de máquina</a:t>
+            </a:r>
+            <a:endParaRPr lang="pt-BR" dirty="0"/>
           </a:p>
         </p:txBody>
       </p:sp>
@@ -14930,7 +16770,7 @@
         </p:nvGrpSpPr>
         <p:grpSpPr>
           <a:xfrm>
-            <a:off x="1847528" y="2894042"/>
+            <a:off x="1775520" y="2636912"/>
             <a:ext cx="5908068" cy="3461518"/>
             <a:chOff x="1766588" y="3063823"/>
             <a:chExt cx="5908068" cy="3461518"/>
@@ -14938,7 +16778,7 @@
         </p:grpSpPr>
         <p:sp>
           <p:nvSpPr>
-            <p:cNvPr id="5" name="Retângulo 4">
+            <p:cNvPr id="5" name="Retângulo: Cantos Arredondados 4">
               <a:extLst>
                 <a:ext uri="{FF2B5EF4-FFF2-40B4-BE49-F238E27FC236}">
                   <a16:creationId xmlns:a16="http://schemas.microsoft.com/office/drawing/2014/main" id="{4E28303F-1C1F-4A7F-92CC-8A0B0B31EC5D}"/>
@@ -14953,12 +16793,12 @@
               <a:off x="3703977" y="4008484"/>
               <a:ext cx="1643074" cy="428628"/>
             </a:xfrm>
-            <a:prstGeom prst="rect">
+            <a:prstGeom prst="roundRect">
               <a:avLst/>
             </a:prstGeom>
             <a:solidFill>
-              <a:schemeClr val="accent5">
-                <a:lumMod val="75000"/>
+              <a:schemeClr val="bg2">
+                <a:lumMod val="50000"/>
               </a:schemeClr>
             </a:solidFill>
             <a:ln>
@@ -14997,7 +16837,7 @@
         </p:sp>
         <p:sp>
           <p:nvSpPr>
-            <p:cNvPr id="6" name="Retângulo 5">
+            <p:cNvPr id="6" name="Retângulo: Cantos Arredondados 5">
               <a:extLst>
                 <a:ext uri="{FF2B5EF4-FFF2-40B4-BE49-F238E27FC236}">
                   <a16:creationId xmlns:a16="http://schemas.microsoft.com/office/drawing/2014/main" id="{51F3A0CC-D772-43E3-B396-C19226F5CEB8}"/>
@@ -15012,12 +16852,12 @@
               <a:off x="3700926" y="5736673"/>
               <a:ext cx="1643074" cy="428628"/>
             </a:xfrm>
-            <a:prstGeom prst="rect">
+            <a:prstGeom prst="roundRect">
               <a:avLst/>
             </a:prstGeom>
             <a:solidFill>
-              <a:schemeClr val="accent5">
-                <a:lumMod val="75000"/>
+              <a:schemeClr val="bg2">
+                <a:lumMod val="50000"/>
               </a:schemeClr>
             </a:solidFill>
             <a:ln>
@@ -15048,10 +16888,9 @@
             <a:p>
               <a:pPr algn="ctr"/>
               <a:r>
-                <a:rPr lang="pt-BR" dirty="0" err="1"/>
-                <a:t>Linkeditor</a:t>
+                <a:rPr lang="pt-BR" dirty="0"/>
+                <a:t>Ligador</a:t>
               </a:r>
-              <a:endParaRPr lang="pt-BR" dirty="0"/>
             </a:p>
           </p:txBody>
         </p:sp>
@@ -15064,9 +16903,7 @@
                 </a:ext>
               </a:extLst>
             </p:cNvPr>
-            <p:cNvCxnSpPr>
-              <a:stCxn id="6" idx="3"/>
-            </p:cNvCxnSpPr>
+            <p:cNvCxnSpPr/>
             <p:nvPr/>
           </p:nvCxnSpPr>
           <p:spPr>
@@ -15593,7 +17430,6 @@
               </a:extLst>
             </p:cNvPr>
             <p:cNvCxnSpPr>
-              <a:stCxn id="5" idx="2"/>
               <a:endCxn id="9" idx="0"/>
             </p:cNvCxnSpPr>
             <p:nvPr/>
@@ -15687,7 +17523,6 @@
             <p:cNvCxnSpPr>
               <a:cxnSpLocks/>
               <a:stCxn id="9" idx="2"/>
-              <a:endCxn id="6" idx="0"/>
             </p:cNvCxnSpPr>
             <p:nvPr/>
           </p:nvCxnSpPr>
@@ -16214,7 +18049,6 @@
             <p:cNvCxnSpPr>
               <a:cxnSpLocks/>
               <a:stCxn id="28" idx="3"/>
-              <a:endCxn id="5" idx="0"/>
             </p:cNvCxnSpPr>
             <p:nvPr/>
           </p:nvCxnSpPr>
@@ -16263,7 +18097,7 @@
         </p:nvSpPr>
         <p:spPr>
           <a:xfrm>
-            <a:off x="5776906" y="3238538"/>
+            <a:off x="5704898" y="2981408"/>
             <a:ext cx="2654787" cy="1200329"/>
           </a:xfrm>
           <a:prstGeom prst="rect">
@@ -16299,364 +18133,318 @@
           </a:p>
         </p:txBody>
       </p:sp>
-      <p:grpSp>
-        <p:nvGrpSpPr>
-          <p:cNvPr id="4" name="Agrupar 3">
+      <p:sp>
+        <p:nvSpPr>
+          <p:cNvPr id="42" name="Retângulo 41">
             <a:extLst>
               <a:ext uri="{FF2B5EF4-FFF2-40B4-BE49-F238E27FC236}">
-                <a16:creationId xmlns:a16="http://schemas.microsoft.com/office/drawing/2014/main" id="{73E1B9B3-EA9C-47BB-8DAB-EDBA34E43236}"/>
+                <a16:creationId xmlns:a16="http://schemas.microsoft.com/office/drawing/2014/main" id="{B3171543-9530-48EC-9E59-87987D27DC9A}"/>
               </a:ext>
             </a:extLst>
           </p:cNvPr>
-          <p:cNvGrpSpPr/>
+          <p:cNvSpPr/>
           <p:nvPr/>
-        </p:nvGrpSpPr>
-        <p:grpSpPr>
+        </p:nvSpPr>
+        <p:spPr>
           <a:xfrm>
-            <a:off x="8830159" y="2977147"/>
-            <a:ext cx="2752241" cy="3283092"/>
-            <a:chOff x="8830159" y="2977147"/>
-            <a:chExt cx="2752241" cy="3283092"/>
+            <a:off x="10480765" y="2935781"/>
+            <a:ext cx="362475" cy="3067328"/>
           </a:xfrm>
-        </p:grpSpPr>
-        <p:sp>
-          <p:nvSpPr>
-            <p:cNvPr id="48" name="Retângulo 47">
-              <a:extLst>
-                <a:ext uri="{FF2B5EF4-FFF2-40B4-BE49-F238E27FC236}">
-                  <a16:creationId xmlns:a16="http://schemas.microsoft.com/office/drawing/2014/main" id="{97AA19DC-3417-47B0-AE58-9B3771104C45}"/>
-                </a:ext>
-              </a:extLst>
-            </p:cNvPr>
-            <p:cNvSpPr/>
-            <p:nvPr/>
-          </p:nvSpPr>
-          <p:spPr>
-            <a:xfrm>
-              <a:off x="8832416" y="2977147"/>
-              <a:ext cx="2220851" cy="2104036"/>
-            </a:xfrm>
-            <a:prstGeom prst="rect">
-              <a:avLst/>
-            </a:prstGeom>
-            <a:solidFill>
-              <a:schemeClr val="accent3">
-                <a:lumMod val="50000"/>
-              </a:schemeClr>
-            </a:solidFill>
-            <a:ln>
-              <a:solidFill>
-                <a:schemeClr val="tx1"/>
-              </a:solidFill>
-            </a:ln>
-          </p:spPr>
-          <p:style>
-            <a:lnRef idx="2">
-              <a:schemeClr val="accent1">
-                <a:shade val="50000"/>
-              </a:schemeClr>
-            </a:lnRef>
-            <a:fillRef idx="1">
-              <a:schemeClr val="accent1"/>
-            </a:fillRef>
-            <a:effectRef idx="0">
-              <a:schemeClr val="accent1"/>
-            </a:effectRef>
-            <a:fontRef idx="minor">
-              <a:schemeClr val="lt1"/>
-            </a:fontRef>
-          </p:style>
-          <p:txBody>
-            <a:bodyPr rtlCol="0" anchor="ctr"/>
-            <a:lstStyle/>
-            <a:p>
-              <a:pPr algn="ctr"/>
-              <a:endParaRPr lang="pt-BR"/>
-            </a:p>
-          </p:txBody>
-        </p:sp>
-        <p:sp>
-          <p:nvSpPr>
-            <p:cNvPr id="49" name="Retângulo 48">
-              <a:extLst>
-                <a:ext uri="{FF2B5EF4-FFF2-40B4-BE49-F238E27FC236}">
-                  <a16:creationId xmlns:a16="http://schemas.microsoft.com/office/drawing/2014/main" id="{D73DEDC8-6097-40D8-9253-07FD085B8C09}"/>
-                </a:ext>
-              </a:extLst>
-            </p:cNvPr>
-            <p:cNvSpPr/>
-            <p:nvPr/>
-          </p:nvSpPr>
-          <p:spPr>
-            <a:xfrm>
-              <a:off x="8830159" y="5081183"/>
-              <a:ext cx="2222314" cy="1179056"/>
-            </a:xfrm>
-            <a:prstGeom prst="rect">
-              <a:avLst/>
-            </a:prstGeom>
-            <a:solidFill>
-              <a:schemeClr val="accent3">
-                <a:lumMod val="50000"/>
-              </a:schemeClr>
-            </a:solidFill>
-            <a:ln>
-              <a:solidFill>
-                <a:schemeClr val="tx1"/>
-              </a:solidFill>
-            </a:ln>
-          </p:spPr>
-          <p:style>
-            <a:lnRef idx="2">
-              <a:schemeClr val="accent1">
-                <a:shade val="50000"/>
-              </a:schemeClr>
-            </a:lnRef>
-            <a:fillRef idx="1">
-              <a:schemeClr val="accent1"/>
-            </a:fillRef>
-            <a:effectRef idx="0">
-              <a:schemeClr val="accent1"/>
-            </a:effectRef>
-            <a:fontRef idx="minor">
-              <a:schemeClr val="lt1"/>
-            </a:fontRef>
-          </p:style>
-          <p:txBody>
-            <a:bodyPr rtlCol="0" anchor="ctr"/>
-            <a:lstStyle/>
-            <a:p>
-              <a:pPr algn="ctr"/>
-              <a:endParaRPr lang="pt-BR"/>
-            </a:p>
-          </p:txBody>
-        </p:sp>
-        <p:sp>
-          <p:nvSpPr>
-            <p:cNvPr id="50" name="Retângulo 49">
-              <a:extLst>
-                <a:ext uri="{FF2B5EF4-FFF2-40B4-BE49-F238E27FC236}">
-                  <a16:creationId xmlns:a16="http://schemas.microsoft.com/office/drawing/2014/main" id="{6BCB2659-DD33-4ED7-94E3-02C750D1497E}"/>
-                </a:ext>
-              </a:extLst>
-            </p:cNvPr>
-            <p:cNvSpPr/>
-            <p:nvPr/>
-          </p:nvSpPr>
-          <p:spPr>
-            <a:xfrm>
-              <a:off x="9209586" y="5134786"/>
-              <a:ext cx="1763214" cy="584775"/>
-            </a:xfrm>
-            <a:prstGeom prst="rect">
-              <a:avLst/>
-            </a:prstGeom>
-          </p:spPr>
-          <p:txBody>
-            <a:bodyPr wrap="square">
-              <a:spAutoFit/>
-            </a:bodyPr>
-            <a:lstStyle/>
-            <a:p>
-              <a:pPr algn="r"/>
-              <a:r>
-                <a:rPr lang="pt-BR" sz="1600" b="1" dirty="0">
-                  <a:solidFill>
-                    <a:schemeClr val="accent3"/>
-                  </a:solidFill>
-                </a:rPr>
-                <a:t>instruções</a:t>
-              </a:r>
-            </a:p>
-            <a:p>
-              <a:pPr algn="r"/>
-              <a:r>
-                <a:rPr lang="pt-BR" sz="1600" dirty="0"/>
-                <a:t>.</a:t>
-              </a:r>
-              <a:r>
-                <a:rPr lang="pt-BR" sz="1600" dirty="0" err="1"/>
-                <a:t>text</a:t>
-              </a:r>
-              <a:endParaRPr lang="pt-BR" sz="1600" dirty="0"/>
-            </a:p>
-          </p:txBody>
-        </p:sp>
-        <p:sp>
-          <p:nvSpPr>
-            <p:cNvPr id="51" name="Retângulo 50">
-              <a:extLst>
-                <a:ext uri="{FF2B5EF4-FFF2-40B4-BE49-F238E27FC236}">
-                  <a16:creationId xmlns:a16="http://schemas.microsoft.com/office/drawing/2014/main" id="{0774991A-8CB2-4979-B1C5-BB51ECE47FB5}"/>
-                </a:ext>
-              </a:extLst>
-            </p:cNvPr>
-            <p:cNvSpPr/>
-            <p:nvPr/>
-          </p:nvSpPr>
-          <p:spPr>
-            <a:xfrm>
-              <a:off x="9130344" y="3005044"/>
-              <a:ext cx="1861488" cy="1569660"/>
-            </a:xfrm>
-            <a:prstGeom prst="rect">
-              <a:avLst/>
-            </a:prstGeom>
-          </p:spPr>
-          <p:txBody>
-            <a:bodyPr wrap="square">
-              <a:spAutoFit/>
-            </a:bodyPr>
-            <a:lstStyle/>
-            <a:p>
-              <a:pPr algn="r"/>
-              <a:r>
-                <a:rPr lang="pt-BR" sz="1600" b="1" dirty="0">
-                  <a:solidFill>
-                    <a:schemeClr val="accent3"/>
-                  </a:solidFill>
-                </a:rPr>
-                <a:t>dados</a:t>
-              </a:r>
-            </a:p>
-            <a:p>
-              <a:pPr algn="r"/>
-              <a:r>
-                <a:rPr lang="pt-BR" sz="1600" dirty="0"/>
-                <a:t>.</a:t>
-              </a:r>
-              <a:r>
-                <a:rPr lang="pt-BR" sz="1600" dirty="0" err="1"/>
-                <a:t>stack</a:t>
-              </a:r>
-              <a:endParaRPr lang="pt-BR" sz="1600" dirty="0"/>
-            </a:p>
-            <a:p>
-              <a:pPr algn="r"/>
-              <a:r>
-                <a:rPr lang="pt-BR" sz="1600" dirty="0"/>
-                <a:t>.</a:t>
-              </a:r>
-              <a:r>
-                <a:rPr lang="pt-BR" sz="1600" dirty="0" err="1"/>
-                <a:t>heap</a:t>
-              </a:r>
-              <a:endParaRPr lang="pt-BR" sz="1600" dirty="0"/>
-            </a:p>
-            <a:p>
-              <a:pPr algn="r"/>
-              <a:r>
-                <a:rPr lang="pt-BR" sz="1600" dirty="0"/>
-                <a:t>.</a:t>
-              </a:r>
-              <a:r>
-                <a:rPr lang="pt-BR" sz="1600" dirty="0" err="1"/>
-                <a:t>bss</a:t>
-              </a:r>
-              <a:endParaRPr lang="pt-BR" sz="1600" dirty="0"/>
-            </a:p>
-            <a:p>
-              <a:pPr algn="r"/>
-              <a:r>
-                <a:rPr lang="pt-BR" sz="1600" dirty="0"/>
-                <a:t>.data</a:t>
-              </a:r>
-            </a:p>
-            <a:p>
-              <a:pPr algn="r"/>
-              <a:r>
-                <a:rPr lang="pt-BR" sz="1600" dirty="0"/>
-                <a:t>.</a:t>
-              </a:r>
-              <a:r>
-                <a:rPr lang="pt-BR" sz="1600" dirty="0" err="1"/>
-                <a:t>rodata</a:t>
-              </a:r>
-              <a:endParaRPr lang="pt-BR" sz="1600" dirty="0"/>
-            </a:p>
-          </p:txBody>
-        </p:sp>
-        <p:sp>
-          <p:nvSpPr>
-            <p:cNvPr id="52" name="CaixaDeTexto 51">
-              <a:extLst>
-                <a:ext uri="{FF2B5EF4-FFF2-40B4-BE49-F238E27FC236}">
-                  <a16:creationId xmlns:a16="http://schemas.microsoft.com/office/drawing/2014/main" id="{4CEC9BAD-46C4-46B8-8E46-B44E4F2BA716}"/>
-                </a:ext>
-              </a:extLst>
-            </p:cNvPr>
-            <p:cNvSpPr txBox="1"/>
-            <p:nvPr/>
-          </p:nvSpPr>
-          <p:spPr>
-            <a:xfrm rot="5400000">
-              <a:off x="10874193" y="4343962"/>
-              <a:ext cx="1047082" cy="369332"/>
-            </a:xfrm>
-            <a:prstGeom prst="rect">
-              <a:avLst/>
-            </a:prstGeom>
+          <a:prstGeom prst="rect">
+            <a:avLst/>
+          </a:prstGeom>
+          <a:solidFill>
+            <a:schemeClr val="bg1"/>
+          </a:solidFill>
+          <a:ln w="19050">
             <a:noFill/>
-          </p:spPr>
-          <p:txBody>
-            <a:bodyPr wrap="none" rtlCol="0">
-              <a:spAutoFit/>
-            </a:bodyPr>
-            <a:lstStyle/>
-            <a:p>
-              <a:r>
-                <a:rPr lang="pt-BR" dirty="0"/>
-                <a:t>Memória</a:t>
-              </a:r>
-            </a:p>
-          </p:txBody>
-        </p:sp>
-        <p:cxnSp>
-          <p:nvCxnSpPr>
-            <p:cNvPr id="53" name="Conector de Seta Reta 52">
-              <a:extLst>
-                <a:ext uri="{FF2B5EF4-FFF2-40B4-BE49-F238E27FC236}">
-                  <a16:creationId xmlns:a16="http://schemas.microsoft.com/office/drawing/2014/main" id="{90531047-2901-4EBE-B881-C358DCC35A94}"/>
-                </a:ext>
-              </a:extLst>
-            </p:cNvPr>
-            <p:cNvCxnSpPr>
-              <a:cxnSpLocks/>
-            </p:cNvCxnSpPr>
-            <p:nvPr/>
-          </p:nvCxnSpPr>
-          <p:spPr>
-            <a:xfrm>
-              <a:off x="11187580" y="3005044"/>
-              <a:ext cx="0" cy="3235072"/>
-            </a:xfrm>
-            <a:prstGeom prst="straightConnector1">
-              <a:avLst/>
-            </a:prstGeom>
-            <a:ln w="19050">
-              <a:solidFill>
-                <a:schemeClr val="tx1"/>
-              </a:solidFill>
-              <a:headEnd type="triangle"/>
-              <a:tailEnd type="triangle"/>
-            </a:ln>
-          </p:spPr>
-          <p:style>
-            <a:lnRef idx="1">
-              <a:schemeClr val="accent1"/>
-            </a:lnRef>
-            <a:fillRef idx="0">
-              <a:schemeClr val="accent1"/>
-            </a:fillRef>
-            <a:effectRef idx="0">
-              <a:schemeClr val="accent1"/>
-            </a:effectRef>
-            <a:fontRef idx="minor">
-              <a:schemeClr val="tx1"/>
-            </a:fontRef>
-          </p:style>
-        </p:cxnSp>
-      </p:grpSp>
+            <a:prstDash val="solid"/>
+          </a:ln>
+        </p:spPr>
+        <p:style>
+          <a:lnRef idx="2">
+            <a:schemeClr val="accent1">
+              <a:shade val="50000"/>
+            </a:schemeClr>
+          </a:lnRef>
+          <a:fillRef idx="1">
+            <a:schemeClr val="accent1"/>
+          </a:fillRef>
+          <a:effectRef idx="0">
+            <a:schemeClr val="accent1"/>
+          </a:effectRef>
+          <a:fontRef idx="minor">
+            <a:schemeClr val="lt1"/>
+          </a:fontRef>
+        </p:style>
+        <p:txBody>
+          <a:bodyPr vert="vert" rtlCol="0" anchor="ctr"/>
+          <a:lstStyle/>
+          <a:p>
+            <a:pPr algn="ctr"/>
+            <a:r>
+              <a:rPr lang="pt-BR" sz="1400" dirty="0"/>
+              <a:t>Memória</a:t>
+            </a:r>
+            <a:endParaRPr lang="pt-BR" dirty="0"/>
+          </a:p>
+        </p:txBody>
+      </p:sp>
+      <p:sp>
+        <p:nvSpPr>
+          <p:cNvPr id="48" name="Retângulo 47">
+            <a:extLst>
+              <a:ext uri="{FF2B5EF4-FFF2-40B4-BE49-F238E27FC236}">
+                <a16:creationId xmlns:a16="http://schemas.microsoft.com/office/drawing/2014/main" id="{97AA19DC-3417-47B0-AE58-9B3771104C45}"/>
+              </a:ext>
+            </a:extLst>
+          </p:cNvPr>
+          <p:cNvSpPr/>
+          <p:nvPr/>
+        </p:nvSpPr>
+        <p:spPr>
+          <a:xfrm>
+            <a:off x="8758861" y="2935781"/>
+            <a:ext cx="1716907" cy="1965759"/>
+          </a:xfrm>
+          <a:prstGeom prst="rect">
+            <a:avLst/>
+          </a:prstGeom>
+          <a:solidFill>
+            <a:schemeClr val="bg1">
+              <a:lumMod val="75000"/>
+              <a:lumOff val="25000"/>
+            </a:schemeClr>
+          </a:solidFill>
+          <a:ln>
+            <a:noFill/>
+          </a:ln>
+        </p:spPr>
+        <p:style>
+          <a:lnRef idx="2">
+            <a:schemeClr val="accent1">
+              <a:shade val="50000"/>
+            </a:schemeClr>
+          </a:lnRef>
+          <a:fillRef idx="1">
+            <a:schemeClr val="accent1"/>
+          </a:fillRef>
+          <a:effectRef idx="0">
+            <a:schemeClr val="accent1"/>
+          </a:effectRef>
+          <a:fontRef idx="minor">
+            <a:schemeClr val="lt1"/>
+          </a:fontRef>
+        </p:style>
+        <p:txBody>
+          <a:bodyPr rtlCol="0" anchor="ctr"/>
+          <a:lstStyle/>
+          <a:p>
+            <a:pPr algn="ctr"/>
+            <a:endParaRPr lang="pt-BR"/>
+          </a:p>
+        </p:txBody>
+      </p:sp>
+      <p:sp>
+        <p:nvSpPr>
+          <p:cNvPr id="49" name="Retângulo 48">
+            <a:extLst>
+              <a:ext uri="{FF2B5EF4-FFF2-40B4-BE49-F238E27FC236}">
+                <a16:creationId xmlns:a16="http://schemas.microsoft.com/office/drawing/2014/main" id="{D73DEDC8-6097-40D8-9253-07FD085B8C09}"/>
+              </a:ext>
+            </a:extLst>
+          </p:cNvPr>
+          <p:cNvSpPr/>
+          <p:nvPr/>
+        </p:nvSpPr>
+        <p:spPr>
+          <a:xfrm>
+            <a:off x="8757730" y="4901540"/>
+            <a:ext cx="1718038" cy="1101569"/>
+          </a:xfrm>
+          <a:prstGeom prst="rect">
+            <a:avLst/>
+          </a:prstGeom>
+          <a:solidFill>
+            <a:schemeClr val="bg1">
+              <a:lumMod val="85000"/>
+              <a:lumOff val="15000"/>
+            </a:schemeClr>
+          </a:solidFill>
+          <a:ln>
+            <a:noFill/>
+          </a:ln>
+        </p:spPr>
+        <p:style>
+          <a:lnRef idx="2">
+            <a:schemeClr val="accent1">
+              <a:shade val="50000"/>
+            </a:schemeClr>
+          </a:lnRef>
+          <a:fillRef idx="1">
+            <a:schemeClr val="accent1"/>
+          </a:fillRef>
+          <a:effectRef idx="0">
+            <a:schemeClr val="accent1"/>
+          </a:effectRef>
+          <a:fontRef idx="minor">
+            <a:schemeClr val="lt1"/>
+          </a:fontRef>
+        </p:style>
+        <p:txBody>
+          <a:bodyPr rtlCol="0" anchor="ctr"/>
+          <a:lstStyle/>
+          <a:p>
+            <a:pPr algn="ctr"/>
+            <a:endParaRPr lang="pt-BR"/>
+          </a:p>
+        </p:txBody>
+      </p:sp>
+      <p:sp>
+        <p:nvSpPr>
+          <p:cNvPr id="50" name="Retângulo 49">
+            <a:extLst>
+              <a:ext uri="{FF2B5EF4-FFF2-40B4-BE49-F238E27FC236}">
+                <a16:creationId xmlns:a16="http://schemas.microsoft.com/office/drawing/2014/main" id="{6BCB2659-DD33-4ED7-94E3-02C750D1497E}"/>
+              </a:ext>
+            </a:extLst>
+          </p:cNvPr>
+          <p:cNvSpPr/>
+          <p:nvPr/>
+        </p:nvSpPr>
+        <p:spPr>
+          <a:xfrm>
+            <a:off x="8974921" y="4951620"/>
+            <a:ext cx="1420380" cy="584775"/>
+          </a:xfrm>
+          <a:prstGeom prst="rect">
+            <a:avLst/>
+          </a:prstGeom>
+        </p:spPr>
+        <p:txBody>
+          <a:bodyPr wrap="square">
+            <a:spAutoFit/>
+          </a:bodyPr>
+          <a:lstStyle/>
+          <a:p>
+            <a:pPr algn="r"/>
+            <a:r>
+              <a:rPr lang="pt-BR" sz="1600" b="1" dirty="0">
+                <a:solidFill>
+                  <a:schemeClr val="accent3"/>
+                </a:solidFill>
+              </a:rPr>
+              <a:t>instruções</a:t>
+            </a:r>
+          </a:p>
+          <a:p>
+            <a:pPr algn="r"/>
+            <a:r>
+              <a:rPr lang="pt-BR" sz="1600" dirty="0"/>
+              <a:t>.</a:t>
+            </a:r>
+            <a:r>
+              <a:rPr lang="pt-BR" sz="1600" dirty="0" err="1"/>
+              <a:t>text</a:t>
+            </a:r>
+            <a:endParaRPr lang="pt-BR" sz="1600" dirty="0"/>
+          </a:p>
+        </p:txBody>
+      </p:sp>
+      <p:sp>
+        <p:nvSpPr>
+          <p:cNvPr id="51" name="Retângulo 50">
+            <a:extLst>
+              <a:ext uri="{FF2B5EF4-FFF2-40B4-BE49-F238E27FC236}">
+                <a16:creationId xmlns:a16="http://schemas.microsoft.com/office/drawing/2014/main" id="{0774991A-8CB2-4979-B1C5-BB51ECE47FB5}"/>
+              </a:ext>
+            </a:extLst>
+          </p:cNvPr>
+          <p:cNvSpPr/>
+          <p:nvPr/>
+        </p:nvSpPr>
+        <p:spPr>
+          <a:xfrm>
+            <a:off x="8912885" y="2961845"/>
+            <a:ext cx="1501448" cy="1569660"/>
+          </a:xfrm>
+          <a:prstGeom prst="rect">
+            <a:avLst/>
+          </a:prstGeom>
+        </p:spPr>
+        <p:txBody>
+          <a:bodyPr wrap="square">
+            <a:spAutoFit/>
+          </a:bodyPr>
+          <a:lstStyle/>
+          <a:p>
+            <a:pPr algn="r"/>
+            <a:r>
+              <a:rPr lang="pt-BR" sz="1600" b="1" dirty="0">
+                <a:solidFill>
+                  <a:schemeClr val="accent3"/>
+                </a:solidFill>
+              </a:rPr>
+              <a:t>dados</a:t>
+            </a:r>
+          </a:p>
+          <a:p>
+            <a:pPr algn="r"/>
+            <a:r>
+              <a:rPr lang="pt-BR" sz="1600" dirty="0"/>
+              <a:t>.</a:t>
+            </a:r>
+            <a:r>
+              <a:rPr lang="pt-BR" sz="1600" dirty="0" err="1"/>
+              <a:t>stack</a:t>
+            </a:r>
+            <a:endParaRPr lang="pt-BR" sz="1600" dirty="0"/>
+          </a:p>
+          <a:p>
+            <a:pPr algn="r"/>
+            <a:r>
+              <a:rPr lang="pt-BR" sz="1600" dirty="0"/>
+              <a:t>.</a:t>
+            </a:r>
+            <a:r>
+              <a:rPr lang="pt-BR" sz="1600" dirty="0" err="1"/>
+              <a:t>heap</a:t>
+            </a:r>
+            <a:endParaRPr lang="pt-BR" sz="1600" dirty="0"/>
+          </a:p>
+          <a:p>
+            <a:pPr algn="r"/>
+            <a:r>
+              <a:rPr lang="pt-BR" sz="1600" dirty="0"/>
+              <a:t>.</a:t>
+            </a:r>
+            <a:r>
+              <a:rPr lang="pt-BR" sz="1600" dirty="0" err="1"/>
+              <a:t>bss</a:t>
+            </a:r>
+            <a:endParaRPr lang="pt-BR" sz="1600" dirty="0"/>
+          </a:p>
+          <a:p>
+            <a:pPr algn="r"/>
+            <a:r>
+              <a:rPr lang="pt-BR" sz="1600" dirty="0"/>
+              <a:t>.data</a:t>
+            </a:r>
+          </a:p>
+          <a:p>
+            <a:pPr algn="r"/>
+            <a:r>
+              <a:rPr lang="pt-BR" sz="1600" dirty="0"/>
+              <a:t>.</a:t>
+            </a:r>
+            <a:r>
+              <a:rPr lang="pt-BR" sz="1600" dirty="0" err="1"/>
+              <a:t>rodata</a:t>
+            </a:r>
+            <a:endParaRPr lang="pt-BR" sz="1600" dirty="0"/>
+          </a:p>
+        </p:txBody>
+      </p:sp>
     </p:spTree>
     <p:extLst>
       <p:ext uri="{BB962C8B-B14F-4D97-AF65-F5344CB8AC3E}">
@@ -16717,8 +18505,8 @@
         </p:nvSpPr>
         <p:spPr>
           <a:xfrm>
-            <a:off x="1271464" y="1772817"/>
-            <a:ext cx="8928992" cy="4524315"/>
+            <a:off x="1343472" y="1772817"/>
+            <a:ext cx="8928992" cy="4247317"/>
           </a:xfrm>
           <a:prstGeom prst="rect">
             <a:avLst/>
@@ -17039,17 +18827,6 @@
             </a:endParaRPr>
           </a:p>
           <a:p>
-            <a:endParaRPr lang="pt-BR" dirty="0">
-              <a:solidFill>
-                <a:schemeClr val="accent3">
-                  <a:lumMod val="75000"/>
-                </a:schemeClr>
-              </a:solidFill>
-              <a:latin typeface="Consolas" pitchFamily="49" charset="0"/>
-              <a:cs typeface="Consolas" pitchFamily="49" charset="0"/>
-            </a:endParaRPr>
-          </a:p>
-          <a:p>
             <a:r>
               <a:rPr lang="pt-BR" dirty="0" err="1">
                 <a:solidFill>
@@ -17257,6 +19034,48 @@
                 <a:cs typeface="Consolas" pitchFamily="49" charset="0"/>
               </a:rPr>
               <a:t>}</a:t>
+            </a:r>
+          </a:p>
+        </p:txBody>
+      </p:sp>
+      <p:sp>
+        <p:nvSpPr>
+          <p:cNvPr id="5" name="CaixaDeTexto 4">
+            <a:extLst>
+              <a:ext uri="{FF2B5EF4-FFF2-40B4-BE49-F238E27FC236}">
+                <a16:creationId xmlns:a16="http://schemas.microsoft.com/office/drawing/2014/main" id="{8162E88B-305A-42D2-BC35-4011E1D3D542}"/>
+              </a:ext>
+            </a:extLst>
+          </p:cNvPr>
+          <p:cNvSpPr txBox="1"/>
+          <p:nvPr/>
+        </p:nvSpPr>
+        <p:spPr>
+          <a:xfrm rot="16200000">
+            <a:off x="-714272" y="5774776"/>
+            <a:ext cx="1800200" cy="276999"/>
+          </a:xfrm>
+          <a:prstGeom prst="rect">
+            <a:avLst/>
+          </a:prstGeom>
+          <a:noFill/>
+        </p:spPr>
+        <p:txBody>
+          <a:bodyPr wrap="square" rtlCol="0">
+            <a:spAutoFit/>
+          </a:bodyPr>
+          <a:lstStyle/>
+          <a:p>
+            <a:r>
+              <a:rPr lang="pt-BR" sz="1200" dirty="0">
+                <a:solidFill>
+                  <a:schemeClr val="bg2">
+                    <a:lumMod val="50000"/>
+                  </a:schemeClr>
+                </a:solidFill>
+                <a:latin typeface="+mj-lt"/>
+              </a:rPr>
+              <a:t>// Estimar.cpp</a:t>
             </a:r>
           </a:p>
         </p:txBody>
@@ -17342,9 +19161,11 @@
             <a:endParaRPr lang="pt-BR" dirty="0"/>
           </a:p>
           <a:p>
-            <a:endParaRPr lang="pt-BR" dirty="0"/>
-          </a:p>
-          <a:p>
+            <a:pPr>
+              <a:spcAft>
+                <a:spcPts val="1800"/>
+              </a:spcAft>
+            </a:pPr>
             <a:endParaRPr lang="pt-BR" dirty="0"/>
           </a:p>
           <a:p>
@@ -17485,7 +19306,7 @@
         </p:nvSpPr>
         <p:spPr>
           <a:xfrm>
-            <a:off x="2063552" y="5157192"/>
+            <a:off x="2063552" y="4797152"/>
             <a:ext cx="6096000" cy="923330"/>
           </a:xfrm>
           <a:prstGeom prst="rect">
@@ -17787,7 +19608,26 @@
                   </a:schemeClr>
                 </a:solidFill>
               </a:rPr>
-              <a:t>assinatura e tipo de retorno</a:t>
+              <a:t>assinatura e tipo </a:t>
+            </a:r>
+            <a:br>
+              <a:rPr lang="pt-BR" dirty="0">
+                <a:solidFill>
+                  <a:schemeClr val="accent3">
+                    <a:lumMod val="75000"/>
+                  </a:schemeClr>
+                </a:solidFill>
+              </a:rPr>
+            </a:br>
+            <a:r>
+              <a:rPr lang="pt-BR" dirty="0">
+                <a:solidFill>
+                  <a:schemeClr val="accent3">
+                    <a:lumMod val="75000"/>
+                  </a:schemeClr>
+                </a:solidFill>
+              </a:rPr>
+              <a:t>de retorno</a:t>
             </a:r>
             <a:r>
               <a:rPr lang="pt-BR" dirty="0"/>
@@ -18452,6 +20292,11 @@
           </a:bodyPr>
           <a:lstStyle/>
           <a:p>
+            <a:pPr>
+              <a:spcAft>
+                <a:spcPts val="3000"/>
+              </a:spcAft>
+            </a:pPr>
             <a:r>
               <a:rPr lang="pt-BR" dirty="0"/>
               <a:t>Um </a:t>
@@ -18468,19 +20313,20 @@
             </a:r>
             <a:r>
               <a:rPr lang="pt-BR" dirty="0"/>
-              <a:t>para um endereço de uma função</a:t>
+              <a:t>para um endereço </a:t>
+            </a:r>
+            <a:br>
+              <a:rPr lang="pt-BR" dirty="0"/>
+            </a:br>
+            <a:r>
+              <a:rPr lang="pt-BR" dirty="0"/>
+              <a:t>de uma função</a:t>
             </a:r>
           </a:p>
           <a:p>
             <a:endParaRPr lang="pt-BR" dirty="0"/>
           </a:p>
           <a:p>
-            <a:endParaRPr lang="pt-BR" dirty="0"/>
-          </a:p>
-          <a:p>
-            <a:pPr marL="68580" indent="0">
-              <a:buNone/>
-            </a:pPr>
             <a:endParaRPr lang="pt-BR" dirty="0"/>
           </a:p>
           <a:p>
@@ -19062,7 +20908,7 @@
         </p:nvSpPr>
         <p:spPr>
           <a:xfrm>
-            <a:off x="1703512" y="5702648"/>
+            <a:off x="1703512" y="5446965"/>
             <a:ext cx="6552728" cy="646331"/>
           </a:xfrm>
           <a:prstGeom prst="rect">
@@ -19298,6 +21144,9 @@
               <a:rPr lang="pt-BR" sz="2400" dirty="0"/>
               <a:t> são chamadas das funções </a:t>
             </a:r>
+            <a:br>
+              <a:rPr lang="pt-BR" sz="2400" dirty="0"/>
+            </a:br>
             <a:r>
               <a:rPr lang="pt-BR" sz="2400" dirty="0">
                 <a:latin typeface="+mj-lt"/>
@@ -19963,6 +21812,11 @@
           <a:bodyPr/>
           <a:lstStyle/>
           <a:p>
+            <a:pPr>
+              <a:spcAft>
+                <a:spcPts val="1800"/>
+              </a:spcAft>
+            </a:pPr>
             <a:r>
               <a:rPr lang="pt-BR" dirty="0"/>
               <a:t>Um </a:t>
@@ -19979,7 +21833,14 @@
             </a:r>
             <a:r>
               <a:rPr lang="pt-BR" dirty="0"/>
-              <a:t>poderia ser construído para trabalhar com as </a:t>
+              <a:t>poderia ser construído para </a:t>
+            </a:r>
+            <a:br>
+              <a:rPr lang="pt-BR" dirty="0"/>
+            </a:br>
+            <a:r>
+              <a:rPr lang="pt-BR" dirty="0"/>
+              <a:t>trabalhar com as </a:t>
             </a:r>
             <a:r>
               <a:rPr lang="pt-BR" dirty="0">
@@ -19991,9 +21852,6 @@
               <a:rPr lang="pt-BR" dirty="0"/>
               <a:t> funções</a:t>
             </a:r>
-          </a:p>
-          <a:p>
-            <a:endParaRPr lang="pt-BR" dirty="0"/>
           </a:p>
           <a:p>
             <a:endParaRPr lang="pt-BR" dirty="0"/>
@@ -20040,8 +21898,8 @@
         </p:nvSpPr>
         <p:spPr>
           <a:xfrm>
-            <a:off x="1652414" y="2924944"/>
-            <a:ext cx="7755954" cy="1754326"/>
+            <a:off x="1631504" y="2948751"/>
+            <a:ext cx="7755954" cy="1294329"/>
           </a:xfrm>
           <a:prstGeom prst="rect">
             <a:avLst/>
@@ -20424,12 +22282,11 @@
             </a:r>
           </a:p>
           <a:p>
-            <a:endParaRPr lang="pt-BR" dirty="0">
-              <a:latin typeface="Consolas" pitchFamily="49" charset="0"/>
-              <a:cs typeface="Consolas" pitchFamily="49" charset="0"/>
-            </a:endParaRPr>
-          </a:p>
-          <a:p>
+            <a:pPr>
+              <a:lnSpc>
+                <a:spcPct val="150000"/>
+              </a:lnSpc>
+            </a:pPr>
             <a:r>
               <a:rPr lang="pt-BR" dirty="0" err="1">
                 <a:solidFill>
@@ -20561,12 +22418,6 @@
               </a:rPr>
               <a:t> n) = {f1,f2,f3};</a:t>
             </a:r>
-          </a:p>
-          <a:p>
-            <a:endParaRPr lang="pt-BR" dirty="0">
-              <a:latin typeface="Consolas" pitchFamily="49" charset="0"/>
-              <a:cs typeface="Consolas" pitchFamily="49" charset="0"/>
-            </a:endParaRPr>
           </a:p>
         </p:txBody>
       </p:sp>
@@ -20578,7 +22429,7 @@
         </p:nvSpPr>
         <p:spPr>
           <a:xfrm>
-            <a:off x="1652414" y="5589241"/>
+            <a:off x="1631504" y="5229200"/>
             <a:ext cx="6064274" cy="646331"/>
           </a:xfrm>
           <a:prstGeom prst="rect">
@@ -20842,7 +22693,7 @@
           <a:p>
             <a:r>
               <a:rPr lang="pt-BR" dirty="0"/>
-              <a:t>C++ fornece outras ferramentas além do auto para </a:t>
+              <a:t>C++ fornece outras ferramentas, além do auto, para </a:t>
             </a:r>
             <a:r>
               <a:rPr lang="pt-BR" dirty="0">
@@ -21049,7 +22900,7 @@
         <p:spPr>
           <a:xfrm>
             <a:off x="1687910" y="4590420"/>
-            <a:ext cx="8728570" cy="1477328"/>
+            <a:ext cx="8728570" cy="1294329"/>
           </a:xfrm>
           <a:prstGeom prst="rect">
             <a:avLst/>
@@ -21061,6 +22912,11 @@
           </a:bodyPr>
           <a:lstStyle/>
           <a:p>
+            <a:pPr>
+              <a:lnSpc>
+                <a:spcPct val="150000"/>
+              </a:lnSpc>
+            </a:pPr>
             <a:r>
               <a:rPr lang="pt-BR" dirty="0" err="1">
                 <a:solidFill>
@@ -21224,12 +23080,11 @@
             </a:r>
           </a:p>
           <a:p>
-            <a:endParaRPr lang="pt-BR" dirty="0">
-              <a:latin typeface="Consolas" pitchFamily="49" charset="0"/>
-              <a:cs typeface="Consolas" pitchFamily="49" charset="0"/>
-            </a:endParaRPr>
-          </a:p>
-          <a:p>
+            <a:pPr>
+              <a:lnSpc>
+                <a:spcPct val="150000"/>
+              </a:lnSpc>
+            </a:pPr>
             <a:r>
               <a:rPr lang="pt-BR" dirty="0" err="1">
                 <a:solidFill>
@@ -21265,12 +23120,11 @@
             </a:r>
           </a:p>
           <a:p>
-            <a:endParaRPr lang="pt-BR" dirty="0">
-              <a:latin typeface="Consolas" pitchFamily="49" charset="0"/>
-              <a:cs typeface="Consolas" pitchFamily="49" charset="0"/>
-            </a:endParaRPr>
-          </a:p>
-          <a:p>
+            <a:pPr>
+              <a:lnSpc>
+                <a:spcPct val="150000"/>
+              </a:lnSpc>
+            </a:pPr>
             <a:r>
               <a:rPr lang="pt-BR" dirty="0" err="1">
                 <a:solidFill>
@@ -21455,6 +23309,13 @@
             </a:r>
           </a:p>
           <a:p>
+            <a:pPr lvl="1"/>
+            <a:r>
+              <a:rPr lang="pt-BR" dirty="0"/>
+              <a:t>Especialmente útil para o caminho crítico de um código</a:t>
+            </a:r>
+          </a:p>
+          <a:p>
             <a:endParaRPr lang="pt-BR" dirty="0">
               <a:solidFill>
                 <a:schemeClr val="accent3">
@@ -21527,14 +23388,67 @@
       </p:grpSpPr>
       <p:sp>
         <p:nvSpPr>
+          <p:cNvPr id="58" name="Retângulo: Cantos Arredondados 57"/>
+          <p:cNvSpPr/>
+          <p:nvPr/>
+        </p:nvSpPr>
+        <p:spPr>
+          <a:xfrm>
+            <a:off x="2534659" y="5124679"/>
+            <a:ext cx="1110268" cy="340519"/>
+          </a:xfrm>
+          <a:prstGeom prst="roundRect">
+            <a:avLst/>
+          </a:prstGeom>
+          <a:solidFill>
+            <a:schemeClr val="accent3">
+              <a:lumMod val="75000"/>
+            </a:schemeClr>
+          </a:solidFill>
+          <a:ln>
+            <a:noFill/>
+          </a:ln>
+        </p:spPr>
+        <p:style>
+          <a:lnRef idx="2">
+            <a:schemeClr val="accent3">
+              <a:shade val="50000"/>
+            </a:schemeClr>
+          </a:lnRef>
+          <a:fillRef idx="1">
+            <a:schemeClr val="accent3"/>
+          </a:fillRef>
+          <a:effectRef idx="0">
+            <a:schemeClr val="accent3"/>
+          </a:effectRef>
+          <a:fontRef idx="minor">
+            <a:schemeClr val="lt1"/>
+          </a:fontRef>
+        </p:style>
+        <p:txBody>
+          <a:bodyPr wrap="square">
+            <a:spAutoFit/>
+          </a:bodyPr>
+          <a:lstStyle/>
+          <a:p>
+            <a:endParaRPr lang="pt-BR" sz="1400" dirty="0">
+              <a:solidFill>
+                <a:schemeClr val="bg1"/>
+              </a:solidFill>
+            </a:endParaRPr>
+          </a:p>
+        </p:txBody>
+      </p:sp>
+      <p:sp>
+        <p:nvSpPr>
           <p:cNvPr id="4" name="Retângulo 3"/>
           <p:cNvSpPr/>
           <p:nvPr/>
         </p:nvSpPr>
         <p:spPr>
           <a:xfrm>
-            <a:off x="1722498" y="3045741"/>
-            <a:ext cx="3437398" cy="3108543"/>
+            <a:off x="1722498" y="2996952"/>
+            <a:ext cx="2997598" cy="3108543"/>
           </a:xfrm>
           <a:prstGeom prst="rect">
             <a:avLst/>
@@ -21954,50 +23868,58 @@
       </p:sp>
       <p:sp>
         <p:nvSpPr>
-          <p:cNvPr id="58" name="Retângulo 57"/>
+          <p:cNvPr id="38" name="Retângulo 37">
+            <a:extLst>
+              <a:ext uri="{FF2B5EF4-FFF2-40B4-BE49-F238E27FC236}">
+                <a16:creationId xmlns:a16="http://schemas.microsoft.com/office/drawing/2014/main" id="{89FC1CF6-F8A5-408A-826D-D695D6CFB05B}"/>
+              </a:ext>
+            </a:extLst>
+          </p:cNvPr>
           <p:cNvSpPr/>
           <p:nvPr/>
         </p:nvSpPr>
         <p:spPr>
           <a:xfrm>
-            <a:off x="2537460" y="5188188"/>
-            <a:ext cx="1162213" cy="307777"/>
+            <a:off x="10610325" y="2060848"/>
+            <a:ext cx="362475" cy="3600007"/>
           </a:xfrm>
           <a:prstGeom prst="rect">
             <a:avLst/>
           </a:prstGeom>
           <a:solidFill>
-            <a:schemeClr val="accent3">
-              <a:lumMod val="50000"/>
-            </a:schemeClr>
+            <a:schemeClr val="bg1"/>
           </a:solidFill>
           <a:ln w="19050">
             <a:noFill/>
+            <a:prstDash val="solid"/>
           </a:ln>
-          <a:effectLst/>
-          <a:scene3d>
-            <a:camera prst="orthographicFront">
-              <a:rot lat="0" lon="0" rev="0"/>
-            </a:camera>
-            <a:lightRig rig="chilly" dir="t">
-              <a:rot lat="0" lon="0" rev="18480000"/>
-            </a:lightRig>
-          </a:scene3d>
-          <a:sp3d prstMaterial="clear">
-            <a:bevelT h="63500"/>
-          </a:sp3d>
         </p:spPr>
+        <p:style>
+          <a:lnRef idx="2">
+            <a:schemeClr val="accent1">
+              <a:shade val="50000"/>
+            </a:schemeClr>
+          </a:lnRef>
+          <a:fillRef idx="1">
+            <a:schemeClr val="accent1"/>
+          </a:fillRef>
+          <a:effectRef idx="0">
+            <a:schemeClr val="accent1"/>
+          </a:effectRef>
+          <a:fontRef idx="minor">
+            <a:schemeClr val="lt1"/>
+          </a:fontRef>
+        </p:style>
         <p:txBody>
-          <a:bodyPr wrap="square">
-            <a:spAutoFit/>
-          </a:bodyPr>
+          <a:bodyPr vert="vert" rtlCol="0" anchor="ctr"/>
           <a:lstStyle/>
           <a:p>
-            <a:endParaRPr lang="pt-BR" sz="1400" dirty="0">
-              <a:solidFill>
-                <a:schemeClr val="bg1"/>
-              </a:solidFill>
-            </a:endParaRPr>
+            <a:pPr algn="ctr"/>
+            <a:r>
+              <a:rPr lang="pt-BR" sz="1400" dirty="0"/>
+              <a:t>Memória</a:t>
+            </a:r>
+            <a:endParaRPr lang="pt-BR" dirty="0"/>
           </a:p>
         </p:txBody>
       </p:sp>
@@ -22041,11 +23963,11 @@
           <a:lstStyle/>
           <a:p>
             <a:r>
-              <a:rPr lang="pt-BR" dirty="0"/>
+              <a:rPr lang="pt-BR" sz="2800" dirty="0"/>
               <a:t>A </a:t>
             </a:r>
             <a:r>
-              <a:rPr lang="pt-BR" dirty="0">
+              <a:rPr lang="pt-BR" sz="2800" dirty="0">
                 <a:solidFill>
                   <a:schemeClr val="accent3">
                     <a:lumMod val="75000"/>
@@ -22055,8 +23977,15 @@
               <a:t>chamada de uma função</a:t>
             </a:r>
             <a:r>
-              <a:rPr lang="pt-BR" dirty="0"/>
-              <a:t> implica na execução de várias tarefas em código de máquina:</a:t>
+              <a:rPr lang="pt-BR" sz="2800" dirty="0"/>
+              <a:t> </a:t>
+            </a:r>
+            <a:br>
+              <a:rPr lang="pt-BR" sz="2800" dirty="0"/>
+            </a:br>
+            <a:r>
+              <a:rPr lang="pt-BR" sz="2800" dirty="0"/>
+              <a:t>implica na execução de várias tarefas:</a:t>
             </a:r>
           </a:p>
         </p:txBody>
@@ -22070,7 +23999,7 @@
         <p:spPr>
           <a:xfrm>
             <a:off x="5454473" y="2992022"/>
-            <a:ext cx="2592288" cy="584775"/>
+            <a:ext cx="2592288" cy="523220"/>
           </a:xfrm>
           <a:prstGeom prst="rect">
             <a:avLst/>
@@ -22084,14 +24013,14 @@
           <a:p>
             <a:pPr marL="0" lvl="1"/>
             <a:r>
-              <a:rPr lang="pt-BR" sz="1600" dirty="0"/>
+              <a:rPr lang="pt-BR" sz="1400" dirty="0"/>
               <a:t>Armazenar o endereço </a:t>
             </a:r>
             <a:br>
-              <a:rPr lang="pt-BR" sz="1600" dirty="0"/>
+              <a:rPr lang="pt-BR" sz="1400" dirty="0"/>
             </a:br>
             <a:r>
-              <a:rPr lang="pt-BR" sz="1600" dirty="0"/>
+              <a:rPr lang="pt-BR" sz="1400" dirty="0"/>
               <a:t>da próxima instrução</a:t>
             </a:r>
           </a:p>
@@ -22105,7 +24034,7 @@
         </p:nvSpPr>
         <p:spPr>
           <a:xfrm>
-            <a:off x="5103486" y="3039537"/>
+            <a:off x="5103486" y="2997407"/>
             <a:ext cx="301825" cy="292072"/>
           </a:xfrm>
           <a:prstGeom prst="ellipse">
@@ -22117,8 +24046,385 @@
             </a:schemeClr>
           </a:solidFill>
           <a:ln>
+            <a:noFill/>
+          </a:ln>
+        </p:spPr>
+        <p:style>
+          <a:lnRef idx="2">
+            <a:schemeClr val="accent1">
+              <a:shade val="50000"/>
+            </a:schemeClr>
+          </a:lnRef>
+          <a:fillRef idx="1">
+            <a:schemeClr val="accent1"/>
+          </a:fillRef>
+          <a:effectRef idx="0">
+            <a:schemeClr val="accent1"/>
+          </a:effectRef>
+          <a:fontRef idx="minor">
+            <a:schemeClr val="lt1"/>
+          </a:fontRef>
+        </p:style>
+        <p:txBody>
+          <a:bodyPr rtlCol="0" anchor="ctr"/>
+          <a:lstStyle/>
+          <a:p>
+            <a:pPr algn="ctr"/>
+            <a:r>
+              <a:rPr lang="pt-BR" sz="1400" dirty="0">
+                <a:latin typeface="+mj-lt"/>
+              </a:rPr>
+              <a:t>1</a:t>
+            </a:r>
+          </a:p>
+        </p:txBody>
+      </p:sp>
+      <p:sp>
+        <p:nvSpPr>
+          <p:cNvPr id="8" name="Retângulo 7"/>
+          <p:cNvSpPr/>
+          <p:nvPr/>
+        </p:nvSpPr>
+        <p:spPr>
+          <a:xfrm>
+            <a:off x="8721150" y="2060455"/>
+            <a:ext cx="1896084" cy="2104092"/>
+          </a:xfrm>
+          <a:prstGeom prst="rect">
+            <a:avLst/>
+          </a:prstGeom>
+          <a:solidFill>
+            <a:schemeClr val="bg1">
+              <a:lumMod val="75000"/>
+              <a:lumOff val="25000"/>
+            </a:schemeClr>
+          </a:solidFill>
+          <a:ln>
+            <a:noFill/>
+          </a:ln>
+        </p:spPr>
+        <p:style>
+          <a:lnRef idx="2">
+            <a:schemeClr val="accent1">
+              <a:shade val="50000"/>
+            </a:schemeClr>
+          </a:lnRef>
+          <a:fillRef idx="1">
+            <a:schemeClr val="accent1"/>
+          </a:fillRef>
+          <a:effectRef idx="0">
+            <a:schemeClr val="accent1"/>
+          </a:effectRef>
+          <a:fontRef idx="minor">
+            <a:schemeClr val="lt1"/>
+          </a:fontRef>
+        </p:style>
+        <p:txBody>
+          <a:bodyPr rtlCol="0" anchor="ctr"/>
+          <a:lstStyle/>
+          <a:p>
+            <a:pPr algn="ctr"/>
+            <a:endParaRPr lang="pt-BR"/>
+          </a:p>
+        </p:txBody>
+      </p:sp>
+      <p:sp>
+        <p:nvSpPr>
+          <p:cNvPr id="10" name="Retângulo 9"/>
+          <p:cNvSpPr/>
+          <p:nvPr/>
+        </p:nvSpPr>
+        <p:spPr>
+          <a:xfrm>
+            <a:off x="8721150" y="4164884"/>
+            <a:ext cx="1896084" cy="1496364"/>
+          </a:xfrm>
+          <a:prstGeom prst="rect">
+            <a:avLst/>
+          </a:prstGeom>
+          <a:solidFill>
+            <a:schemeClr val="bg1">
+              <a:lumMod val="85000"/>
+              <a:lumOff val="15000"/>
+            </a:schemeClr>
+          </a:solidFill>
+          <a:ln>
+            <a:noFill/>
+          </a:ln>
+        </p:spPr>
+        <p:style>
+          <a:lnRef idx="2">
+            <a:schemeClr val="accent1">
+              <a:shade val="50000"/>
+            </a:schemeClr>
+          </a:lnRef>
+          <a:fillRef idx="1">
+            <a:schemeClr val="accent1"/>
+          </a:fillRef>
+          <a:effectRef idx="0">
+            <a:schemeClr val="accent1"/>
+          </a:effectRef>
+          <a:fontRef idx="minor">
+            <a:schemeClr val="lt1"/>
+          </a:fontRef>
+        </p:style>
+        <p:txBody>
+          <a:bodyPr rtlCol="0" anchor="ctr"/>
+          <a:lstStyle/>
+          <a:p>
+            <a:pPr algn="ctr"/>
+            <a:endParaRPr lang="pt-BR"/>
+          </a:p>
+        </p:txBody>
+      </p:sp>
+      <p:sp>
+        <p:nvSpPr>
+          <p:cNvPr id="11" name="Retângulo 10"/>
+          <p:cNvSpPr/>
+          <p:nvPr/>
+        </p:nvSpPr>
+        <p:spPr>
+          <a:xfrm>
+            <a:off x="8607844" y="4218487"/>
+            <a:ext cx="1868244" cy="523220"/>
+          </a:xfrm>
+          <a:prstGeom prst="rect">
+            <a:avLst/>
+          </a:prstGeom>
+        </p:spPr>
+        <p:txBody>
+          <a:bodyPr wrap="square">
+            <a:spAutoFit/>
+          </a:bodyPr>
+          <a:lstStyle/>
+          <a:p>
+            <a:pPr algn="r"/>
+            <a:r>
+              <a:rPr lang="pt-BR" sz="1400" b="1" dirty="0">
+                <a:solidFill>
+                  <a:schemeClr val="accent3"/>
+                </a:solidFill>
+              </a:rPr>
+              <a:t>instruções</a:t>
+            </a:r>
+          </a:p>
+          <a:p>
+            <a:pPr algn="r"/>
+            <a:r>
+              <a:rPr lang="pt-BR" sz="1400" dirty="0"/>
+              <a:t>.</a:t>
+            </a:r>
+            <a:r>
+              <a:rPr lang="pt-BR" sz="1400" dirty="0" err="1"/>
+              <a:t>text</a:t>
+            </a:r>
+            <a:endParaRPr lang="pt-BR" sz="1400" dirty="0"/>
+          </a:p>
+        </p:txBody>
+      </p:sp>
+      <p:sp>
+        <p:nvSpPr>
+          <p:cNvPr id="12" name="Retângulo 11"/>
+          <p:cNvSpPr/>
+          <p:nvPr/>
+        </p:nvSpPr>
+        <p:spPr>
+          <a:xfrm>
+            <a:off x="8607844" y="2088745"/>
+            <a:ext cx="1868244" cy="523220"/>
+          </a:xfrm>
+          <a:prstGeom prst="rect">
+            <a:avLst/>
+          </a:prstGeom>
+        </p:spPr>
+        <p:txBody>
+          <a:bodyPr wrap="square">
+            <a:spAutoFit/>
+          </a:bodyPr>
+          <a:lstStyle/>
+          <a:p>
+            <a:pPr algn="r"/>
+            <a:r>
+              <a:rPr lang="pt-BR" sz="1400" b="1" dirty="0">
+                <a:solidFill>
+                  <a:schemeClr val="accent3"/>
+                </a:solidFill>
+              </a:rPr>
+              <a:t>dados</a:t>
+            </a:r>
+          </a:p>
+          <a:p>
+            <a:pPr algn="r"/>
+            <a:r>
+              <a:rPr lang="pt-BR" sz="1400" dirty="0"/>
+              <a:t>.</a:t>
+            </a:r>
+            <a:r>
+              <a:rPr lang="pt-BR" sz="1400" dirty="0" err="1"/>
+              <a:t>stack</a:t>
+            </a:r>
+            <a:endParaRPr lang="pt-BR" sz="1400" dirty="0"/>
+          </a:p>
+        </p:txBody>
+      </p:sp>
+      <p:sp>
+        <p:nvSpPr>
+          <p:cNvPr id="13" name="Retângulo 12"/>
+          <p:cNvSpPr/>
+          <p:nvPr/>
+        </p:nvSpPr>
+        <p:spPr>
+          <a:xfrm>
+            <a:off x="8840133" y="2669738"/>
+            <a:ext cx="1629369" cy="307777"/>
+          </a:xfrm>
+          <a:prstGeom prst="rect">
+            <a:avLst/>
+          </a:prstGeom>
+          <a:solidFill>
+            <a:schemeClr val="accent3">
+              <a:lumMod val="75000"/>
+            </a:schemeClr>
+          </a:solidFill>
+          <a:ln w="19050">
+            <a:noFill/>
+          </a:ln>
+        </p:spPr>
+        <p:txBody>
+          <a:bodyPr wrap="square">
+            <a:spAutoFit/>
+          </a:bodyPr>
+          <a:lstStyle/>
+          <a:p>
+            <a:r>
+              <a:rPr lang="pt-BR" sz="1400" b="1" dirty="0"/>
+              <a:t>a, b = </a:t>
+            </a:r>
+            <a:r>
+              <a:rPr lang="pt-BR" sz="1400" b="1" dirty="0">
+                <a:latin typeface="+mj-lt"/>
+              </a:rPr>
+              <a:t>5.0</a:t>
+            </a:r>
+          </a:p>
+        </p:txBody>
+      </p:sp>
+      <p:sp>
+        <p:nvSpPr>
+          <p:cNvPr id="14" name="Retângulo 13"/>
+          <p:cNvSpPr/>
+          <p:nvPr/>
+        </p:nvSpPr>
+        <p:spPr>
+          <a:xfrm>
+            <a:off x="8840954" y="3442688"/>
+            <a:ext cx="1635133" cy="307777"/>
+          </a:xfrm>
+          <a:prstGeom prst="rect">
+            <a:avLst/>
+          </a:prstGeom>
+          <a:solidFill>
+            <a:schemeClr val="accent3">
+              <a:lumMod val="75000"/>
+            </a:schemeClr>
+          </a:solidFill>
+          <a:ln w="19050">
+            <a:noFill/>
+          </a:ln>
+        </p:spPr>
+        <p:txBody>
+          <a:bodyPr wrap="square">
+            <a:spAutoFit/>
+          </a:bodyPr>
+          <a:lstStyle/>
+          <a:p>
+            <a:pPr>
+              <a:defRPr/>
+            </a:pPr>
+            <a:r>
+              <a:rPr lang="pt-BR" sz="1400" b="1" dirty="0"/>
+              <a:t>x = </a:t>
+            </a:r>
+            <a:r>
+              <a:rPr lang="pt-BR" sz="1400" b="1" dirty="0">
+                <a:latin typeface="+mj-lt"/>
+              </a:rPr>
+              <a:t>5.0</a:t>
+            </a:r>
+            <a:r>
+              <a:rPr lang="pt-BR" sz="1400" dirty="0"/>
+              <a:t> </a:t>
+            </a:r>
+          </a:p>
+        </p:txBody>
+      </p:sp>
+      <p:sp>
+        <p:nvSpPr>
+          <p:cNvPr id="17" name="Retângulo 16"/>
+          <p:cNvSpPr/>
+          <p:nvPr/>
+        </p:nvSpPr>
+        <p:spPr>
+          <a:xfrm>
+            <a:off x="8840132" y="3044166"/>
+            <a:ext cx="1629369" cy="307777"/>
+          </a:xfrm>
+          <a:prstGeom prst="rect">
+            <a:avLst/>
+          </a:prstGeom>
+          <a:solidFill>
+            <a:schemeClr val="accent3">
+              <a:lumMod val="75000"/>
+            </a:schemeClr>
+          </a:solidFill>
+          <a:ln w="19050">
+            <a:noFill/>
+          </a:ln>
+        </p:spPr>
+        <p:txBody>
+          <a:bodyPr wrap="square">
+            <a:spAutoFit/>
+          </a:bodyPr>
+          <a:lstStyle/>
+          <a:p>
+            <a:pPr>
+              <a:defRPr/>
+            </a:pPr>
+            <a:r>
+              <a:rPr lang="pt-BR" sz="1400" b="1" dirty="0">
+                <a:latin typeface="+mj-lt"/>
+              </a:rPr>
+              <a:t>0xF803CD</a:t>
+            </a:r>
+          </a:p>
+        </p:txBody>
+      </p:sp>
+      <p:sp>
+        <p:nvSpPr>
+          <p:cNvPr id="18" name="Elipse 17"/>
+          <p:cNvSpPr/>
+          <p:nvPr/>
+        </p:nvSpPr>
+        <p:spPr>
+          <a:xfrm>
+            <a:off x="8526440" y="3055120"/>
+            <a:ext cx="301825" cy="292072"/>
+          </a:xfrm>
+          <a:prstGeom prst="ellipse">
+            <a:avLst/>
+          </a:prstGeom>
+          <a:solidFill>
+            <a:schemeClr val="bg1">
+              <a:lumMod val="85000"/>
+              <a:lumOff val="15000"/>
+            </a:schemeClr>
+          </a:solidFill>
+          <a:ln w="9525">
             <a:solidFill>
-              <a:schemeClr val="tx1"/>
+              <a:schemeClr val="bg1">
+                <a:lumMod val="75000"/>
+                <a:lumOff val="25000"/>
+              </a:schemeClr>
             </a:solidFill>
           </a:ln>
         </p:spPr>
@@ -22154,26 +24460,119 @@
       </p:sp>
       <p:sp>
         <p:nvSpPr>
-          <p:cNvPr id="8" name="Retângulo 7"/>
+          <p:cNvPr id="19" name="Retângulo 18"/>
           <p:cNvSpPr/>
           <p:nvPr/>
         </p:nvSpPr>
         <p:spPr>
           <a:xfrm>
-            <a:off x="8450837" y="2636912"/>
-            <a:ext cx="2166397" cy="2592288"/>
+            <a:off x="5470791" y="3641327"/>
+            <a:ext cx="2433573" cy="523220"/>
           </a:xfrm>
           <a:prstGeom prst="rect">
             <a:avLst/>
           </a:prstGeom>
+        </p:spPr>
+        <p:txBody>
+          <a:bodyPr wrap="square">
+            <a:spAutoFit/>
+          </a:bodyPr>
+          <a:lstStyle/>
+          <a:p>
+            <a:pPr marL="0" lvl="1"/>
+            <a:r>
+              <a:rPr lang="pt-BR" sz="1400" dirty="0"/>
+              <a:t>Copiar os argumentos </a:t>
+            </a:r>
+            <a:br>
+              <a:rPr lang="pt-BR" sz="1400" dirty="0"/>
+            </a:br>
+            <a:r>
+              <a:rPr lang="pt-BR" sz="1400" dirty="0"/>
+              <a:t>da função para a pilha</a:t>
+            </a:r>
+          </a:p>
+        </p:txBody>
+      </p:sp>
+      <p:sp>
+        <p:nvSpPr>
+          <p:cNvPr id="20" name="Elipse 19"/>
+          <p:cNvSpPr/>
+          <p:nvPr/>
+        </p:nvSpPr>
+        <p:spPr>
+          <a:xfrm>
+            <a:off x="5103485" y="3646575"/>
+            <a:ext cx="301825" cy="292072"/>
+          </a:xfrm>
+          <a:prstGeom prst="ellipse">
+            <a:avLst/>
+          </a:prstGeom>
           <a:solidFill>
             <a:schemeClr val="accent3">
-              <a:lumMod val="50000"/>
+              <a:lumMod val="75000"/>
             </a:schemeClr>
           </a:solidFill>
           <a:ln>
+            <a:noFill/>
+          </a:ln>
+        </p:spPr>
+        <p:style>
+          <a:lnRef idx="2">
+            <a:schemeClr val="accent1">
+              <a:shade val="50000"/>
+            </a:schemeClr>
+          </a:lnRef>
+          <a:fillRef idx="1">
+            <a:schemeClr val="accent1"/>
+          </a:fillRef>
+          <a:effectRef idx="0">
+            <a:schemeClr val="accent1"/>
+          </a:effectRef>
+          <a:fontRef idx="minor">
+            <a:schemeClr val="lt1"/>
+          </a:fontRef>
+        </p:style>
+        <p:txBody>
+          <a:bodyPr rtlCol="0" anchor="ctr"/>
+          <a:lstStyle/>
+          <a:p>
+            <a:pPr algn="ctr"/>
+            <a:r>
+              <a:rPr lang="pt-BR" sz="1400" dirty="0">
+                <a:latin typeface="+mj-lt"/>
+              </a:rPr>
+              <a:t>2</a:t>
+            </a:r>
+          </a:p>
+        </p:txBody>
+      </p:sp>
+      <p:sp>
+        <p:nvSpPr>
+          <p:cNvPr id="21" name="Elipse 20"/>
+          <p:cNvSpPr/>
+          <p:nvPr/>
+        </p:nvSpPr>
+        <p:spPr>
+          <a:xfrm>
+            <a:off x="8526440" y="3428079"/>
+            <a:ext cx="301825" cy="292072"/>
+          </a:xfrm>
+          <a:prstGeom prst="ellipse">
+            <a:avLst/>
+          </a:prstGeom>
+          <a:solidFill>
+            <a:schemeClr val="bg1">
+              <a:lumMod val="85000"/>
+              <a:lumOff val="15000"/>
+            </a:schemeClr>
+          </a:solidFill>
+          <a:ln w="9525">
             <a:solidFill>
-              <a:schemeClr val="tx1"/>
+              <a:schemeClr val="bg1">
+                <a:lumMod val="75000"/>
+                <a:lumOff val="25000"/>
+              </a:schemeClr>
             </a:solidFill>
           </a:ln>
         </p:spPr>
@@ -22198,32 +24597,123 @@
           <a:lstStyle/>
           <a:p>
             <a:pPr algn="ctr"/>
-            <a:endParaRPr lang="pt-BR"/>
+            <a:r>
+              <a:rPr lang="pt-BR" sz="1400" dirty="0">
+                <a:latin typeface="+mj-lt"/>
+              </a:rPr>
+              <a:t>2</a:t>
+            </a:r>
           </a:p>
         </p:txBody>
       </p:sp>
       <p:sp>
         <p:nvSpPr>
-          <p:cNvPr id="10" name="Retângulo 9"/>
+          <p:cNvPr id="22" name="Retângulo 21"/>
           <p:cNvSpPr/>
           <p:nvPr/>
         </p:nvSpPr>
         <p:spPr>
           <a:xfrm>
-            <a:off x="8450837" y="4740948"/>
-            <a:ext cx="2166397" cy="1496364"/>
+            <a:off x="5467058" y="4290632"/>
+            <a:ext cx="2324000" cy="523220"/>
           </a:xfrm>
           <a:prstGeom prst="rect">
             <a:avLst/>
           </a:prstGeom>
+        </p:spPr>
+        <p:txBody>
+          <a:bodyPr wrap="square">
+            <a:spAutoFit/>
+          </a:bodyPr>
+          <a:lstStyle/>
+          <a:p>
+            <a:pPr marL="0" lvl="1"/>
+            <a:r>
+              <a:rPr lang="pt-BR" sz="1400" dirty="0"/>
+              <a:t>Pular para o endereço de início da função e executá-la</a:t>
+            </a:r>
+          </a:p>
+        </p:txBody>
+      </p:sp>
+      <p:sp>
+        <p:nvSpPr>
+          <p:cNvPr id="23" name="Elipse 22"/>
+          <p:cNvSpPr/>
+          <p:nvPr/>
+        </p:nvSpPr>
+        <p:spPr>
+          <a:xfrm>
+            <a:off x="5103485" y="4293585"/>
+            <a:ext cx="301825" cy="292072"/>
+          </a:xfrm>
+          <a:prstGeom prst="ellipse">
+            <a:avLst/>
+          </a:prstGeom>
           <a:solidFill>
             <a:schemeClr val="accent3">
-              <a:lumMod val="50000"/>
+              <a:lumMod val="75000"/>
             </a:schemeClr>
           </a:solidFill>
           <a:ln>
+            <a:noFill/>
+          </a:ln>
+        </p:spPr>
+        <p:style>
+          <a:lnRef idx="2">
+            <a:schemeClr val="accent1">
+              <a:shade val="50000"/>
+            </a:schemeClr>
+          </a:lnRef>
+          <a:fillRef idx="1">
+            <a:schemeClr val="accent1"/>
+          </a:fillRef>
+          <a:effectRef idx="0">
+            <a:schemeClr val="accent1"/>
+          </a:effectRef>
+          <a:fontRef idx="minor">
+            <a:schemeClr val="lt1"/>
+          </a:fontRef>
+        </p:style>
+        <p:txBody>
+          <a:bodyPr rtlCol="0" anchor="ctr"/>
+          <a:lstStyle/>
+          <a:p>
+            <a:pPr algn="ctr"/>
+            <a:r>
+              <a:rPr lang="pt-BR" sz="1400" dirty="0">
+                <a:latin typeface="+mj-lt"/>
+              </a:rPr>
+              <a:t>3</a:t>
+            </a:r>
+          </a:p>
+        </p:txBody>
+      </p:sp>
+      <p:sp>
+        <p:nvSpPr>
+          <p:cNvPr id="24" name="Elipse 23"/>
+          <p:cNvSpPr/>
+          <p:nvPr/>
+        </p:nvSpPr>
+        <p:spPr>
+          <a:xfrm>
+            <a:off x="8522045" y="5215515"/>
+            <a:ext cx="301825" cy="292072"/>
+          </a:xfrm>
+          <a:prstGeom prst="ellipse">
+            <a:avLst/>
+          </a:prstGeom>
+          <a:solidFill>
+            <a:schemeClr val="bg1">
+              <a:lumMod val="85000"/>
+              <a:lumOff val="15000"/>
+            </a:schemeClr>
+          </a:solidFill>
+          <a:ln w="9525">
             <a:solidFill>
-              <a:schemeClr val="tx1"/>
+              <a:schemeClr val="bg1">
+                <a:lumMod val="75000"/>
+                <a:lumOff val="25000"/>
+              </a:schemeClr>
             </a:solidFill>
           </a:ln>
         </p:spPr>
@@ -22248,20 +24738,68 @@
           <a:lstStyle/>
           <a:p>
             <a:pPr algn="ctr"/>
-            <a:endParaRPr lang="pt-BR"/>
+            <a:r>
+              <a:rPr lang="pt-BR" sz="1400" dirty="0">
+                <a:latin typeface="+mj-lt"/>
+              </a:rPr>
+              <a:t>3</a:t>
+            </a:r>
           </a:p>
         </p:txBody>
       </p:sp>
       <p:sp>
         <p:nvSpPr>
-          <p:cNvPr id="11" name="Retângulo 10"/>
+          <p:cNvPr id="25" name="Retângulo 24"/>
           <p:cNvSpPr/>
           <p:nvPr/>
         </p:nvSpPr>
         <p:spPr>
           <a:xfrm>
-            <a:off x="8607844" y="4794551"/>
-            <a:ext cx="1868244" cy="523220"/>
+            <a:off x="8870997" y="5209455"/>
+            <a:ext cx="1605092" cy="307777"/>
+          </a:xfrm>
+          <a:prstGeom prst="rect">
+            <a:avLst/>
+          </a:prstGeom>
+          <a:solidFill>
+            <a:schemeClr val="accent3">
+              <a:lumMod val="50000"/>
+            </a:schemeClr>
+          </a:solidFill>
+          <a:ln w="19050">
+            <a:noFill/>
+          </a:ln>
+        </p:spPr>
+        <p:txBody>
+          <a:bodyPr wrap="square">
+            <a:spAutoFit/>
+          </a:bodyPr>
+          <a:lstStyle/>
+          <a:p>
+            <a:pPr>
+              <a:defRPr/>
+            </a:pPr>
+            <a:r>
+              <a:rPr lang="pt-BR" sz="1400" b="1" dirty="0" err="1"/>
+              <a:t>square</a:t>
+            </a:r>
+            <a:r>
+              <a:rPr lang="pt-BR" sz="1400" dirty="0"/>
+              <a:t> </a:t>
+            </a:r>
+          </a:p>
+        </p:txBody>
+      </p:sp>
+      <p:sp>
+        <p:nvSpPr>
+          <p:cNvPr id="26" name="Retângulo 25"/>
+          <p:cNvSpPr/>
+          <p:nvPr/>
+        </p:nvSpPr>
+        <p:spPr>
+          <a:xfrm>
+            <a:off x="5474692" y="4939936"/>
+            <a:ext cx="2522654" cy="523220"/>
           </a:xfrm>
           <a:prstGeom prst="rect">
             <a:avLst/>
@@ -22273,87 +24811,32 @@
           </a:bodyPr>
           <a:lstStyle/>
           <a:p>
-            <a:pPr algn="r"/>
-            <a:r>
-              <a:rPr lang="pt-BR" sz="1400" dirty="0">
-                <a:solidFill>
-                  <a:schemeClr val="bg1"/>
-                </a:solidFill>
-              </a:rPr>
-              <a:t>instruções executáveis</a:t>
-            </a:r>
-          </a:p>
-          <a:p>
-            <a:pPr algn="r"/>
             <a:r>
               <a:rPr lang="pt-BR" sz="1400" dirty="0"/>
-              <a:t>.</a:t>
-            </a:r>
-            <a:r>
-              <a:rPr lang="pt-BR" sz="1400" dirty="0" err="1"/>
-              <a:t>text</a:t>
-            </a:r>
-            <a:endParaRPr lang="pt-BR" sz="1400" dirty="0"/>
+              <a:t>Colocar o valor de retorno </a:t>
+            </a:r>
+            <a:br>
+              <a:rPr lang="pt-BR" sz="1400" dirty="0"/>
+            </a:br>
+            <a:r>
+              <a:rPr lang="pt-BR" sz="1400" dirty="0"/>
+              <a:t>em um registrador</a:t>
+            </a:r>
           </a:p>
         </p:txBody>
       </p:sp>
       <p:sp>
         <p:nvSpPr>
-          <p:cNvPr id="12" name="Retângulo 11"/>
+          <p:cNvPr id="27" name="Elipse 26"/>
           <p:cNvSpPr/>
           <p:nvPr/>
         </p:nvSpPr>
         <p:spPr>
           <a:xfrm>
-            <a:off x="8607844" y="2664809"/>
-            <a:ext cx="1868244" cy="523220"/>
+            <a:off x="5126180" y="4940595"/>
+            <a:ext cx="301825" cy="292072"/>
           </a:xfrm>
-          <a:prstGeom prst="rect">
-            <a:avLst/>
-          </a:prstGeom>
-        </p:spPr>
-        <p:txBody>
-          <a:bodyPr wrap="square">
-            <a:spAutoFit/>
-          </a:bodyPr>
-          <a:lstStyle/>
-          <a:p>
-            <a:pPr algn="r"/>
-            <a:r>
-              <a:rPr lang="pt-BR" sz="1400" dirty="0">
-                <a:solidFill>
-                  <a:schemeClr val="bg1"/>
-                </a:solidFill>
-              </a:rPr>
-              <a:t>memória automática</a:t>
-            </a:r>
-          </a:p>
-          <a:p>
-            <a:pPr algn="r"/>
-            <a:r>
-              <a:rPr lang="pt-BR" sz="1400" dirty="0"/>
-              <a:t>.</a:t>
-            </a:r>
-            <a:r>
-              <a:rPr lang="pt-BR" sz="1400" dirty="0" err="1"/>
-              <a:t>stack</a:t>
-            </a:r>
-            <a:endParaRPr lang="pt-BR" sz="1400" dirty="0"/>
-          </a:p>
-        </p:txBody>
-      </p:sp>
-      <p:sp>
-        <p:nvSpPr>
-          <p:cNvPr id="13" name="Retângulo 12"/>
-          <p:cNvSpPr/>
-          <p:nvPr/>
-        </p:nvSpPr>
-        <p:spPr>
-          <a:xfrm>
-            <a:off x="8607845" y="3245802"/>
-            <a:ext cx="1861658" cy="307777"/>
-          </a:xfrm>
-          <a:prstGeom prst="rect">
+          <a:prstGeom prst="ellipse">
             <a:avLst/>
           </a:prstGeom>
           <a:solidFill>
@@ -22361,148 +24844,8 @@
               <a:lumMod val="75000"/>
             </a:schemeClr>
           </a:solidFill>
-          <a:ln w="19050">
-            <a:solidFill>
-              <a:schemeClr val="tx1"/>
-            </a:solidFill>
-          </a:ln>
-        </p:spPr>
-        <p:txBody>
-          <a:bodyPr wrap="square">
-            <a:spAutoFit/>
-          </a:bodyPr>
-          <a:lstStyle/>
-          <a:p>
-            <a:r>
-              <a:rPr lang="pt-BR" sz="1400" dirty="0">
-                <a:solidFill>
-                  <a:schemeClr val="bg1"/>
-                </a:solidFill>
-              </a:rPr>
-              <a:t>a, b</a:t>
-            </a:r>
-          </a:p>
-        </p:txBody>
-      </p:sp>
-      <p:sp>
-        <p:nvSpPr>
-          <p:cNvPr id="14" name="Retângulo 13"/>
-          <p:cNvSpPr/>
-          <p:nvPr/>
-        </p:nvSpPr>
-        <p:spPr>
-          <a:xfrm>
-            <a:off x="8607844" y="4018752"/>
-            <a:ext cx="1868244" cy="307777"/>
-          </a:xfrm>
-          <a:prstGeom prst="rect">
-            <a:avLst/>
-          </a:prstGeom>
-          <a:solidFill>
-            <a:schemeClr val="accent3">
-              <a:lumMod val="75000"/>
-            </a:schemeClr>
-          </a:solidFill>
-          <a:ln w="19050">
-            <a:solidFill>
-              <a:schemeClr val="tx1"/>
-            </a:solidFill>
-          </a:ln>
-        </p:spPr>
-        <p:txBody>
-          <a:bodyPr wrap="square">
-            <a:spAutoFit/>
-          </a:bodyPr>
-          <a:lstStyle/>
-          <a:p>
-            <a:pPr>
-              <a:defRPr/>
-            </a:pPr>
-            <a:r>
-              <a:rPr lang="pt-BR" sz="1400" dirty="0">
-                <a:solidFill>
-                  <a:schemeClr val="bg1"/>
-                </a:solidFill>
-              </a:rPr>
-              <a:t>x</a:t>
-            </a:r>
-            <a:r>
-              <a:rPr lang="pt-BR" sz="1400" dirty="0"/>
-              <a:t> </a:t>
-            </a:r>
-          </a:p>
-        </p:txBody>
-      </p:sp>
-      <p:sp>
-        <p:nvSpPr>
-          <p:cNvPr id="17" name="Retângulo 16"/>
-          <p:cNvSpPr/>
-          <p:nvPr/>
-        </p:nvSpPr>
-        <p:spPr>
-          <a:xfrm>
-            <a:off x="8607844" y="3620230"/>
-            <a:ext cx="1861658" cy="307777"/>
-          </a:xfrm>
-          <a:prstGeom prst="rect">
-            <a:avLst/>
-          </a:prstGeom>
-          <a:solidFill>
-            <a:schemeClr val="accent3">
-              <a:lumMod val="75000"/>
-            </a:schemeClr>
-          </a:solidFill>
-          <a:ln w="19050">
-            <a:solidFill>
-              <a:schemeClr val="tx1"/>
-            </a:solidFill>
-          </a:ln>
-        </p:spPr>
-        <p:txBody>
-          <a:bodyPr wrap="square">
-            <a:spAutoFit/>
-          </a:bodyPr>
-          <a:lstStyle/>
-          <a:p>
-            <a:pPr>
-              <a:defRPr/>
-            </a:pPr>
-            <a:r>
-              <a:rPr lang="pt-BR" sz="1400" dirty="0">
-                <a:solidFill>
-                  <a:schemeClr val="bg1"/>
-                </a:solidFill>
-                <a:latin typeface="+mj-lt"/>
-              </a:rPr>
-              <a:t>0xF803CD</a:t>
-            </a:r>
-          </a:p>
-        </p:txBody>
-      </p:sp>
-      <p:sp>
-        <p:nvSpPr>
-          <p:cNvPr id="18" name="Elipse 17"/>
-          <p:cNvSpPr/>
-          <p:nvPr/>
-        </p:nvSpPr>
-        <p:spPr>
-          <a:xfrm>
-            <a:off x="8265025" y="3632105"/>
-            <a:ext cx="301825" cy="292072"/>
-          </a:xfrm>
-          <a:prstGeom prst="ellipse">
-            <a:avLst/>
-          </a:prstGeom>
-          <a:solidFill>
-            <a:schemeClr val="bg1">
-              <a:lumMod val="85000"/>
-              <a:lumOff val="15000"/>
-            </a:schemeClr>
-          </a:solidFill>
-          <a:ln w="9525">
-            <a:solidFill>
-              <a:schemeClr val="tx1"/>
-            </a:solidFill>
+          <a:ln>
+            <a:noFill/>
           </a:ln>
         </p:spPr>
         <p:style>
@@ -22530,425 +24873,6 @@
               <a:rPr lang="pt-BR" sz="1400" dirty="0">
                 <a:latin typeface="+mj-lt"/>
               </a:rPr>
-              <a:t>1</a:t>
-            </a:r>
-          </a:p>
-        </p:txBody>
-      </p:sp>
-      <p:sp>
-        <p:nvSpPr>
-          <p:cNvPr id="19" name="Retângulo 18"/>
-          <p:cNvSpPr/>
-          <p:nvPr/>
-        </p:nvSpPr>
-        <p:spPr>
-          <a:xfrm>
-            <a:off x="5470791" y="3646684"/>
-            <a:ext cx="2433573" cy="584775"/>
-          </a:xfrm>
-          <a:prstGeom prst="rect">
-            <a:avLst/>
-          </a:prstGeom>
-        </p:spPr>
-        <p:txBody>
-          <a:bodyPr wrap="square">
-            <a:spAutoFit/>
-          </a:bodyPr>
-          <a:lstStyle/>
-          <a:p>
-            <a:pPr marL="0" lvl="1"/>
-            <a:r>
-              <a:rPr lang="pt-BR" sz="1600" dirty="0"/>
-              <a:t>Copiar os argumentos da função para a pilha</a:t>
-            </a:r>
-          </a:p>
-        </p:txBody>
-      </p:sp>
-      <p:sp>
-        <p:nvSpPr>
-          <p:cNvPr id="20" name="Elipse 19"/>
-          <p:cNvSpPr/>
-          <p:nvPr/>
-        </p:nvSpPr>
-        <p:spPr>
-          <a:xfrm>
-            <a:off x="5103485" y="3684369"/>
-            <a:ext cx="301825" cy="292072"/>
-          </a:xfrm>
-          <a:prstGeom prst="ellipse">
-            <a:avLst/>
-          </a:prstGeom>
-          <a:solidFill>
-            <a:schemeClr val="accent3">
-              <a:lumMod val="75000"/>
-            </a:schemeClr>
-          </a:solidFill>
-          <a:ln>
-            <a:solidFill>
-              <a:schemeClr val="tx1"/>
-            </a:solidFill>
-          </a:ln>
-        </p:spPr>
-        <p:style>
-          <a:lnRef idx="2">
-            <a:schemeClr val="accent1">
-              <a:shade val="50000"/>
-            </a:schemeClr>
-          </a:lnRef>
-          <a:fillRef idx="1">
-            <a:schemeClr val="accent1"/>
-          </a:fillRef>
-          <a:effectRef idx="0">
-            <a:schemeClr val="accent1"/>
-          </a:effectRef>
-          <a:fontRef idx="minor">
-            <a:schemeClr val="lt1"/>
-          </a:fontRef>
-        </p:style>
-        <p:txBody>
-          <a:bodyPr rtlCol="0" anchor="ctr"/>
-          <a:lstStyle/>
-          <a:p>
-            <a:pPr algn="ctr"/>
-            <a:r>
-              <a:rPr lang="pt-BR" sz="1400" dirty="0">
-                <a:latin typeface="+mj-lt"/>
-              </a:rPr>
-              <a:t>2</a:t>
-            </a:r>
-          </a:p>
-        </p:txBody>
-      </p:sp>
-      <p:sp>
-        <p:nvSpPr>
-          <p:cNvPr id="21" name="Elipse 20"/>
-          <p:cNvSpPr/>
-          <p:nvPr/>
-        </p:nvSpPr>
-        <p:spPr>
-          <a:xfrm>
-            <a:off x="8265025" y="4005064"/>
-            <a:ext cx="301825" cy="292072"/>
-          </a:xfrm>
-          <a:prstGeom prst="ellipse">
-            <a:avLst/>
-          </a:prstGeom>
-          <a:solidFill>
-            <a:schemeClr val="bg1">
-              <a:lumMod val="85000"/>
-              <a:lumOff val="15000"/>
-            </a:schemeClr>
-          </a:solidFill>
-          <a:ln w="9525">
-            <a:solidFill>
-              <a:schemeClr val="tx1"/>
-            </a:solidFill>
-          </a:ln>
-        </p:spPr>
-        <p:style>
-          <a:lnRef idx="2">
-            <a:schemeClr val="accent1">
-              <a:shade val="50000"/>
-            </a:schemeClr>
-          </a:lnRef>
-          <a:fillRef idx="1">
-            <a:schemeClr val="accent1"/>
-          </a:fillRef>
-          <a:effectRef idx="0">
-            <a:schemeClr val="accent1"/>
-          </a:effectRef>
-          <a:fontRef idx="minor">
-            <a:schemeClr val="lt1"/>
-          </a:fontRef>
-        </p:style>
-        <p:txBody>
-          <a:bodyPr rtlCol="0" anchor="ctr"/>
-          <a:lstStyle/>
-          <a:p>
-            <a:pPr algn="ctr"/>
-            <a:r>
-              <a:rPr lang="pt-BR" sz="1400" dirty="0">
-                <a:latin typeface="+mj-lt"/>
-              </a:rPr>
-              <a:t>2</a:t>
-            </a:r>
-          </a:p>
-        </p:txBody>
-      </p:sp>
-      <p:sp>
-        <p:nvSpPr>
-          <p:cNvPr id="22" name="Retângulo 21"/>
-          <p:cNvSpPr/>
-          <p:nvPr/>
-        </p:nvSpPr>
-        <p:spPr>
-          <a:xfrm>
-            <a:off x="5467058" y="4301346"/>
-            <a:ext cx="2324000" cy="830997"/>
-          </a:xfrm>
-          <a:prstGeom prst="rect">
-            <a:avLst/>
-          </a:prstGeom>
-        </p:spPr>
-        <p:txBody>
-          <a:bodyPr wrap="square">
-            <a:spAutoFit/>
-          </a:bodyPr>
-          <a:lstStyle/>
-          <a:p>
-            <a:pPr marL="0" lvl="1"/>
-            <a:r>
-              <a:rPr lang="pt-BR" sz="1600" dirty="0"/>
-              <a:t>Pular para o endereço de início da função e executá-la</a:t>
-            </a:r>
-          </a:p>
-        </p:txBody>
-      </p:sp>
-      <p:sp>
-        <p:nvSpPr>
-          <p:cNvPr id="23" name="Elipse 22"/>
-          <p:cNvSpPr/>
-          <p:nvPr/>
-        </p:nvSpPr>
-        <p:spPr>
-          <a:xfrm>
-            <a:off x="5103485" y="4351970"/>
-            <a:ext cx="301825" cy="292072"/>
-          </a:xfrm>
-          <a:prstGeom prst="ellipse">
-            <a:avLst/>
-          </a:prstGeom>
-          <a:solidFill>
-            <a:schemeClr val="accent3">
-              <a:lumMod val="75000"/>
-            </a:schemeClr>
-          </a:solidFill>
-          <a:ln>
-            <a:solidFill>
-              <a:schemeClr val="tx1"/>
-            </a:solidFill>
-          </a:ln>
-        </p:spPr>
-        <p:style>
-          <a:lnRef idx="2">
-            <a:schemeClr val="accent1">
-              <a:shade val="50000"/>
-            </a:schemeClr>
-          </a:lnRef>
-          <a:fillRef idx="1">
-            <a:schemeClr val="accent1"/>
-          </a:fillRef>
-          <a:effectRef idx="0">
-            <a:schemeClr val="accent1"/>
-          </a:effectRef>
-          <a:fontRef idx="minor">
-            <a:schemeClr val="lt1"/>
-          </a:fontRef>
-        </p:style>
-        <p:txBody>
-          <a:bodyPr rtlCol="0" anchor="ctr"/>
-          <a:lstStyle/>
-          <a:p>
-            <a:pPr algn="ctr"/>
-            <a:r>
-              <a:rPr lang="pt-BR" sz="1400" dirty="0">
-                <a:latin typeface="+mj-lt"/>
-              </a:rPr>
-              <a:t>3</a:t>
-            </a:r>
-          </a:p>
-        </p:txBody>
-      </p:sp>
-      <p:sp>
-        <p:nvSpPr>
-          <p:cNvPr id="24" name="Elipse 23"/>
-          <p:cNvSpPr/>
-          <p:nvPr/>
-        </p:nvSpPr>
-        <p:spPr>
-          <a:xfrm>
-            <a:off x="8256240" y="5792500"/>
-            <a:ext cx="301825" cy="292072"/>
-          </a:xfrm>
-          <a:prstGeom prst="ellipse">
-            <a:avLst/>
-          </a:prstGeom>
-          <a:solidFill>
-            <a:schemeClr val="bg1">
-              <a:lumMod val="85000"/>
-              <a:lumOff val="15000"/>
-            </a:schemeClr>
-          </a:solidFill>
-          <a:ln w="9525">
-            <a:solidFill>
-              <a:schemeClr val="tx1"/>
-            </a:solidFill>
-          </a:ln>
-        </p:spPr>
-        <p:style>
-          <a:lnRef idx="2">
-            <a:schemeClr val="accent1">
-              <a:shade val="50000"/>
-            </a:schemeClr>
-          </a:lnRef>
-          <a:fillRef idx="1">
-            <a:schemeClr val="accent1"/>
-          </a:fillRef>
-          <a:effectRef idx="0">
-            <a:schemeClr val="accent1"/>
-          </a:effectRef>
-          <a:fontRef idx="minor">
-            <a:schemeClr val="lt1"/>
-          </a:fontRef>
-        </p:style>
-        <p:txBody>
-          <a:bodyPr rtlCol="0" anchor="ctr"/>
-          <a:lstStyle/>
-          <a:p>
-            <a:pPr algn="ctr"/>
-            <a:r>
-              <a:rPr lang="pt-BR" sz="1400" dirty="0">
-                <a:latin typeface="+mj-lt"/>
-              </a:rPr>
-              <a:t>3</a:t>
-            </a:r>
-          </a:p>
-        </p:txBody>
-      </p:sp>
-      <p:sp>
-        <p:nvSpPr>
-          <p:cNvPr id="25" name="Retângulo 24"/>
-          <p:cNvSpPr/>
-          <p:nvPr/>
-        </p:nvSpPr>
-        <p:spPr>
-          <a:xfrm>
-            <a:off x="8642169" y="5785519"/>
-            <a:ext cx="1833920" cy="307777"/>
-          </a:xfrm>
-          <a:prstGeom prst="rect">
-            <a:avLst/>
-          </a:prstGeom>
-          <a:solidFill>
-            <a:schemeClr val="accent3">
-              <a:lumMod val="75000"/>
-            </a:schemeClr>
-          </a:solidFill>
-          <a:ln w="19050">
-            <a:solidFill>
-              <a:schemeClr val="tx1"/>
-            </a:solidFill>
-          </a:ln>
-        </p:spPr>
-        <p:txBody>
-          <a:bodyPr wrap="square">
-            <a:spAutoFit/>
-          </a:bodyPr>
-          <a:lstStyle/>
-          <a:p>
-            <a:pPr>
-              <a:defRPr/>
-            </a:pPr>
-            <a:r>
-              <a:rPr lang="pt-BR" sz="1400" dirty="0" err="1">
-                <a:solidFill>
-                  <a:schemeClr val="bg1"/>
-                </a:solidFill>
-              </a:rPr>
-              <a:t>square</a:t>
-            </a:r>
-            <a:r>
-              <a:rPr lang="pt-BR" sz="1400" dirty="0"/>
-              <a:t> </a:t>
-            </a:r>
-          </a:p>
-        </p:txBody>
-      </p:sp>
-      <p:sp>
-        <p:nvSpPr>
-          <p:cNvPr id="26" name="Retângulo 25"/>
-          <p:cNvSpPr/>
-          <p:nvPr/>
-        </p:nvSpPr>
-        <p:spPr>
-          <a:xfrm>
-            <a:off x="5474692" y="5173030"/>
-            <a:ext cx="2522654" cy="584775"/>
-          </a:xfrm>
-          <a:prstGeom prst="rect">
-            <a:avLst/>
-          </a:prstGeom>
-        </p:spPr>
-        <p:txBody>
-          <a:bodyPr wrap="square">
-            <a:spAutoFit/>
-          </a:bodyPr>
-          <a:lstStyle/>
-          <a:p>
-            <a:r>
-              <a:rPr lang="pt-BR" sz="1600" dirty="0"/>
-              <a:t>Colocar o valor de retorno </a:t>
-            </a:r>
-            <a:br>
-              <a:rPr lang="pt-BR" sz="1600" dirty="0"/>
-            </a:br>
-            <a:r>
-              <a:rPr lang="pt-BR" sz="1600" dirty="0"/>
-              <a:t>em um registrador</a:t>
-            </a:r>
-          </a:p>
-        </p:txBody>
-      </p:sp>
-      <p:sp>
-        <p:nvSpPr>
-          <p:cNvPr id="27" name="Elipse 26"/>
-          <p:cNvSpPr/>
-          <p:nvPr/>
-        </p:nvSpPr>
-        <p:spPr>
-          <a:xfrm>
-            <a:off x="5125746" y="5188188"/>
-            <a:ext cx="301825" cy="292072"/>
-          </a:xfrm>
-          <a:prstGeom prst="ellipse">
-            <a:avLst/>
-          </a:prstGeom>
-          <a:solidFill>
-            <a:schemeClr val="accent3">
-              <a:lumMod val="75000"/>
-            </a:schemeClr>
-          </a:solidFill>
-          <a:ln>
-            <a:solidFill>
-              <a:schemeClr val="tx1"/>
-            </a:solidFill>
-          </a:ln>
-        </p:spPr>
-        <p:style>
-          <a:lnRef idx="2">
-            <a:schemeClr val="accent1">
-              <a:shade val="50000"/>
-            </a:schemeClr>
-          </a:lnRef>
-          <a:fillRef idx="1">
-            <a:schemeClr val="accent1"/>
-          </a:fillRef>
-          <a:effectRef idx="0">
-            <a:schemeClr val="accent1"/>
-          </a:effectRef>
-          <a:fontRef idx="minor">
-            <a:schemeClr val="lt1"/>
-          </a:fontRef>
-        </p:style>
-        <p:txBody>
-          <a:bodyPr rtlCol="0" anchor="ctr"/>
-          <a:lstStyle/>
-          <a:p>
-            <a:pPr algn="ctr"/>
-            <a:r>
-              <a:rPr lang="pt-BR" sz="1400" dirty="0">
-                <a:latin typeface="+mj-lt"/>
-              </a:rPr>
               <a:t>4</a:t>
             </a:r>
           </a:p>
@@ -22962,21 +24886,19 @@
         </p:nvSpPr>
         <p:spPr>
           <a:xfrm>
-            <a:off x="8642167" y="5418196"/>
-            <a:ext cx="1833921" cy="307777"/>
+            <a:off x="8870995" y="4842132"/>
+            <a:ext cx="1605093" cy="307777"/>
           </a:xfrm>
           <a:prstGeom prst="rect">
             <a:avLst/>
           </a:prstGeom>
           <a:solidFill>
             <a:schemeClr val="accent3">
-              <a:lumMod val="75000"/>
+              <a:lumMod val="50000"/>
             </a:schemeClr>
           </a:solidFill>
           <a:ln w="19050">
-            <a:solidFill>
-              <a:schemeClr val="tx1"/>
-            </a:solidFill>
+            <a:noFill/>
           </a:ln>
         </p:spPr>
         <p:txBody>
@@ -22989,11 +24911,7 @@
               <a:defRPr/>
             </a:pPr>
             <a:r>
-              <a:rPr lang="pt-BR" sz="1400" dirty="0" err="1">
-                <a:solidFill>
-                  <a:schemeClr val="bg1"/>
-                </a:solidFill>
-              </a:rPr>
+              <a:rPr lang="pt-BR" sz="1400" b="1" dirty="0" err="1"/>
               <a:t>main</a:t>
             </a:r>
             <a:r>
@@ -23006,20 +24924,22 @@
       <p:cxnSp>
         <p:nvCxnSpPr>
           <p:cNvPr id="30" name="Conector de Seta Reta 29"/>
-          <p:cNvCxnSpPr/>
+          <p:cNvCxnSpPr>
+            <a:cxnSpLocks/>
+          </p:cNvCxnSpPr>
           <p:nvPr/>
         </p:nvCxnSpPr>
         <p:spPr>
           <a:xfrm flipV="1">
-            <a:off x="9840416" y="4433152"/>
-            <a:ext cx="12177" cy="218899"/>
+            <a:off x="9840416" y="3848056"/>
+            <a:ext cx="0" cy="227932"/>
           </a:xfrm>
           <a:prstGeom prst="straightConnector1">
             <a:avLst/>
           </a:prstGeom>
-          <a:ln>
+          <a:ln w="19050">
             <a:solidFill>
-              <a:schemeClr val="bg1"/>
+              <a:schemeClr val="accent3"/>
             </a:solidFill>
             <a:tailEnd type="triangle"/>
           </a:ln>
@@ -23047,7 +24967,7 @@
         </p:nvSpPr>
         <p:spPr>
           <a:xfrm>
-            <a:off x="8450837" y="6287024"/>
+            <a:off x="8724997" y="5709849"/>
             <a:ext cx="819672" cy="307777"/>
           </a:xfrm>
           <a:prstGeom prst="rect">
@@ -23059,9 +24979,7 @@
             </a:schemeClr>
           </a:solidFill>
           <a:ln w="19050">
-            <a:solidFill>
-              <a:schemeClr val="tx1"/>
-            </a:solidFill>
+            <a:noFill/>
           </a:ln>
         </p:spPr>
         <p:txBody>
@@ -23072,13 +24990,10 @@
           <a:p>
             <a:pPr algn="ctr"/>
             <a:r>
-              <a:rPr lang="pt-BR" sz="1400" dirty="0">
-                <a:solidFill>
-                  <a:schemeClr val="bg1"/>
-                </a:solidFill>
+              <a:rPr lang="pt-BR" sz="1400" b="1" dirty="0">
                 <a:latin typeface="+mj-lt"/>
               </a:rPr>
-              <a:t>25</a:t>
+              <a:t>25.0</a:t>
             </a:r>
           </a:p>
         </p:txBody>
@@ -23091,8 +25006,8 @@
         </p:nvSpPr>
         <p:spPr>
           <a:xfrm>
-            <a:off x="9270509" y="6237312"/>
-            <a:ext cx="1174489" cy="338554"/>
+            <a:off x="9548231" y="5721649"/>
+            <a:ext cx="1049967" cy="307777"/>
           </a:xfrm>
           <a:prstGeom prst="rect">
             <a:avLst/>
@@ -23106,78 +25021,12 @@
           <a:lstStyle/>
           <a:p>
             <a:r>
-              <a:rPr lang="pt-BR" sz="1600" dirty="0"/>
+              <a:rPr lang="pt-BR" sz="1400" dirty="0"/>
               <a:t>Registrador</a:t>
             </a:r>
           </a:p>
         </p:txBody>
       </p:sp>
-      <p:sp>
-        <p:nvSpPr>
-          <p:cNvPr id="35" name="CaixaDeTexto 34"/>
-          <p:cNvSpPr txBox="1"/>
-          <p:nvPr/>
-        </p:nvSpPr>
-        <p:spPr>
-          <a:xfrm rot="5400000">
-            <a:off x="10437645" y="4183077"/>
-            <a:ext cx="1047082" cy="369332"/>
-          </a:xfrm>
-          <a:prstGeom prst="rect">
-            <a:avLst/>
-          </a:prstGeom>
-          <a:noFill/>
-        </p:spPr>
-        <p:txBody>
-          <a:bodyPr wrap="none" rtlCol="0">
-            <a:spAutoFit/>
-          </a:bodyPr>
-          <a:lstStyle/>
-          <a:p>
-            <a:r>
-              <a:rPr lang="pt-BR" dirty="0"/>
-              <a:t>Memória</a:t>
-            </a:r>
-          </a:p>
-        </p:txBody>
-      </p:sp>
-      <p:cxnSp>
-        <p:nvCxnSpPr>
-          <p:cNvPr id="36" name="Conector de Seta Reta 35"/>
-          <p:cNvCxnSpPr/>
-          <p:nvPr/>
-        </p:nvCxnSpPr>
-        <p:spPr>
-          <a:xfrm>
-            <a:off x="10776520" y="2663728"/>
-            <a:ext cx="7635" cy="3573584"/>
-          </a:xfrm>
-          <a:prstGeom prst="straightConnector1">
-            <a:avLst/>
-          </a:prstGeom>
-          <a:ln w="19050">
-            <a:solidFill>
-              <a:schemeClr val="tx1"/>
-            </a:solidFill>
-            <a:headEnd type="triangle"/>
-            <a:tailEnd type="triangle"/>
-          </a:ln>
-        </p:spPr>
-        <p:style>
-          <a:lnRef idx="1">
-            <a:schemeClr val="accent1"/>
-          </a:lnRef>
-          <a:fillRef idx="0">
-            <a:schemeClr val="accent1"/>
-          </a:fillRef>
-          <a:effectRef idx="0">
-            <a:schemeClr val="accent1"/>
-          </a:effectRef>
-          <a:fontRef idx="minor">
-            <a:schemeClr val="tx1"/>
-          </a:fontRef>
-        </p:style>
-      </p:cxnSp>
       <p:sp>
         <p:nvSpPr>
           <p:cNvPr id="40" name="Elipse 39"/>
@@ -23186,7 +25035,7 @@
         </p:nvSpPr>
         <p:spPr>
           <a:xfrm>
-            <a:off x="8254473" y="6275942"/>
+            <a:off x="8528633" y="5699485"/>
             <a:ext cx="301825" cy="292072"/>
           </a:xfrm>
           <a:prstGeom prst="ellipse">
@@ -23200,7 +25049,10 @@
           </a:solidFill>
           <a:ln w="9525">
             <a:solidFill>
-              <a:schemeClr val="tx1"/>
+              <a:schemeClr val="bg1">
+                <a:lumMod val="75000"/>
+                <a:lumOff val="25000"/>
+              </a:schemeClr>
             </a:solidFill>
           </a:ln>
         </p:spPr>
@@ -23242,8 +25094,8 @@
         </p:nvSpPr>
         <p:spPr>
           <a:xfrm>
-            <a:off x="5485445" y="5817802"/>
-            <a:ext cx="2711006" cy="584775"/>
+            <a:off x="5485445" y="5589240"/>
+            <a:ext cx="2711006" cy="523220"/>
           </a:xfrm>
           <a:prstGeom prst="rect">
             <a:avLst/>
@@ -23256,7 +25108,7 @@
           <a:lstStyle/>
           <a:p>
             <a:r>
-              <a:rPr lang="pt-BR" sz="1600" dirty="0"/>
+              <a:rPr lang="pt-BR" sz="1400" dirty="0"/>
               <a:t>Pular para o endereço previamente armazenado</a:t>
             </a:r>
           </a:p>
@@ -23270,7 +25122,7 @@
         </p:nvSpPr>
         <p:spPr>
           <a:xfrm>
-            <a:off x="5124172" y="5839775"/>
+            <a:off x="5124606" y="5587605"/>
             <a:ext cx="301825" cy="292072"/>
           </a:xfrm>
           <a:prstGeom prst="ellipse">
@@ -23282,9 +25134,7 @@
             </a:schemeClr>
           </a:solidFill>
           <a:ln>
-            <a:solidFill>
-              <a:schemeClr val="tx1"/>
-            </a:solidFill>
+            <a:noFill/>
           </a:ln>
         </p:spPr>
         <p:style>
@@ -23325,7 +25175,7 @@
         </p:nvSpPr>
         <p:spPr>
           <a:xfrm>
-            <a:off x="1784268" y="5196040"/>
+            <a:off x="1784268" y="5147251"/>
             <a:ext cx="301825" cy="292072"/>
           </a:xfrm>
           <a:prstGeom prst="ellipse">
@@ -23337,9 +25187,7 @@
             </a:schemeClr>
           </a:solidFill>
           <a:ln>
-            <a:solidFill>
-              <a:schemeClr val="tx1"/>
-            </a:solidFill>
+            <a:noFill/>
           </a:ln>
         </p:spPr>
         <p:style>
@@ -23380,7 +25228,7 @@
         </p:nvSpPr>
         <p:spPr>
           <a:xfrm>
-            <a:off x="4047140" y="4453976"/>
+            <a:off x="4047140" y="4405187"/>
             <a:ext cx="301825" cy="292072"/>
           </a:xfrm>
           <a:prstGeom prst="ellipse">
@@ -23392,9 +25240,7 @@
             </a:schemeClr>
           </a:solidFill>
           <a:ln>
-            <a:solidFill>
-              <a:schemeClr val="tx1"/>
-            </a:solidFill>
+            <a:noFill/>
           </a:ln>
         </p:spPr>
         <p:style>
@@ -23432,14 +25278,13 @@
           <p:cNvPr id="49" name="Conector Angulado 48"/>
           <p:cNvCxnSpPr>
             <a:cxnSpLocks/>
-            <a:stCxn id="58" idx="3"/>
           </p:cNvCxnSpPr>
           <p:nvPr/>
         </p:nvCxnSpPr>
         <p:spPr>
           <a:xfrm flipV="1">
-            <a:off x="3699673" y="3993239"/>
-            <a:ext cx="226873" cy="1348838"/>
+            <a:off x="3645509" y="3939255"/>
+            <a:ext cx="278817" cy="1365209"/>
           </a:xfrm>
           <a:prstGeom prst="bentConnector2">
             <a:avLst/>
@@ -23474,7 +25319,7 @@
         </p:nvSpPr>
         <p:spPr>
           <a:xfrm>
-            <a:off x="8265021" y="5418196"/>
+            <a:off x="8528633" y="4841211"/>
             <a:ext cx="301825" cy="292072"/>
           </a:xfrm>
           <a:prstGeom prst="ellipse">
@@ -23488,7 +25333,10 @@
           </a:solidFill>
           <a:ln w="9525">
             <a:solidFill>
-              <a:schemeClr val="tx1"/>
+              <a:schemeClr val="bg1">
+                <a:lumMod val="75000"/>
+                <a:lumOff val="25000"/>
+              </a:schemeClr>
             </a:solidFill>
           </a:ln>
         </p:spPr>
@@ -23518,6 +25366,64 @@
                 <a:latin typeface="+mj-lt"/>
               </a:rPr>
               <a:t>5</a:t>
+            </a:r>
+          </a:p>
+        </p:txBody>
+      </p:sp>
+      <p:sp>
+        <p:nvSpPr>
+          <p:cNvPr id="39" name="Retângulo 38">
+            <a:extLst>
+              <a:ext uri="{FF2B5EF4-FFF2-40B4-BE49-F238E27FC236}">
+                <a16:creationId xmlns:a16="http://schemas.microsoft.com/office/drawing/2014/main" id="{047AE4CA-F244-474F-9084-252B95F41900}"/>
+              </a:ext>
+            </a:extLst>
+          </p:cNvPr>
+          <p:cNvSpPr/>
+          <p:nvPr/>
+        </p:nvSpPr>
+        <p:spPr>
+          <a:xfrm>
+            <a:off x="8846304" y="2671511"/>
+            <a:ext cx="1629369" cy="307777"/>
+          </a:xfrm>
+          <a:prstGeom prst="rect">
+            <a:avLst/>
+          </a:prstGeom>
+          <a:solidFill>
+            <a:schemeClr val="accent3">
+              <a:lumMod val="75000"/>
+            </a:schemeClr>
+          </a:solidFill>
+          <a:ln w="19050">
+            <a:noFill/>
+          </a:ln>
+        </p:spPr>
+        <p:txBody>
+          <a:bodyPr wrap="square">
+            <a:spAutoFit/>
+          </a:bodyPr>
+          <a:lstStyle/>
+          <a:p>
+            <a:r>
+              <a:rPr lang="pt-BR" sz="1400" b="1" dirty="0"/>
+              <a:t>a = </a:t>
+            </a:r>
+            <a:r>
+              <a:rPr lang="pt-BR" sz="1400" b="1" dirty="0">
+                <a:latin typeface="+mj-lt"/>
+              </a:rPr>
+              <a:t>25.0</a:t>
+            </a:r>
+            <a:r>
+              <a:rPr lang="pt-BR" sz="1400" b="1" dirty="0"/>
+              <a:t>, b = </a:t>
+            </a:r>
+            <a:r>
+              <a:rPr lang="pt-BR" sz="1400" b="1" dirty="0">
+                <a:latin typeface="+mj-lt"/>
+              </a:rPr>
+              <a:t>5.0</a:t>
             </a:r>
           </a:p>
         </p:txBody>
@@ -24368,6 +26274,51 @@
                       </p:childTnLst>
                     </p:cTn>
                   </p:par>
+                  <p:par>
+                    <p:cTn id="69" fill="hold">
+                      <p:stCondLst>
+                        <p:cond delay="indefinite"/>
+                      </p:stCondLst>
+                      <p:childTnLst>
+                        <p:par>
+                          <p:cTn id="70" fill="hold">
+                            <p:stCondLst>
+                              <p:cond delay="0"/>
+                            </p:stCondLst>
+                            <p:childTnLst>
+                              <p:par>
+                                <p:cTn id="71" presetID="1" presetClass="entr" presetSubtype="0" fill="hold" grpId="0" nodeType="clickEffect">
+                                  <p:stCondLst>
+                                    <p:cond delay="0"/>
+                                  </p:stCondLst>
+                                  <p:childTnLst>
+                                    <p:set>
+                                      <p:cBhvr>
+                                        <p:cTn id="72" dur="1" fill="hold">
+                                          <p:stCondLst>
+                                            <p:cond delay="0"/>
+                                          </p:stCondLst>
+                                        </p:cTn>
+                                        <p:tgtEl>
+                                          <p:spTgt spid="39"/>
+                                        </p:tgtEl>
+                                        <p:attrNameLst>
+                                          <p:attrName>style.visibility</p:attrName>
+                                        </p:attrNameLst>
+                                      </p:cBhvr>
+                                      <p:to>
+                                        <p:strVal val="visible"/>
+                                      </p:to>
+                                    </p:set>
+                                  </p:childTnLst>
+                                </p:cTn>
+                              </p:par>
+                            </p:childTnLst>
+                          </p:cTn>
+                        </p:par>
+                      </p:childTnLst>
+                    </p:cTn>
+                  </p:par>
                 </p:childTnLst>
               </p:cTn>
               <p:prevCondLst>
@@ -24415,6 +26366,7 @@
       <p:bldP spid="46" grpId="0" animBg="1"/>
       <p:bldP spid="47" grpId="0" animBg="1"/>
       <p:bldP spid="57" grpId="0" animBg="1"/>
+      <p:bldP spid="39" grpId="0" animBg="1"/>
     </p:bldLst>
   </p:timing>
 </p:sld>
@@ -24439,6 +26391,59 @@
       </p:grpSpPr>
       <p:sp>
         <p:nvSpPr>
+          <p:cNvPr id="6" name="Retângulo 5">
+            <a:extLst>
+              <a:ext uri="{FF2B5EF4-FFF2-40B4-BE49-F238E27FC236}">
+                <a16:creationId xmlns:a16="http://schemas.microsoft.com/office/drawing/2014/main" id="{B558F503-55F9-4D51-9EC5-9E68D519CCDC}"/>
+              </a:ext>
+            </a:extLst>
+          </p:cNvPr>
+          <p:cNvSpPr/>
+          <p:nvPr/>
+        </p:nvSpPr>
+        <p:spPr>
+          <a:xfrm>
+            <a:off x="5111316" y="3789040"/>
+            <a:ext cx="3648980" cy="1656184"/>
+          </a:xfrm>
+          <a:prstGeom prst="rect">
+            <a:avLst/>
+          </a:prstGeom>
+          <a:solidFill>
+            <a:schemeClr val="bg1">
+              <a:lumMod val="95000"/>
+              <a:lumOff val="5000"/>
+            </a:schemeClr>
+          </a:solidFill>
+          <a:ln w="9525"/>
+        </p:spPr>
+        <p:style>
+          <a:lnRef idx="2">
+            <a:schemeClr val="accent3">
+              <a:shade val="50000"/>
+            </a:schemeClr>
+          </a:lnRef>
+          <a:fillRef idx="1">
+            <a:schemeClr val="accent3"/>
+          </a:fillRef>
+          <a:effectRef idx="0">
+            <a:schemeClr val="accent3"/>
+          </a:effectRef>
+          <a:fontRef idx="minor">
+            <a:schemeClr val="lt1"/>
+          </a:fontRef>
+        </p:style>
+        <p:txBody>
+          <a:bodyPr rtlCol="0" anchor="ctr"/>
+          <a:lstStyle/>
+          <a:p>
+            <a:pPr algn="ctr"/>
+            <a:endParaRPr lang="pt-BR"/>
+          </a:p>
+        </p:txBody>
+      </p:sp>
+      <p:sp>
+        <p:nvSpPr>
           <p:cNvPr id="2" name="Título 1"/>
           <p:cNvSpPr>
             <a:spLocks noGrp="1"/>
@@ -24469,7 +26474,12 @@
             <p:ph idx="1"/>
           </p:nvPr>
         </p:nvSpPr>
-        <p:spPr/>
+        <p:spPr>
+          <a:xfrm>
+            <a:off x="1219200" y="1675548"/>
+            <a:ext cx="10363200" cy="4572000"/>
+          </a:xfrm>
+        </p:spPr>
         <p:txBody>
           <a:bodyPr/>
           <a:lstStyle/>
@@ -24492,6 +26502,9 @@
               <a:rPr lang="pt-BR" dirty="0"/>
               <a:t>possui um </a:t>
             </a:r>
+            <a:br>
+              <a:rPr lang="pt-BR" dirty="0"/>
+            </a:br>
             <a:r>
               <a:rPr lang="pt-BR" dirty="0">
                 <a:solidFill>
@@ -24921,126 +26934,12 @@
           </a:p>
         </p:txBody>
       </p:sp>
-      <p:cxnSp>
-        <p:nvCxnSpPr>
-          <p:cNvPr id="9" name="Conector de seta reta 8"/>
-          <p:cNvCxnSpPr/>
-          <p:nvPr/>
-        </p:nvCxnSpPr>
-        <p:spPr>
-          <a:xfrm>
-            <a:off x="4679268" y="4031160"/>
-            <a:ext cx="432048" cy="0"/>
-          </a:xfrm>
-          <a:prstGeom prst="straightConnector1">
-            <a:avLst/>
-          </a:prstGeom>
-          <a:ln>
-            <a:solidFill>
-              <a:schemeClr val="accent3">
-                <a:lumMod val="75000"/>
-              </a:schemeClr>
-            </a:solidFill>
-            <a:tailEnd type="triangle"/>
-          </a:ln>
-        </p:spPr>
-        <p:style>
-          <a:lnRef idx="1">
-            <a:schemeClr val="accent1"/>
-          </a:lnRef>
-          <a:fillRef idx="0">
-            <a:schemeClr val="accent1"/>
-          </a:fillRef>
-          <a:effectRef idx="0">
-            <a:schemeClr val="accent1"/>
-          </a:effectRef>
-          <a:fontRef idx="minor">
-            <a:schemeClr val="tx1"/>
-          </a:fontRef>
-        </p:style>
-      </p:cxnSp>
-      <p:cxnSp>
-        <p:nvCxnSpPr>
-          <p:cNvPr id="11" name="Conector de seta reta 10"/>
-          <p:cNvCxnSpPr/>
-          <p:nvPr/>
-        </p:nvCxnSpPr>
-        <p:spPr>
-          <a:xfrm>
-            <a:off x="4679268" y="4607224"/>
-            <a:ext cx="432048" cy="0"/>
-          </a:xfrm>
-          <a:prstGeom prst="straightConnector1">
-            <a:avLst/>
-          </a:prstGeom>
-          <a:ln>
-            <a:solidFill>
-              <a:schemeClr val="accent3">
-                <a:lumMod val="75000"/>
-              </a:schemeClr>
-            </a:solidFill>
-            <a:tailEnd type="triangle"/>
-          </a:ln>
-        </p:spPr>
-        <p:style>
-          <a:lnRef idx="1">
-            <a:schemeClr val="accent1"/>
-          </a:lnRef>
-          <a:fillRef idx="0">
-            <a:schemeClr val="accent1"/>
-          </a:fillRef>
-          <a:effectRef idx="0">
-            <a:schemeClr val="accent1"/>
-          </a:effectRef>
-          <a:fontRef idx="minor">
-            <a:schemeClr val="tx1"/>
-          </a:fontRef>
-        </p:style>
-      </p:cxnSp>
-      <p:cxnSp>
-        <p:nvCxnSpPr>
-          <p:cNvPr id="13" name="Conector de seta reta 12"/>
-          <p:cNvCxnSpPr/>
-          <p:nvPr/>
-        </p:nvCxnSpPr>
-        <p:spPr>
-          <a:xfrm>
-            <a:off x="4679268" y="5111280"/>
-            <a:ext cx="432048" cy="0"/>
-          </a:xfrm>
-          <a:prstGeom prst="straightConnector1">
-            <a:avLst/>
-          </a:prstGeom>
-          <a:ln>
-            <a:solidFill>
-              <a:schemeClr val="accent3">
-                <a:lumMod val="75000"/>
-              </a:schemeClr>
-            </a:solidFill>
-            <a:tailEnd type="triangle"/>
-          </a:ln>
-        </p:spPr>
-        <p:style>
-          <a:lnRef idx="1">
-            <a:schemeClr val="accent1"/>
-          </a:lnRef>
-          <a:fillRef idx="0">
-            <a:schemeClr val="accent1"/>
-          </a:fillRef>
-          <a:effectRef idx="0">
-            <a:schemeClr val="accent1"/>
-          </a:effectRef>
-          <a:fontRef idx="minor">
-            <a:schemeClr val="tx1"/>
-          </a:fontRef>
-        </p:style>
-      </p:cxnSp>
       <p:sp>
         <p:nvSpPr>
-          <p:cNvPr id="10" name="Retângulo 9">
+          <p:cNvPr id="12" name="Seta: para a Direita Listrada 11">
             <a:extLst>
               <a:ext uri="{FF2B5EF4-FFF2-40B4-BE49-F238E27FC236}">
-                <a16:creationId xmlns:a16="http://schemas.microsoft.com/office/drawing/2014/main" id="{0591BC2A-7E95-402B-BE58-511AAD456E74}"/>
+                <a16:creationId xmlns:a16="http://schemas.microsoft.com/office/drawing/2014/main" id="{5D013AE4-D960-4D5A-BE60-B46FA9A3F541}"/>
               </a:ext>
             </a:extLst>
           </p:cNvPr>
@@ -25049,44 +26948,145 @@
         </p:nvSpPr>
         <p:spPr>
           <a:xfrm>
-            <a:off x="5111316" y="3882878"/>
-            <a:ext cx="3816424" cy="1440160"/>
+            <a:off x="4671512" y="3961548"/>
+            <a:ext cx="299222" cy="216024"/>
           </a:xfrm>
-          <a:prstGeom prst="rect">
+          <a:prstGeom prst="stripedRightArrow">
             <a:avLst/>
           </a:prstGeom>
           <a:solidFill>
             <a:schemeClr val="accent3">
-              <a:lumMod val="50000"/>
+              <a:alpha val="50000"/>
             </a:schemeClr>
           </a:solidFill>
-          <a:ln w="19050">
+          <a:ln>
             <a:noFill/>
           </a:ln>
-          <a:effectLst/>
-          <a:scene3d>
-            <a:camera prst="orthographicFront">
-              <a:rot lat="0" lon="0" rev="0"/>
-            </a:camera>
-            <a:lightRig rig="chilly" dir="t">
-              <a:rot lat="0" lon="0" rev="18480000"/>
-            </a:lightRig>
-          </a:scene3d>
-          <a:sp3d prstMaterial="clear">
-            <a:bevelT h="63500"/>
-          </a:sp3d>
         </p:spPr>
+        <p:style>
+          <a:lnRef idx="0">
+            <a:scrgbClr r="0" g="0" b="0"/>
+          </a:lnRef>
+          <a:fillRef idx="0">
+            <a:scrgbClr r="0" g="0" b="0"/>
+          </a:fillRef>
+          <a:effectRef idx="0">
+            <a:scrgbClr r="0" g="0" b="0"/>
+          </a:effectRef>
+          <a:fontRef idx="minor">
+            <a:schemeClr val="lt1"/>
+          </a:fontRef>
+        </p:style>
         <p:txBody>
-          <a:bodyPr wrap="square">
-            <a:spAutoFit/>
-          </a:bodyPr>
+          <a:bodyPr rtlCol="0" anchor="ctr"/>
           <a:lstStyle/>
           <a:p>
-            <a:endParaRPr lang="pt-BR" sz="1400" dirty="0">
-              <a:solidFill>
-                <a:schemeClr val="bg1"/>
-              </a:solidFill>
-            </a:endParaRPr>
+            <a:pPr algn="ctr"/>
+            <a:endParaRPr lang="pt-BR"/>
+          </a:p>
+        </p:txBody>
+      </p:sp>
+      <p:sp>
+        <p:nvSpPr>
+          <p:cNvPr id="14" name="Seta: para a Direita Listrada 13">
+            <a:extLst>
+              <a:ext uri="{FF2B5EF4-FFF2-40B4-BE49-F238E27FC236}">
+                <a16:creationId xmlns:a16="http://schemas.microsoft.com/office/drawing/2014/main" id="{AAA2A451-B7BB-4501-8044-B3B3BDFAE932}"/>
+              </a:ext>
+            </a:extLst>
+          </p:cNvPr>
+          <p:cNvSpPr/>
+          <p:nvPr/>
+        </p:nvSpPr>
+        <p:spPr>
+          <a:xfrm>
+            <a:off x="4671512" y="4509208"/>
+            <a:ext cx="299222" cy="216024"/>
+          </a:xfrm>
+          <a:prstGeom prst="stripedRightArrow">
+            <a:avLst/>
+          </a:prstGeom>
+          <a:solidFill>
+            <a:schemeClr val="accent3">
+              <a:alpha val="50000"/>
+            </a:schemeClr>
+          </a:solidFill>
+          <a:ln>
+            <a:noFill/>
+          </a:ln>
+        </p:spPr>
+        <p:style>
+          <a:lnRef idx="0">
+            <a:scrgbClr r="0" g="0" b="0"/>
+          </a:lnRef>
+          <a:fillRef idx="0">
+            <a:scrgbClr r="0" g="0" b="0"/>
+          </a:fillRef>
+          <a:effectRef idx="0">
+            <a:scrgbClr r="0" g="0" b="0"/>
+          </a:effectRef>
+          <a:fontRef idx="minor">
+            <a:schemeClr val="lt1"/>
+          </a:fontRef>
+        </p:style>
+        <p:txBody>
+          <a:bodyPr rtlCol="0" anchor="ctr"/>
+          <a:lstStyle/>
+          <a:p>
+            <a:pPr algn="ctr"/>
+            <a:endParaRPr lang="pt-BR"/>
+          </a:p>
+        </p:txBody>
+      </p:sp>
+      <p:sp>
+        <p:nvSpPr>
+          <p:cNvPr id="15" name="Seta: para a Direita Listrada 14">
+            <a:extLst>
+              <a:ext uri="{FF2B5EF4-FFF2-40B4-BE49-F238E27FC236}">
+                <a16:creationId xmlns:a16="http://schemas.microsoft.com/office/drawing/2014/main" id="{13021F9A-7C04-4848-A5A5-EB0E4A3C12D5}"/>
+              </a:ext>
+            </a:extLst>
+          </p:cNvPr>
+          <p:cNvSpPr/>
+          <p:nvPr/>
+        </p:nvSpPr>
+        <p:spPr>
+          <a:xfrm>
+            <a:off x="4671512" y="5056868"/>
+            <a:ext cx="299222" cy="216024"/>
+          </a:xfrm>
+          <a:prstGeom prst="stripedRightArrow">
+            <a:avLst/>
+          </a:prstGeom>
+          <a:solidFill>
+            <a:schemeClr val="accent3">
+              <a:alpha val="50000"/>
+            </a:schemeClr>
+          </a:solidFill>
+          <a:ln>
+            <a:noFill/>
+          </a:ln>
+        </p:spPr>
+        <p:style>
+          <a:lnRef idx="0">
+            <a:scrgbClr r="0" g="0" b="0"/>
+          </a:lnRef>
+          <a:fillRef idx="0">
+            <a:scrgbClr r="0" g="0" b="0"/>
+          </a:fillRef>
+          <a:effectRef idx="0">
+            <a:scrgbClr r="0" g="0" b="0"/>
+          </a:effectRef>
+          <a:fontRef idx="minor">
+            <a:schemeClr val="lt1"/>
+          </a:fontRef>
+        </p:style>
+        <p:txBody>
+          <a:bodyPr rtlCol="0" anchor="ctr"/>
+          <a:lstStyle/>
+          <a:p>
+            <a:pPr algn="ctr"/>
+            <a:endParaRPr lang="pt-BR"/>
           </a:p>
         </p:txBody>
       </p:sp>
@@ -25212,374 +27212,13 @@
       </p:sp>
       <p:sp>
         <p:nvSpPr>
-          <p:cNvPr id="5" name="Retângulo 4"/>
-          <p:cNvSpPr/>
-          <p:nvPr/>
-        </p:nvSpPr>
-        <p:spPr>
-          <a:xfrm>
-            <a:off x="6312024" y="3717032"/>
-            <a:ext cx="3528392" cy="2462213"/>
-          </a:xfrm>
-          <a:prstGeom prst="rect">
-            <a:avLst/>
-          </a:prstGeom>
-        </p:spPr>
-        <p:txBody>
-          <a:bodyPr wrap="square">
-            <a:spAutoFit/>
-          </a:bodyPr>
-          <a:lstStyle/>
-          <a:p>
-            <a:r>
-              <a:rPr lang="pt-BR" sz="1400" dirty="0" err="1">
-                <a:solidFill>
-                  <a:schemeClr val="accent3">
-                    <a:lumMod val="75000"/>
-                  </a:schemeClr>
-                </a:solidFill>
-                <a:latin typeface="Consolas" panose="020B0609020204030204" pitchFamily="49" charset="0"/>
-                <a:cs typeface="Consolas" pitchFamily="49" charset="0"/>
-              </a:rPr>
-              <a:t>int</a:t>
-            </a:r>
-            <a:r>
-              <a:rPr lang="pt-BR" sz="1400" dirty="0">
-                <a:solidFill>
-                  <a:schemeClr val="accent3">
-                    <a:lumMod val="75000"/>
-                  </a:schemeClr>
-                </a:solidFill>
-                <a:latin typeface="Consolas" pitchFamily="49" charset="0"/>
-                <a:cs typeface="Consolas" pitchFamily="49" charset="0"/>
-              </a:rPr>
-              <a:t> </a:t>
-            </a:r>
-            <a:r>
-              <a:rPr lang="pt-BR" sz="1400" dirty="0" err="1">
-                <a:latin typeface="Consolas" pitchFamily="49" charset="0"/>
-                <a:cs typeface="Consolas" pitchFamily="49" charset="0"/>
-              </a:rPr>
-              <a:t>main</a:t>
-            </a:r>
-            <a:r>
-              <a:rPr lang="pt-BR" sz="1400" dirty="0">
-                <a:latin typeface="Consolas" pitchFamily="49" charset="0"/>
-                <a:cs typeface="Consolas" pitchFamily="49" charset="0"/>
-              </a:rPr>
-              <a:t>()</a:t>
-            </a:r>
-          </a:p>
-          <a:p>
-            <a:r>
-              <a:rPr lang="pt-BR" sz="1400" dirty="0">
-                <a:latin typeface="Consolas" pitchFamily="49" charset="0"/>
-                <a:cs typeface="Consolas" pitchFamily="49" charset="0"/>
-              </a:rPr>
-              <a:t>{</a:t>
-            </a:r>
-          </a:p>
-          <a:p>
-            <a:r>
-              <a:rPr lang="pt-BR" sz="1400" dirty="0">
-                <a:solidFill>
-                  <a:schemeClr val="accent3">
-                    <a:lumMod val="75000"/>
-                  </a:schemeClr>
-                </a:solidFill>
-                <a:latin typeface="Consolas" panose="020B0609020204030204" pitchFamily="49" charset="0"/>
-                <a:cs typeface="Consolas" panose="020B0609020204030204" pitchFamily="49" charset="0"/>
-              </a:rPr>
-              <a:t>   for</a:t>
-            </a:r>
-            <a:r>
-              <a:rPr lang="pt-BR" sz="1400" dirty="0">
-                <a:latin typeface="Consolas" panose="020B0609020204030204" pitchFamily="49" charset="0"/>
-                <a:cs typeface="Consolas" panose="020B0609020204030204" pitchFamily="49" charset="0"/>
-              </a:rPr>
-              <a:t> (</a:t>
-            </a:r>
-            <a:r>
-              <a:rPr lang="pt-BR" sz="1400" dirty="0" err="1">
-                <a:solidFill>
-                  <a:schemeClr val="accent3">
-                    <a:lumMod val="75000"/>
-                  </a:schemeClr>
-                </a:solidFill>
-                <a:latin typeface="Consolas" panose="020B0609020204030204" pitchFamily="49" charset="0"/>
-                <a:cs typeface="Consolas" panose="020B0609020204030204" pitchFamily="49" charset="0"/>
-              </a:rPr>
-              <a:t>int</a:t>
-            </a:r>
-            <a:r>
-              <a:rPr lang="pt-BR" sz="1400" dirty="0">
-                <a:latin typeface="Consolas" panose="020B0609020204030204" pitchFamily="49" charset="0"/>
-                <a:cs typeface="Consolas" panose="020B0609020204030204" pitchFamily="49" charset="0"/>
-              </a:rPr>
-              <a:t> i=0; i &lt; 2; ++i)</a:t>
-            </a:r>
-          </a:p>
-          <a:p>
-            <a:r>
-              <a:rPr lang="pt-BR" sz="1400" dirty="0">
-                <a:latin typeface="Consolas" panose="020B0609020204030204" pitchFamily="49" charset="0"/>
-                <a:cs typeface="Consolas" panose="020B0609020204030204" pitchFamily="49" charset="0"/>
-              </a:rPr>
-              <a:t>       </a:t>
-            </a:r>
-            <a:r>
-              <a:rPr lang="pt-BR" sz="1400" dirty="0" err="1">
-                <a:latin typeface="Consolas" panose="020B0609020204030204" pitchFamily="49" charset="0"/>
-                <a:cs typeface="Consolas" panose="020B0609020204030204" pitchFamily="49" charset="0"/>
-              </a:rPr>
-              <a:t>cout</a:t>
-            </a:r>
-            <a:r>
-              <a:rPr lang="pt-BR" sz="1400" dirty="0">
-                <a:latin typeface="Consolas" panose="020B0609020204030204" pitchFamily="49" charset="0"/>
-                <a:cs typeface="Consolas" panose="020B0609020204030204" pitchFamily="49" charset="0"/>
-              </a:rPr>
-              <a:t> &lt;&lt; </a:t>
-            </a:r>
-            <a:r>
-              <a:rPr lang="pt-BR" sz="1400" dirty="0">
-                <a:solidFill>
-                  <a:schemeClr val="accent2">
-                    <a:lumMod val="60000"/>
-                    <a:lumOff val="40000"/>
-                  </a:schemeClr>
-                </a:solidFill>
-                <a:latin typeface="Consolas" panose="020B0609020204030204" pitchFamily="49" charset="0"/>
-                <a:cs typeface="Consolas" panose="020B0609020204030204" pitchFamily="49" charset="0"/>
-              </a:rPr>
-              <a:t>'-'</a:t>
-            </a:r>
-            <a:r>
-              <a:rPr lang="pt-BR" sz="1400" dirty="0">
-                <a:latin typeface="Consolas" panose="020B0609020204030204" pitchFamily="49" charset="0"/>
-                <a:cs typeface="Consolas" panose="020B0609020204030204" pitchFamily="49" charset="0"/>
-              </a:rPr>
-              <a:t>;</a:t>
-            </a:r>
-          </a:p>
-          <a:p>
-            <a:r>
-              <a:rPr lang="pt-BR" sz="1400" dirty="0">
-                <a:latin typeface="Consolas" panose="020B0609020204030204" pitchFamily="49" charset="0"/>
-                <a:cs typeface="Consolas" panose="020B0609020204030204" pitchFamily="49" charset="0"/>
-              </a:rPr>
-              <a:t>   ...</a:t>
-            </a:r>
-          </a:p>
-          <a:p>
-            <a:r>
-              <a:rPr lang="pt-BR" sz="1400" dirty="0">
-                <a:latin typeface="Consolas" panose="020B0609020204030204" pitchFamily="49" charset="0"/>
-                <a:cs typeface="Consolas" panose="020B0609020204030204" pitchFamily="49" charset="0"/>
-              </a:rPr>
-              <a:t>   </a:t>
-            </a:r>
-            <a:r>
-              <a:rPr lang="pt-BR" sz="1400" dirty="0">
-                <a:solidFill>
-                  <a:schemeClr val="accent3">
-                    <a:lumMod val="75000"/>
-                  </a:schemeClr>
-                </a:solidFill>
-                <a:latin typeface="Consolas" panose="020B0609020204030204" pitchFamily="49" charset="0"/>
-                <a:cs typeface="Consolas" panose="020B0609020204030204" pitchFamily="49" charset="0"/>
-              </a:rPr>
-              <a:t>for</a:t>
-            </a:r>
-            <a:r>
-              <a:rPr lang="pt-BR" sz="1400" dirty="0">
-                <a:latin typeface="Consolas" panose="020B0609020204030204" pitchFamily="49" charset="0"/>
-                <a:cs typeface="Consolas" panose="020B0609020204030204" pitchFamily="49" charset="0"/>
-              </a:rPr>
-              <a:t> (</a:t>
-            </a:r>
-            <a:r>
-              <a:rPr lang="pt-BR" sz="1400" dirty="0" err="1">
-                <a:solidFill>
-                  <a:schemeClr val="accent3">
-                    <a:lumMod val="75000"/>
-                  </a:schemeClr>
-                </a:solidFill>
-                <a:latin typeface="Consolas" panose="020B0609020204030204" pitchFamily="49" charset="0"/>
-                <a:cs typeface="Consolas" panose="020B0609020204030204" pitchFamily="49" charset="0"/>
-              </a:rPr>
-              <a:t>int</a:t>
-            </a:r>
-            <a:r>
-              <a:rPr lang="pt-BR" sz="1400" dirty="0">
-                <a:latin typeface="Consolas" panose="020B0609020204030204" pitchFamily="49" charset="0"/>
-                <a:cs typeface="Consolas" panose="020B0609020204030204" pitchFamily="49" charset="0"/>
-              </a:rPr>
-              <a:t> i=0; i &lt; 4; ++i)</a:t>
-            </a:r>
-          </a:p>
-          <a:p>
-            <a:r>
-              <a:rPr lang="pt-BR" sz="1400" dirty="0">
-                <a:latin typeface="Consolas" panose="020B0609020204030204" pitchFamily="49" charset="0"/>
-                <a:cs typeface="Consolas" panose="020B0609020204030204" pitchFamily="49" charset="0"/>
-              </a:rPr>
-              <a:t>       </a:t>
-            </a:r>
-            <a:r>
-              <a:rPr lang="pt-BR" sz="1400" dirty="0" err="1">
-                <a:latin typeface="Consolas" panose="020B0609020204030204" pitchFamily="49" charset="0"/>
-                <a:cs typeface="Consolas" panose="020B0609020204030204" pitchFamily="49" charset="0"/>
-              </a:rPr>
-              <a:t>cout</a:t>
-            </a:r>
-            <a:r>
-              <a:rPr lang="pt-BR" sz="1400" dirty="0">
-                <a:latin typeface="Consolas" panose="020B0609020204030204" pitchFamily="49" charset="0"/>
-                <a:cs typeface="Consolas" panose="020B0609020204030204" pitchFamily="49" charset="0"/>
-              </a:rPr>
-              <a:t> &lt;&lt; </a:t>
-            </a:r>
-            <a:r>
-              <a:rPr lang="pt-BR" sz="1400" dirty="0">
-                <a:solidFill>
-                  <a:schemeClr val="accent2">
-                    <a:lumMod val="60000"/>
-                    <a:lumOff val="40000"/>
-                  </a:schemeClr>
-                </a:solidFill>
-                <a:latin typeface="Consolas" panose="020B0609020204030204" pitchFamily="49" charset="0"/>
-                <a:cs typeface="Consolas" panose="020B0609020204030204" pitchFamily="49" charset="0"/>
-              </a:rPr>
-              <a:t>'*'</a:t>
-            </a:r>
-            <a:r>
-              <a:rPr lang="pt-BR" sz="1400" dirty="0">
-                <a:latin typeface="Consolas" pitchFamily="49" charset="0"/>
-                <a:cs typeface="Consolas" pitchFamily="49" charset="0"/>
-              </a:rPr>
-              <a:t>;</a:t>
-            </a:r>
-          </a:p>
-          <a:p>
-            <a:r>
-              <a:rPr lang="pt-BR" sz="1400" dirty="0">
-                <a:latin typeface="Consolas" pitchFamily="49" charset="0"/>
-                <a:cs typeface="Consolas" pitchFamily="49" charset="0"/>
-              </a:rPr>
-              <a:t>   ...</a:t>
-            </a:r>
-          </a:p>
-          <a:p>
-            <a:r>
-              <a:rPr lang="pt-BR" sz="1400" dirty="0">
-                <a:latin typeface="Consolas" pitchFamily="49" charset="0"/>
-                <a:cs typeface="Consolas" pitchFamily="49" charset="0"/>
-              </a:rPr>
-              <a:t>   </a:t>
-            </a:r>
-            <a:r>
-              <a:rPr lang="pt-BR" sz="1400" dirty="0">
-                <a:solidFill>
-                  <a:schemeClr val="accent3">
-                    <a:lumMod val="75000"/>
-                  </a:schemeClr>
-                </a:solidFill>
-                <a:latin typeface="Consolas" panose="020B0609020204030204" pitchFamily="49" charset="0"/>
-                <a:cs typeface="Consolas" panose="020B0609020204030204" pitchFamily="49" charset="0"/>
-              </a:rPr>
-              <a:t>for</a:t>
-            </a:r>
-            <a:r>
-              <a:rPr lang="pt-BR" sz="1400" dirty="0">
-                <a:latin typeface="Consolas" panose="020B0609020204030204" pitchFamily="49" charset="0"/>
-                <a:cs typeface="Consolas" panose="020B0609020204030204" pitchFamily="49" charset="0"/>
-              </a:rPr>
-              <a:t> (</a:t>
-            </a:r>
-            <a:r>
-              <a:rPr lang="pt-BR" sz="1400" dirty="0" err="1">
-                <a:solidFill>
-                  <a:schemeClr val="accent3">
-                    <a:lumMod val="75000"/>
-                  </a:schemeClr>
-                </a:solidFill>
-                <a:latin typeface="Consolas" panose="020B0609020204030204" pitchFamily="49" charset="0"/>
-                <a:cs typeface="Consolas" panose="020B0609020204030204" pitchFamily="49" charset="0"/>
-              </a:rPr>
-              <a:t>int</a:t>
-            </a:r>
-            <a:r>
-              <a:rPr lang="pt-BR" sz="1400" dirty="0">
-                <a:latin typeface="Consolas" panose="020B0609020204030204" pitchFamily="49" charset="0"/>
-                <a:cs typeface="Consolas" panose="020B0609020204030204" pitchFamily="49" charset="0"/>
-              </a:rPr>
-              <a:t> i=0; i &lt; 8; ++i)</a:t>
-            </a:r>
-          </a:p>
-          <a:p>
-            <a:r>
-              <a:rPr lang="pt-BR" sz="1400" dirty="0">
-                <a:latin typeface="Consolas" panose="020B0609020204030204" pitchFamily="49" charset="0"/>
-                <a:cs typeface="Consolas" panose="020B0609020204030204" pitchFamily="49" charset="0"/>
-              </a:rPr>
-              <a:t>       </a:t>
-            </a:r>
-            <a:r>
-              <a:rPr lang="pt-BR" sz="1400" dirty="0" err="1">
-                <a:latin typeface="Consolas" panose="020B0609020204030204" pitchFamily="49" charset="0"/>
-                <a:cs typeface="Consolas" panose="020B0609020204030204" pitchFamily="49" charset="0"/>
-              </a:rPr>
-              <a:t>cout</a:t>
-            </a:r>
-            <a:r>
-              <a:rPr lang="pt-BR" sz="1400" dirty="0">
-                <a:latin typeface="Consolas" panose="020B0609020204030204" pitchFamily="49" charset="0"/>
-                <a:cs typeface="Consolas" panose="020B0609020204030204" pitchFamily="49" charset="0"/>
-              </a:rPr>
-              <a:t> &lt;&lt; </a:t>
-            </a:r>
-            <a:r>
-              <a:rPr lang="pt-BR" sz="1400" dirty="0">
-                <a:solidFill>
-                  <a:schemeClr val="accent2">
-                    <a:lumMod val="60000"/>
-                    <a:lumOff val="40000"/>
-                  </a:schemeClr>
-                </a:solidFill>
-                <a:latin typeface="Consolas" panose="020B0609020204030204" pitchFamily="49" charset="0"/>
-                <a:cs typeface="Consolas" panose="020B0609020204030204" pitchFamily="49" charset="0"/>
-              </a:rPr>
-              <a:t>'='</a:t>
-            </a:r>
-            <a:r>
-              <a:rPr lang="pt-BR" sz="1400" dirty="0">
-                <a:latin typeface="Consolas" panose="020B0609020204030204" pitchFamily="49" charset="0"/>
-                <a:cs typeface="Consolas" panose="020B0609020204030204" pitchFamily="49" charset="0"/>
-              </a:rPr>
-              <a:t>;</a:t>
-            </a:r>
-          </a:p>
-          <a:p>
-            <a:r>
-              <a:rPr lang="pt-BR" sz="1400" dirty="0">
-                <a:latin typeface="Consolas" panose="020B0609020204030204" pitchFamily="49" charset="0"/>
-                <a:cs typeface="Consolas" panose="020B0609020204030204" pitchFamily="49" charset="0"/>
-              </a:rPr>
-              <a:t>}</a:t>
-            </a:r>
-          </a:p>
-        </p:txBody>
-      </p:sp>
-      <p:sp>
-        <p:nvSpPr>
           <p:cNvPr id="11" name="Retângulo 10"/>
           <p:cNvSpPr/>
           <p:nvPr/>
         </p:nvSpPr>
         <p:spPr>
           <a:xfrm>
-            <a:off x="2325230" y="3886309"/>
+            <a:off x="2325230" y="3819237"/>
             <a:ext cx="2448272" cy="2123658"/>
           </a:xfrm>
           <a:prstGeom prst="rect">
@@ -25756,309 +27395,638 @@
           </a:p>
         </p:txBody>
       </p:sp>
-      <p:sp>
-        <p:nvSpPr>
-          <p:cNvPr id="12" name="Retângulo 11"/>
-          <p:cNvSpPr/>
-          <p:nvPr/>
-        </p:nvSpPr>
-        <p:spPr>
-          <a:xfrm>
-            <a:off x="6668616" y="4145752"/>
-            <a:ext cx="2592288" cy="559333"/>
-          </a:xfrm>
-          <a:prstGeom prst="rect">
-            <a:avLst/>
-          </a:prstGeom>
-          <a:noFill/>
-          <a:ln w="9525">
-            <a:noFill/>
-          </a:ln>
-          <a:effectLst/>
-        </p:spPr>
-        <p:style>
-          <a:lnRef idx="2">
-            <a:schemeClr val="accent1">
-              <a:shade val="50000"/>
-            </a:schemeClr>
-          </a:lnRef>
-          <a:fillRef idx="1">
-            <a:schemeClr val="accent1"/>
-          </a:fillRef>
-          <a:effectRef idx="0">
-            <a:schemeClr val="accent1"/>
-          </a:effectRef>
-          <a:fontRef idx="minor">
-            <a:schemeClr val="lt1"/>
-          </a:fontRef>
-        </p:style>
-        <p:txBody>
-          <a:bodyPr rtlCol="0" anchor="ctr"/>
-          <a:lstStyle/>
-          <a:p>
-            <a:pPr algn="ctr"/>
-            <a:endParaRPr lang="pt-BR"/>
-          </a:p>
-        </p:txBody>
-      </p:sp>
-      <p:sp>
-        <p:nvSpPr>
-          <p:cNvPr id="13" name="Retângulo 12"/>
-          <p:cNvSpPr/>
-          <p:nvPr/>
-        </p:nvSpPr>
-        <p:spPr>
-          <a:xfrm>
-            <a:off x="6668616" y="4826457"/>
-            <a:ext cx="2592288" cy="529629"/>
-          </a:xfrm>
-          <a:prstGeom prst="rect">
-            <a:avLst/>
-          </a:prstGeom>
-          <a:noFill/>
-          <a:ln w="9525">
-            <a:noFill/>
-          </a:ln>
-          <a:effectLst/>
-        </p:spPr>
-        <p:style>
-          <a:lnRef idx="2">
-            <a:schemeClr val="accent1">
-              <a:shade val="50000"/>
-            </a:schemeClr>
-          </a:lnRef>
-          <a:fillRef idx="1">
-            <a:schemeClr val="accent1"/>
-          </a:fillRef>
-          <a:effectRef idx="0">
-            <a:schemeClr val="accent1"/>
-          </a:effectRef>
-          <a:fontRef idx="minor">
-            <a:schemeClr val="lt1"/>
-          </a:fontRef>
-        </p:style>
-        <p:txBody>
-          <a:bodyPr rtlCol="0" anchor="ctr"/>
-          <a:lstStyle/>
-          <a:p>
-            <a:pPr algn="ctr"/>
-            <a:endParaRPr lang="pt-BR"/>
-          </a:p>
-        </p:txBody>
-      </p:sp>
-      <p:sp>
-        <p:nvSpPr>
-          <p:cNvPr id="14" name="Retângulo 13"/>
-          <p:cNvSpPr/>
-          <p:nvPr/>
-        </p:nvSpPr>
-        <p:spPr>
-          <a:xfrm>
-            <a:off x="6668616" y="5464726"/>
-            <a:ext cx="2592288" cy="535971"/>
-          </a:xfrm>
-          <a:prstGeom prst="rect">
-            <a:avLst/>
-          </a:prstGeom>
-          <a:noFill/>
-          <a:ln w="9525">
-            <a:noFill/>
-          </a:ln>
-          <a:effectLst/>
-        </p:spPr>
-        <p:style>
-          <a:lnRef idx="2">
-            <a:schemeClr val="accent1">
-              <a:shade val="50000"/>
-            </a:schemeClr>
-          </a:lnRef>
-          <a:fillRef idx="1">
-            <a:schemeClr val="accent1"/>
-          </a:fillRef>
-          <a:effectRef idx="0">
-            <a:schemeClr val="accent1"/>
-          </a:effectRef>
-          <a:fontRef idx="minor">
-            <a:schemeClr val="lt1"/>
-          </a:fontRef>
-        </p:style>
-        <p:txBody>
-          <a:bodyPr rtlCol="0" anchor="ctr"/>
-          <a:lstStyle/>
-          <a:p>
-            <a:pPr algn="ctr"/>
-            <a:endParaRPr lang="pt-BR"/>
-          </a:p>
-        </p:txBody>
-      </p:sp>
-      <p:sp>
-        <p:nvSpPr>
-          <p:cNvPr id="15" name="Retângulo 14">
+      <p:grpSp>
+        <p:nvGrpSpPr>
+          <p:cNvPr id="6" name="Agrupar 5">
             <a:extLst>
               <a:ext uri="{FF2B5EF4-FFF2-40B4-BE49-F238E27FC236}">
-                <a16:creationId xmlns:a16="http://schemas.microsoft.com/office/drawing/2014/main" id="{BF0829ED-8640-4BA3-BEC3-9663E922F722}"/>
+                <a16:creationId xmlns:a16="http://schemas.microsoft.com/office/drawing/2014/main" id="{D6B41113-4B75-4006-ABAA-DFF6FBE2DC6F}"/>
               </a:ext>
             </a:extLst>
           </p:cNvPr>
-          <p:cNvSpPr/>
+          <p:cNvGrpSpPr/>
           <p:nvPr/>
-        </p:nvSpPr>
-        <p:spPr>
+        </p:nvGrpSpPr>
+        <p:grpSpPr>
           <a:xfrm>
-            <a:off x="6659488" y="4148038"/>
-            <a:ext cx="2592288" cy="525482"/>
+            <a:off x="6312024" y="3573016"/>
+            <a:ext cx="3528392" cy="2616101"/>
+            <a:chOff x="6312024" y="3717032"/>
+            <a:chExt cx="3528392" cy="2616101"/>
           </a:xfrm>
-          <a:prstGeom prst="rect">
-            <a:avLst/>
-          </a:prstGeom>
-          <a:solidFill>
-            <a:schemeClr val="accent3">
-              <a:lumMod val="50000"/>
-            </a:schemeClr>
-          </a:solidFill>
-          <a:ln w="19050">
+        </p:grpSpPr>
+        <p:sp>
+          <p:nvSpPr>
+            <p:cNvPr id="15" name="Retângulo 14">
+              <a:extLst>
+                <a:ext uri="{FF2B5EF4-FFF2-40B4-BE49-F238E27FC236}">
+                  <a16:creationId xmlns:a16="http://schemas.microsoft.com/office/drawing/2014/main" id="{BF0829ED-8640-4BA3-BEC3-9663E922F722}"/>
+                </a:ext>
+              </a:extLst>
+            </p:cNvPr>
+            <p:cNvSpPr/>
+            <p:nvPr/>
+          </p:nvSpPr>
+          <p:spPr>
+            <a:xfrm>
+              <a:off x="6610350" y="4129996"/>
+              <a:ext cx="2650554" cy="525482"/>
+            </a:xfrm>
+            <a:prstGeom prst="rect">
+              <a:avLst/>
+            </a:prstGeom>
+            <a:solidFill>
+              <a:schemeClr val="bg1">
+                <a:lumMod val="95000"/>
+                <a:lumOff val="5000"/>
+              </a:schemeClr>
+            </a:solidFill>
+            <a:ln w="9525">
+              <a:solidFill>
+                <a:schemeClr val="accent3">
+                  <a:lumMod val="50000"/>
+                </a:schemeClr>
+              </a:solidFill>
+            </a:ln>
+          </p:spPr>
+          <p:style>
+            <a:lnRef idx="2">
+              <a:schemeClr val="accent3">
+                <a:shade val="50000"/>
+              </a:schemeClr>
+            </a:lnRef>
+            <a:fillRef idx="1">
+              <a:schemeClr val="accent3"/>
+            </a:fillRef>
+            <a:effectRef idx="0">
+              <a:schemeClr val="accent3"/>
+            </a:effectRef>
+            <a:fontRef idx="minor">
+              <a:schemeClr val="lt1"/>
+            </a:fontRef>
+          </p:style>
+          <p:txBody>
+            <a:bodyPr wrap="square">
+              <a:spAutoFit/>
+            </a:bodyPr>
+            <a:lstStyle/>
+            <a:p>
+              <a:endParaRPr lang="pt-BR" sz="1400" dirty="0">
+                <a:solidFill>
+                  <a:schemeClr val="bg1"/>
+                </a:solidFill>
+              </a:endParaRPr>
+            </a:p>
+          </p:txBody>
+        </p:sp>
+        <p:sp>
+          <p:nvSpPr>
+            <p:cNvPr id="17" name="Retângulo 16">
+              <a:extLst>
+                <a:ext uri="{FF2B5EF4-FFF2-40B4-BE49-F238E27FC236}">
+                  <a16:creationId xmlns:a16="http://schemas.microsoft.com/office/drawing/2014/main" id="{7D4CDCB9-40FF-4AE1-8B56-54908144C107}"/>
+                </a:ext>
+              </a:extLst>
+            </p:cNvPr>
+            <p:cNvSpPr/>
+            <p:nvPr/>
+          </p:nvSpPr>
+          <p:spPr>
+            <a:xfrm>
+              <a:off x="6610350" y="4862358"/>
+              <a:ext cx="2650554" cy="525223"/>
+            </a:xfrm>
+            <a:prstGeom prst="rect">
+              <a:avLst/>
+            </a:prstGeom>
+            <a:solidFill>
+              <a:schemeClr val="bg1">
+                <a:lumMod val="95000"/>
+                <a:lumOff val="5000"/>
+              </a:schemeClr>
+            </a:solidFill>
+            <a:ln w="9525">
+              <a:solidFill>
+                <a:schemeClr val="accent3">
+                  <a:lumMod val="50000"/>
+                </a:schemeClr>
+              </a:solidFill>
+            </a:ln>
+          </p:spPr>
+          <p:style>
+            <a:lnRef idx="2">
+              <a:schemeClr val="accent3">
+                <a:shade val="50000"/>
+              </a:schemeClr>
+            </a:lnRef>
+            <a:fillRef idx="1">
+              <a:schemeClr val="accent3"/>
+            </a:fillRef>
+            <a:effectRef idx="0">
+              <a:schemeClr val="accent3"/>
+            </a:effectRef>
+            <a:fontRef idx="minor">
+              <a:schemeClr val="lt1"/>
+            </a:fontRef>
+          </p:style>
+          <p:txBody>
+            <a:bodyPr wrap="square">
+              <a:spAutoFit/>
+            </a:bodyPr>
+            <a:lstStyle/>
+            <a:p>
+              <a:endParaRPr lang="pt-BR" sz="1400" dirty="0">
+                <a:solidFill>
+                  <a:schemeClr val="bg1"/>
+                </a:solidFill>
+              </a:endParaRPr>
+            </a:p>
+          </p:txBody>
+        </p:sp>
+        <p:sp>
+          <p:nvSpPr>
+            <p:cNvPr id="21" name="Retângulo 20">
+              <a:extLst>
+                <a:ext uri="{FF2B5EF4-FFF2-40B4-BE49-F238E27FC236}">
+                  <a16:creationId xmlns:a16="http://schemas.microsoft.com/office/drawing/2014/main" id="{29CCB65A-68D4-4797-AB66-95775065EA65}"/>
+                </a:ext>
+              </a:extLst>
+            </p:cNvPr>
+            <p:cNvSpPr/>
+            <p:nvPr/>
+          </p:nvSpPr>
+          <p:spPr>
+            <a:xfrm>
+              <a:off x="6610350" y="5579319"/>
+              <a:ext cx="2650554" cy="525223"/>
+            </a:xfrm>
+            <a:prstGeom prst="rect">
+              <a:avLst/>
+            </a:prstGeom>
+            <a:solidFill>
+              <a:schemeClr val="bg1">
+                <a:lumMod val="95000"/>
+                <a:lumOff val="5000"/>
+              </a:schemeClr>
+            </a:solidFill>
+            <a:ln w="9525">
+              <a:solidFill>
+                <a:schemeClr val="accent3">
+                  <a:lumMod val="50000"/>
+                </a:schemeClr>
+              </a:solidFill>
+            </a:ln>
+          </p:spPr>
+          <p:style>
+            <a:lnRef idx="2">
+              <a:schemeClr val="accent3">
+                <a:shade val="50000"/>
+              </a:schemeClr>
+            </a:lnRef>
+            <a:fillRef idx="1">
+              <a:schemeClr val="accent3"/>
+            </a:fillRef>
+            <a:effectRef idx="0">
+              <a:schemeClr val="accent3"/>
+            </a:effectRef>
+            <a:fontRef idx="minor">
+              <a:schemeClr val="lt1"/>
+            </a:fontRef>
+          </p:style>
+          <p:txBody>
+            <a:bodyPr wrap="square">
+              <a:spAutoFit/>
+            </a:bodyPr>
+            <a:lstStyle/>
+            <a:p>
+              <a:endParaRPr lang="pt-BR" sz="1400" dirty="0">
+                <a:solidFill>
+                  <a:schemeClr val="bg1"/>
+                </a:solidFill>
+              </a:endParaRPr>
+            </a:p>
+          </p:txBody>
+        </p:sp>
+        <p:sp>
+          <p:nvSpPr>
+            <p:cNvPr id="5" name="Retângulo 4"/>
+            <p:cNvSpPr/>
+            <p:nvPr/>
+          </p:nvSpPr>
+          <p:spPr>
+            <a:xfrm>
+              <a:off x="6312024" y="3717032"/>
+              <a:ext cx="3528392" cy="2616101"/>
+            </a:xfrm>
+            <a:prstGeom prst="rect">
+              <a:avLst/>
+            </a:prstGeom>
+          </p:spPr>
+          <p:txBody>
+            <a:bodyPr wrap="square">
+              <a:spAutoFit/>
+            </a:bodyPr>
+            <a:lstStyle/>
+            <a:p>
+              <a:r>
+                <a:rPr lang="pt-BR" sz="1400" dirty="0" err="1">
+                  <a:solidFill>
+                    <a:schemeClr val="accent3">
+                      <a:lumMod val="75000"/>
+                    </a:schemeClr>
+                  </a:solidFill>
+                  <a:latin typeface="Consolas" panose="020B0609020204030204" pitchFamily="49" charset="0"/>
+                  <a:cs typeface="Consolas" pitchFamily="49" charset="0"/>
+                </a:rPr>
+                <a:t>int</a:t>
+              </a:r>
+              <a:r>
+                <a:rPr lang="pt-BR" sz="1400" dirty="0">
+                  <a:solidFill>
+                    <a:schemeClr val="accent3">
+                      <a:lumMod val="75000"/>
+                    </a:schemeClr>
+                  </a:solidFill>
+                  <a:latin typeface="Consolas" pitchFamily="49" charset="0"/>
+                  <a:cs typeface="Consolas" pitchFamily="49" charset="0"/>
+                </a:rPr>
+                <a:t> </a:t>
+              </a:r>
+              <a:r>
+                <a:rPr lang="pt-BR" sz="1400" dirty="0" err="1">
+                  <a:latin typeface="Consolas" pitchFamily="49" charset="0"/>
+                  <a:cs typeface="Consolas" pitchFamily="49" charset="0"/>
+                </a:rPr>
+                <a:t>main</a:t>
+              </a:r>
+              <a:r>
+                <a:rPr lang="pt-BR" sz="1400" dirty="0">
+                  <a:latin typeface="Consolas" pitchFamily="49" charset="0"/>
+                  <a:cs typeface="Consolas" pitchFamily="49" charset="0"/>
+                </a:rPr>
+                <a:t>()</a:t>
+              </a:r>
+            </a:p>
+            <a:p>
+              <a:r>
+                <a:rPr lang="pt-BR" sz="1400" dirty="0">
+                  <a:latin typeface="Consolas" pitchFamily="49" charset="0"/>
+                  <a:cs typeface="Consolas" pitchFamily="49" charset="0"/>
+                </a:rPr>
+                <a:t>{</a:t>
+              </a:r>
+            </a:p>
+            <a:p>
+              <a:r>
+                <a:rPr lang="pt-BR" sz="1400" dirty="0">
+                  <a:solidFill>
+                    <a:schemeClr val="accent3">
+                      <a:lumMod val="75000"/>
+                    </a:schemeClr>
+                  </a:solidFill>
+                  <a:latin typeface="Consolas" panose="020B0609020204030204" pitchFamily="49" charset="0"/>
+                  <a:cs typeface="Consolas" panose="020B0609020204030204" pitchFamily="49" charset="0"/>
+                </a:rPr>
+                <a:t>   for</a:t>
+              </a:r>
+              <a:r>
+                <a:rPr lang="pt-BR" sz="1400" dirty="0">
+                  <a:latin typeface="Consolas" panose="020B0609020204030204" pitchFamily="49" charset="0"/>
+                  <a:cs typeface="Consolas" panose="020B0609020204030204" pitchFamily="49" charset="0"/>
+                </a:rPr>
+                <a:t> (</a:t>
+              </a:r>
+              <a:r>
+                <a:rPr lang="pt-BR" sz="1400" dirty="0" err="1">
+                  <a:solidFill>
+                    <a:schemeClr val="accent3">
+                      <a:lumMod val="75000"/>
+                    </a:schemeClr>
+                  </a:solidFill>
+                  <a:latin typeface="Consolas" panose="020B0609020204030204" pitchFamily="49" charset="0"/>
+                  <a:cs typeface="Consolas" panose="020B0609020204030204" pitchFamily="49" charset="0"/>
+                </a:rPr>
+                <a:t>int</a:t>
+              </a:r>
+              <a:r>
+                <a:rPr lang="pt-BR" sz="1400" dirty="0">
+                  <a:latin typeface="Consolas" panose="020B0609020204030204" pitchFamily="49" charset="0"/>
+                  <a:cs typeface="Consolas" panose="020B0609020204030204" pitchFamily="49" charset="0"/>
+                </a:rPr>
+                <a:t> i=0; i &lt; 2; ++i)</a:t>
+              </a:r>
+            </a:p>
+            <a:p>
+              <a:r>
+                <a:rPr lang="pt-BR" sz="1400" dirty="0">
+                  <a:latin typeface="Consolas" panose="020B0609020204030204" pitchFamily="49" charset="0"/>
+                  <a:cs typeface="Consolas" panose="020B0609020204030204" pitchFamily="49" charset="0"/>
+                </a:rPr>
+                <a:t>       </a:t>
+              </a:r>
+              <a:r>
+                <a:rPr lang="pt-BR" sz="1400" dirty="0" err="1">
+                  <a:latin typeface="Consolas" panose="020B0609020204030204" pitchFamily="49" charset="0"/>
+                  <a:cs typeface="Consolas" panose="020B0609020204030204" pitchFamily="49" charset="0"/>
+                </a:rPr>
+                <a:t>cout</a:t>
+              </a:r>
+              <a:r>
+                <a:rPr lang="pt-BR" sz="1400" dirty="0">
+                  <a:latin typeface="Consolas" panose="020B0609020204030204" pitchFamily="49" charset="0"/>
+                  <a:cs typeface="Consolas" panose="020B0609020204030204" pitchFamily="49" charset="0"/>
+                </a:rPr>
+                <a:t> &lt;&lt; </a:t>
+              </a:r>
+              <a:r>
+                <a:rPr lang="pt-BR" sz="1400" dirty="0">
+                  <a:solidFill>
+                    <a:schemeClr val="accent2">
+                      <a:lumMod val="60000"/>
+                      <a:lumOff val="40000"/>
+                    </a:schemeClr>
+                  </a:solidFill>
+                  <a:latin typeface="Consolas" panose="020B0609020204030204" pitchFamily="49" charset="0"/>
+                  <a:cs typeface="Consolas" panose="020B0609020204030204" pitchFamily="49" charset="0"/>
+                </a:rPr>
+                <a:t>'-'</a:t>
+              </a:r>
+              <a:r>
+                <a:rPr lang="pt-BR" sz="1400" dirty="0">
+                  <a:latin typeface="Consolas" panose="020B0609020204030204" pitchFamily="49" charset="0"/>
+                  <a:cs typeface="Consolas" panose="020B0609020204030204" pitchFamily="49" charset="0"/>
+                </a:rPr>
+                <a:t>;</a:t>
+              </a:r>
+            </a:p>
+            <a:p>
+              <a:pPr>
+                <a:spcAft>
+                  <a:spcPts val="600"/>
+                </a:spcAft>
+              </a:pPr>
+              <a:r>
+                <a:rPr lang="pt-BR" sz="1400" dirty="0">
+                  <a:latin typeface="Consolas" panose="020B0609020204030204" pitchFamily="49" charset="0"/>
+                  <a:cs typeface="Consolas" panose="020B0609020204030204" pitchFamily="49" charset="0"/>
+                </a:rPr>
+                <a:t>   ...</a:t>
+              </a:r>
+            </a:p>
+            <a:p>
+              <a:r>
+                <a:rPr lang="pt-BR" sz="1400" dirty="0">
+                  <a:latin typeface="Consolas" panose="020B0609020204030204" pitchFamily="49" charset="0"/>
+                  <a:cs typeface="Consolas" panose="020B0609020204030204" pitchFamily="49" charset="0"/>
+                </a:rPr>
+                <a:t>   </a:t>
+              </a:r>
+              <a:r>
+                <a:rPr lang="pt-BR" sz="1400" dirty="0">
+                  <a:solidFill>
+                    <a:schemeClr val="accent3">
+                      <a:lumMod val="75000"/>
+                    </a:schemeClr>
+                  </a:solidFill>
+                  <a:latin typeface="Consolas" panose="020B0609020204030204" pitchFamily="49" charset="0"/>
+                  <a:cs typeface="Consolas" panose="020B0609020204030204" pitchFamily="49" charset="0"/>
+                </a:rPr>
+                <a:t>for</a:t>
+              </a:r>
+              <a:r>
+                <a:rPr lang="pt-BR" sz="1400" dirty="0">
+                  <a:latin typeface="Consolas" panose="020B0609020204030204" pitchFamily="49" charset="0"/>
+                  <a:cs typeface="Consolas" panose="020B0609020204030204" pitchFamily="49" charset="0"/>
+                </a:rPr>
+                <a:t> (</a:t>
+              </a:r>
+              <a:r>
+                <a:rPr lang="pt-BR" sz="1400" dirty="0" err="1">
+                  <a:solidFill>
+                    <a:schemeClr val="accent3">
+                      <a:lumMod val="75000"/>
+                    </a:schemeClr>
+                  </a:solidFill>
+                  <a:latin typeface="Consolas" panose="020B0609020204030204" pitchFamily="49" charset="0"/>
+                  <a:cs typeface="Consolas" panose="020B0609020204030204" pitchFamily="49" charset="0"/>
+                </a:rPr>
+                <a:t>int</a:t>
+              </a:r>
+              <a:r>
+                <a:rPr lang="pt-BR" sz="1400" dirty="0">
+                  <a:latin typeface="Consolas" panose="020B0609020204030204" pitchFamily="49" charset="0"/>
+                  <a:cs typeface="Consolas" panose="020B0609020204030204" pitchFamily="49" charset="0"/>
+                </a:rPr>
+                <a:t> i=0; i &lt; 4; ++i)</a:t>
+              </a:r>
+            </a:p>
+            <a:p>
+              <a:r>
+                <a:rPr lang="pt-BR" sz="1400" dirty="0">
+                  <a:latin typeface="Consolas" panose="020B0609020204030204" pitchFamily="49" charset="0"/>
+                  <a:cs typeface="Consolas" panose="020B0609020204030204" pitchFamily="49" charset="0"/>
+                </a:rPr>
+                <a:t>       </a:t>
+              </a:r>
+              <a:r>
+                <a:rPr lang="pt-BR" sz="1400" dirty="0" err="1">
+                  <a:latin typeface="Consolas" panose="020B0609020204030204" pitchFamily="49" charset="0"/>
+                  <a:cs typeface="Consolas" panose="020B0609020204030204" pitchFamily="49" charset="0"/>
+                </a:rPr>
+                <a:t>cout</a:t>
+              </a:r>
+              <a:r>
+                <a:rPr lang="pt-BR" sz="1400" dirty="0">
+                  <a:latin typeface="Consolas" panose="020B0609020204030204" pitchFamily="49" charset="0"/>
+                  <a:cs typeface="Consolas" panose="020B0609020204030204" pitchFamily="49" charset="0"/>
+                </a:rPr>
+                <a:t> &lt;&lt; </a:t>
+              </a:r>
+              <a:r>
+                <a:rPr lang="pt-BR" sz="1400" dirty="0">
+                  <a:solidFill>
+                    <a:schemeClr val="accent2">
+                      <a:lumMod val="60000"/>
+                      <a:lumOff val="40000"/>
+                    </a:schemeClr>
+                  </a:solidFill>
+                  <a:latin typeface="Consolas" panose="020B0609020204030204" pitchFamily="49" charset="0"/>
+                  <a:cs typeface="Consolas" panose="020B0609020204030204" pitchFamily="49" charset="0"/>
+                </a:rPr>
+                <a:t>'*'</a:t>
+              </a:r>
+              <a:r>
+                <a:rPr lang="pt-BR" sz="1400" dirty="0">
+                  <a:latin typeface="Consolas" pitchFamily="49" charset="0"/>
+                  <a:cs typeface="Consolas" pitchFamily="49" charset="0"/>
+                </a:rPr>
+                <a:t>;</a:t>
+              </a:r>
+            </a:p>
+            <a:p>
+              <a:pPr>
+                <a:spcAft>
+                  <a:spcPts val="600"/>
+                </a:spcAft>
+              </a:pPr>
+              <a:r>
+                <a:rPr lang="pt-BR" sz="1400" dirty="0">
+                  <a:latin typeface="Consolas" pitchFamily="49" charset="0"/>
+                  <a:cs typeface="Consolas" pitchFamily="49" charset="0"/>
+                </a:rPr>
+                <a:t>   ...</a:t>
+              </a:r>
+            </a:p>
+            <a:p>
+              <a:r>
+                <a:rPr lang="pt-BR" sz="1400" dirty="0">
+                  <a:latin typeface="Consolas" pitchFamily="49" charset="0"/>
+                  <a:cs typeface="Consolas" pitchFamily="49" charset="0"/>
+                </a:rPr>
+                <a:t>   </a:t>
+              </a:r>
+              <a:r>
+                <a:rPr lang="pt-BR" sz="1400" dirty="0">
+                  <a:solidFill>
+                    <a:schemeClr val="accent3">
+                      <a:lumMod val="75000"/>
+                    </a:schemeClr>
+                  </a:solidFill>
+                  <a:latin typeface="Consolas" panose="020B0609020204030204" pitchFamily="49" charset="0"/>
+                  <a:cs typeface="Consolas" panose="020B0609020204030204" pitchFamily="49" charset="0"/>
+                </a:rPr>
+                <a:t>for</a:t>
+              </a:r>
+              <a:r>
+                <a:rPr lang="pt-BR" sz="1400" dirty="0">
+                  <a:latin typeface="Consolas" panose="020B0609020204030204" pitchFamily="49" charset="0"/>
+                  <a:cs typeface="Consolas" panose="020B0609020204030204" pitchFamily="49" charset="0"/>
+                </a:rPr>
+                <a:t> (</a:t>
+              </a:r>
+              <a:r>
+                <a:rPr lang="pt-BR" sz="1400" dirty="0" err="1">
+                  <a:solidFill>
+                    <a:schemeClr val="accent3">
+                      <a:lumMod val="75000"/>
+                    </a:schemeClr>
+                  </a:solidFill>
+                  <a:latin typeface="Consolas" panose="020B0609020204030204" pitchFamily="49" charset="0"/>
+                  <a:cs typeface="Consolas" panose="020B0609020204030204" pitchFamily="49" charset="0"/>
+                </a:rPr>
+                <a:t>int</a:t>
+              </a:r>
+              <a:r>
+                <a:rPr lang="pt-BR" sz="1400" dirty="0">
+                  <a:latin typeface="Consolas" panose="020B0609020204030204" pitchFamily="49" charset="0"/>
+                  <a:cs typeface="Consolas" panose="020B0609020204030204" pitchFamily="49" charset="0"/>
+                </a:rPr>
+                <a:t> i=0; i &lt; 8; ++i)</a:t>
+              </a:r>
+            </a:p>
+            <a:p>
+              <a:r>
+                <a:rPr lang="pt-BR" sz="1400" dirty="0">
+                  <a:latin typeface="Consolas" panose="020B0609020204030204" pitchFamily="49" charset="0"/>
+                  <a:cs typeface="Consolas" panose="020B0609020204030204" pitchFamily="49" charset="0"/>
+                </a:rPr>
+                <a:t>       </a:t>
+              </a:r>
+              <a:r>
+                <a:rPr lang="pt-BR" sz="1400" dirty="0" err="1">
+                  <a:latin typeface="Consolas" panose="020B0609020204030204" pitchFamily="49" charset="0"/>
+                  <a:cs typeface="Consolas" panose="020B0609020204030204" pitchFamily="49" charset="0"/>
+                </a:rPr>
+                <a:t>cout</a:t>
+              </a:r>
+              <a:r>
+                <a:rPr lang="pt-BR" sz="1400" dirty="0">
+                  <a:latin typeface="Consolas" panose="020B0609020204030204" pitchFamily="49" charset="0"/>
+                  <a:cs typeface="Consolas" panose="020B0609020204030204" pitchFamily="49" charset="0"/>
+                </a:rPr>
+                <a:t> &lt;&lt; </a:t>
+              </a:r>
+              <a:r>
+                <a:rPr lang="pt-BR" sz="1400" dirty="0">
+                  <a:solidFill>
+                    <a:schemeClr val="accent2">
+                      <a:lumMod val="60000"/>
+                      <a:lumOff val="40000"/>
+                    </a:schemeClr>
+                  </a:solidFill>
+                  <a:latin typeface="Consolas" panose="020B0609020204030204" pitchFamily="49" charset="0"/>
+                  <a:cs typeface="Consolas" panose="020B0609020204030204" pitchFamily="49" charset="0"/>
+                </a:rPr>
+                <a:t>'='</a:t>
+              </a:r>
+              <a:r>
+                <a:rPr lang="pt-BR" sz="1400" dirty="0">
+                  <a:latin typeface="Consolas" panose="020B0609020204030204" pitchFamily="49" charset="0"/>
+                  <a:cs typeface="Consolas" panose="020B0609020204030204" pitchFamily="49" charset="0"/>
+                </a:rPr>
+                <a:t>;</a:t>
+              </a:r>
+            </a:p>
+            <a:p>
+              <a:r>
+                <a:rPr lang="pt-BR" sz="1400" dirty="0">
+                  <a:latin typeface="Consolas" panose="020B0609020204030204" pitchFamily="49" charset="0"/>
+                  <a:cs typeface="Consolas" panose="020B0609020204030204" pitchFamily="49" charset="0"/>
+                </a:rPr>
+                <a:t>}</a:t>
+              </a:r>
+            </a:p>
+          </p:txBody>
+        </p:sp>
+        <p:sp>
+          <p:nvSpPr>
+            <p:cNvPr id="12" name="Retângulo 11"/>
+            <p:cNvSpPr/>
+            <p:nvPr/>
+          </p:nvSpPr>
+          <p:spPr>
+            <a:xfrm>
+              <a:off x="6668616" y="4145752"/>
+              <a:ext cx="2592288" cy="559333"/>
+            </a:xfrm>
+            <a:prstGeom prst="rect">
+              <a:avLst/>
+            </a:prstGeom>
             <a:noFill/>
-          </a:ln>
-          <a:effectLst/>
-          <a:scene3d>
-            <a:camera prst="orthographicFront">
-              <a:rot lat="0" lon="0" rev="0"/>
-            </a:camera>
-            <a:lightRig rig="chilly" dir="t">
-              <a:rot lat="0" lon="0" rev="18480000"/>
-            </a:lightRig>
-          </a:scene3d>
-          <a:sp3d prstMaterial="clear">
-            <a:bevelT h="63500"/>
-          </a:sp3d>
-        </p:spPr>
-        <p:txBody>
-          <a:bodyPr wrap="square">
-            <a:spAutoFit/>
-          </a:bodyPr>
-          <a:lstStyle/>
-          <a:p>
-            <a:endParaRPr lang="pt-BR" sz="1400" dirty="0">
-              <a:solidFill>
-                <a:schemeClr val="bg1"/>
-              </a:solidFill>
-            </a:endParaRPr>
-          </a:p>
-        </p:txBody>
-      </p:sp>
+            <a:ln w="9525">
+              <a:noFill/>
+            </a:ln>
+            <a:effectLst/>
+          </p:spPr>
+          <p:style>
+            <a:lnRef idx="2">
+              <a:schemeClr val="accent1">
+                <a:shade val="50000"/>
+              </a:schemeClr>
+            </a:lnRef>
+            <a:fillRef idx="1">
+              <a:schemeClr val="accent1"/>
+            </a:fillRef>
+            <a:effectRef idx="0">
+              <a:schemeClr val="accent1"/>
+            </a:effectRef>
+            <a:fontRef idx="minor">
+              <a:schemeClr val="lt1"/>
+            </a:fontRef>
+          </p:style>
+          <p:txBody>
+            <a:bodyPr rtlCol="0" anchor="ctr"/>
+            <a:lstStyle/>
+            <a:p>
+              <a:pPr algn="ctr"/>
+              <a:endParaRPr lang="pt-BR"/>
+            </a:p>
+          </p:txBody>
+        </p:sp>
+      </p:grpSp>
       <p:sp>
         <p:nvSpPr>
-          <p:cNvPr id="17" name="Retângulo 16">
-            <a:extLst>
-              <a:ext uri="{FF2B5EF4-FFF2-40B4-BE49-F238E27FC236}">
-                <a16:creationId xmlns:a16="http://schemas.microsoft.com/office/drawing/2014/main" id="{7D4CDCB9-40FF-4AE1-8B56-54908144C107}"/>
-              </a:ext>
-            </a:extLst>
-          </p:cNvPr>
-          <p:cNvSpPr/>
-          <p:nvPr/>
-        </p:nvSpPr>
-        <p:spPr>
-          <a:xfrm>
-            <a:off x="6659488" y="4813725"/>
-            <a:ext cx="2592288" cy="525223"/>
-          </a:xfrm>
-          <a:prstGeom prst="rect">
-            <a:avLst/>
-          </a:prstGeom>
-          <a:solidFill>
-            <a:schemeClr val="accent3">
-              <a:lumMod val="50000"/>
-            </a:schemeClr>
-          </a:solidFill>
-          <a:ln w="19050">
-            <a:noFill/>
-          </a:ln>
-          <a:effectLst/>
-          <a:scene3d>
-            <a:camera prst="orthographicFront">
-              <a:rot lat="0" lon="0" rev="0"/>
-            </a:camera>
-            <a:lightRig rig="chilly" dir="t">
-              <a:rot lat="0" lon="0" rev="18480000"/>
-            </a:lightRig>
-          </a:scene3d>
-          <a:sp3d prstMaterial="clear">
-            <a:bevelT h="63500"/>
-          </a:sp3d>
-        </p:spPr>
-        <p:txBody>
-          <a:bodyPr wrap="square">
-            <a:spAutoFit/>
-          </a:bodyPr>
-          <a:lstStyle/>
-          <a:p>
-            <a:endParaRPr lang="pt-BR" sz="1400" dirty="0">
-              <a:solidFill>
-                <a:schemeClr val="bg1"/>
-              </a:solidFill>
-            </a:endParaRPr>
-          </a:p>
-        </p:txBody>
-      </p:sp>
-      <p:sp>
-        <p:nvSpPr>
-          <p:cNvPr id="21" name="Retângulo 20">
-            <a:extLst>
-              <a:ext uri="{FF2B5EF4-FFF2-40B4-BE49-F238E27FC236}">
-                <a16:creationId xmlns:a16="http://schemas.microsoft.com/office/drawing/2014/main" id="{29CCB65A-68D4-4797-AB66-95775065EA65}"/>
-              </a:ext>
-            </a:extLst>
-          </p:cNvPr>
-          <p:cNvSpPr/>
-          <p:nvPr/>
-        </p:nvSpPr>
-        <p:spPr>
-          <a:xfrm>
-            <a:off x="6668616" y="5447588"/>
-            <a:ext cx="2592288" cy="525223"/>
-          </a:xfrm>
-          <a:prstGeom prst="rect">
-            <a:avLst/>
-          </a:prstGeom>
-          <a:solidFill>
-            <a:schemeClr val="accent3">
-              <a:lumMod val="50000"/>
-            </a:schemeClr>
-          </a:solidFill>
-          <a:ln w="19050">
-            <a:noFill/>
-          </a:ln>
-          <a:effectLst/>
-          <a:scene3d>
-            <a:camera prst="orthographicFront">
-              <a:rot lat="0" lon="0" rev="0"/>
-            </a:camera>
-            <a:lightRig rig="chilly" dir="t">
-              <a:rot lat="0" lon="0" rev="18480000"/>
-            </a:lightRig>
-          </a:scene3d>
-          <a:sp3d prstMaterial="clear">
-            <a:bevelT h="63500"/>
-          </a:sp3d>
-        </p:spPr>
-        <p:txBody>
-          <a:bodyPr wrap="square">
-            <a:spAutoFit/>
-          </a:bodyPr>
-          <a:lstStyle/>
-          <a:p>
-            <a:endParaRPr lang="pt-BR" sz="1400" dirty="0">
-              <a:solidFill>
-                <a:schemeClr val="bg1"/>
-              </a:solidFill>
-            </a:endParaRPr>
-          </a:p>
-        </p:txBody>
-      </p:sp>
-      <p:sp>
-        <p:nvSpPr>
-          <p:cNvPr id="4" name="Seta: para a Direita 3">
+          <p:cNvPr id="4" name="Seta: para a Direita Listrada 3">
             <a:extLst>
               <a:ext uri="{FF2B5EF4-FFF2-40B4-BE49-F238E27FC236}">
                 <a16:creationId xmlns:a16="http://schemas.microsoft.com/office/drawing/2014/main" id="{440E9925-C39F-4D25-B8E9-848366F11DC6}"/>
@@ -26070,50 +28038,30 @@
         </p:nvSpPr>
         <p:spPr>
           <a:xfrm>
-            <a:off x="5159896" y="4826457"/>
-            <a:ext cx="719636" cy="402743"/>
+            <a:off x="5148706" y="4557030"/>
+            <a:ext cx="719636" cy="648072"/>
           </a:xfrm>
-          <a:prstGeom prst="rightArrow">
+          <a:prstGeom prst="stripedRightArrow">
             <a:avLst/>
           </a:prstGeom>
           <a:solidFill>
             <a:schemeClr val="accent3">
-              <a:lumMod val="50000"/>
+              <a:alpha val="50000"/>
             </a:schemeClr>
           </a:solidFill>
           <a:ln>
             <a:noFill/>
           </a:ln>
-          <a:effectLst>
-            <a:outerShdw blurRad="57785" dist="33020" dir="3180000" algn="ctr">
-              <a:srgbClr val="000000">
-                <a:alpha val="30000"/>
-              </a:srgbClr>
-            </a:outerShdw>
-          </a:effectLst>
-          <a:scene3d>
-            <a:camera prst="orthographicFront">
-              <a:rot lat="0" lon="0" rev="0"/>
-            </a:camera>
-            <a:lightRig rig="brightRoom" dir="t">
-              <a:rot lat="0" lon="0" rev="600000"/>
-            </a:lightRig>
-          </a:scene3d>
-          <a:sp3d prstMaterial="metal">
-            <a:bevelT w="38100" h="57150" prst="angle"/>
-          </a:sp3d>
         </p:spPr>
         <p:style>
-          <a:lnRef idx="2">
-            <a:schemeClr val="accent1">
-              <a:shade val="50000"/>
-            </a:schemeClr>
+          <a:lnRef idx="0">
+            <a:scrgbClr r="0" g="0" b="0"/>
           </a:lnRef>
-          <a:fillRef idx="1">
-            <a:schemeClr val="accent1"/>
+          <a:fillRef idx="0">
+            <a:scrgbClr r="0" g="0" b="0"/>
           </a:fillRef>
           <a:effectRef idx="0">
-            <a:schemeClr val="accent1"/>
+            <a:scrgbClr r="0" g="0" b="0"/>
           </a:effectRef>
           <a:fontRef idx="minor">
             <a:schemeClr val="lt1"/>
@@ -26799,6 +28747,48 @@
           </a:p>
         </p:txBody>
       </p:sp>
+      <p:sp>
+        <p:nvSpPr>
+          <p:cNvPr id="5" name="CaixaDeTexto 4">
+            <a:extLst>
+              <a:ext uri="{FF2B5EF4-FFF2-40B4-BE49-F238E27FC236}">
+                <a16:creationId xmlns:a16="http://schemas.microsoft.com/office/drawing/2014/main" id="{D9C1898F-CEF7-4C1D-BCA6-DEC781C118C9}"/>
+              </a:ext>
+            </a:extLst>
+          </p:cNvPr>
+          <p:cNvSpPr txBox="1"/>
+          <p:nvPr/>
+        </p:nvSpPr>
+        <p:spPr>
+          <a:xfrm rot="16200000">
+            <a:off x="-714272" y="5774776"/>
+            <a:ext cx="1800200" cy="276999"/>
+          </a:xfrm>
+          <a:prstGeom prst="rect">
+            <a:avLst/>
+          </a:prstGeom>
+          <a:noFill/>
+        </p:spPr>
+        <p:txBody>
+          <a:bodyPr wrap="square" rtlCol="0">
+            <a:spAutoFit/>
+          </a:bodyPr>
+          <a:lstStyle/>
+          <a:p>
+            <a:r>
+              <a:rPr lang="pt-BR" sz="1200" dirty="0">
+                <a:solidFill>
+                  <a:schemeClr val="bg2">
+                    <a:lumMod val="50000"/>
+                  </a:schemeClr>
+                </a:solidFill>
+                <a:latin typeface="+mj-lt"/>
+              </a:rPr>
+              <a:t>// Inline.cpp</a:t>
+            </a:r>
+          </a:p>
+        </p:txBody>
+      </p:sp>
     </p:spTree>
     <p:extLst>
       <p:ext uri="{BB962C8B-B14F-4D97-AF65-F5344CB8AC3E}">
@@ -27041,9 +29031,14 @@
           </a:bodyPr>
           <a:lstStyle/>
           <a:p>
+            <a:pPr>
+              <a:spcAft>
+                <a:spcPts val="600"/>
+              </a:spcAft>
+            </a:pPr>
             <a:r>
               <a:rPr lang="pt-BR" dirty="0"/>
-              <a:t>Embora tragam um ganho de desempenho, o </a:t>
+              <a:t>O </a:t>
             </a:r>
             <a:r>
               <a:rPr lang="pt-BR" dirty="0">
@@ -27053,18 +29048,29 @@
                   </a:schemeClr>
                 </a:solidFill>
               </a:rPr>
-              <a:t>uso de funções inline deve ser bem estudado</a:t>
+              <a:t>uso de funções inline </a:t>
             </a:r>
             <a:r>
               <a:rPr lang="pt-BR" dirty="0"/>
-              <a:t>:</a:t>
+              <a:t>deve ser bem estudado:</a:t>
             </a:r>
           </a:p>
           <a:p>
             <a:pPr lvl="1"/>
             <a:r>
               <a:rPr lang="pt-BR" dirty="0"/>
-              <a:t>Provocam o crescimento do código (</a:t>
+              <a:t>Provocam o crescimento do código </a:t>
+            </a:r>
+          </a:p>
+          <a:p>
+            <a:pPr lvl="2">
+              <a:spcAft>
+                <a:spcPts val="1200"/>
+              </a:spcAft>
+            </a:pPr>
+            <a:r>
+              <a:rPr lang="pt-BR" dirty="0"/>
+              <a:t>O que implica em </a:t>
             </a:r>
             <a:r>
               <a:rPr lang="pt-BR" dirty="0">
@@ -27076,56 +29082,51 @@
               </a:rPr>
               <a:t>maior uso de memória</a:t>
             </a:r>
+          </a:p>
+          <a:p>
+            <a:pPr lvl="1"/>
             <a:r>
               <a:rPr lang="pt-BR" dirty="0"/>
-              <a:t>)</a:t>
-            </a:r>
-            <a:endParaRPr lang="pt-BR" dirty="0">
-              <a:solidFill>
-                <a:schemeClr val="accent3">
-                  <a:lumMod val="75000"/>
-                </a:schemeClr>
-              </a:solidFill>
-            </a:endParaRPr>
-          </a:p>
-          <a:p>
-            <a:pPr lvl="1"/>
+              <a:t>Não vale a pena usar para funções:</a:t>
+            </a:r>
+          </a:p>
+          <a:p>
+            <a:pPr lvl="2"/>
+            <a:r>
+              <a:rPr lang="pt-BR" dirty="0">
+                <a:solidFill>
+                  <a:schemeClr val="accent3">
+                    <a:lumMod val="60000"/>
+                    <a:lumOff val="40000"/>
+                  </a:schemeClr>
+                </a:solidFill>
+              </a:rPr>
+              <a:t>Complexas</a:t>
+            </a:r>
             <a:r>
               <a:rPr lang="pt-BR" dirty="0"/>
-              <a:t>Não vale a pena usar inline para funções:</a:t>
-            </a:r>
-          </a:p>
-          <a:p>
-            <a:pPr lvl="2"/>
-            <a:r>
-              <a:rPr lang="pt-BR" dirty="0">
-                <a:solidFill>
-                  <a:schemeClr val="accent3">
-                    <a:lumMod val="75000"/>
-                  </a:schemeClr>
-                </a:solidFill>
-              </a:rPr>
-              <a:t>Complexas</a:t>
-            </a:r>
-            <a:r>
-              <a:rPr lang="pt-BR" dirty="0"/>
-              <a:t>: o custo da chamada é insignificante comparado </a:t>
+              <a:t>: o custo da chamada é insignificante </a:t>
             </a:r>
             <a:br>
               <a:rPr lang="pt-BR" dirty="0"/>
             </a:br>
             <a:r>
               <a:rPr lang="pt-BR" dirty="0"/>
-              <a:t>ao tempo de execução da função</a:t>
-            </a:r>
-          </a:p>
-          <a:p>
-            <a:pPr lvl="2"/>
+              <a:t>comparado ao tempo de execução da função</a:t>
+            </a:r>
+          </a:p>
+          <a:p>
+            <a:pPr lvl="2">
+              <a:spcAft>
+                <a:spcPts val="1200"/>
+              </a:spcAft>
+            </a:pPr>
             <a:r>
               <a:rPr lang="pt-BR" dirty="0">
                 <a:solidFill>
                   <a:schemeClr val="accent3">
-                    <a:lumMod val="75000"/>
+                    <a:lumMod val="60000"/>
+                    <a:lumOff val="40000"/>
                   </a:schemeClr>
                 </a:solidFill>
               </a:rPr>
@@ -27137,6 +29138,7 @@
             </a:r>
           </a:p>
           <a:p>
+            <a:pPr lvl="1"/>
             <a:r>
               <a:rPr lang="pt-BR" dirty="0"/>
               <a:t>Se a função </a:t>
@@ -27153,7 +29155,14 @@
             </a:r>
             <a:r>
               <a:rPr lang="pt-BR" dirty="0"/>
-              <a:t>, ela provavelmente não é boa candidata a ser inline</a:t>
+              <a:t>, ela </a:t>
+            </a:r>
+            <a:br>
+              <a:rPr lang="pt-BR" dirty="0"/>
+            </a:br>
+            <a:r>
+              <a:rPr lang="pt-BR" dirty="0"/>
+              <a:t>provavelmente não é boa candidata a ser inline</a:t>
             </a:r>
           </a:p>
         </p:txBody>
@@ -27205,7 +29214,7 @@
           <a:p>
             <a:r>
               <a:rPr lang="pt-BR" dirty="0"/>
-              <a:t>Funções Inline versus Macros</a:t>
+              <a:t>Funções Inline</a:t>
             </a:r>
           </a:p>
         </p:txBody>
@@ -27245,8 +29254,25 @@
           <a:p>
             <a:pPr lvl="1"/>
             <a:r>
+              <a:rPr lang="pt-BR" dirty="0">
+                <a:solidFill>
+                  <a:schemeClr val="accent3">
+                    <a:lumMod val="75000"/>
+                  </a:schemeClr>
+                </a:solidFill>
+              </a:rPr>
+              <a:t>A linguagem C usa macros </a:t>
+            </a:r>
+            <a:r>
               <a:rPr lang="pt-BR" dirty="0"/>
-              <a:t>A linguagem C usa macros para implementar uma funcionalidade semelhante</a:t>
+              <a:t>para implementar </a:t>
+            </a:r>
+            <a:br>
+              <a:rPr lang="pt-BR" dirty="0"/>
+            </a:br>
+            <a:r>
+              <a:rPr lang="pt-BR" dirty="0"/>
+              <a:t>uma funcionalidade semelhante</a:t>
             </a:r>
           </a:p>
           <a:p>
@@ -27285,6 +29311,10 @@
           <a:p>
             <a:pPr lvl="1"/>
             <a:r>
+              <a:rPr lang="pt-BR" dirty="0"/>
+              <a:t>Em C++ </a:t>
+            </a:r>
+            <a:r>
               <a:rPr lang="pt-BR" dirty="0">
                 <a:solidFill>
                   <a:schemeClr val="accent3">
@@ -27292,11 +29322,18 @@
                   </a:schemeClr>
                 </a:solidFill>
               </a:rPr>
-              <a:t>Em C++ utilize funções inline </a:t>
+              <a:t>recomenda-se utilizar funções inline </a:t>
             </a:r>
             <a:r>
               <a:rPr lang="pt-BR" dirty="0"/>
-              <a:t>no lugar das antigas macros utilizadas na linguagem C</a:t>
+              <a:t>no lugar </a:t>
+            </a:r>
+            <a:br>
+              <a:rPr lang="pt-BR" dirty="0"/>
+            </a:br>
+            <a:r>
+              <a:rPr lang="pt-BR" dirty="0"/>
+              <a:t>das antigas macros utilizadas na linguagem C</a:t>
             </a:r>
           </a:p>
           <a:p>

--- a/Slides/27. Funções Inline e Ponteiros para Funções.pptx
+++ b/Slides/27. Funções Inline e Ponteiros para Funções.pptx
@@ -155,8 +155,7 @@
 <file path=ppt/revisionInfo.xml><?xml version="1.0" encoding="utf-8"?>
 <p1510:revInfo xmlns:a="http://schemas.openxmlformats.org/drawingml/2006/main" xmlns:r="http://schemas.openxmlformats.org/officeDocument/2006/relationships" xmlns:p1510="http://schemas.microsoft.com/office/powerpoint/2015/10/main">
   <p1510:revLst>
-    <p1510:client id="{A3F2EEB0-A777-47D5-8DF7-9D8B3159930C}" v="24" dt="2021-05-09T21:21:58.914"/>
-    <p1510:client id="{B2F5582A-7A04-4B4F-95CE-2948C99C6A22}" v="33" dt="2021-05-10T03:59:07.087"/>
+    <p1510:client id="{2F8BBF27-7521-4E54-BB0E-3DEBF6F6DBDE}" v="7" dt="2021-05-30T17:04:29.821"/>
   </p1510:revLst>
 </p1510:revInfo>
 </file>
@@ -346,6 +345,136 @@
             <ac:cxnSpMk id="53" creationId="{90531047-2901-4EBE-B881-C358DCC35A94}"/>
           </ac:cxnSpMkLst>
         </pc:cxnChg>
+      </pc:sldChg>
+    </pc:docChg>
+  </pc:docChgLst>
+  <pc:docChgLst>
+    <pc:chgData name="Judson Santiago" userId="ebb108da2f256286" providerId="LiveId" clId="{2F8BBF27-7521-4E54-BB0E-3DEBF6F6DBDE}"/>
+    <pc:docChg chg="undo redo custSel modSld">
+      <pc:chgData name="Judson Santiago" userId="ebb108da2f256286" providerId="LiveId" clId="{2F8BBF27-7521-4E54-BB0E-3DEBF6F6DBDE}" dt="2021-05-31T17:12:28.557" v="370" actId="313"/>
+      <pc:docMkLst>
+        <pc:docMk/>
+      </pc:docMkLst>
+      <pc:sldChg chg="modNotesTx">
+        <pc:chgData name="Judson Santiago" userId="ebb108da2f256286" providerId="LiveId" clId="{2F8BBF27-7521-4E54-BB0E-3DEBF6F6DBDE}" dt="2021-05-30T16:42:37.401" v="78" actId="20577"/>
+        <pc:sldMkLst>
+          <pc:docMk/>
+          <pc:sldMk cId="0" sldId="256"/>
+        </pc:sldMkLst>
+      </pc:sldChg>
+      <pc:sldChg chg="addSp delSp modSp mod modAnim">
+        <pc:chgData name="Judson Santiago" userId="ebb108da2f256286" providerId="LiveId" clId="{2F8BBF27-7521-4E54-BB0E-3DEBF6F6DBDE}" dt="2021-05-30T17:09:01.428" v="283" actId="478"/>
+        <pc:sldMkLst>
+          <pc:docMk/>
+          <pc:sldMk cId="500731357" sldId="257"/>
+        </pc:sldMkLst>
+        <pc:spChg chg="add mod ord">
+          <ac:chgData name="Judson Santiago" userId="ebb108da2f256286" providerId="LiveId" clId="{2F8BBF27-7521-4E54-BB0E-3DEBF6F6DBDE}" dt="2021-05-30T17:04:02.455" v="278" actId="171"/>
+          <ac:spMkLst>
+            <pc:docMk/>
+            <pc:sldMk cId="500731357" sldId="257"/>
+            <ac:spMk id="43" creationId="{E7AC3EF5-7BF4-4453-A446-85BA1C5ED550}"/>
+          </ac:spMkLst>
+        </pc:spChg>
+        <pc:spChg chg="mod">
+          <ac:chgData name="Judson Santiago" userId="ebb108da2f256286" providerId="LiveId" clId="{2F8BBF27-7521-4E54-BB0E-3DEBF6F6DBDE}" dt="2021-05-30T17:07:44.741" v="282" actId="1037"/>
+          <ac:spMkLst>
+            <pc:docMk/>
+            <pc:sldMk cId="500731357" sldId="257"/>
+            <ac:spMk id="57" creationId="{00000000-0000-0000-0000-000000000000}"/>
+          </ac:spMkLst>
+        </pc:spChg>
+        <pc:cxnChg chg="del">
+          <ac:chgData name="Judson Santiago" userId="ebb108da2f256286" providerId="LiveId" clId="{2F8BBF27-7521-4E54-BB0E-3DEBF6F6DBDE}" dt="2021-05-30T17:09:01.428" v="283" actId="478"/>
+          <ac:cxnSpMkLst>
+            <pc:docMk/>
+            <pc:sldMk cId="500731357" sldId="257"/>
+            <ac:cxnSpMk id="30" creationId="{00000000-0000-0000-0000-000000000000}"/>
+          </ac:cxnSpMkLst>
+        </pc:cxnChg>
+      </pc:sldChg>
+      <pc:sldChg chg="modSp mod">
+        <pc:chgData name="Judson Santiago" userId="ebb108da2f256286" providerId="LiveId" clId="{2F8BBF27-7521-4E54-BB0E-3DEBF6F6DBDE}" dt="2021-05-31T17:12:28.557" v="370" actId="313"/>
+        <pc:sldMkLst>
+          <pc:docMk/>
+          <pc:sldMk cId="1074425841" sldId="258"/>
+        </pc:sldMkLst>
+        <pc:spChg chg="mod">
+          <ac:chgData name="Judson Santiago" userId="ebb108da2f256286" providerId="LiveId" clId="{2F8BBF27-7521-4E54-BB0E-3DEBF6F6DBDE}" dt="2021-05-31T17:12:28.557" v="370" actId="313"/>
+          <ac:spMkLst>
+            <pc:docMk/>
+            <pc:sldMk cId="1074425841" sldId="258"/>
+            <ac:spMk id="4" creationId="{00000000-0000-0000-0000-000000000000}"/>
+          </ac:spMkLst>
+        </pc:spChg>
+      </pc:sldChg>
+      <pc:sldChg chg="modSp mod">
+        <pc:chgData name="Judson Santiago" userId="ebb108da2f256286" providerId="LiveId" clId="{2F8BBF27-7521-4E54-BB0E-3DEBF6F6DBDE}" dt="2021-05-30T17:14:26.379" v="286" actId="313"/>
+        <pc:sldMkLst>
+          <pc:docMk/>
+          <pc:sldMk cId="3102935535" sldId="259"/>
+        </pc:sldMkLst>
+        <pc:spChg chg="mod">
+          <ac:chgData name="Judson Santiago" userId="ebb108da2f256286" providerId="LiveId" clId="{2F8BBF27-7521-4E54-BB0E-3DEBF6F6DBDE}" dt="2021-05-30T17:14:26.379" v="286" actId="313"/>
+          <ac:spMkLst>
+            <pc:docMk/>
+            <pc:sldMk cId="3102935535" sldId="259"/>
+            <ac:spMk id="11" creationId="{00000000-0000-0000-0000-000000000000}"/>
+          </ac:spMkLst>
+        </pc:spChg>
+      </pc:sldChg>
+      <pc:sldChg chg="modSp mod">
+        <pc:chgData name="Judson Santiago" userId="ebb108da2f256286" providerId="LiveId" clId="{2F8BBF27-7521-4E54-BB0E-3DEBF6F6DBDE}" dt="2021-05-30T17:38:47.386" v="366" actId="20577"/>
+        <pc:sldMkLst>
+          <pc:docMk/>
+          <pc:sldMk cId="3457447810" sldId="269"/>
+        </pc:sldMkLst>
+        <pc:spChg chg="mod">
+          <ac:chgData name="Judson Santiago" userId="ebb108da2f256286" providerId="LiveId" clId="{2F8BBF27-7521-4E54-BB0E-3DEBF6F6DBDE}" dt="2021-05-30T17:38:47.386" v="366" actId="20577"/>
+          <ac:spMkLst>
+            <pc:docMk/>
+            <pc:sldMk cId="3457447810" sldId="269"/>
+            <ac:spMk id="5" creationId="{00000000-0000-0000-0000-000000000000}"/>
+          </ac:spMkLst>
+        </pc:spChg>
+      </pc:sldChg>
+      <pc:sldChg chg="modSp mod">
+        <pc:chgData name="Judson Santiago" userId="ebb108da2f256286" providerId="LiveId" clId="{2F8BBF27-7521-4E54-BB0E-3DEBF6F6DBDE}" dt="2021-05-30T17:46:29.524" v="367" actId="207"/>
+        <pc:sldMkLst>
+          <pc:docMk/>
+          <pc:sldMk cId="2116699984" sldId="275"/>
+        </pc:sldMkLst>
+        <pc:spChg chg="mod">
+          <ac:chgData name="Judson Santiago" userId="ebb108da2f256286" providerId="LiveId" clId="{2F8BBF27-7521-4E54-BB0E-3DEBF6F6DBDE}" dt="2021-05-30T17:46:29.524" v="367" actId="207"/>
+          <ac:spMkLst>
+            <pc:docMk/>
+            <pc:sldMk cId="2116699984" sldId="275"/>
+            <ac:spMk id="4" creationId="{00000000-0000-0000-0000-000000000000}"/>
+          </ac:spMkLst>
+        </pc:spChg>
+      </pc:sldChg>
+      <pc:sldChg chg="modSp mod modNotesTx">
+        <pc:chgData name="Judson Santiago" userId="ebb108da2f256286" providerId="LiveId" clId="{2F8BBF27-7521-4E54-BB0E-3DEBF6F6DBDE}" dt="2021-05-30T16:56:32.989" v="267" actId="20577"/>
+        <pc:sldMkLst>
+          <pc:docMk/>
+          <pc:sldMk cId="3601590107" sldId="282"/>
+        </pc:sldMkLst>
+        <pc:spChg chg="mod">
+          <ac:chgData name="Judson Santiago" userId="ebb108da2f256286" providerId="LiveId" clId="{2F8BBF27-7521-4E54-BB0E-3DEBF6F6DBDE}" dt="2021-05-30T16:48:04.208" v="81" actId="207"/>
+          <ac:spMkLst>
+            <pc:docMk/>
+            <pc:sldMk cId="3601590107" sldId="282"/>
+            <ac:spMk id="5" creationId="{4E28303F-1C1F-4A7F-92CC-8A0B0B31EC5D}"/>
+          </ac:spMkLst>
+        </pc:spChg>
+        <pc:spChg chg="mod">
+          <ac:chgData name="Judson Santiago" userId="ebb108da2f256286" providerId="LiveId" clId="{2F8BBF27-7521-4E54-BB0E-3DEBF6F6DBDE}" dt="2021-05-30T16:48:04.208" v="81" actId="207"/>
+          <ac:spMkLst>
+            <pc:docMk/>
+            <pc:sldMk cId="3601590107" sldId="282"/>
+            <ac:spMk id="6" creationId="{51F3A0CC-D772-43E3-B396-C19226F5CEB8}"/>
+          </ac:spMkLst>
+        </pc:spChg>
       </pc:sldChg>
     </pc:docChg>
   </pc:docChgLst>
@@ -3338,7 +3467,7 @@
             <a:fld id="{C316FC6E-831B-4C5E-8751-6BBED6FFBE8E}" type="datetimeFigureOut">
               <a:rPr lang="pt-BR" smtClean="0"/>
               <a:pPr/>
-              <a:t>10/05/2021</a:t>
+              <a:t>31/05/2021</a:t>
             </a:fld>
             <a:endParaRPr lang="pt-BR"/>
           </a:p>
@@ -3652,6 +3781,116 @@
           <a:bodyPr/>
           <a:lstStyle/>
           <a:p>
+            <a:pPr marL="171450" indent="-171450">
+              <a:buFontTx/>
+              <a:buChar char="-"/>
+            </a:pPr>
+            <a:r>
+              <a:rPr lang="pt-BR" b="0" i="0" dirty="0">
+                <a:solidFill>
+                  <a:srgbClr val="000000"/>
+                </a:solidFill>
+                <a:effectLst/>
+                <a:latin typeface="Verdana" panose="020B0604030504040204" pitchFamily="34" charset="0"/>
+              </a:rPr>
+              <a:t>Entender o custo de chamada de uma função</a:t>
+            </a:r>
+          </a:p>
+          <a:p>
+            <a:pPr marL="171450" indent="-171450">
+              <a:buFontTx/>
+              <a:buChar char="-"/>
+            </a:pPr>
+            <a:r>
+              <a:rPr lang="pt-BR" b="0" i="0" dirty="0">
+                <a:solidFill>
+                  <a:srgbClr val="000000"/>
+                </a:solidFill>
+                <a:effectLst/>
+                <a:latin typeface="Verdana" panose="020B0604030504040204" pitchFamily="34" charset="0"/>
+              </a:rPr>
+              <a:t>Funções Inline</a:t>
+            </a:r>
+          </a:p>
+          <a:p>
+            <a:pPr marL="171450" indent="-171450">
+              <a:buFontTx/>
+              <a:buChar char="-"/>
+            </a:pPr>
+            <a:r>
+              <a:rPr lang="pt-BR" b="0" i="0" dirty="0">
+                <a:solidFill>
+                  <a:srgbClr val="000000"/>
+                </a:solidFill>
+                <a:effectLst/>
+                <a:latin typeface="Verdana" panose="020B0604030504040204" pitchFamily="34" charset="0"/>
+              </a:rPr>
+              <a:t>Obter o endereço de uma função</a:t>
+            </a:r>
+          </a:p>
+          <a:p>
+            <a:pPr marL="171450" indent="-171450">
+              <a:buFontTx/>
+              <a:buChar char="-"/>
+            </a:pPr>
+            <a:r>
+              <a:rPr lang="pt-BR" b="0" i="0" dirty="0">
+                <a:solidFill>
+                  <a:srgbClr val="000000"/>
+                </a:solidFill>
+                <a:effectLst/>
+                <a:latin typeface="Verdana" panose="020B0604030504040204" pitchFamily="34" charset="0"/>
+              </a:rPr>
+              <a:t>Criar ponteiros para funções</a:t>
+            </a:r>
+          </a:p>
+          <a:p>
+            <a:pPr marL="171450" indent="-171450">
+              <a:buFontTx/>
+              <a:buChar char="-"/>
+            </a:pPr>
+            <a:r>
+              <a:rPr lang="pt-BR" b="0" i="0" dirty="0">
+                <a:solidFill>
+                  <a:srgbClr val="000000"/>
+                </a:solidFill>
+                <a:effectLst/>
+                <a:latin typeface="Verdana" panose="020B0604030504040204" pitchFamily="34" charset="0"/>
+              </a:rPr>
+              <a:t>Passar o endereço de funções para outras funções</a:t>
+            </a:r>
+          </a:p>
+          <a:p>
+            <a:pPr marL="171450" indent="-171450">
+              <a:buFontTx/>
+              <a:buChar char="-"/>
+            </a:pPr>
+            <a:r>
+              <a:rPr lang="pt-BR" b="0" i="0" dirty="0">
+                <a:solidFill>
+                  <a:srgbClr val="000000"/>
+                </a:solidFill>
+                <a:effectLst/>
+                <a:latin typeface="Verdana" panose="020B0604030504040204" pitchFamily="34" charset="0"/>
+              </a:rPr>
+              <a:t>Criar vetores de ponteiros para funções</a:t>
+            </a:r>
+          </a:p>
+          <a:p>
+            <a:pPr marL="171450" indent="-171450">
+              <a:buFontTx/>
+              <a:buChar char="-"/>
+            </a:pPr>
+            <a:r>
+              <a:rPr lang="pt-BR" b="0" i="0" dirty="0">
+                <a:solidFill>
+                  <a:srgbClr val="000000"/>
+                </a:solidFill>
+                <a:effectLst/>
+                <a:latin typeface="Verdana" panose="020B0604030504040204" pitchFamily="34" charset="0"/>
+              </a:rPr>
+              <a:t>Aplicações de ponteiros para funções</a:t>
+            </a:r>
             <a:endParaRPr lang="pt-BR" dirty="0"/>
           </a:p>
         </p:txBody>
@@ -3674,7 +3913,7 @@
             <a:fld id="{0CCBE35C-FFF7-45E7-A1F3-86D06533C3F2}" type="slidenum">
               <a:rPr lang="pt-BR" smtClean="0"/>
               <a:pPr/>
-              <a:t>3</a:t>
+              <a:t>1</a:t>
             </a:fld>
             <a:endParaRPr lang="pt-BR"/>
           </a:p>
@@ -3683,7 +3922,7 @@
     </p:spTree>
     <p:extLst>
       <p:ext uri="{BB962C8B-B14F-4D97-AF65-F5344CB8AC3E}">
-        <p14:creationId xmlns:p14="http://schemas.microsoft.com/office/powerpoint/2010/main" val="1712235145"/>
+        <p14:creationId xmlns:p14="http://schemas.microsoft.com/office/powerpoint/2010/main" val="1228330429"/>
       </p:ext>
     </p:extLst>
   </p:cSld>
@@ -3737,7 +3976,66 @@
           <a:bodyPr/>
           <a:lstStyle/>
           <a:p>
-            <a:endParaRPr lang="pt-BR" dirty="0"/>
+            <a:r>
+              <a:rPr lang="pt-BR" dirty="0"/>
+              <a:t>.</a:t>
+            </a:r>
+            <a:r>
+              <a:rPr lang="pt-BR" dirty="0" err="1"/>
+              <a:t>stack</a:t>
+            </a:r>
+            <a:r>
+              <a:rPr lang="pt-BR" dirty="0"/>
+              <a:t> = variáveis locais</a:t>
+            </a:r>
+          </a:p>
+          <a:p>
+            <a:r>
+              <a:rPr lang="pt-BR" dirty="0"/>
+              <a:t>.</a:t>
+            </a:r>
+            <a:r>
+              <a:rPr lang="pt-BR" dirty="0" err="1"/>
+              <a:t>head</a:t>
+            </a:r>
+            <a:r>
+              <a:rPr lang="pt-BR" dirty="0"/>
+              <a:t> = alocação dinâmica</a:t>
+            </a:r>
+          </a:p>
+          <a:p>
+            <a:r>
+              <a:rPr lang="pt-BR" dirty="0"/>
+              <a:t>.</a:t>
+            </a:r>
+            <a:r>
+              <a:rPr lang="pt-BR" dirty="0" err="1"/>
+              <a:t>bss</a:t>
+            </a:r>
+            <a:r>
+              <a:rPr lang="pt-BR" dirty="0"/>
+              <a:t> = globais não inicializados (recebem zero)</a:t>
+            </a:r>
+          </a:p>
+          <a:p>
+            <a:r>
+              <a:rPr lang="pt-BR" dirty="0"/>
+              <a:t>.data = globais inicializados</a:t>
+            </a:r>
+          </a:p>
+          <a:p>
+            <a:r>
+              <a:rPr lang="pt-BR" dirty="0"/>
+              <a:t>.</a:t>
+            </a:r>
+            <a:r>
+              <a:rPr lang="pt-BR" dirty="0" err="1"/>
+              <a:t>rodata</a:t>
+            </a:r>
+            <a:r>
+              <a:rPr lang="pt-BR" dirty="0"/>
+              <a:t> = constantes inicializadas</a:t>
+            </a:r>
           </a:p>
         </p:txBody>
       </p:sp>
@@ -3748,7 +4046,7 @@
             <a:spLocks noGrp="1"/>
           </p:cNvSpPr>
           <p:nvPr>
-            <p:ph type="sldNum" sz="quarter" idx="10"/>
+            <p:ph type="sldNum" sz="quarter" idx="5"/>
           </p:nvPr>
         </p:nvSpPr>
         <p:spPr/>
@@ -3756,10 +4054,10 @@
           <a:bodyPr/>
           <a:lstStyle/>
           <a:p>
-            <a:fld id="{EF334A8D-C5BE-432D-90D0-92D67DD437AB}" type="slidenum">
+            <a:fld id="{0CCBE35C-FFF7-45E7-A1F3-86D06533C3F2}" type="slidenum">
               <a:rPr lang="pt-BR" smtClean="0"/>
               <a:pPr/>
-              <a:t>6</a:t>
+              <a:t>2</a:t>
             </a:fld>
             <a:endParaRPr lang="pt-BR"/>
           </a:p>
@@ -3768,7 +4066,7 @@
     </p:spTree>
     <p:extLst>
       <p:ext uri="{BB962C8B-B14F-4D97-AF65-F5344CB8AC3E}">
-        <p14:creationId xmlns:p14="http://schemas.microsoft.com/office/powerpoint/2010/main" val="795565835"/>
+        <p14:creationId xmlns:p14="http://schemas.microsoft.com/office/powerpoint/2010/main" val="2827479898"/>
       </p:ext>
     </p:extLst>
   </p:cSld>
@@ -3797,7 +4095,7 @@
       </p:grpSpPr>
       <p:sp>
         <p:nvSpPr>
-          <p:cNvPr id="2" name="Slide Image Placeholder 1"/>
+          <p:cNvPr id="2" name="Espaço Reservado para Imagem de Slide 1"/>
           <p:cNvSpPr>
             <a:spLocks noGrp="1" noRot="1" noChangeAspect="1"/>
           </p:cNvSpPr>
@@ -3809,7 +4107,7 @@
       </p:sp>
       <p:sp>
         <p:nvSpPr>
-          <p:cNvPr id="3" name="Notes Placeholder 2"/>
+          <p:cNvPr id="3" name="Espaço Reservado para Anotações 2"/>
           <p:cNvSpPr>
             <a:spLocks noGrp="1"/>
           </p:cNvSpPr>
@@ -3822,35 +4120,18 @@
           <a:bodyPr/>
           <a:lstStyle/>
           <a:p>
-            <a:pPr marL="0" marR="0" indent="0" algn="l" defTabSz="914400" rtl="0" eaLnBrk="1" fontAlgn="auto" latinLnBrk="0" hangingPunct="1">
-              <a:lnSpc>
-                <a:spcPct val="100000"/>
-              </a:lnSpc>
-              <a:spcBef>
-                <a:spcPts val="0"/>
-              </a:spcBef>
-              <a:spcAft>
-                <a:spcPts val="0"/>
-              </a:spcAft>
-              <a:buClrTx/>
-              <a:buSzTx/>
-              <a:buFontTx/>
-              <a:buNone/>
-              <a:tabLst/>
-              <a:defRPr/>
-            </a:pPr>
             <a:endParaRPr lang="pt-BR" dirty="0"/>
           </a:p>
         </p:txBody>
       </p:sp>
       <p:sp>
         <p:nvSpPr>
-          <p:cNvPr id="4" name="Slide Number Placeholder 3"/>
+          <p:cNvPr id="4" name="Espaço Reservado para Número de Slide 3"/>
           <p:cNvSpPr>
             <a:spLocks noGrp="1"/>
           </p:cNvSpPr>
           <p:nvPr>
-            <p:ph type="sldNum" sz="quarter" idx="10"/>
+            <p:ph type="sldNum" sz="quarter" idx="5"/>
           </p:nvPr>
         </p:nvSpPr>
         <p:spPr/>
@@ -3858,9 +4139,10 @@
           <a:bodyPr/>
           <a:lstStyle/>
           <a:p>
-            <a:fld id="{ACCF24EA-9011-483C-A154-B5963EC9E1FC}" type="slidenum">
+            <a:fld id="{0CCBE35C-FFF7-45E7-A1F3-86D06533C3F2}" type="slidenum">
               <a:rPr lang="pt-BR" smtClean="0"/>
-              <a:t>9</a:t>
+              <a:pPr/>
+              <a:t>3</a:t>
             </a:fld>
             <a:endParaRPr lang="pt-BR"/>
           </a:p>
@@ -3869,7 +4151,7 @@
     </p:spTree>
     <p:extLst>
       <p:ext uri="{BB962C8B-B14F-4D97-AF65-F5344CB8AC3E}">
-        <p14:creationId xmlns:p14="http://schemas.microsoft.com/office/powerpoint/2010/main" val="1259717453"/>
+        <p14:creationId xmlns:p14="http://schemas.microsoft.com/office/powerpoint/2010/main" val="1712235145"/>
       </p:ext>
     </p:extLst>
   </p:cSld>
@@ -3934,7 +4216,7 @@
             <a:spLocks noGrp="1"/>
           </p:cNvSpPr>
           <p:nvPr>
-            <p:ph type="sldNum" sz="quarter" idx="5"/>
+            <p:ph type="sldNum" sz="quarter" idx="10"/>
           </p:nvPr>
         </p:nvSpPr>
         <p:spPr/>
@@ -3942,10 +4224,10 @@
           <a:bodyPr/>
           <a:lstStyle/>
           <a:p>
-            <a:fld id="{0CCBE35C-FFF7-45E7-A1F3-86D06533C3F2}" type="slidenum">
+            <a:fld id="{EF334A8D-C5BE-432D-90D0-92D67DD437AB}" type="slidenum">
               <a:rPr lang="pt-BR" smtClean="0"/>
               <a:pPr/>
-              <a:t>10</a:t>
+              <a:t>6</a:t>
             </a:fld>
             <a:endParaRPr lang="pt-BR"/>
           </a:p>
@@ -3954,7 +4236,7 @@
     </p:spTree>
     <p:extLst>
       <p:ext uri="{BB962C8B-B14F-4D97-AF65-F5344CB8AC3E}">
-        <p14:creationId xmlns:p14="http://schemas.microsoft.com/office/powerpoint/2010/main" val="965596075"/>
+        <p14:creationId xmlns:p14="http://schemas.microsoft.com/office/powerpoint/2010/main" val="795565835"/>
       </p:ext>
     </p:extLst>
   </p:cSld>
@@ -3983,7 +4265,7 @@
       </p:grpSpPr>
       <p:sp>
         <p:nvSpPr>
-          <p:cNvPr id="2" name="Espaço Reservado para Imagem de Slide 1"/>
+          <p:cNvPr id="2" name="Slide Image Placeholder 1"/>
           <p:cNvSpPr>
             <a:spLocks noGrp="1" noRot="1" noChangeAspect="1"/>
           </p:cNvSpPr>
@@ -3995,7 +4277,7 @@
       </p:sp>
       <p:sp>
         <p:nvSpPr>
-          <p:cNvPr id="3" name="Espaço Reservado para Anotações 2"/>
+          <p:cNvPr id="3" name="Notes Placeholder 2"/>
           <p:cNvSpPr>
             <a:spLocks noGrp="1"/>
           </p:cNvSpPr>
@@ -4008,21 +4290,30 @@
           <a:bodyPr/>
           <a:lstStyle/>
           <a:p>
-            <a:r>
-              <a:rPr lang="pt-BR" dirty="0"/>
-              <a:t>O</a:t>
-            </a:r>
-            <a:r>
-              <a:rPr lang="pt-BR" baseline="0" dirty="0"/>
-              <a:t> operador de indireção não faz sentido para funções, então ele retorna o próprio endereço da função.</a:t>
-            </a:r>
+            <a:pPr marL="0" marR="0" indent="0" algn="l" defTabSz="914400" rtl="0" eaLnBrk="1" fontAlgn="auto" latinLnBrk="0" hangingPunct="1">
+              <a:lnSpc>
+                <a:spcPct val="100000"/>
+              </a:lnSpc>
+              <a:spcBef>
+                <a:spcPts val="0"/>
+              </a:spcBef>
+              <a:spcAft>
+                <a:spcPts val="0"/>
+              </a:spcAft>
+              <a:buClrTx/>
+              <a:buSzTx/>
+              <a:buFontTx/>
+              <a:buNone/>
+              <a:tabLst/>
+              <a:defRPr/>
+            </a:pPr>
             <a:endParaRPr lang="pt-BR" dirty="0"/>
           </a:p>
         </p:txBody>
       </p:sp>
       <p:sp>
         <p:nvSpPr>
-          <p:cNvPr id="4" name="Espaço Reservado para Número de Slide 3"/>
+          <p:cNvPr id="4" name="Slide Number Placeholder 3"/>
           <p:cNvSpPr>
             <a:spLocks noGrp="1"/>
           </p:cNvSpPr>
@@ -4035,10 +4326,9 @@
           <a:bodyPr/>
           <a:lstStyle/>
           <a:p>
-            <a:fld id="{0CCBE35C-FFF7-45E7-A1F3-86D06533C3F2}" type="slidenum">
+            <a:fld id="{ACCF24EA-9011-483C-A154-B5963EC9E1FC}" type="slidenum">
               <a:rPr lang="pt-BR" smtClean="0"/>
-              <a:pPr/>
-              <a:t>18</a:t>
+              <a:t>9</a:t>
             </a:fld>
             <a:endParaRPr lang="pt-BR"/>
           </a:p>
@@ -4047,7 +4337,7 @@
     </p:spTree>
     <p:extLst>
       <p:ext uri="{BB962C8B-B14F-4D97-AF65-F5344CB8AC3E}">
-        <p14:creationId xmlns:p14="http://schemas.microsoft.com/office/powerpoint/2010/main" val="3081654118"/>
+        <p14:creationId xmlns:p14="http://schemas.microsoft.com/office/powerpoint/2010/main" val="1259717453"/>
       </p:ext>
     </p:extLst>
   </p:cSld>
@@ -4101,18 +4391,100 @@
           <a:bodyPr/>
           <a:lstStyle/>
           <a:p>
+            <a:endParaRPr lang="pt-BR" dirty="0"/>
+          </a:p>
+        </p:txBody>
+      </p:sp>
+      <p:sp>
+        <p:nvSpPr>
+          <p:cNvPr id="4" name="Espaço Reservado para Número de Slide 3"/>
+          <p:cNvSpPr>
+            <a:spLocks noGrp="1"/>
+          </p:cNvSpPr>
+          <p:nvPr>
+            <p:ph type="sldNum" sz="quarter" idx="5"/>
+          </p:nvPr>
+        </p:nvSpPr>
+        <p:spPr/>
+        <p:txBody>
+          <a:bodyPr/>
+          <a:lstStyle/>
+          <a:p>
+            <a:fld id="{0CCBE35C-FFF7-45E7-A1F3-86D06533C3F2}" type="slidenum">
+              <a:rPr lang="pt-BR" smtClean="0"/>
+              <a:pPr/>
+              <a:t>10</a:t>
+            </a:fld>
+            <a:endParaRPr lang="pt-BR"/>
+          </a:p>
+        </p:txBody>
+      </p:sp>
+    </p:spTree>
+    <p:extLst>
+      <p:ext uri="{BB962C8B-B14F-4D97-AF65-F5344CB8AC3E}">
+        <p14:creationId xmlns:p14="http://schemas.microsoft.com/office/powerpoint/2010/main" val="965596075"/>
+      </p:ext>
+    </p:extLst>
+  </p:cSld>
+  <p:clrMapOvr>
+    <a:masterClrMapping/>
+  </p:clrMapOvr>
+</p:notes>
+</file>
+
+<file path=ppt/notesSlides/notesSlide7.xml><?xml version="1.0" encoding="utf-8"?>
+<p:notes xmlns:a="http://schemas.openxmlformats.org/drawingml/2006/main" xmlns:r="http://schemas.openxmlformats.org/officeDocument/2006/relationships" xmlns:p="http://schemas.openxmlformats.org/presentationml/2006/main">
+  <p:cSld>
+    <p:spTree>
+      <p:nvGrpSpPr>
+        <p:cNvPr id="1" name=""/>
+        <p:cNvGrpSpPr/>
+        <p:nvPr/>
+      </p:nvGrpSpPr>
+      <p:grpSpPr>
+        <a:xfrm>
+          <a:off x="0" y="0"/>
+          <a:ext cx="0" cy="0"/>
+          <a:chOff x="0" y="0"/>
+          <a:chExt cx="0" cy="0"/>
+        </a:xfrm>
+      </p:grpSpPr>
+      <p:sp>
+        <p:nvSpPr>
+          <p:cNvPr id="2" name="Espaço Reservado para Imagem de Slide 1"/>
+          <p:cNvSpPr>
+            <a:spLocks noGrp="1" noRot="1" noChangeAspect="1"/>
+          </p:cNvSpPr>
+          <p:nvPr>
+            <p:ph type="sldImg"/>
+          </p:nvPr>
+        </p:nvSpPr>
+        <p:spPr/>
+      </p:sp>
+      <p:sp>
+        <p:nvSpPr>
+          <p:cNvPr id="3" name="Espaço Reservado para Anotações 2"/>
+          <p:cNvSpPr>
+            <a:spLocks noGrp="1"/>
+          </p:cNvSpPr>
+          <p:nvPr>
+            <p:ph type="body" idx="1"/>
+          </p:nvPr>
+        </p:nvSpPr>
+        <p:spPr/>
+        <p:txBody>
+          <a:bodyPr/>
+          <a:lstStyle/>
+          <a:p>
             <a:r>
               <a:rPr lang="pt-BR" dirty="0"/>
-              <a:t>Supondo que v é um vetor de 5 </a:t>
-            </a:r>
-            <a:r>
-              <a:rPr lang="pt-BR" dirty="0" err="1"/>
-              <a:t>doubles</a:t>
-            </a:r>
-            <a:r>
-              <a:rPr lang="pt-BR" dirty="0"/>
-              <a:t>.</a:t>
-            </a:r>
+              <a:t>O</a:t>
+            </a:r>
+            <a:r>
+              <a:rPr lang="pt-BR" baseline="0" dirty="0"/>
+              <a:t> operador de indireção não faz sentido para funções, então ele retorna o próprio endereço da função.</a:t>
+            </a:r>
+            <a:endParaRPr lang="pt-BR" dirty="0"/>
           </a:p>
         </p:txBody>
       </p:sp>
@@ -4134,6 +4506,102 @@
             <a:fld id="{0CCBE35C-FFF7-45E7-A1F3-86D06533C3F2}" type="slidenum">
               <a:rPr lang="pt-BR" smtClean="0"/>
               <a:pPr/>
+              <a:t>18</a:t>
+            </a:fld>
+            <a:endParaRPr lang="pt-BR"/>
+          </a:p>
+        </p:txBody>
+      </p:sp>
+    </p:spTree>
+    <p:extLst>
+      <p:ext uri="{BB962C8B-B14F-4D97-AF65-F5344CB8AC3E}">
+        <p14:creationId xmlns:p14="http://schemas.microsoft.com/office/powerpoint/2010/main" val="3081654118"/>
+      </p:ext>
+    </p:extLst>
+  </p:cSld>
+  <p:clrMapOvr>
+    <a:masterClrMapping/>
+  </p:clrMapOvr>
+</p:notes>
+</file>
+
+<file path=ppt/notesSlides/notesSlide8.xml><?xml version="1.0" encoding="utf-8"?>
+<p:notes xmlns:a="http://schemas.openxmlformats.org/drawingml/2006/main" xmlns:r="http://schemas.openxmlformats.org/officeDocument/2006/relationships" xmlns:p="http://schemas.openxmlformats.org/presentationml/2006/main">
+  <p:cSld>
+    <p:spTree>
+      <p:nvGrpSpPr>
+        <p:cNvPr id="1" name=""/>
+        <p:cNvGrpSpPr/>
+        <p:nvPr/>
+      </p:nvGrpSpPr>
+      <p:grpSpPr>
+        <a:xfrm>
+          <a:off x="0" y="0"/>
+          <a:ext cx="0" cy="0"/>
+          <a:chOff x="0" y="0"/>
+          <a:chExt cx="0" cy="0"/>
+        </a:xfrm>
+      </p:grpSpPr>
+      <p:sp>
+        <p:nvSpPr>
+          <p:cNvPr id="2" name="Espaço Reservado para Imagem de Slide 1"/>
+          <p:cNvSpPr>
+            <a:spLocks noGrp="1" noRot="1" noChangeAspect="1"/>
+          </p:cNvSpPr>
+          <p:nvPr>
+            <p:ph type="sldImg"/>
+          </p:nvPr>
+        </p:nvSpPr>
+        <p:spPr/>
+      </p:sp>
+      <p:sp>
+        <p:nvSpPr>
+          <p:cNvPr id="3" name="Espaço Reservado para Anotações 2"/>
+          <p:cNvSpPr>
+            <a:spLocks noGrp="1"/>
+          </p:cNvSpPr>
+          <p:nvPr>
+            <p:ph type="body" idx="1"/>
+          </p:nvPr>
+        </p:nvSpPr>
+        <p:spPr/>
+        <p:txBody>
+          <a:bodyPr/>
+          <a:lstStyle/>
+          <a:p>
+            <a:r>
+              <a:rPr lang="pt-BR" dirty="0"/>
+              <a:t>Supondo que v é um vetor de 5 </a:t>
+            </a:r>
+            <a:r>
+              <a:rPr lang="pt-BR" dirty="0" err="1"/>
+              <a:t>doubles</a:t>
+            </a:r>
+            <a:r>
+              <a:rPr lang="pt-BR" dirty="0"/>
+              <a:t>.</a:t>
+            </a:r>
+          </a:p>
+        </p:txBody>
+      </p:sp>
+      <p:sp>
+        <p:nvSpPr>
+          <p:cNvPr id="4" name="Espaço Reservado para Número de Slide 3"/>
+          <p:cNvSpPr>
+            <a:spLocks noGrp="1"/>
+          </p:cNvSpPr>
+          <p:nvPr>
+            <p:ph type="sldNum" sz="quarter" idx="10"/>
+          </p:nvPr>
+        </p:nvSpPr>
+        <p:spPr/>
+        <p:txBody>
+          <a:bodyPr/>
+          <a:lstStyle/>
+          <a:p>
+            <a:fld id="{0CCBE35C-FFF7-45E7-A1F3-86D06533C3F2}" type="slidenum">
+              <a:rPr lang="pt-BR" smtClean="0"/>
+              <a:pPr/>
               <a:t>24</a:t>
             </a:fld>
             <a:endParaRPr lang="pt-BR"/>
@@ -4153,7 +4621,7 @@
 </p:notes>
 </file>
 
-<file path=ppt/notesSlides/notesSlide7.xml><?xml version="1.0" encoding="utf-8"?>
+<file path=ppt/notesSlides/notesSlide9.xml><?xml version="1.0" encoding="utf-8"?>
 <p:notes xmlns:a="http://schemas.openxmlformats.org/drawingml/2006/main" xmlns:r="http://schemas.openxmlformats.org/officeDocument/2006/relationships" xmlns:p="http://schemas.openxmlformats.org/presentationml/2006/main">
   <p:cSld>
     <p:spTree>
@@ -4340,7 +4808,7 @@
             <a:fld id="{D7C55EEC-0318-498A-BF02-D605D7177864}" type="datetimeFigureOut">
               <a:rPr lang="pt-BR" smtClean="0"/>
               <a:pPr/>
-              <a:t>10/05/2021</a:t>
+              <a:t>31/05/2021</a:t>
             </a:fld>
             <a:endParaRPr lang="pt-BR"/>
           </a:p>
@@ -4895,7 +5363,7 @@
             <a:fld id="{D7C55EEC-0318-498A-BF02-D605D7177864}" type="datetimeFigureOut">
               <a:rPr lang="pt-BR" smtClean="0"/>
               <a:pPr/>
-              <a:t>10/05/2021</a:t>
+              <a:t>31/05/2021</a:t>
             </a:fld>
             <a:endParaRPr lang="pt-BR"/>
           </a:p>
@@ -5072,7 +5540,7 @@
             <a:fld id="{D7C55EEC-0318-498A-BF02-D605D7177864}" type="datetimeFigureOut">
               <a:rPr lang="pt-BR" smtClean="0"/>
               <a:pPr/>
-              <a:t>10/05/2021</a:t>
+              <a:t>31/05/2021</a:t>
             </a:fld>
             <a:endParaRPr lang="pt-BR"/>
           </a:p>
@@ -5239,7 +5707,7 @@
             <a:fld id="{D7C55EEC-0318-498A-BF02-D605D7177864}" type="datetimeFigureOut">
               <a:rPr lang="pt-BR" smtClean="0"/>
               <a:pPr/>
-              <a:t>10/05/2021</a:t>
+              <a:t>31/05/2021</a:t>
             </a:fld>
             <a:endParaRPr lang="pt-BR"/>
           </a:p>
@@ -6688,7 +7156,7 @@
             <a:fld id="{D7C55EEC-0318-498A-BF02-D605D7177864}" type="datetimeFigureOut">
               <a:rPr lang="pt-BR" smtClean="0"/>
               <a:pPr/>
-              <a:t>10/05/2021</a:t>
+              <a:t>31/05/2021</a:t>
             </a:fld>
             <a:endParaRPr lang="pt-BR"/>
           </a:p>
@@ -7270,7 +7738,7 @@
             <a:fld id="{D7C55EEC-0318-498A-BF02-D605D7177864}" type="datetimeFigureOut">
               <a:rPr lang="pt-BR" smtClean="0"/>
               <a:pPr/>
-              <a:t>10/05/2021</a:t>
+              <a:t>31/05/2021</a:t>
             </a:fld>
             <a:endParaRPr lang="pt-BR"/>
           </a:p>
@@ -7701,7 +8169,7 @@
             <a:fld id="{D7C55EEC-0318-498A-BF02-D605D7177864}" type="datetimeFigureOut">
               <a:rPr lang="pt-BR" smtClean="0"/>
               <a:pPr/>
-              <a:t>10/05/2021</a:t>
+              <a:t>31/05/2021</a:t>
             </a:fld>
             <a:endParaRPr lang="pt-BR"/>
           </a:p>
@@ -8240,7 +8708,7 @@
             <a:fld id="{D7C55EEC-0318-498A-BF02-D605D7177864}" type="datetimeFigureOut">
               <a:rPr lang="pt-BR" smtClean="0"/>
               <a:pPr/>
-              <a:t>10/05/2021</a:t>
+              <a:t>31/05/2021</a:t>
             </a:fld>
             <a:endParaRPr lang="pt-BR"/>
           </a:p>
@@ -8332,7 +8800,7 @@
             <a:fld id="{D7C55EEC-0318-498A-BF02-D605D7177864}" type="datetimeFigureOut">
               <a:rPr lang="pt-BR" smtClean="0"/>
               <a:pPr/>
-              <a:t>10/05/2021</a:t>
+              <a:t>31/05/2021</a:t>
             </a:fld>
             <a:endParaRPr lang="pt-BR"/>
           </a:p>
@@ -8582,7 +9050,7 @@
             <a:fld id="{D7C55EEC-0318-498A-BF02-D605D7177864}" type="datetimeFigureOut">
               <a:rPr lang="pt-BR" smtClean="0"/>
               <a:pPr/>
-              <a:t>10/05/2021</a:t>
+              <a:t>31/05/2021</a:t>
             </a:fld>
             <a:endParaRPr lang="pt-BR"/>
           </a:p>
@@ -9297,7 +9765,7 @@
             <a:fld id="{D7C55EEC-0318-498A-BF02-D605D7177864}" type="datetimeFigureOut">
               <a:rPr lang="pt-BR" smtClean="0"/>
               <a:pPr/>
-              <a:t>10/05/2021</a:t>
+              <a:t>31/05/2021</a:t>
             </a:fld>
             <a:endParaRPr lang="pt-BR"/>
           </a:p>
@@ -9578,7 +10046,7 @@
             <a:fld id="{D7C55EEC-0318-498A-BF02-D605D7177864}" type="datetimeFigureOut">
               <a:rPr lang="pt-BR" smtClean="0"/>
               <a:pPr/>
-              <a:t>10/05/2021</a:t>
+              <a:t>31/05/2021</a:t>
             </a:fld>
             <a:endParaRPr lang="pt-BR"/>
           </a:p>
@@ -14338,40 +14806,26 @@
                 <a:latin typeface="Consolas" pitchFamily="49" charset="0"/>
                 <a:cs typeface="Consolas" pitchFamily="49" charset="0"/>
               </a:rPr>
-              <a:t> </a:t>
+              <a:t> toque(</a:t>
             </a:r>
             <a:r>
               <a:rPr lang="pt-BR" sz="1600" dirty="0" err="1">
-                <a:latin typeface="Consolas" pitchFamily="49" charset="0"/>
-                <a:cs typeface="Consolas" pitchFamily="49" charset="0"/>
-              </a:rPr>
-              <a:t>ned</a:t>
+                <a:solidFill>
+                  <a:schemeClr val="accent3">
+                    <a:lumMod val="75000"/>
+                  </a:schemeClr>
+                </a:solidFill>
+                <a:latin typeface="Consolas" pitchFamily="49" charset="0"/>
+                <a:cs typeface="Consolas" pitchFamily="49" charset="0"/>
+              </a:rPr>
+              <a:t>double</a:t>
             </a:r>
             <a:r>
               <a:rPr lang="pt-BR" sz="1600" dirty="0">
                 <a:latin typeface="Consolas" pitchFamily="49" charset="0"/>
                 <a:cs typeface="Consolas" pitchFamily="49" charset="0"/>
               </a:rPr>
-              <a:t>(</a:t>
-            </a:r>
-            <a:r>
-              <a:rPr lang="pt-BR" sz="1600" dirty="0" err="1">
-                <a:solidFill>
-                  <a:schemeClr val="accent3">
-                    <a:lumMod val="75000"/>
-                  </a:schemeClr>
-                </a:solidFill>
-                <a:latin typeface="Consolas" pitchFamily="49" charset="0"/>
-                <a:cs typeface="Consolas" pitchFamily="49" charset="0"/>
-              </a:rPr>
-              <a:t>double</a:t>
-            </a:r>
-            <a:r>
-              <a:rPr lang="pt-BR" sz="1600" dirty="0">
-                <a:latin typeface="Consolas" pitchFamily="49" charset="0"/>
-                <a:cs typeface="Consolas" pitchFamily="49" charset="0"/>
-              </a:rPr>
-              <a:t>);   </a:t>
+              <a:t>); </a:t>
             </a:r>
             <a:r>
               <a:rPr lang="pt-BR" sz="1600" dirty="0">
@@ -14383,10 +14837,10 @@
                 <a:latin typeface="Consolas" pitchFamily="49" charset="0"/>
                 <a:cs typeface="Consolas" pitchFamily="49" charset="0"/>
               </a:rPr>
-              <a:t>// protótipo da função </a:t>
-            </a:r>
-            <a:r>
-              <a:rPr lang="pt-BR" sz="1600" dirty="0" err="1">
+              <a:t>// protótipo da função toque</a:t>
+            </a:r>
+            <a:br>
+              <a:rPr lang="pt-BR" sz="1600" dirty="0">
                 <a:solidFill>
                   <a:schemeClr val="tx1">
                     <a:lumMod val="50000"/>
@@ -14395,9 +14849,58 @@
                 <a:latin typeface="Consolas" pitchFamily="49" charset="0"/>
                 <a:cs typeface="Consolas" pitchFamily="49" charset="0"/>
               </a:rPr>
-              <a:t>ned</a:t>
-            </a:r>
-            <a:br>
+            </a:br>
+            <a:r>
+              <a:rPr lang="pt-BR" sz="1600" dirty="0" err="1">
+                <a:solidFill>
+                  <a:schemeClr val="accent3">
+                    <a:lumMod val="75000"/>
+                  </a:schemeClr>
+                </a:solidFill>
+                <a:latin typeface="Consolas" pitchFamily="49" charset="0"/>
+                <a:cs typeface="Consolas" pitchFamily="49" charset="0"/>
+              </a:rPr>
+              <a:t>int</a:t>
+            </a:r>
+            <a:r>
+              <a:rPr lang="pt-BR" sz="1600" dirty="0">
+                <a:solidFill>
+                  <a:schemeClr val="accent3">
+                    <a:lumMod val="75000"/>
+                  </a:schemeClr>
+                </a:solidFill>
+                <a:latin typeface="Consolas" pitchFamily="49" charset="0"/>
+                <a:cs typeface="Consolas" pitchFamily="49" charset="0"/>
+              </a:rPr>
+              <a:t> </a:t>
+            </a:r>
+            <a:r>
+              <a:rPr lang="pt-BR" sz="1600" dirty="0">
+                <a:latin typeface="Consolas" pitchFamily="49" charset="0"/>
+                <a:cs typeface="Consolas" pitchFamily="49" charset="0"/>
+              </a:rPr>
+              <a:t>passe(</a:t>
+            </a:r>
+            <a:r>
+              <a:rPr lang="pt-BR" sz="1600" dirty="0" err="1">
+                <a:solidFill>
+                  <a:schemeClr val="accent3">
+                    <a:lumMod val="75000"/>
+                  </a:schemeClr>
+                </a:solidFill>
+                <a:latin typeface="Consolas" pitchFamily="49" charset="0"/>
+                <a:cs typeface="Consolas" pitchFamily="49" charset="0"/>
+              </a:rPr>
+              <a:t>int</a:t>
+            </a:r>
+            <a:r>
+              <a:rPr lang="pt-BR" sz="1600" dirty="0">
+                <a:latin typeface="Consolas" pitchFamily="49" charset="0"/>
+                <a:cs typeface="Consolas" pitchFamily="49" charset="0"/>
+              </a:rPr>
+              <a:t>);</a:t>
+            </a:r>
+            <a:r>
               <a:rPr lang="pt-BR" sz="1600" dirty="0">
                 <a:solidFill>
                   <a:schemeClr val="tx1">
@@ -14407,7 +14910,10 @@
                 <a:latin typeface="Consolas" pitchFamily="49" charset="0"/>
                 <a:cs typeface="Consolas" pitchFamily="49" charset="0"/>
               </a:rPr>
-            </a:br>
+              <a:t>       // protótipo da função passe</a:t>
+            </a:r>
+          </a:p>
+          <a:p>
             <a:r>
               <a:rPr lang="pt-BR" sz="1600" dirty="0" err="1">
                 <a:solidFill>
@@ -14418,52 +14924,59 @@
                 <a:latin typeface="Consolas" pitchFamily="49" charset="0"/>
                 <a:cs typeface="Consolas" pitchFamily="49" charset="0"/>
               </a:rPr>
+              <a:t>double</a:t>
+            </a:r>
+            <a:r>
+              <a:rPr lang="pt-BR" sz="1600" dirty="0">
+                <a:solidFill>
+                  <a:schemeClr val="accent3">
+                    <a:lumMod val="75000"/>
+                  </a:schemeClr>
+                </a:solidFill>
+                <a:latin typeface="Consolas" pitchFamily="49" charset="0"/>
+                <a:cs typeface="Consolas" pitchFamily="49" charset="0"/>
+              </a:rPr>
+              <a:t> </a:t>
+            </a:r>
+            <a:r>
+              <a:rPr lang="pt-BR" sz="1600" dirty="0">
+                <a:latin typeface="Consolas" pitchFamily="49" charset="0"/>
+                <a:cs typeface="Consolas" pitchFamily="49" charset="0"/>
+              </a:rPr>
+              <a:t>(*</a:t>
+            </a:r>
+            <a:r>
+              <a:rPr lang="pt-BR" sz="1600" dirty="0" err="1">
+                <a:latin typeface="Consolas" pitchFamily="49" charset="0"/>
+                <a:cs typeface="Consolas" pitchFamily="49" charset="0"/>
+              </a:rPr>
+              <a:t>pf</a:t>
+            </a:r>
+            <a:r>
+              <a:rPr lang="pt-BR" sz="1600" dirty="0">
+                <a:latin typeface="Consolas" pitchFamily="49" charset="0"/>
+                <a:cs typeface="Consolas" pitchFamily="49" charset="0"/>
+              </a:rPr>
+              <a:t>) (</a:t>
+            </a:r>
+            <a:r>
+              <a:rPr lang="pt-BR" sz="1600" dirty="0" err="1">
+                <a:solidFill>
+                  <a:schemeClr val="accent3">
+                    <a:lumMod val="75000"/>
+                  </a:schemeClr>
+                </a:solidFill>
+                <a:latin typeface="Consolas" pitchFamily="49" charset="0"/>
+                <a:cs typeface="Consolas" pitchFamily="49" charset="0"/>
+              </a:rPr>
               <a:t>int</a:t>
             </a:r>
             <a:r>
               <a:rPr lang="pt-BR" sz="1600" dirty="0">
-                <a:solidFill>
-                  <a:schemeClr val="accent3">
-                    <a:lumMod val="75000"/>
-                  </a:schemeClr>
-                </a:solidFill>
-                <a:latin typeface="Consolas" pitchFamily="49" charset="0"/>
-                <a:cs typeface="Consolas" pitchFamily="49" charset="0"/>
-              </a:rPr>
-              <a:t> </a:t>
-            </a:r>
-            <a:r>
-              <a:rPr lang="pt-BR" sz="1600" dirty="0" err="1">
-                <a:latin typeface="Consolas" pitchFamily="49" charset="0"/>
-                <a:cs typeface="Consolas" pitchFamily="49" charset="0"/>
-              </a:rPr>
-              <a:t>ted</a:t>
-            </a:r>
-            <a:r>
-              <a:rPr lang="pt-BR" sz="1600" dirty="0">
-                <a:latin typeface="Consolas" pitchFamily="49" charset="0"/>
-                <a:cs typeface="Consolas" pitchFamily="49" charset="0"/>
-              </a:rPr>
-              <a:t>(</a:t>
-            </a:r>
-            <a:r>
-              <a:rPr lang="pt-BR" sz="1600" dirty="0" err="1">
-                <a:solidFill>
-                  <a:schemeClr val="accent3">
-                    <a:lumMod val="75000"/>
-                  </a:schemeClr>
-                </a:solidFill>
-                <a:latin typeface="Consolas" pitchFamily="49" charset="0"/>
-                <a:cs typeface="Consolas" pitchFamily="49" charset="0"/>
-              </a:rPr>
-              <a:t>int</a:t>
-            </a:r>
-            <a:r>
-              <a:rPr lang="pt-BR" sz="1600" dirty="0">
-                <a:latin typeface="Consolas" pitchFamily="49" charset="0"/>
-                <a:cs typeface="Consolas" pitchFamily="49" charset="0"/>
-              </a:rPr>
-              <a:t>);</a:t>
+                <a:latin typeface="Consolas" pitchFamily="49" charset="0"/>
+                <a:cs typeface="Consolas" pitchFamily="49" charset="0"/>
+              </a:rPr>
+              <a:t>);   </a:t>
             </a:r>
             <a:r>
               <a:rPr lang="pt-BR" sz="1600" dirty="0">
@@ -14475,10 +14988,43 @@
                 <a:latin typeface="Consolas" pitchFamily="49" charset="0"/>
                 <a:cs typeface="Consolas" pitchFamily="49" charset="0"/>
               </a:rPr>
-              <a:t>         // protótipo da função </a:t>
-            </a:r>
+              <a:t>// ponteiro para função</a:t>
+            </a:r>
+          </a:p>
+          <a:p>
             <a:r>
               <a:rPr lang="pt-BR" sz="1600" dirty="0" err="1">
+                <a:latin typeface="Consolas" pitchFamily="49" charset="0"/>
+                <a:cs typeface="Consolas" pitchFamily="49" charset="0"/>
+              </a:rPr>
+              <a:t>pf</a:t>
+            </a:r>
+            <a:r>
+              <a:rPr lang="pt-BR" sz="1600" dirty="0">
+                <a:latin typeface="Consolas" pitchFamily="49" charset="0"/>
+                <a:cs typeface="Consolas" pitchFamily="49" charset="0"/>
+              </a:rPr>
+              <a:t> = toque; </a:t>
+            </a:r>
+            <a:r>
+              <a:rPr lang="pt-BR" sz="1600" dirty="0">
+                <a:solidFill>
+                  <a:srgbClr val="FF0000"/>
+                </a:solidFill>
+                <a:latin typeface="Consolas" pitchFamily="49" charset="0"/>
+                <a:cs typeface="Consolas" pitchFamily="49" charset="0"/>
+              </a:rPr>
+              <a:t>x</a:t>
+            </a:r>
+            <a:r>
+              <a:rPr lang="pt-BR" sz="1600" dirty="0">
+                <a:latin typeface="Consolas" pitchFamily="49" charset="0"/>
+                <a:cs typeface="Consolas" pitchFamily="49" charset="0"/>
+              </a:rPr>
+              <a:t>         </a:t>
+            </a:r>
+            <a:r>
+              <a:rPr lang="pt-BR" sz="1600" dirty="0">
                 <a:solidFill>
                   <a:schemeClr val="tx1">
                     <a:lumMod val="50000"/>
@@ -14487,200 +15033,40 @@
                 <a:latin typeface="Consolas" pitchFamily="49" charset="0"/>
                 <a:cs typeface="Consolas" pitchFamily="49" charset="0"/>
               </a:rPr>
-              <a:t>ted</a:t>
-            </a:r>
-            <a:endParaRPr lang="pt-BR" sz="1600" dirty="0">
-              <a:solidFill>
-                <a:schemeClr val="tx1">
-                  <a:lumMod val="50000"/>
-                </a:schemeClr>
-              </a:solidFill>
-              <a:latin typeface="Consolas" pitchFamily="49" charset="0"/>
-              <a:cs typeface="Consolas" pitchFamily="49" charset="0"/>
-            </a:endParaRPr>
+              <a:t>// inválido – assinatura</a:t>
+            </a:r>
           </a:p>
           <a:p>
             <a:r>
               <a:rPr lang="pt-BR" sz="1600" dirty="0" err="1">
-                <a:solidFill>
-                  <a:schemeClr val="accent3">
-                    <a:lumMod val="75000"/>
-                  </a:schemeClr>
-                </a:solidFill>
-                <a:latin typeface="Consolas" pitchFamily="49" charset="0"/>
-                <a:cs typeface="Consolas" pitchFamily="49" charset="0"/>
-              </a:rPr>
-              <a:t>double</a:t>
+                <a:latin typeface="Consolas" pitchFamily="49" charset="0"/>
+                <a:cs typeface="Consolas" pitchFamily="49" charset="0"/>
+              </a:rPr>
+              <a:t>pf</a:t>
             </a:r>
             <a:r>
               <a:rPr lang="pt-BR" sz="1600" dirty="0">
-                <a:solidFill>
-                  <a:schemeClr val="accent3">
-                    <a:lumMod val="75000"/>
-                  </a:schemeClr>
-                </a:solidFill>
-                <a:latin typeface="Consolas" pitchFamily="49" charset="0"/>
-                <a:cs typeface="Consolas" pitchFamily="49" charset="0"/>
-              </a:rPr>
-              <a:t> </a:t>
+                <a:latin typeface="Consolas" pitchFamily="49" charset="0"/>
+                <a:cs typeface="Consolas" pitchFamily="49" charset="0"/>
+              </a:rPr>
+              <a:t> = passe; </a:t>
             </a:r>
             <a:r>
               <a:rPr lang="pt-BR" sz="1600" dirty="0">
-                <a:latin typeface="Consolas" pitchFamily="49" charset="0"/>
-                <a:cs typeface="Consolas" pitchFamily="49" charset="0"/>
-              </a:rPr>
-              <a:t>(*</a:t>
-            </a:r>
-            <a:r>
-              <a:rPr lang="pt-BR" sz="1600" dirty="0" err="1">
-                <a:latin typeface="Consolas" pitchFamily="49" charset="0"/>
-                <a:cs typeface="Consolas" pitchFamily="49" charset="0"/>
-              </a:rPr>
-              <a:t>pf</a:t>
+                <a:solidFill>
+                  <a:srgbClr val="FF0000"/>
+                </a:solidFill>
+                <a:latin typeface="Consolas" pitchFamily="49" charset="0"/>
+                <a:cs typeface="Consolas" pitchFamily="49" charset="0"/>
+              </a:rPr>
+              <a:t>x</a:t>
             </a:r>
             <a:r>
               <a:rPr lang="pt-BR" sz="1600" dirty="0">
                 <a:latin typeface="Consolas" pitchFamily="49" charset="0"/>
                 <a:cs typeface="Consolas" pitchFamily="49" charset="0"/>
               </a:rPr>
-              <a:t>) (</a:t>
-            </a:r>
-            <a:r>
-              <a:rPr lang="pt-BR" sz="1600" dirty="0" err="1">
-                <a:solidFill>
-                  <a:schemeClr val="accent3">
-                    <a:lumMod val="75000"/>
-                  </a:schemeClr>
-                </a:solidFill>
-                <a:latin typeface="Consolas" pitchFamily="49" charset="0"/>
-                <a:cs typeface="Consolas" pitchFamily="49" charset="0"/>
-              </a:rPr>
-              <a:t>int</a:t>
-            </a:r>
-            <a:r>
-              <a:rPr lang="pt-BR" sz="1600" dirty="0">
-                <a:latin typeface="Consolas" pitchFamily="49" charset="0"/>
-                <a:cs typeface="Consolas" pitchFamily="49" charset="0"/>
-              </a:rPr>
-              <a:t>);   </a:t>
-            </a:r>
-            <a:r>
-              <a:rPr lang="pt-BR" sz="1600" dirty="0">
-                <a:solidFill>
-                  <a:schemeClr val="tx1">
-                    <a:lumMod val="50000"/>
-                  </a:schemeClr>
-                </a:solidFill>
-                <a:latin typeface="Consolas" pitchFamily="49" charset="0"/>
-                <a:cs typeface="Consolas" pitchFamily="49" charset="0"/>
-              </a:rPr>
-              <a:t>// ponteiro para função</a:t>
-            </a:r>
-          </a:p>
-          <a:p>
-            <a:r>
-              <a:rPr lang="pt-BR" sz="1600" dirty="0" err="1">
-                <a:latin typeface="Consolas" pitchFamily="49" charset="0"/>
-                <a:cs typeface="Consolas" pitchFamily="49" charset="0"/>
-              </a:rPr>
-              <a:t>pf</a:t>
-            </a:r>
-            <a:r>
-              <a:rPr lang="pt-BR" sz="1600" dirty="0">
-                <a:latin typeface="Consolas" pitchFamily="49" charset="0"/>
-                <a:cs typeface="Consolas" pitchFamily="49" charset="0"/>
-              </a:rPr>
-              <a:t> = </a:t>
-            </a:r>
-            <a:r>
-              <a:rPr lang="pt-BR" sz="1600" dirty="0" err="1">
-                <a:latin typeface="Consolas" pitchFamily="49" charset="0"/>
-                <a:cs typeface="Consolas" pitchFamily="49" charset="0"/>
-              </a:rPr>
-              <a:t>ned</a:t>
-            </a:r>
-            <a:r>
-              <a:rPr lang="pt-BR" sz="1600" dirty="0">
-                <a:latin typeface="Consolas" pitchFamily="49" charset="0"/>
-                <a:cs typeface="Consolas" pitchFamily="49" charset="0"/>
-              </a:rPr>
-              <a:t>; </a:t>
-            </a:r>
-            <a:r>
-              <a:rPr lang="pt-BR" sz="1600" dirty="0">
-                <a:solidFill>
-                  <a:srgbClr val="FF0000"/>
-                </a:solidFill>
-                <a:latin typeface="Consolas" pitchFamily="49" charset="0"/>
-                <a:cs typeface="Consolas" pitchFamily="49" charset="0"/>
-              </a:rPr>
-              <a:t>x</a:t>
-            </a:r>
-            <a:r>
-              <a:rPr lang="pt-BR" sz="1600" dirty="0">
-                <a:latin typeface="Consolas" pitchFamily="49" charset="0"/>
-                <a:cs typeface="Consolas" pitchFamily="49" charset="0"/>
-              </a:rPr>
-              <a:t>           </a:t>
-            </a:r>
-            <a:r>
-              <a:rPr lang="pt-BR" sz="1600" dirty="0">
-                <a:solidFill>
-                  <a:schemeClr val="tx1">
-                    <a:lumMod val="50000"/>
-                  </a:schemeClr>
-                </a:solidFill>
-                <a:latin typeface="Consolas" pitchFamily="49" charset="0"/>
-                <a:cs typeface="Consolas" pitchFamily="49" charset="0"/>
-              </a:rPr>
-              <a:t>// inválido – assinatura</a:t>
-            </a:r>
-          </a:p>
-          <a:p>
-            <a:r>
-              <a:rPr lang="pt-BR" sz="1600" dirty="0" err="1">
-                <a:latin typeface="Consolas" pitchFamily="49" charset="0"/>
-                <a:cs typeface="Consolas" pitchFamily="49" charset="0"/>
-              </a:rPr>
-              <a:t>pf</a:t>
-            </a:r>
-            <a:r>
-              <a:rPr lang="pt-BR" sz="1600" dirty="0">
-                <a:latin typeface="Consolas" pitchFamily="49" charset="0"/>
-                <a:cs typeface="Consolas" pitchFamily="49" charset="0"/>
-              </a:rPr>
-              <a:t> = </a:t>
-            </a:r>
-            <a:r>
-              <a:rPr lang="pt-BR" sz="1600" dirty="0" err="1">
-                <a:latin typeface="Consolas" pitchFamily="49" charset="0"/>
-                <a:cs typeface="Consolas" pitchFamily="49" charset="0"/>
-              </a:rPr>
-              <a:t>ted</a:t>
-            </a:r>
-            <a:r>
-              <a:rPr lang="pt-BR" sz="1600" dirty="0">
-                <a:latin typeface="Consolas" pitchFamily="49" charset="0"/>
-                <a:cs typeface="Consolas" pitchFamily="49" charset="0"/>
-              </a:rPr>
-              <a:t>; </a:t>
-            </a:r>
-            <a:r>
-              <a:rPr lang="pt-BR" sz="1600" dirty="0">
-                <a:solidFill>
-                  <a:srgbClr val="FF0000"/>
-                </a:solidFill>
-                <a:latin typeface="Consolas" pitchFamily="49" charset="0"/>
-                <a:cs typeface="Consolas" pitchFamily="49" charset="0"/>
-              </a:rPr>
-              <a:t>x</a:t>
-            </a:r>
-            <a:r>
-              <a:rPr lang="pt-BR" sz="1600" dirty="0">
-                <a:latin typeface="Consolas" pitchFamily="49" charset="0"/>
-                <a:cs typeface="Consolas" pitchFamily="49" charset="0"/>
-              </a:rPr>
-              <a:t>           </a:t>
+              <a:t>         </a:t>
             </a:r>
             <a:r>
               <a:rPr lang="pt-BR" sz="1600" dirty="0">
@@ -16797,8 +17183,8 @@
               <a:avLst/>
             </a:prstGeom>
             <a:solidFill>
-              <a:schemeClr val="bg2">
-                <a:lumMod val="50000"/>
+              <a:schemeClr val="accent3">
+                <a:lumMod val="75000"/>
               </a:schemeClr>
             </a:solidFill>
             <a:ln>
@@ -16856,8 +17242,8 @@
               <a:avLst/>
             </a:prstGeom>
             <a:solidFill>
-              <a:schemeClr val="bg2">
-                <a:lumMod val="50000"/>
+              <a:schemeClr val="accent3">
+                <a:lumMod val="75000"/>
               </a:schemeClr>
             </a:solidFill>
             <a:ln>
@@ -17972,7 +18358,7 @@
             <p:nvPr/>
           </p:nvPicPr>
           <p:blipFill>
-            <a:blip r:embed="rId2">
+            <a:blip r:embed="rId3">
               <a:extLst>
                 <a:ext uri="{28A0092B-C50C-407E-A947-70E740481C1C}">
                   <a14:useLocalDpi xmlns:a14="http://schemas.microsoft.com/office/drawing/2010/main" val="0"/>
@@ -19232,7 +19618,10 @@
             <a:r>
               <a:rPr lang="pt-BR" sz="1600" b="1" dirty="0">
                 <a:solidFill>
-                  <a:schemeClr val="accent3"/>
+                  <a:schemeClr val="accent3">
+                    <a:lumMod val="60000"/>
+                    <a:lumOff val="40000"/>
+                  </a:schemeClr>
                 </a:solidFill>
                 <a:latin typeface="Consolas" pitchFamily="49" charset="0"/>
                 <a:cs typeface="Consolas" pitchFamily="49" charset="0"/>
@@ -24921,44 +25310,6 @@
           </a:p>
         </p:txBody>
       </p:sp>
-      <p:cxnSp>
-        <p:nvCxnSpPr>
-          <p:cNvPr id="30" name="Conector de Seta Reta 29"/>
-          <p:cNvCxnSpPr>
-            <a:cxnSpLocks/>
-          </p:cNvCxnSpPr>
-          <p:nvPr/>
-        </p:nvCxnSpPr>
-        <p:spPr>
-          <a:xfrm flipV="1">
-            <a:off x="9840416" y="3848056"/>
-            <a:ext cx="0" cy="227932"/>
-          </a:xfrm>
-          <a:prstGeom prst="straightConnector1">
-            <a:avLst/>
-          </a:prstGeom>
-          <a:ln w="19050">
-            <a:solidFill>
-              <a:schemeClr val="accent3"/>
-            </a:solidFill>
-            <a:tailEnd type="triangle"/>
-          </a:ln>
-        </p:spPr>
-        <p:style>
-          <a:lnRef idx="1">
-            <a:schemeClr val="accent1"/>
-          </a:lnRef>
-          <a:fillRef idx="0">
-            <a:schemeClr val="accent1"/>
-          </a:fillRef>
-          <a:effectRef idx="0">
-            <a:schemeClr val="accent1"/>
-          </a:effectRef>
-          <a:fontRef idx="minor">
-            <a:schemeClr val="tx1"/>
-          </a:fontRef>
-        </p:style>
-      </p:cxnSp>
       <p:sp>
         <p:nvSpPr>
           <p:cNvPr id="32" name="Retângulo 31"/>
@@ -25313,13 +25664,78 @@
       </p:cxnSp>
       <p:sp>
         <p:nvSpPr>
+          <p:cNvPr id="43" name="Elipse 42">
+            <a:extLst>
+              <a:ext uri="{FF2B5EF4-FFF2-40B4-BE49-F238E27FC236}">
+                <a16:creationId xmlns:a16="http://schemas.microsoft.com/office/drawing/2014/main" id="{E7AC3EF5-7BF4-4453-A446-85BA1C5ED550}"/>
+              </a:ext>
+            </a:extLst>
+          </p:cNvPr>
+          <p:cNvSpPr/>
+          <p:nvPr/>
+        </p:nvSpPr>
+        <p:spPr>
+          <a:xfrm>
+            <a:off x="8520323" y="4841211"/>
+            <a:ext cx="301825" cy="292072"/>
+          </a:xfrm>
+          <a:prstGeom prst="ellipse">
+            <a:avLst/>
+          </a:prstGeom>
+          <a:solidFill>
+            <a:schemeClr val="bg1">
+              <a:lumMod val="85000"/>
+              <a:lumOff val="15000"/>
+            </a:schemeClr>
+          </a:solidFill>
+          <a:ln w="9525">
+            <a:solidFill>
+              <a:schemeClr val="bg1">
+                <a:lumMod val="75000"/>
+                <a:lumOff val="25000"/>
+              </a:schemeClr>
+            </a:solidFill>
+          </a:ln>
+        </p:spPr>
+        <p:style>
+          <a:lnRef idx="2">
+            <a:schemeClr val="accent1">
+              <a:shade val="50000"/>
+            </a:schemeClr>
+          </a:lnRef>
+          <a:fillRef idx="1">
+            <a:schemeClr val="accent1"/>
+          </a:fillRef>
+          <a:effectRef idx="0">
+            <a:schemeClr val="accent1"/>
+          </a:effectRef>
+          <a:fontRef idx="minor">
+            <a:schemeClr val="lt1"/>
+          </a:fontRef>
+        </p:style>
+        <p:txBody>
+          <a:bodyPr rtlCol="0" anchor="ctr"/>
+          <a:lstStyle/>
+          <a:p>
+            <a:pPr algn="ctr"/>
+            <a:r>
+              <a:rPr lang="pt-BR" sz="1400" dirty="0">
+                <a:latin typeface="+mj-lt"/>
+              </a:rPr>
+              <a:t>0</a:t>
+            </a:r>
+          </a:p>
+        </p:txBody>
+      </p:sp>
+      <p:sp>
+        <p:nvSpPr>
           <p:cNvPr id="57" name="Elipse 56"/>
           <p:cNvSpPr/>
           <p:nvPr/>
         </p:nvSpPr>
         <p:spPr>
           <a:xfrm>
-            <a:off x="8528633" y="4841211"/>
+            <a:off x="8524495" y="4841211"/>
             <a:ext cx="301825" cy="292072"/>
           </a:xfrm>
           <a:prstGeom prst="ellipse">
@@ -26686,7 +27102,7 @@
                 <a:latin typeface="Consolas" pitchFamily="49" charset="0"/>
                 <a:cs typeface="Consolas" pitchFamily="49" charset="0"/>
               </a:rPr>
-              <a:t>'=‘</a:t>
+              <a:t>'='</a:t>
             </a:r>
             <a:r>
               <a:rPr lang="pt-BR" dirty="0">
@@ -27374,7 +27790,7 @@
                 <a:latin typeface="Consolas" pitchFamily="49" charset="0"/>
                 <a:cs typeface="Consolas" pitchFamily="49" charset="0"/>
               </a:rPr>
-              <a:t>'=‘</a:t>
+              <a:t>'='</a:t>
             </a:r>
             <a:r>
               <a:rPr lang="pt-BR" sz="1600" dirty="0">
